--- a/Presentation/Черга за O(1) на шести стеках.pptx
+++ b/Presentation/Черга за O(1) на шести стеках.pptx
@@ -14,13 +14,14 @@
     <p:sldId id="262" r:id="rId8"/>
     <p:sldId id="263" r:id="rId9"/>
     <p:sldId id="265" r:id="rId10"/>
-    <p:sldId id="264" r:id="rId11"/>
-    <p:sldId id="266" r:id="rId12"/>
-    <p:sldId id="267" r:id="rId13"/>
-    <p:sldId id="268" r:id="rId14"/>
-    <p:sldId id="269" r:id="rId15"/>
-    <p:sldId id="270" r:id="rId16"/>
-    <p:sldId id="271" r:id="rId17"/>
+    <p:sldId id="272" r:id="rId11"/>
+    <p:sldId id="264" r:id="rId12"/>
+    <p:sldId id="266" r:id="rId13"/>
+    <p:sldId id="267" r:id="rId14"/>
+    <p:sldId id="268" r:id="rId15"/>
+    <p:sldId id="269" r:id="rId16"/>
+    <p:sldId id="270" r:id="rId17"/>
+    <p:sldId id="271" r:id="rId18"/>
   </p:sldIdLst>
   <p:sldSz cx="12192000" cy="6858000"/>
   <p:notesSz cx="6858000" cy="9144000"/>
@@ -11894,11 +11895,930 @@
 </dgm:colorsDef>
 </file>
 
+<file path=ppt/diagrams/colors6.xml><?xml version="1.0" encoding="utf-8"?>
+<dgm:colorsDef xmlns:dgm="http://schemas.openxmlformats.org/drawingml/2006/diagram" xmlns:a="http://schemas.openxmlformats.org/drawingml/2006/main" uniqueId="urn:microsoft.com/office/officeart/2005/8/colors/colorful1">
+  <dgm:title val=""/>
+  <dgm:desc val=""/>
+  <dgm:catLst>
+    <dgm:cat type="colorful" pri="10100"/>
+  </dgm:catLst>
+  <dgm:styleLbl name="node0">
+    <dgm:fillClrLst meth="repeat">
+      <a:schemeClr val="accent1"/>
+    </dgm:fillClrLst>
+    <dgm:linClrLst meth="repeat">
+      <a:schemeClr val="lt1"/>
+    </dgm:linClrLst>
+    <dgm:effectClrLst/>
+    <dgm:txLinClrLst/>
+    <dgm:txFillClrLst/>
+    <dgm:txEffectClrLst/>
+  </dgm:styleLbl>
+  <dgm:styleLbl name="node1">
+    <dgm:fillClrLst meth="repeat">
+      <a:schemeClr val="accent2"/>
+      <a:schemeClr val="accent3"/>
+      <a:schemeClr val="accent4"/>
+      <a:schemeClr val="accent5"/>
+      <a:schemeClr val="accent6"/>
+    </dgm:fillClrLst>
+    <dgm:linClrLst meth="repeat">
+      <a:schemeClr val="lt1"/>
+    </dgm:linClrLst>
+    <dgm:effectClrLst/>
+    <dgm:txLinClrLst/>
+    <dgm:txFillClrLst/>
+    <dgm:txEffectClrLst/>
+  </dgm:styleLbl>
+  <dgm:styleLbl name="alignNode1">
+    <dgm:fillClrLst meth="repeat">
+      <a:schemeClr val="accent2"/>
+      <a:schemeClr val="accent3"/>
+      <a:schemeClr val="accent4"/>
+      <a:schemeClr val="accent5"/>
+      <a:schemeClr val="accent6"/>
+    </dgm:fillClrLst>
+    <dgm:linClrLst meth="repeat">
+      <a:schemeClr val="accent2"/>
+      <a:schemeClr val="accent3"/>
+      <a:schemeClr val="accent4"/>
+      <a:schemeClr val="accent5"/>
+      <a:schemeClr val="accent6"/>
+    </dgm:linClrLst>
+    <dgm:effectClrLst/>
+    <dgm:txLinClrLst/>
+    <dgm:txFillClrLst/>
+    <dgm:txEffectClrLst/>
+  </dgm:styleLbl>
+  <dgm:styleLbl name="lnNode1">
+    <dgm:fillClrLst meth="repeat">
+      <a:schemeClr val="accent2"/>
+      <a:schemeClr val="accent3"/>
+      <a:schemeClr val="accent4"/>
+      <a:schemeClr val="accent5"/>
+      <a:schemeClr val="accent6"/>
+    </dgm:fillClrLst>
+    <dgm:linClrLst meth="repeat">
+      <a:schemeClr val="lt1"/>
+    </dgm:linClrLst>
+    <dgm:effectClrLst/>
+    <dgm:txLinClrLst/>
+    <dgm:txFillClrLst/>
+    <dgm:txEffectClrLst/>
+  </dgm:styleLbl>
+  <dgm:styleLbl name="vennNode1">
+    <dgm:fillClrLst meth="repeat">
+      <a:schemeClr val="accent2">
+        <a:alpha val="50000"/>
+      </a:schemeClr>
+      <a:schemeClr val="accent3">
+        <a:alpha val="50000"/>
+      </a:schemeClr>
+      <a:schemeClr val="accent4">
+        <a:alpha val="50000"/>
+      </a:schemeClr>
+      <a:schemeClr val="accent5">
+        <a:alpha val="50000"/>
+      </a:schemeClr>
+      <a:schemeClr val="accent6">
+        <a:alpha val="50000"/>
+      </a:schemeClr>
+    </dgm:fillClrLst>
+    <dgm:linClrLst meth="repeat">
+      <a:schemeClr val="lt1"/>
+    </dgm:linClrLst>
+    <dgm:effectClrLst/>
+    <dgm:txLinClrLst/>
+    <dgm:txFillClrLst/>
+    <dgm:txEffectClrLst/>
+  </dgm:styleLbl>
+  <dgm:styleLbl name="node2">
+    <dgm:fillClrLst>
+      <a:schemeClr val="accent2"/>
+    </dgm:fillClrLst>
+    <dgm:linClrLst meth="repeat">
+      <a:schemeClr val="lt1"/>
+    </dgm:linClrLst>
+    <dgm:effectClrLst/>
+    <dgm:txLinClrLst/>
+    <dgm:txFillClrLst/>
+    <dgm:txEffectClrLst/>
+  </dgm:styleLbl>
+  <dgm:styleLbl name="node3">
+    <dgm:fillClrLst>
+      <a:schemeClr val="accent3"/>
+    </dgm:fillClrLst>
+    <dgm:linClrLst meth="repeat">
+      <a:schemeClr val="lt1"/>
+    </dgm:linClrLst>
+    <dgm:effectClrLst/>
+    <dgm:txLinClrLst/>
+    <dgm:txFillClrLst/>
+    <dgm:txEffectClrLst/>
+  </dgm:styleLbl>
+  <dgm:styleLbl name="node4">
+    <dgm:fillClrLst>
+      <a:schemeClr val="accent4"/>
+    </dgm:fillClrLst>
+    <dgm:linClrLst meth="repeat">
+      <a:schemeClr val="lt1"/>
+    </dgm:linClrLst>
+    <dgm:effectClrLst/>
+    <dgm:txLinClrLst/>
+    <dgm:txFillClrLst/>
+    <dgm:txEffectClrLst/>
+  </dgm:styleLbl>
+  <dgm:styleLbl name="fgImgPlace1">
+    <dgm:fillClrLst meth="repeat">
+      <a:schemeClr val="accent2">
+        <a:tint val="50000"/>
+      </a:schemeClr>
+      <a:schemeClr val="accent3">
+        <a:tint val="50000"/>
+      </a:schemeClr>
+      <a:schemeClr val="accent4">
+        <a:tint val="50000"/>
+      </a:schemeClr>
+      <a:schemeClr val="accent5">
+        <a:tint val="50000"/>
+      </a:schemeClr>
+      <a:schemeClr val="accent6">
+        <a:tint val="50000"/>
+      </a:schemeClr>
+    </dgm:fillClrLst>
+    <dgm:linClrLst meth="repeat">
+      <a:schemeClr val="lt1"/>
+    </dgm:linClrLst>
+    <dgm:effectClrLst/>
+    <dgm:txLinClrLst/>
+    <dgm:txFillClrLst meth="repeat">
+      <a:schemeClr val="lt1"/>
+    </dgm:txFillClrLst>
+    <dgm:txEffectClrLst/>
+  </dgm:styleLbl>
+  <dgm:styleLbl name="alignImgPlace1">
+    <dgm:fillClrLst>
+      <a:schemeClr val="accent1">
+        <a:tint val="50000"/>
+      </a:schemeClr>
+      <a:schemeClr val="accent2">
+        <a:tint val="20000"/>
+      </a:schemeClr>
+    </dgm:fillClrLst>
+    <dgm:linClrLst meth="repeat">
+      <a:schemeClr val="lt1"/>
+    </dgm:linClrLst>
+    <dgm:effectClrLst/>
+    <dgm:txLinClrLst/>
+    <dgm:txFillClrLst meth="repeat">
+      <a:schemeClr val="lt1"/>
+    </dgm:txFillClrLst>
+    <dgm:txEffectClrLst/>
+  </dgm:styleLbl>
+  <dgm:styleLbl name="bgImgPlace1">
+    <dgm:fillClrLst>
+      <a:schemeClr val="accent1">
+        <a:tint val="50000"/>
+      </a:schemeClr>
+      <a:schemeClr val="accent2">
+        <a:tint val="20000"/>
+      </a:schemeClr>
+    </dgm:fillClrLst>
+    <dgm:linClrLst meth="repeat">
+      <a:schemeClr val="lt1"/>
+    </dgm:linClrLst>
+    <dgm:effectClrLst/>
+    <dgm:txLinClrLst/>
+    <dgm:txFillClrLst meth="repeat">
+      <a:schemeClr val="lt1"/>
+    </dgm:txFillClrLst>
+    <dgm:txEffectClrLst/>
+  </dgm:styleLbl>
+  <dgm:styleLbl name="sibTrans2D1">
+    <dgm:fillClrLst meth="repeat">
+      <a:schemeClr val="accent2"/>
+      <a:schemeClr val="accent3"/>
+      <a:schemeClr val="accent4"/>
+      <a:schemeClr val="accent5"/>
+      <a:schemeClr val="accent6"/>
+    </dgm:fillClrLst>
+    <dgm:linClrLst meth="cycle">
+      <a:schemeClr val="lt1"/>
+    </dgm:linClrLst>
+    <dgm:effectClrLst/>
+    <dgm:txLinClrLst/>
+    <dgm:txFillClrLst/>
+    <dgm:txEffectClrLst/>
+  </dgm:styleLbl>
+  <dgm:styleLbl name="fgSibTrans2D1">
+    <dgm:fillClrLst meth="repeat">
+      <a:schemeClr val="accent2"/>
+      <a:schemeClr val="accent3"/>
+      <a:schemeClr val="accent4"/>
+      <a:schemeClr val="accent5"/>
+      <a:schemeClr val="accent6"/>
+    </dgm:fillClrLst>
+    <dgm:linClrLst meth="cycle">
+      <a:schemeClr val="lt1"/>
+    </dgm:linClrLst>
+    <dgm:effectClrLst/>
+    <dgm:txLinClrLst/>
+    <dgm:txFillClrLst meth="repeat">
+      <a:schemeClr val="lt1"/>
+    </dgm:txFillClrLst>
+    <dgm:txEffectClrLst/>
+  </dgm:styleLbl>
+  <dgm:styleLbl name="bgSibTrans2D1">
+    <dgm:fillClrLst meth="repeat">
+      <a:schemeClr val="accent2"/>
+      <a:schemeClr val="accent3"/>
+      <a:schemeClr val="accent4"/>
+      <a:schemeClr val="accent5"/>
+      <a:schemeClr val="accent6"/>
+    </dgm:fillClrLst>
+    <dgm:linClrLst meth="cycle">
+      <a:schemeClr val="lt1"/>
+    </dgm:linClrLst>
+    <dgm:effectClrLst/>
+    <dgm:txLinClrLst/>
+    <dgm:txFillClrLst meth="repeat">
+      <a:schemeClr val="lt1"/>
+    </dgm:txFillClrLst>
+    <dgm:txEffectClrLst/>
+  </dgm:styleLbl>
+  <dgm:styleLbl name="sibTrans1D1">
+    <dgm:fillClrLst meth="repeat">
+      <a:schemeClr val="accent2"/>
+      <a:schemeClr val="accent3"/>
+      <a:schemeClr val="accent4"/>
+      <a:schemeClr val="accent5"/>
+      <a:schemeClr val="accent6"/>
+    </dgm:fillClrLst>
+    <dgm:linClrLst meth="repeat">
+      <a:schemeClr val="accent2"/>
+      <a:schemeClr val="accent3"/>
+      <a:schemeClr val="accent4"/>
+      <a:schemeClr val="accent5"/>
+      <a:schemeClr val="accent6"/>
+    </dgm:linClrLst>
+    <dgm:effectClrLst/>
+    <dgm:txLinClrLst/>
+    <dgm:txFillClrLst meth="repeat">
+      <a:schemeClr val="tx1"/>
+    </dgm:txFillClrLst>
+    <dgm:txEffectClrLst/>
+  </dgm:styleLbl>
+  <dgm:styleLbl name="callout">
+    <dgm:fillClrLst meth="repeat">
+      <a:schemeClr val="accent2"/>
+    </dgm:fillClrLst>
+    <dgm:linClrLst meth="repeat">
+      <a:schemeClr val="accent2">
+        <a:tint val="50000"/>
+      </a:schemeClr>
+    </dgm:linClrLst>
+    <dgm:effectClrLst/>
+    <dgm:txLinClrLst/>
+    <dgm:txFillClrLst meth="repeat">
+      <a:schemeClr val="tx1"/>
+    </dgm:txFillClrLst>
+    <dgm:txEffectClrLst/>
+  </dgm:styleLbl>
+  <dgm:styleLbl name="asst0">
+    <dgm:fillClrLst meth="repeat">
+      <a:schemeClr val="accent1"/>
+    </dgm:fillClrLst>
+    <dgm:linClrLst meth="repeat">
+      <a:schemeClr val="lt1"/>
+    </dgm:linClrLst>
+    <dgm:effectClrLst/>
+    <dgm:txLinClrLst/>
+    <dgm:txFillClrLst/>
+    <dgm:txEffectClrLst/>
+  </dgm:styleLbl>
+  <dgm:styleLbl name="asst1">
+    <dgm:fillClrLst meth="repeat">
+      <a:schemeClr val="accent2"/>
+    </dgm:fillClrLst>
+    <dgm:linClrLst meth="repeat">
+      <a:schemeClr val="lt1"/>
+    </dgm:linClrLst>
+    <dgm:effectClrLst/>
+    <dgm:txLinClrLst/>
+    <dgm:txFillClrLst/>
+    <dgm:txEffectClrLst/>
+  </dgm:styleLbl>
+  <dgm:styleLbl name="asst2">
+    <dgm:fillClrLst>
+      <a:schemeClr val="accent3"/>
+    </dgm:fillClrLst>
+    <dgm:linClrLst meth="repeat">
+      <a:schemeClr val="lt1"/>
+    </dgm:linClrLst>
+    <dgm:effectClrLst/>
+    <dgm:txLinClrLst/>
+    <dgm:txFillClrLst/>
+    <dgm:txEffectClrLst/>
+  </dgm:styleLbl>
+  <dgm:styleLbl name="asst3">
+    <dgm:fillClrLst>
+      <a:schemeClr val="accent4"/>
+    </dgm:fillClrLst>
+    <dgm:linClrLst meth="repeat">
+      <a:schemeClr val="lt1"/>
+    </dgm:linClrLst>
+    <dgm:effectClrLst/>
+    <dgm:txLinClrLst/>
+    <dgm:txFillClrLst/>
+    <dgm:txEffectClrLst/>
+  </dgm:styleLbl>
+  <dgm:styleLbl name="asst4">
+    <dgm:fillClrLst>
+      <a:schemeClr val="accent5"/>
+    </dgm:fillClrLst>
+    <dgm:linClrLst meth="repeat">
+      <a:schemeClr val="lt1"/>
+    </dgm:linClrLst>
+    <dgm:effectClrLst/>
+    <dgm:txLinClrLst/>
+    <dgm:txFillClrLst/>
+    <dgm:txEffectClrLst/>
+  </dgm:styleLbl>
+  <dgm:styleLbl name="parChTrans2D1">
+    <dgm:fillClrLst meth="repeat">
+      <a:schemeClr val="accent2"/>
+    </dgm:fillClrLst>
+    <dgm:linClrLst meth="repeat">
+      <a:schemeClr val="lt1"/>
+    </dgm:linClrLst>
+    <dgm:effectClrLst/>
+    <dgm:txLinClrLst/>
+    <dgm:txFillClrLst meth="repeat">
+      <a:schemeClr val="lt1"/>
+    </dgm:txFillClrLst>
+    <dgm:txEffectClrLst/>
+  </dgm:styleLbl>
+  <dgm:styleLbl name="parChTrans2D2">
+    <dgm:fillClrLst meth="repeat">
+      <a:schemeClr val="accent3"/>
+    </dgm:fillClrLst>
+    <dgm:linClrLst meth="repeat">
+      <a:schemeClr val="lt1"/>
+    </dgm:linClrLst>
+    <dgm:effectClrLst/>
+    <dgm:txLinClrLst/>
+    <dgm:txFillClrLst/>
+    <dgm:txEffectClrLst/>
+  </dgm:styleLbl>
+  <dgm:styleLbl name="parChTrans2D3">
+    <dgm:fillClrLst meth="repeat">
+      <a:schemeClr val="accent4"/>
+    </dgm:fillClrLst>
+    <dgm:linClrLst meth="repeat">
+      <a:schemeClr val="lt1"/>
+    </dgm:linClrLst>
+    <dgm:effectClrLst/>
+    <dgm:txLinClrLst/>
+    <dgm:txFillClrLst/>
+    <dgm:txEffectClrLst/>
+  </dgm:styleLbl>
+  <dgm:styleLbl name="parChTrans2D4">
+    <dgm:fillClrLst meth="repeat">
+      <a:schemeClr val="accent5"/>
+    </dgm:fillClrLst>
+    <dgm:linClrLst meth="repeat">
+      <a:schemeClr val="lt1"/>
+    </dgm:linClrLst>
+    <dgm:effectClrLst/>
+    <dgm:txLinClrLst/>
+    <dgm:txFillClrLst meth="repeat">
+      <a:schemeClr val="lt1"/>
+    </dgm:txFillClrLst>
+    <dgm:txEffectClrLst/>
+  </dgm:styleLbl>
+  <dgm:styleLbl name="parChTrans1D1">
+    <dgm:fillClrLst meth="repeat">
+      <a:schemeClr val="accent2"/>
+    </dgm:fillClrLst>
+    <dgm:linClrLst meth="repeat">
+      <a:schemeClr val="accent1"/>
+    </dgm:linClrLst>
+    <dgm:effectClrLst/>
+    <dgm:txLinClrLst/>
+    <dgm:txFillClrLst meth="repeat">
+      <a:schemeClr val="tx1"/>
+    </dgm:txFillClrLst>
+    <dgm:txEffectClrLst/>
+  </dgm:styleLbl>
+  <dgm:styleLbl name="parChTrans1D2">
+    <dgm:fillClrLst meth="repeat">
+      <a:schemeClr val="accent3">
+        <a:tint val="90000"/>
+      </a:schemeClr>
+    </dgm:fillClrLst>
+    <dgm:linClrLst meth="repeat">
+      <a:schemeClr val="accent2"/>
+    </dgm:linClrLst>
+    <dgm:effectClrLst/>
+    <dgm:txLinClrLst/>
+    <dgm:txFillClrLst meth="repeat">
+      <a:schemeClr val="tx1"/>
+    </dgm:txFillClrLst>
+    <dgm:txEffectClrLst/>
+  </dgm:styleLbl>
+  <dgm:styleLbl name="parChTrans1D3">
+    <dgm:fillClrLst meth="repeat">
+      <a:schemeClr val="accent4">
+        <a:tint val="70000"/>
+      </a:schemeClr>
+    </dgm:fillClrLst>
+    <dgm:linClrLst meth="repeat">
+      <a:schemeClr val="accent3"/>
+    </dgm:linClrLst>
+    <dgm:effectClrLst/>
+    <dgm:txLinClrLst/>
+    <dgm:txFillClrLst meth="repeat">
+      <a:schemeClr val="tx1"/>
+    </dgm:txFillClrLst>
+    <dgm:txEffectClrLst/>
+  </dgm:styleLbl>
+  <dgm:styleLbl name="parChTrans1D4">
+    <dgm:fillClrLst meth="repeat">
+      <a:schemeClr val="accent5">
+        <a:tint val="50000"/>
+      </a:schemeClr>
+    </dgm:fillClrLst>
+    <dgm:linClrLst meth="repeat">
+      <a:schemeClr val="accent4"/>
+    </dgm:linClrLst>
+    <dgm:effectClrLst/>
+    <dgm:txLinClrLst/>
+    <dgm:txFillClrLst meth="repeat">
+      <a:schemeClr val="tx1"/>
+    </dgm:txFillClrLst>
+    <dgm:txEffectClrLst/>
+  </dgm:styleLbl>
+  <dgm:styleLbl name="fgAcc1">
+    <dgm:fillClrLst meth="repeat">
+      <a:schemeClr val="lt1">
+        <a:alpha val="90000"/>
+      </a:schemeClr>
+    </dgm:fillClrLst>
+    <dgm:linClrLst meth="repeat">
+      <a:schemeClr val="accent2"/>
+      <a:schemeClr val="accent3"/>
+      <a:schemeClr val="accent4"/>
+      <a:schemeClr val="accent5"/>
+      <a:schemeClr val="accent6"/>
+    </dgm:linClrLst>
+    <dgm:effectClrLst/>
+    <dgm:txLinClrLst/>
+    <dgm:txFillClrLst meth="repeat">
+      <a:schemeClr val="dk1"/>
+    </dgm:txFillClrLst>
+    <dgm:txEffectClrLst/>
+  </dgm:styleLbl>
+  <dgm:styleLbl name="conFgAcc1">
+    <dgm:fillClrLst meth="repeat">
+      <a:schemeClr val="lt1">
+        <a:alpha val="90000"/>
+      </a:schemeClr>
+    </dgm:fillClrLst>
+    <dgm:linClrLst meth="repeat">
+      <a:schemeClr val="accent2"/>
+      <a:schemeClr val="accent3"/>
+      <a:schemeClr val="accent4"/>
+      <a:schemeClr val="accent5"/>
+      <a:schemeClr val="accent6"/>
+    </dgm:linClrLst>
+    <dgm:effectClrLst/>
+    <dgm:txLinClrLst/>
+    <dgm:txFillClrLst meth="repeat">
+      <a:schemeClr val="dk1"/>
+    </dgm:txFillClrLst>
+    <dgm:txEffectClrLst/>
+  </dgm:styleLbl>
+  <dgm:styleLbl name="alignAcc1">
+    <dgm:fillClrLst meth="repeat">
+      <a:schemeClr val="lt1">
+        <a:alpha val="90000"/>
+      </a:schemeClr>
+    </dgm:fillClrLst>
+    <dgm:linClrLst meth="repeat">
+      <a:schemeClr val="accent2"/>
+      <a:schemeClr val="accent3"/>
+      <a:schemeClr val="accent4"/>
+      <a:schemeClr val="accent5"/>
+      <a:schemeClr val="accent6"/>
+    </dgm:linClrLst>
+    <dgm:effectClrLst/>
+    <dgm:txLinClrLst/>
+    <dgm:txFillClrLst meth="repeat">
+      <a:schemeClr val="dk1"/>
+    </dgm:txFillClrLst>
+    <dgm:txEffectClrLst/>
+  </dgm:styleLbl>
+  <dgm:styleLbl name="trAlignAcc1">
+    <dgm:fillClrLst meth="repeat">
+      <a:schemeClr val="lt1">
+        <a:alpha val="40000"/>
+      </a:schemeClr>
+    </dgm:fillClrLst>
+    <dgm:linClrLst meth="repeat">
+      <a:schemeClr val="accent1"/>
+    </dgm:linClrLst>
+    <dgm:effectClrLst/>
+    <dgm:txLinClrLst/>
+    <dgm:txFillClrLst meth="repeat">
+      <a:schemeClr val="dk1"/>
+    </dgm:txFillClrLst>
+    <dgm:txEffectClrLst/>
+  </dgm:styleLbl>
+  <dgm:styleLbl name="bgAcc1">
+    <dgm:fillClrLst meth="repeat">
+      <a:schemeClr val="lt1">
+        <a:alpha val="90000"/>
+      </a:schemeClr>
+    </dgm:fillClrLst>
+    <dgm:linClrLst meth="repeat">
+      <a:schemeClr val="accent2"/>
+      <a:schemeClr val="accent3"/>
+      <a:schemeClr val="accent4"/>
+      <a:schemeClr val="accent5"/>
+      <a:schemeClr val="accent6"/>
+    </dgm:linClrLst>
+    <dgm:effectClrLst/>
+    <dgm:txLinClrLst/>
+    <dgm:txFillClrLst meth="repeat">
+      <a:schemeClr val="dk1"/>
+    </dgm:txFillClrLst>
+    <dgm:txEffectClrLst/>
+  </dgm:styleLbl>
+  <dgm:styleLbl name="solidFgAcc1">
+    <dgm:fillClrLst meth="repeat">
+      <a:schemeClr val="lt1"/>
+    </dgm:fillClrLst>
+    <dgm:linClrLst meth="repeat">
+      <a:schemeClr val="accent2"/>
+      <a:schemeClr val="accent3"/>
+      <a:schemeClr val="accent4"/>
+      <a:schemeClr val="accent5"/>
+      <a:schemeClr val="accent6"/>
+    </dgm:linClrLst>
+    <dgm:effectClrLst/>
+    <dgm:txLinClrLst/>
+    <dgm:txFillClrLst meth="repeat">
+      <a:schemeClr val="dk1"/>
+    </dgm:txFillClrLst>
+    <dgm:txEffectClrLst/>
+  </dgm:styleLbl>
+  <dgm:styleLbl name="solidAlignAcc1">
+    <dgm:fillClrLst meth="repeat">
+      <a:schemeClr val="lt1"/>
+    </dgm:fillClrLst>
+    <dgm:linClrLst meth="repeat">
+      <a:schemeClr val="accent2"/>
+      <a:schemeClr val="accent3"/>
+      <a:schemeClr val="accent4"/>
+      <a:schemeClr val="accent5"/>
+      <a:schemeClr val="accent6"/>
+    </dgm:linClrLst>
+    <dgm:effectClrLst/>
+    <dgm:txLinClrLst/>
+    <dgm:txFillClrLst meth="repeat">
+      <a:schemeClr val="dk1"/>
+    </dgm:txFillClrLst>
+    <dgm:txEffectClrLst/>
+  </dgm:styleLbl>
+  <dgm:styleLbl name="solidBgAcc1">
+    <dgm:fillClrLst meth="repeat">
+      <a:schemeClr val="lt1"/>
+    </dgm:fillClrLst>
+    <dgm:linClrLst meth="repeat">
+      <a:schemeClr val="accent2"/>
+      <a:schemeClr val="accent3"/>
+      <a:schemeClr val="accent4"/>
+      <a:schemeClr val="accent5"/>
+      <a:schemeClr val="accent6"/>
+    </dgm:linClrLst>
+    <dgm:effectClrLst/>
+    <dgm:txLinClrLst/>
+    <dgm:txFillClrLst meth="repeat">
+      <a:schemeClr val="dk1"/>
+    </dgm:txFillClrLst>
+    <dgm:txEffectClrLst/>
+  </dgm:styleLbl>
+  <dgm:styleLbl name="fgAccFollowNode1">
+    <dgm:fillClrLst meth="repeat">
+      <a:schemeClr val="accent2">
+        <a:tint val="40000"/>
+        <a:alpha val="90000"/>
+      </a:schemeClr>
+      <a:schemeClr val="accent3">
+        <a:tint val="40000"/>
+        <a:alpha val="90000"/>
+      </a:schemeClr>
+      <a:schemeClr val="accent4">
+        <a:tint val="40000"/>
+        <a:alpha val="90000"/>
+      </a:schemeClr>
+      <a:schemeClr val="accent5">
+        <a:tint val="40000"/>
+        <a:alpha val="90000"/>
+      </a:schemeClr>
+      <a:schemeClr val="accent6">
+        <a:tint val="40000"/>
+        <a:alpha val="90000"/>
+      </a:schemeClr>
+    </dgm:fillClrLst>
+    <dgm:linClrLst meth="repeat">
+      <a:schemeClr val="accent2">
+        <a:tint val="40000"/>
+        <a:alpha val="90000"/>
+      </a:schemeClr>
+      <a:schemeClr val="accent3">
+        <a:tint val="40000"/>
+        <a:alpha val="90000"/>
+      </a:schemeClr>
+      <a:schemeClr val="accent4">
+        <a:tint val="40000"/>
+        <a:alpha val="90000"/>
+      </a:schemeClr>
+      <a:schemeClr val="accent5">
+        <a:tint val="40000"/>
+        <a:alpha val="90000"/>
+      </a:schemeClr>
+      <a:schemeClr val="accent6">
+        <a:tint val="40000"/>
+        <a:alpha val="90000"/>
+      </a:schemeClr>
+    </dgm:linClrLst>
+    <dgm:effectClrLst/>
+    <dgm:txLinClrLst/>
+    <dgm:txFillClrLst meth="repeat">
+      <a:schemeClr val="dk1"/>
+    </dgm:txFillClrLst>
+    <dgm:txEffectClrLst/>
+  </dgm:styleLbl>
+  <dgm:styleLbl name="alignAccFollowNode1">
+    <dgm:fillClrLst meth="repeat">
+      <a:schemeClr val="accent2">
+        <a:tint val="40000"/>
+        <a:alpha val="90000"/>
+      </a:schemeClr>
+      <a:schemeClr val="accent3">
+        <a:tint val="40000"/>
+        <a:alpha val="90000"/>
+      </a:schemeClr>
+      <a:schemeClr val="accent4">
+        <a:tint val="40000"/>
+        <a:alpha val="90000"/>
+      </a:schemeClr>
+      <a:schemeClr val="accent5">
+        <a:tint val="40000"/>
+        <a:alpha val="90000"/>
+      </a:schemeClr>
+      <a:schemeClr val="accent6">
+        <a:tint val="40000"/>
+        <a:alpha val="90000"/>
+      </a:schemeClr>
+    </dgm:fillClrLst>
+    <dgm:linClrLst meth="repeat">
+      <a:schemeClr val="accent2">
+        <a:tint val="40000"/>
+        <a:alpha val="90000"/>
+      </a:schemeClr>
+      <a:schemeClr val="accent3">
+        <a:tint val="40000"/>
+        <a:alpha val="90000"/>
+      </a:schemeClr>
+      <a:schemeClr val="accent4">
+        <a:tint val="40000"/>
+        <a:alpha val="90000"/>
+      </a:schemeClr>
+      <a:schemeClr val="accent5">
+        <a:tint val="40000"/>
+        <a:alpha val="90000"/>
+      </a:schemeClr>
+      <a:schemeClr val="accent6">
+        <a:tint val="40000"/>
+        <a:alpha val="90000"/>
+      </a:schemeClr>
+    </dgm:linClrLst>
+    <dgm:effectClrLst/>
+    <dgm:txLinClrLst/>
+    <dgm:txFillClrLst meth="repeat">
+      <a:schemeClr val="dk1"/>
+    </dgm:txFillClrLst>
+    <dgm:txEffectClrLst/>
+  </dgm:styleLbl>
+  <dgm:styleLbl name="bgAccFollowNode1">
+    <dgm:fillClrLst meth="repeat">
+      <a:schemeClr val="accent2">
+        <a:tint val="40000"/>
+        <a:alpha val="90000"/>
+      </a:schemeClr>
+      <a:schemeClr val="accent3">
+        <a:tint val="40000"/>
+        <a:alpha val="90000"/>
+      </a:schemeClr>
+      <a:schemeClr val="accent4">
+        <a:tint val="40000"/>
+        <a:alpha val="90000"/>
+      </a:schemeClr>
+      <a:schemeClr val="accent5">
+        <a:tint val="40000"/>
+        <a:alpha val="90000"/>
+      </a:schemeClr>
+      <a:schemeClr val="accent6">
+        <a:tint val="40000"/>
+        <a:alpha val="90000"/>
+      </a:schemeClr>
+    </dgm:fillClrLst>
+    <dgm:linClrLst meth="repeat">
+      <a:schemeClr val="accent2">
+        <a:tint val="40000"/>
+        <a:alpha val="90000"/>
+      </a:schemeClr>
+      <a:schemeClr val="accent3">
+        <a:tint val="40000"/>
+        <a:alpha val="90000"/>
+      </a:schemeClr>
+      <a:schemeClr val="accent4">
+        <a:tint val="40000"/>
+        <a:alpha val="90000"/>
+      </a:schemeClr>
+      <a:schemeClr val="accent5">
+        <a:tint val="40000"/>
+        <a:alpha val="90000"/>
+      </a:schemeClr>
+      <a:schemeClr val="accent6">
+        <a:tint val="40000"/>
+        <a:alpha val="90000"/>
+      </a:schemeClr>
+    </dgm:linClrLst>
+    <dgm:effectClrLst/>
+    <dgm:txLinClrLst/>
+    <dgm:txFillClrLst meth="repeat">
+      <a:schemeClr val="dk1"/>
+    </dgm:txFillClrLst>
+    <dgm:txEffectClrLst/>
+  </dgm:styleLbl>
+  <dgm:styleLbl name="fgAcc0">
+    <dgm:fillClrLst meth="repeat">
+      <a:schemeClr val="lt1">
+        <a:alpha val="90000"/>
+      </a:schemeClr>
+    </dgm:fillClrLst>
+    <dgm:linClrLst>
+      <a:schemeClr val="accent1"/>
+    </dgm:linClrLst>
+    <dgm:effectClrLst/>
+    <dgm:txLinClrLst/>
+    <dgm:txFillClrLst meth="repeat">
+      <a:schemeClr val="dk1"/>
+    </dgm:txFillClrLst>
+    <dgm:txEffectClrLst/>
+  </dgm:styleLbl>
+  <dgm:styleLbl name="fgAcc2">
+    <dgm:fillClrLst meth="repeat">
+      <a:schemeClr val="lt1">
+        <a:alpha val="90000"/>
+      </a:schemeClr>
+    </dgm:fillClrLst>
+    <dgm:linClrLst>
+      <a:schemeClr val="accent2"/>
+    </dgm:linClrLst>
+    <dgm:effectClrLst/>
+    <dgm:txLinClrLst/>
+    <dgm:txFillClrLst meth="repeat">
+      <a:schemeClr val="dk1"/>
+    </dgm:txFillClrLst>
+    <dgm:txEffectClrLst/>
+  </dgm:styleLbl>
+  <dgm:styleLbl name="fgAcc3">
+    <dgm:fillClrLst meth="repeat">
+      <a:schemeClr val="lt1">
+        <a:alpha val="90000"/>
+      </a:schemeClr>
+    </dgm:fillClrLst>
+    <dgm:linClrLst>
+      <a:schemeClr val="accent3"/>
+    </dgm:linClrLst>
+    <dgm:effectClrLst/>
+    <dgm:txLinClrLst/>
+    <dgm:txFillClrLst meth="repeat">
+      <a:schemeClr val="dk1"/>
+    </dgm:txFillClrLst>
+    <dgm:txEffectClrLst/>
+  </dgm:styleLbl>
+  <dgm:styleLbl name="fgAcc4">
+    <dgm:fillClrLst meth="repeat">
+      <a:schemeClr val="lt1">
+        <a:alpha val="90000"/>
+      </a:schemeClr>
+    </dgm:fillClrLst>
+    <dgm:linClrLst>
+      <a:schemeClr val="accent4"/>
+    </dgm:linClrLst>
+    <dgm:effectClrLst/>
+    <dgm:txLinClrLst/>
+    <dgm:txFillClrLst meth="repeat">
+      <a:schemeClr val="dk1"/>
+    </dgm:txFillClrLst>
+    <dgm:txEffectClrLst/>
+  </dgm:styleLbl>
+  <dgm:styleLbl name="bgShp">
+    <dgm:fillClrLst meth="repeat">
+      <a:schemeClr val="accent2">
+        <a:tint val="40000"/>
+      </a:schemeClr>
+    </dgm:fillClrLst>
+    <dgm:linClrLst meth="repeat">
+      <a:schemeClr val="dk1"/>
+    </dgm:linClrLst>
+    <dgm:effectClrLst/>
+    <dgm:txLinClrLst/>
+    <dgm:txFillClrLst meth="repeat">
+      <a:schemeClr val="dk1"/>
+    </dgm:txFillClrLst>
+    <dgm:txEffectClrLst/>
+  </dgm:styleLbl>
+  <dgm:styleLbl name="dkBgShp">
+    <dgm:fillClrLst meth="repeat">
+      <a:schemeClr val="accent2">
+        <a:shade val="90000"/>
+      </a:schemeClr>
+    </dgm:fillClrLst>
+    <dgm:linClrLst meth="repeat">
+      <a:schemeClr val="dk1"/>
+    </dgm:linClrLst>
+    <dgm:effectClrLst/>
+    <dgm:txLinClrLst/>
+    <dgm:txFillClrLst meth="repeat">
+      <a:schemeClr val="lt1"/>
+    </dgm:txFillClrLst>
+    <dgm:txEffectClrLst/>
+  </dgm:styleLbl>
+  <dgm:styleLbl name="trBgShp">
+    <dgm:fillClrLst meth="repeat">
+      <a:schemeClr val="accent1">
+        <a:tint val="50000"/>
+        <a:alpha val="40000"/>
+      </a:schemeClr>
+    </dgm:fillClrLst>
+    <dgm:linClrLst meth="repeat">
+      <a:schemeClr val="accent2"/>
+    </dgm:linClrLst>
+    <dgm:effectClrLst/>
+    <dgm:txLinClrLst/>
+    <dgm:txFillClrLst meth="repeat">
+      <a:schemeClr val="lt1"/>
+    </dgm:txFillClrLst>
+    <dgm:txEffectClrLst/>
+  </dgm:styleLbl>
+  <dgm:styleLbl name="fgShp">
+    <dgm:fillClrLst meth="repeat">
+      <a:schemeClr val="accent2">
+        <a:tint val="40000"/>
+      </a:schemeClr>
+    </dgm:fillClrLst>
+    <dgm:linClrLst meth="repeat">
+      <a:schemeClr val="lt1"/>
+    </dgm:linClrLst>
+    <dgm:effectClrLst/>
+    <dgm:txLinClrLst/>
+    <dgm:txFillClrLst meth="repeat">
+      <a:schemeClr val="dk1"/>
+    </dgm:txFillClrLst>
+    <dgm:txEffectClrLst/>
+  </dgm:styleLbl>
+  <dgm:styleLbl name="revTx">
+    <dgm:fillClrLst meth="repeat">
+      <a:schemeClr val="lt1">
+        <a:alpha val="0"/>
+      </a:schemeClr>
+    </dgm:fillClrLst>
+    <dgm:linClrLst meth="repeat">
+      <a:schemeClr val="dk1">
+        <a:alpha val="0"/>
+      </a:schemeClr>
+    </dgm:linClrLst>
+    <dgm:effectClrLst/>
+    <dgm:txLinClrLst/>
+    <dgm:txFillClrLst meth="repeat">
+      <a:schemeClr val="tx1"/>
+    </dgm:txFillClrLst>
+    <dgm:txEffectClrLst/>
+  </dgm:styleLbl>
+</dgm:colorsDef>
+</file>
+
 <file path=ppt/diagrams/data1.xml><?xml version="1.0" encoding="utf-8"?>
 <dgm:dataModel xmlns:dgm="http://schemas.openxmlformats.org/drawingml/2006/diagram" xmlns:a="http://schemas.openxmlformats.org/drawingml/2006/main">
   <dgm:ptLst>
     <dgm:pt modelId="{6C8D20FD-9174-4BD7-89D9-E7D0ABE57D35}" type="doc">
-      <dgm:prSet loTypeId="urn:microsoft.com/office/officeart/2016/7/layout/LinearBlockProcessNumbered" loCatId="process" qsTypeId="urn:microsoft.com/office/officeart/2005/8/quickstyle/simple5" qsCatId="simple" csTypeId="urn:microsoft.com/office/officeart/2005/8/colors/colorful1" csCatId="colorful"/>
+      <dgm:prSet loTypeId="urn:microsoft.com/office/officeart/2016/7/layout/LinearBlockProcessNumbered" loCatId="process" qsTypeId="urn:microsoft.com/office/officeart/2005/8/quickstyle/simple5" qsCatId="simple" csTypeId="urn:microsoft.com/office/officeart/2005/8/colors/colorful1" csCatId="colorful" phldr="1"/>
       <dgm:spPr/>
       <dgm:t>
         <a:bodyPr/>
@@ -11909,17 +12829,17 @@
       </dgm:t>
     </dgm:pt>
     <dgm:pt modelId="{D5C640F2-656C-4F96-8570-AE09F4F9EC5E}">
-      <dgm:prSet/>
+      <dgm:prSet custT="1"/>
       <dgm:spPr/>
       <dgm:t>
         <a:bodyPr/>
         <a:lstStyle/>
         <a:p>
           <a:r>
-            <a:rPr lang="uk-UA"/>
+            <a:rPr lang="uk-UA" sz="1600" dirty="0"/>
             <a:t>Черга, як структура даних функціонує за принципом «перший прийшов — перший прийшов», як і в реальному житті</a:t>
           </a:r>
-          <a:endParaRPr lang="en-US"/>
+          <a:endParaRPr lang="en-US" sz="1600" dirty="0"/>
         </a:p>
       </dgm:t>
     </dgm:pt>
@@ -11949,17 +12869,17 @@
       </dgm:t>
     </dgm:pt>
     <dgm:pt modelId="{181C68A4-B3DA-4B2A-9E4C-735D7AF292FB}">
-      <dgm:prSet/>
+      <dgm:prSet custT="1"/>
       <dgm:spPr/>
       <dgm:t>
         <a:bodyPr/>
         <a:lstStyle/>
         <a:p>
           <a:r>
-            <a:rPr lang="uk-UA"/>
+            <a:rPr lang="uk-UA" sz="1600" dirty="0"/>
             <a:t>На основі цієї структури працюють обробники повідомлень (подій), які не можуть миттєво виконати поставлену задачу, тому й відкладають її «на потім» з допомогою черги</a:t>
           </a:r>
-          <a:endParaRPr lang="en-US"/>
+          <a:endParaRPr lang="en-US" sz="1600" dirty="0"/>
         </a:p>
       </dgm:t>
     </dgm:pt>
@@ -11982,24 +12902,24 @@
         <a:lstStyle/>
         <a:p>
           <a:r>
-            <a:rPr lang="en-US"/>
+            <a:rPr lang="en-US" dirty="0"/>
             <a:t>02</a:t>
           </a:r>
         </a:p>
       </dgm:t>
     </dgm:pt>
     <dgm:pt modelId="{17AB1F5E-CF93-409A-BDC5-F6F19BE9AE3E}">
-      <dgm:prSet/>
+      <dgm:prSet custT="1"/>
       <dgm:spPr/>
       <dgm:t>
         <a:bodyPr/>
         <a:lstStyle/>
         <a:p>
           <a:r>
-            <a:rPr lang="uk-UA"/>
+            <a:rPr lang="uk-UA" sz="1600"/>
             <a:t>Важливу роль відіграє при буферизації (Наприклад у відтворенні відео, де нові завантажені кадри додаються в кінець черги, а використовують кадри початку черги)</a:t>
           </a:r>
-          <a:endParaRPr lang="en-US"/>
+          <a:endParaRPr lang="en-US" sz="1600"/>
         </a:p>
       </dgm:t>
     </dgm:pt>
@@ -12029,25 +12949,25 @@
       </dgm:t>
     </dgm:pt>
     <dgm:pt modelId="{22354C17-B4DF-4B40-A194-91779C96FB20}">
-      <dgm:prSet/>
+      <dgm:prSet custT="1"/>
       <dgm:spPr/>
       <dgm:t>
         <a:bodyPr/>
         <a:lstStyle/>
         <a:p>
           <a:r>
-            <a:rPr lang="uk-UA"/>
+            <a:rPr lang="uk-UA" sz="1600"/>
             <a:t>Клавіатурний буфер </a:t>
           </a:r>
           <a:r>
-            <a:rPr lang="en-GB"/>
+            <a:rPr lang="en-GB" sz="1600"/>
             <a:t>BIOS </a:t>
           </a:r>
           <a:r>
-            <a:rPr lang="uk-UA"/>
+            <a:rPr lang="uk-UA" sz="1600"/>
             <a:t>організований у вигляді кільцевої черги</a:t>
           </a:r>
-          <a:endParaRPr lang="en-US"/>
+          <a:endParaRPr lang="en-US" sz="1600"/>
         </a:p>
       </dgm:t>
     </dgm:pt>
@@ -12131,7 +13051,7 @@
       <dgm:spPr/>
     </dgm:pt>
     <dgm:pt modelId="{30805C79-1200-43F1-A842-C779E9F0C073}" type="pres">
-      <dgm:prSet presAssocID="{1B5C1024-2655-42A1-B947-E692FDE52D06}" presName="sibTransNodeRect" presStyleLbl="alignNode1" presStyleIdx="1" presStyleCnt="4">
+      <dgm:prSet presAssocID="{1B5C1024-2655-42A1-B947-E692FDE52D06}" presName="sibTransNodeRect" presStyleLbl="alignNode1" presStyleIdx="1" presStyleCnt="4" custScaleY="72085">
         <dgm:presLayoutVars>
           <dgm:chMax val="0"/>
           <dgm:bulletEnabled val="1"/>
@@ -12559,74 +13479,740 @@
         </a:p>
       </dgm:t>
     </dgm:pt>
-    <dgm:pt modelId="{E96B5C0A-CE06-43FB-8AB6-CEC28117C51D}">
+    <mc:AlternateContent xmlns:mc="http://schemas.openxmlformats.org/markup-compatibility/2006">
+      <mc:Choice xmlns:a14="http://schemas.microsoft.com/office/drawing/2010/main" Requires="a14">
+        <dgm:pt modelId="{E96B5C0A-CE06-43FB-8AB6-CEC28117C51D}">
+          <dgm:prSet custT="1"/>
+          <dgm:spPr/>
+          <dgm:t>
+            <a:bodyPr/>
+            <a:lstStyle/>
+            <a:p>
+              <a:r>
+                <a:rPr lang="uk-UA" sz="1800" dirty="0"/>
+                <a:t>Під кінець процесу копіювання стек </a:t>
+              </a:r>
+              <a14:m>
+                <m:oMath xmlns:m="http://schemas.openxmlformats.org/officeDocument/2006/math">
+                  <m:r>
+                    <a:rPr lang="en-US" sz="1800" b="1" i="1" dirty="0" smtClean="0">
+                      <a:latin typeface="Cambria Math" panose="02040503050406030204" pitchFamily="18" charset="0"/>
+                    </a:rPr>
+                    <m:t>𝑹𝒊𝒈𝒉𝒕𝑪𝒐𝒑𝒚</m:t>
+                  </m:r>
+                </m:oMath>
+              </a14:m>
+              <a:r>
+                <a:rPr lang="en-US" sz="1800" b="1" dirty="0"/>
+                <a:t> </a:t>
+              </a:r>
+              <a:r>
+                <a:rPr lang="uk-UA" sz="1800" b="1" dirty="0"/>
+                <a:t>може не опустіти</a:t>
+              </a:r>
+              <a:r>
+                <a:rPr lang="uk-UA" sz="1800" dirty="0"/>
+                <a:t>, тому після заміни його на </a:t>
+              </a:r>
+              <a14:m>
+                <m:oMath xmlns:m="http://schemas.openxmlformats.org/officeDocument/2006/math">
+                  <m:r>
+                    <a:rPr lang="en-GB" sz="1800" i="1" dirty="0" smtClean="0">
+                      <a:latin typeface="Cambria Math" panose="02040503050406030204" pitchFamily="18" charset="0"/>
+                    </a:rPr>
+                    <m:t>𝑅𝑖𝑔h𝑡𝐶𝑜𝑝𝑦𝑅𝑒𝑠𝑒𝑟𝑣𝑒</m:t>
+                  </m:r>
+                </m:oMath>
+              </a14:m>
+              <a:r>
+                <a:rPr lang="uk-UA" sz="1800" dirty="0"/>
+                <a:t>,</a:t>
+              </a:r>
+              <a:r>
+                <a:rPr lang="en-GB" sz="1800" dirty="0"/>
+                <a:t> </a:t>
+              </a:r>
+              <a:r>
+                <a:rPr lang="uk-UA" sz="1800" dirty="0"/>
+                <a:t>в останньому збережуться елементи, які були в </a:t>
+              </a:r>
+              <a14:m>
+                <m:oMath xmlns:m="http://schemas.openxmlformats.org/officeDocument/2006/math">
+                  <m:r>
+                    <a:rPr lang="en-GB" sz="1800" i="1" dirty="0" smtClean="0">
+                      <a:latin typeface="Cambria Math" panose="02040503050406030204" pitchFamily="18" charset="0"/>
+                    </a:rPr>
+                    <m:t>𝑅𝑖𝑔𝑡h</m:t>
+                  </m:r>
+                </m:oMath>
+              </a14:m>
+              <a:r>
+                <a:rPr lang="en-GB" sz="1800" dirty="0"/>
+                <a:t>, </a:t>
+              </a:r>
+              <a:r>
+                <a:rPr lang="uk-UA" sz="1800" dirty="0"/>
+                <a:t>тому їх можна просто </a:t>
+              </a:r>
+              <a:r>
+                <a:rPr lang="uk-UA" sz="1800" b="1" dirty="0"/>
+                <a:t>вивільняти</a:t>
+              </a:r>
+              <a:r>
+                <a:rPr lang="en-GB" sz="1800" b="1" dirty="0"/>
+                <a:t> </a:t>
+              </a:r>
+              <a:r>
+                <a:rPr lang="uk-UA" sz="1800" b="1" dirty="0"/>
+                <a:t>в звичайному режимі</a:t>
+              </a:r>
+              <a:endParaRPr lang="en-US" sz="1800" b="1" dirty="0"/>
+            </a:p>
+          </dgm:t>
+        </dgm:pt>
+      </mc:Choice>
+      <mc:Fallback>
+        <dgm:pt modelId="{E96B5C0A-CE06-43FB-8AB6-CEC28117C51D}">
+          <dgm:prSet custT="1"/>
+          <dgm:spPr/>
+          <dgm:t>
+            <a:bodyPr/>
+            <a:lstStyle/>
+            <a:p>
+              <a:r>
+                <a:rPr lang="uk-UA" sz="1800" dirty="0"/>
+                <a:t>Під кінець процесу копіювання стек </a:t>
+              </a:r>
+              <a:r>
+                <a:rPr lang="en-US" sz="1800" b="1" i="0" dirty="0">
+                  <a:latin typeface="Cambria Math" panose="02040503050406030204" pitchFamily="18" charset="0"/>
+                </a:rPr>
+                <a:t>𝑹𝒊𝒈𝒉𝒕𝑪𝒐𝒑𝒚</a:t>
+              </a:r>
+              <a:r>
+                <a:rPr lang="en-US" sz="1800" b="1" dirty="0"/>
+                <a:t> </a:t>
+              </a:r>
+              <a:r>
+                <a:rPr lang="uk-UA" sz="1800" b="1" dirty="0"/>
+                <a:t>може не опустіти</a:t>
+              </a:r>
+              <a:r>
+                <a:rPr lang="uk-UA" sz="1800" dirty="0"/>
+                <a:t>, тому після заміни його на </a:t>
+              </a:r>
+              <a:r>
+                <a:rPr lang="en-GB" sz="1800" i="0" dirty="0">
+                  <a:latin typeface="Cambria Math" panose="02040503050406030204" pitchFamily="18" charset="0"/>
+                </a:rPr>
+                <a:t>𝑅𝑖𝑔ℎ𝑡𝐶𝑜𝑝𝑦𝑅𝑒𝑠𝑒𝑟𝑣𝑒</a:t>
+              </a:r>
+              <a:r>
+                <a:rPr lang="uk-UA" sz="1800" dirty="0"/>
+                <a:t>,</a:t>
+              </a:r>
+              <a:r>
+                <a:rPr lang="en-GB" sz="1800" dirty="0"/>
+                <a:t> </a:t>
+              </a:r>
+              <a:r>
+                <a:rPr lang="uk-UA" sz="1800" dirty="0"/>
+                <a:t>в останньому збережуться елементи, які були в </a:t>
+              </a:r>
+              <a:r>
+                <a:rPr lang="en-GB" sz="1800" i="0" dirty="0">
+                  <a:latin typeface="Cambria Math" panose="02040503050406030204" pitchFamily="18" charset="0"/>
+                </a:rPr>
+                <a:t>𝑅𝑖𝑔𝑡ℎ</a:t>
+              </a:r>
+              <a:r>
+                <a:rPr lang="en-GB" sz="1800" dirty="0"/>
+                <a:t>, </a:t>
+              </a:r>
+              <a:r>
+                <a:rPr lang="uk-UA" sz="1800" dirty="0"/>
+                <a:t>тому їх можна просто </a:t>
+              </a:r>
+              <a:r>
+                <a:rPr lang="uk-UA" sz="1800" b="1" dirty="0"/>
+                <a:t>вивільняти</a:t>
+              </a:r>
+              <a:r>
+                <a:rPr lang="en-GB" sz="1800" b="1" dirty="0"/>
+                <a:t> </a:t>
+              </a:r>
+              <a:r>
+                <a:rPr lang="uk-UA" sz="1800" b="1" dirty="0"/>
+                <a:t>в звичайному режимі</a:t>
+              </a:r>
+              <a:endParaRPr lang="en-US" sz="1800" b="1" dirty="0"/>
+            </a:p>
+          </dgm:t>
+        </dgm:pt>
+      </mc:Fallback>
+    </mc:AlternateContent>
+    <dgm:pt modelId="{0AB04E1F-21FD-4B87-83F5-5C7C0D595BAC}" type="parTrans" cxnId="{418FDCD3-84FC-458E-A284-510E45B55560}">
       <dgm:prSet/>
       <dgm:spPr/>
       <dgm:t>
         <a:bodyPr/>
         <a:lstStyle/>
         <a:p>
+          <a:endParaRPr lang="en-US"/>
+        </a:p>
+      </dgm:t>
+    </dgm:pt>
+    <dgm:pt modelId="{B211A41C-E735-49CD-9B1C-5683F19E12BB}" type="sibTrans" cxnId="{418FDCD3-84FC-458E-A284-510E45B55560}">
+      <dgm:prSet phldrT="01" phldr="0"/>
+      <dgm:spPr/>
+      <dgm:t>
+        <a:bodyPr/>
+        <a:lstStyle/>
+        <a:p>
           <a:r>
-            <a:rPr lang="uk-UA" dirty="0"/>
-            <a:t>Під кінець процесу копіювання стек </a:t>
+            <a:rPr lang="en-US"/>
+            <a:t>01</a:t>
           </a:r>
+          <a:endParaRPr lang="en-US" dirty="0"/>
+        </a:p>
+      </dgm:t>
+    </dgm:pt>
+    <mc:AlternateContent xmlns:mc="http://schemas.openxmlformats.org/markup-compatibility/2006">
+      <mc:Choice xmlns:a14="http://schemas.microsoft.com/office/drawing/2010/main" Requires="a14">
+        <dgm:pt modelId="{4F3F36E9-1C2D-45BB-B9F2-05364B51B1E6}">
+          <dgm:prSet custT="1"/>
+          <dgm:spPr/>
+          <dgm:t>
+            <a:bodyPr/>
+            <a:lstStyle/>
+            <a:p>
+              <a:r>
+                <a:rPr lang="uk-UA" sz="1800" dirty="0"/>
+                <a:t>При операціях </a:t>
+              </a:r>
+              <a14:m>
+                <m:oMath xmlns:m="http://schemas.openxmlformats.org/officeDocument/2006/math">
+                  <m:r>
+                    <a:rPr lang="en-US" sz="1800" i="1" dirty="0" smtClean="0">
+                      <a:latin typeface="Cambria Math" panose="02040503050406030204" pitchFamily="18" charset="0"/>
+                    </a:rPr>
+                    <m:t>𝑝𝑜𝑝</m:t>
+                  </m:r>
+                  <m:r>
+                    <a:rPr lang="en-US" sz="1800" i="1" dirty="0" smtClean="0">
+                      <a:latin typeface="Cambria Math" panose="02040503050406030204" pitchFamily="18" charset="0"/>
+                    </a:rPr>
+                    <m:t>() </m:t>
+                  </m:r>
+                </m:oMath>
+              </a14:m>
+              <a:r>
+                <a:rPr lang="uk-UA" sz="1800" dirty="0"/>
+                <a:t>під час </a:t>
+              </a:r>
+              <a:r>
+                <a:rPr lang="uk-UA" sz="1800" dirty="0" err="1"/>
+                <a:t>перекопійовування</a:t>
+              </a:r>
+              <a:r>
+                <a:rPr lang="uk-UA" sz="1800" dirty="0"/>
+                <a:t> виявиться, що елементи, що розташовані у порядку від останнього у </a:t>
+              </a:r>
+              <a:r>
+                <a:rPr lang="uk-UA" sz="1800" dirty="0" err="1"/>
+                <a:t>стекові</a:t>
+              </a:r>
+              <a:r>
+                <a:rPr lang="uk-UA" sz="1800" dirty="0"/>
+                <a:t> </a:t>
+              </a:r>
+              <a14:m>
+                <m:oMath xmlns:m="http://schemas.openxmlformats.org/officeDocument/2006/math">
+                  <m:r>
+                    <a:rPr lang="en-GB" sz="1800" i="1" dirty="0" smtClean="0">
+                      <a:latin typeface="Cambria Math" panose="02040503050406030204" pitchFamily="18" charset="0"/>
+                    </a:rPr>
+                    <m:t>𝑀𝑒𝑑𝑖𝑎𝑡𝑒</m:t>
+                  </m:r>
+                </m:oMath>
+              </a14:m>
+              <a:r>
+                <a:rPr lang="uk-UA" sz="1800" dirty="0"/>
+                <a:t> </a:t>
+              </a:r>
+              <a:r>
+                <a:rPr lang="uk-UA" sz="1800" b="1" dirty="0"/>
+                <a:t>надлишкові</a:t>
+              </a:r>
+              <a:r>
+                <a:rPr lang="uk-UA" sz="1800" dirty="0"/>
+                <a:t> й їх варто </a:t>
+              </a:r>
+              <a:r>
+                <a:rPr lang="uk-UA" sz="1800" b="1" dirty="0"/>
+                <a:t>викинути</a:t>
+              </a:r>
+              <a:r>
+                <a:rPr lang="uk-UA" sz="1800" dirty="0"/>
+                <a:t> (вони були взяті раніше операціями </a:t>
+              </a:r>
+              <a14:m>
+                <m:oMath xmlns:m="http://schemas.openxmlformats.org/officeDocument/2006/math">
+                  <m:r>
+                    <a:rPr lang="en-US" sz="1800" i="1" dirty="0" smtClean="0">
+                      <a:latin typeface="Cambria Math" panose="02040503050406030204" pitchFamily="18" charset="0"/>
+                    </a:rPr>
+                    <m:t>𝑝𝑜𝑝</m:t>
+                  </m:r>
+                  <m:r>
+                    <a:rPr lang="uk-UA" sz="1800" i="1" dirty="0">
+                      <a:latin typeface="Cambria Math" panose="02040503050406030204" pitchFamily="18" charset="0"/>
+                    </a:rPr>
+                    <m:t>()</m:t>
+                  </m:r>
+                </m:oMath>
+              </a14:m>
+              <a:r>
+                <a:rPr lang="uk-UA" sz="1800" dirty="0"/>
+                <a:t>)</a:t>
+              </a:r>
+              <a:endParaRPr lang="en-US" sz="1800" dirty="0"/>
+            </a:p>
+          </dgm:t>
+        </dgm:pt>
+      </mc:Choice>
+      <mc:Fallback>
+        <dgm:pt modelId="{4F3F36E9-1C2D-45BB-B9F2-05364B51B1E6}">
+          <dgm:prSet custT="1"/>
+          <dgm:spPr/>
+          <dgm:t>
+            <a:bodyPr/>
+            <a:lstStyle/>
+            <a:p>
+              <a:r>
+                <a:rPr lang="uk-UA" sz="1800" dirty="0"/>
+                <a:t>При операціях </a:t>
+              </a:r>
+              <a:r>
+                <a:rPr lang="en-US" sz="1800" i="0" dirty="0">
+                  <a:latin typeface="Cambria Math" panose="02040503050406030204" pitchFamily="18" charset="0"/>
+                </a:rPr>
+                <a:t>𝑝𝑜𝑝() </a:t>
+              </a:r>
+              <a:r>
+                <a:rPr lang="uk-UA" sz="1800" dirty="0"/>
+                <a:t>під час </a:t>
+              </a:r>
+              <a:r>
+                <a:rPr lang="uk-UA" sz="1800" dirty="0" err="1"/>
+                <a:t>перекопійовування</a:t>
+              </a:r>
+              <a:r>
+                <a:rPr lang="uk-UA" sz="1800" dirty="0"/>
+                <a:t> виявиться, що елементи, що розташовані у порядку від останнього у </a:t>
+              </a:r>
+              <a:r>
+                <a:rPr lang="uk-UA" sz="1800" dirty="0" err="1"/>
+                <a:t>стекові</a:t>
+              </a:r>
+              <a:r>
+                <a:rPr lang="uk-UA" sz="1800" dirty="0"/>
+                <a:t> </a:t>
+              </a:r>
+              <a:r>
+                <a:rPr lang="en-GB" sz="1800" i="0" dirty="0">
+                  <a:latin typeface="Cambria Math" panose="02040503050406030204" pitchFamily="18" charset="0"/>
+                </a:rPr>
+                <a:t>𝑀𝑒𝑑𝑖𝑎𝑡𝑒</a:t>
+              </a:r>
+              <a:r>
+                <a:rPr lang="uk-UA" sz="1800" dirty="0"/>
+                <a:t> </a:t>
+              </a:r>
+              <a:r>
+                <a:rPr lang="uk-UA" sz="1800" b="1" dirty="0"/>
+                <a:t>надлишкові</a:t>
+              </a:r>
+              <a:r>
+                <a:rPr lang="uk-UA" sz="1800" dirty="0"/>
+                <a:t> й їх варто </a:t>
+              </a:r>
+              <a:r>
+                <a:rPr lang="uk-UA" sz="1800" b="1" dirty="0"/>
+                <a:t>викинути</a:t>
+              </a:r>
+              <a:r>
+                <a:rPr lang="uk-UA" sz="1800" dirty="0"/>
+                <a:t> (вони були взяті раніше операціями </a:t>
+              </a:r>
+              <a:r>
+                <a:rPr lang="en-US" sz="1800" i="0" dirty="0">
+                  <a:latin typeface="Cambria Math" panose="02040503050406030204" pitchFamily="18" charset="0"/>
+                </a:rPr>
+                <a:t>𝑝𝑜𝑝</a:t>
+              </a:r>
+              <a:r>
+                <a:rPr lang="uk-UA" sz="1800" i="0" dirty="0">
+                  <a:latin typeface="Cambria Math" panose="02040503050406030204" pitchFamily="18" charset="0"/>
+                </a:rPr>
+                <a:t>()</a:t>
+              </a:r>
+              <a:r>
+                <a:rPr lang="uk-UA" sz="1800" dirty="0"/>
+                <a:t>)</a:t>
+              </a:r>
+              <a:endParaRPr lang="en-US" sz="1800" dirty="0"/>
+            </a:p>
+          </dgm:t>
+        </dgm:pt>
+      </mc:Fallback>
+    </mc:AlternateContent>
+    <dgm:pt modelId="{19C7D5EB-A984-4637-8BC8-60F5B4917241}" type="parTrans" cxnId="{CDA6F7A3-D0DE-472D-AC67-8F3454FC4735}">
+      <dgm:prSet/>
+      <dgm:spPr/>
+      <dgm:t>
+        <a:bodyPr/>
+        <a:lstStyle/>
+        <a:p>
+          <a:endParaRPr lang="en-US"/>
+        </a:p>
+      </dgm:t>
+    </dgm:pt>
+    <dgm:pt modelId="{E09A8EA4-BC09-403A-845C-FE88063D4A47}" type="sibTrans" cxnId="{CDA6F7A3-D0DE-472D-AC67-8F3454FC4735}">
+      <dgm:prSet phldrT="02" phldr="0"/>
+      <dgm:spPr/>
+      <dgm:t>
+        <a:bodyPr/>
+        <a:lstStyle/>
+        <a:p>
           <a:r>
-            <a:rPr lang="en-US" b="1" dirty="0" err="1"/>
-            <a:t>RightCopy</a:t>
+            <a:rPr lang="en-US"/>
+            <a:t>02</a:t>
           </a:r>
+        </a:p>
+      </dgm:t>
+    </dgm:pt>
+    <mc:AlternateContent xmlns:mc="http://schemas.openxmlformats.org/markup-compatibility/2006">
+      <mc:Choice xmlns:a14="http://schemas.microsoft.com/office/drawing/2010/main" Requires="a14">
+        <dgm:pt modelId="{2703349D-C230-4A7C-9C03-BAC04C8496F4}">
+          <dgm:prSet custT="1"/>
+          <dgm:spPr/>
+          <dgm:t>
+            <a:bodyPr/>
+            <a:lstStyle/>
+            <a:p>
+              <a:r>
+                <a:rPr lang="uk-UA" sz="1800" dirty="0"/>
+                <a:t>Щоб знати, коли не варто перекидати елементи стеку </a:t>
+              </a:r>
+              <a14:m>
+                <m:oMath xmlns:m="http://schemas.openxmlformats.org/officeDocument/2006/math">
+                  <m:r>
+                    <a:rPr lang="en-GB" sz="1800" i="1" dirty="0" smtClean="0">
+                      <a:latin typeface="Cambria Math" panose="02040503050406030204" pitchFamily="18" charset="0"/>
+                    </a:rPr>
+                    <m:t>𝑀𝑒𝑑𝑖𝑎𝑡𝑒</m:t>
+                  </m:r>
+                </m:oMath>
+              </a14:m>
+              <a:r>
+                <a:rPr lang="uk-UA" sz="1800" dirty="0"/>
+                <a:t>, а видаляти їх, можна </a:t>
+              </a:r>
+              <a:r>
+                <a:rPr lang="uk-UA" sz="1800" b="1" dirty="0"/>
+                <a:t>завести лічильник</a:t>
+              </a:r>
+              <a:r>
+                <a:rPr lang="uk-UA" sz="1800" dirty="0"/>
+                <a:t> кількості вже взятих елементів зі стеку на копіювання та взятих при операціях </a:t>
+              </a:r>
+              <a14:m>
+                <m:oMath xmlns:m="http://schemas.openxmlformats.org/officeDocument/2006/math">
+                  <m:r>
+                    <a:rPr lang="en-US" sz="1800" i="1" dirty="0" smtClean="0">
+                      <a:latin typeface="Cambria Math" panose="02040503050406030204" pitchFamily="18" charset="0"/>
+                    </a:rPr>
+                    <m:t>𝑝</m:t>
+                  </m:r>
+                  <m:r>
+                    <a:rPr lang="en-GB" sz="1800" i="1" dirty="0">
+                      <a:latin typeface="Cambria Math" panose="02040503050406030204" pitchFamily="18" charset="0"/>
+                    </a:rPr>
+                    <m:t>𝑜𝑝</m:t>
+                  </m:r>
+                  <m:r>
+                    <a:rPr lang="en-GB" sz="1800" i="1" dirty="0">
+                      <a:latin typeface="Cambria Math" panose="02040503050406030204" pitchFamily="18" charset="0"/>
+                    </a:rPr>
+                    <m:t>()</m:t>
+                  </m:r>
+                </m:oMath>
+              </a14:m>
+              <a:r>
+                <a:rPr lang="uk-UA" sz="1800" dirty="0"/>
+                <a:t>.</a:t>
+              </a:r>
+              <a:endParaRPr lang="en-US" sz="1800" dirty="0"/>
+            </a:p>
+          </dgm:t>
+        </dgm:pt>
+      </mc:Choice>
+      <mc:Fallback>
+        <dgm:pt modelId="{2703349D-C230-4A7C-9C03-BAC04C8496F4}">
+          <dgm:prSet custT="1"/>
+          <dgm:spPr/>
+          <dgm:t>
+            <a:bodyPr/>
+            <a:lstStyle/>
+            <a:p>
+              <a:r>
+                <a:rPr lang="uk-UA" sz="1800" dirty="0"/>
+                <a:t>Щоб знати, коли не варто перекидати елементи стеку </a:t>
+              </a:r>
+              <a:r>
+                <a:rPr lang="en-GB" sz="1800" i="0" dirty="0">
+                  <a:latin typeface="Cambria Math" panose="02040503050406030204" pitchFamily="18" charset="0"/>
+                </a:rPr>
+                <a:t>𝑀𝑒𝑑𝑖𝑎𝑡𝑒</a:t>
+              </a:r>
+              <a:r>
+                <a:rPr lang="uk-UA" sz="1800" dirty="0"/>
+                <a:t>, а видаляти їх, можна </a:t>
+              </a:r>
+              <a:r>
+                <a:rPr lang="uk-UA" sz="1800" b="1" dirty="0"/>
+                <a:t>завести лічильник</a:t>
+              </a:r>
+              <a:r>
+                <a:rPr lang="uk-UA" sz="1800" dirty="0"/>
+                <a:t> кількості вже взятих елементів зі стеку на копіювання та взятих при операціях </a:t>
+              </a:r>
+              <a:r>
+                <a:rPr lang="en-US" sz="1800" i="0" dirty="0">
+                  <a:latin typeface="Cambria Math" panose="02040503050406030204" pitchFamily="18" charset="0"/>
+                </a:rPr>
+                <a:t>𝑝</a:t>
+              </a:r>
+              <a:r>
+                <a:rPr lang="en-GB" sz="1800" i="0" dirty="0">
+                  <a:latin typeface="Cambria Math" panose="02040503050406030204" pitchFamily="18" charset="0"/>
+                </a:rPr>
+                <a:t>𝑜𝑝()</a:t>
+              </a:r>
+              <a:r>
+                <a:rPr lang="uk-UA" sz="1800" dirty="0"/>
+                <a:t>.</a:t>
+              </a:r>
+              <a:endParaRPr lang="en-US" sz="1800" dirty="0"/>
+            </a:p>
+          </dgm:t>
+        </dgm:pt>
+      </mc:Fallback>
+    </mc:AlternateContent>
+    <dgm:pt modelId="{E9997621-4B49-45F3-902C-D8DC9996B9B7}" type="parTrans" cxnId="{F7347149-BD29-4CF3-BE35-0B23D90C6493}">
+      <dgm:prSet/>
+      <dgm:spPr/>
+      <dgm:t>
+        <a:bodyPr/>
+        <a:lstStyle/>
+        <a:p>
+          <a:endParaRPr lang="en-US"/>
+        </a:p>
+      </dgm:t>
+    </dgm:pt>
+    <dgm:pt modelId="{37F2C451-DEA1-40E0-A329-03C97B4BD713}" type="sibTrans" cxnId="{F7347149-BD29-4CF3-BE35-0B23D90C6493}">
+      <dgm:prSet phldrT="03" phldr="0"/>
+      <dgm:spPr/>
+      <dgm:t>
+        <a:bodyPr/>
+        <a:lstStyle/>
+        <a:p>
           <a:r>
-            <a:rPr lang="en-US" b="1" dirty="0"/>
-            <a:t> </a:t>
+            <a:rPr lang="en-US"/>
+            <a:t>03</a:t>
           </a:r>
+        </a:p>
+      </dgm:t>
+    </dgm:pt>
+    <dgm:pt modelId="{E011E54D-CF71-40CD-BC52-65173746839D}" type="pres">
+      <dgm:prSet presAssocID="{D3923C07-9FF3-4BA6-AFF0-FC948FDF7270}" presName="Name0" presStyleCnt="0">
+        <dgm:presLayoutVars>
+          <dgm:animLvl val="lvl"/>
+          <dgm:resizeHandles val="exact"/>
+        </dgm:presLayoutVars>
+      </dgm:prSet>
+      <dgm:spPr/>
+    </dgm:pt>
+    <dgm:pt modelId="{89FB65B4-20D7-41C7-BC20-6230C5511690}" type="pres">
+      <dgm:prSet presAssocID="{E96B5C0A-CE06-43FB-8AB6-CEC28117C51D}" presName="compositeNode" presStyleCnt="0">
+        <dgm:presLayoutVars>
+          <dgm:bulletEnabled val="1"/>
+        </dgm:presLayoutVars>
+      </dgm:prSet>
+      <dgm:spPr/>
+    </dgm:pt>
+    <dgm:pt modelId="{7859A2A4-A79F-4C8D-9DD4-5DD68354C405}" type="pres">
+      <dgm:prSet presAssocID="{E96B5C0A-CE06-43FB-8AB6-CEC28117C51D}" presName="bgRect" presStyleLbl="alignNode1" presStyleIdx="0" presStyleCnt="3"/>
+      <dgm:spPr/>
+    </dgm:pt>
+    <dgm:pt modelId="{00C6B573-97D4-4CD6-823A-B660500B7E11}" type="pres">
+      <dgm:prSet presAssocID="{B211A41C-E735-49CD-9B1C-5683F19E12BB}" presName="sibTransNodeRect" presStyleLbl="alignNode1" presStyleIdx="0" presStyleCnt="3">
+        <dgm:presLayoutVars>
+          <dgm:chMax val="0"/>
+          <dgm:bulletEnabled val="1"/>
+        </dgm:presLayoutVars>
+      </dgm:prSet>
+      <dgm:spPr/>
+    </dgm:pt>
+    <dgm:pt modelId="{7DE6D97B-429E-4761-9921-C93FCEA37928}" type="pres">
+      <dgm:prSet presAssocID="{E96B5C0A-CE06-43FB-8AB6-CEC28117C51D}" presName="nodeRect" presStyleLbl="alignNode1" presStyleIdx="0" presStyleCnt="3">
+        <dgm:presLayoutVars>
+          <dgm:bulletEnabled val="1"/>
+        </dgm:presLayoutVars>
+      </dgm:prSet>
+      <dgm:spPr/>
+    </dgm:pt>
+    <dgm:pt modelId="{DD25D371-9FF0-48EA-833F-5C9D29C30C89}" type="pres">
+      <dgm:prSet presAssocID="{B211A41C-E735-49CD-9B1C-5683F19E12BB}" presName="sibTrans" presStyleCnt="0"/>
+      <dgm:spPr/>
+    </dgm:pt>
+    <dgm:pt modelId="{3D00F65C-9030-46DA-B732-FB6C77FB38FC}" type="pres">
+      <dgm:prSet presAssocID="{4F3F36E9-1C2D-45BB-B9F2-05364B51B1E6}" presName="compositeNode" presStyleCnt="0">
+        <dgm:presLayoutVars>
+          <dgm:bulletEnabled val="1"/>
+        </dgm:presLayoutVars>
+      </dgm:prSet>
+      <dgm:spPr/>
+    </dgm:pt>
+    <dgm:pt modelId="{9E9C972A-3B71-4542-A07A-B18AE658DA4D}" type="pres">
+      <dgm:prSet presAssocID="{4F3F36E9-1C2D-45BB-B9F2-05364B51B1E6}" presName="bgRect" presStyleLbl="alignNode1" presStyleIdx="1" presStyleCnt="3"/>
+      <dgm:spPr/>
+    </dgm:pt>
+    <dgm:pt modelId="{5563C23B-5D4F-43AF-B0A7-96738309BE44}" type="pres">
+      <dgm:prSet presAssocID="{E09A8EA4-BC09-403A-845C-FE88063D4A47}" presName="sibTransNodeRect" presStyleLbl="alignNode1" presStyleIdx="1" presStyleCnt="3">
+        <dgm:presLayoutVars>
+          <dgm:chMax val="0"/>
+          <dgm:bulletEnabled val="1"/>
+        </dgm:presLayoutVars>
+      </dgm:prSet>
+      <dgm:spPr/>
+    </dgm:pt>
+    <dgm:pt modelId="{16F4D425-92CE-4B69-B1DB-DF863696348B}" type="pres">
+      <dgm:prSet presAssocID="{4F3F36E9-1C2D-45BB-B9F2-05364B51B1E6}" presName="nodeRect" presStyleLbl="alignNode1" presStyleIdx="1" presStyleCnt="3">
+        <dgm:presLayoutVars>
+          <dgm:bulletEnabled val="1"/>
+        </dgm:presLayoutVars>
+      </dgm:prSet>
+      <dgm:spPr/>
+    </dgm:pt>
+    <dgm:pt modelId="{9B24ADE5-F69F-4384-9570-550F7F928E56}" type="pres">
+      <dgm:prSet presAssocID="{E09A8EA4-BC09-403A-845C-FE88063D4A47}" presName="sibTrans" presStyleCnt="0"/>
+      <dgm:spPr/>
+    </dgm:pt>
+    <dgm:pt modelId="{D19D44CF-B19B-403A-A586-6A6181426EFF}" type="pres">
+      <dgm:prSet presAssocID="{2703349D-C230-4A7C-9C03-BAC04C8496F4}" presName="compositeNode" presStyleCnt="0">
+        <dgm:presLayoutVars>
+          <dgm:bulletEnabled val="1"/>
+        </dgm:presLayoutVars>
+      </dgm:prSet>
+      <dgm:spPr/>
+    </dgm:pt>
+    <dgm:pt modelId="{C8826522-A131-4537-99BB-27A32786ABC7}" type="pres">
+      <dgm:prSet presAssocID="{2703349D-C230-4A7C-9C03-BAC04C8496F4}" presName="bgRect" presStyleLbl="alignNode1" presStyleIdx="2" presStyleCnt="3"/>
+      <dgm:spPr/>
+    </dgm:pt>
+    <dgm:pt modelId="{0B668586-0D8B-426A-A064-4657FF4F4B89}" type="pres">
+      <dgm:prSet presAssocID="{37F2C451-DEA1-40E0-A329-03C97B4BD713}" presName="sibTransNodeRect" presStyleLbl="alignNode1" presStyleIdx="2" presStyleCnt="3">
+        <dgm:presLayoutVars>
+          <dgm:chMax val="0"/>
+          <dgm:bulletEnabled val="1"/>
+        </dgm:presLayoutVars>
+      </dgm:prSet>
+      <dgm:spPr/>
+    </dgm:pt>
+    <dgm:pt modelId="{99D4212C-1AC7-45F0-A60E-DCBFD5DF1C02}" type="pres">
+      <dgm:prSet presAssocID="{2703349D-C230-4A7C-9C03-BAC04C8496F4}" presName="nodeRect" presStyleLbl="alignNode1" presStyleIdx="2" presStyleCnt="3">
+        <dgm:presLayoutVars>
+          <dgm:bulletEnabled val="1"/>
+        </dgm:presLayoutVars>
+      </dgm:prSet>
+      <dgm:spPr/>
+    </dgm:pt>
+  </dgm:ptLst>
+  <dgm:cxnLst>
+    <dgm:cxn modelId="{9F3D5E2C-3916-4956-9ECB-99AD15381C38}" type="presOf" srcId="{E09A8EA4-BC09-403A-845C-FE88063D4A47}" destId="{5563C23B-5D4F-43AF-B0A7-96738309BE44}" srcOrd="0" destOrd="0" presId="urn:microsoft.com/office/officeart/2016/7/layout/LinearBlockProcessNumbered"/>
+    <dgm:cxn modelId="{19EC0839-6CC7-434D-B846-558A5DEDD8AB}" type="presOf" srcId="{4F3F36E9-1C2D-45BB-B9F2-05364B51B1E6}" destId="{9E9C972A-3B71-4542-A07A-B18AE658DA4D}" srcOrd="0" destOrd="0" presId="urn:microsoft.com/office/officeart/2016/7/layout/LinearBlockProcessNumbered"/>
+    <dgm:cxn modelId="{F941D261-AFFB-4F77-8BB9-4A6327D917E2}" type="presOf" srcId="{D3923C07-9FF3-4BA6-AFF0-FC948FDF7270}" destId="{E011E54D-CF71-40CD-BC52-65173746839D}" srcOrd="0" destOrd="0" presId="urn:microsoft.com/office/officeart/2016/7/layout/LinearBlockProcessNumbered"/>
+    <dgm:cxn modelId="{F7347149-BD29-4CF3-BE35-0B23D90C6493}" srcId="{D3923C07-9FF3-4BA6-AFF0-FC948FDF7270}" destId="{2703349D-C230-4A7C-9C03-BAC04C8496F4}" srcOrd="2" destOrd="0" parTransId="{E9997621-4B49-45F3-902C-D8DC9996B9B7}" sibTransId="{37F2C451-DEA1-40E0-A329-03C97B4BD713}"/>
+    <dgm:cxn modelId="{5C18634A-4AA6-4E6B-AC02-D2D97926F067}" type="presOf" srcId="{37F2C451-DEA1-40E0-A329-03C97B4BD713}" destId="{0B668586-0D8B-426A-A064-4657FF4F4B89}" srcOrd="0" destOrd="0" presId="urn:microsoft.com/office/officeart/2016/7/layout/LinearBlockProcessNumbered"/>
+    <dgm:cxn modelId="{A97F126C-50D6-493C-A709-B8AA149CB119}" type="presOf" srcId="{E96B5C0A-CE06-43FB-8AB6-CEC28117C51D}" destId="{7DE6D97B-429E-4761-9921-C93FCEA37928}" srcOrd="1" destOrd="0" presId="urn:microsoft.com/office/officeart/2016/7/layout/LinearBlockProcessNumbered"/>
+    <dgm:cxn modelId="{AFE06372-BBF6-466D-98F0-92C7911E8177}" type="presOf" srcId="{2703349D-C230-4A7C-9C03-BAC04C8496F4}" destId="{99D4212C-1AC7-45F0-A60E-DCBFD5DF1C02}" srcOrd="1" destOrd="0" presId="urn:microsoft.com/office/officeart/2016/7/layout/LinearBlockProcessNumbered"/>
+    <dgm:cxn modelId="{CDA6F7A3-D0DE-472D-AC67-8F3454FC4735}" srcId="{D3923C07-9FF3-4BA6-AFF0-FC948FDF7270}" destId="{4F3F36E9-1C2D-45BB-B9F2-05364B51B1E6}" srcOrd="1" destOrd="0" parTransId="{19C7D5EB-A984-4637-8BC8-60F5B4917241}" sibTransId="{E09A8EA4-BC09-403A-845C-FE88063D4A47}"/>
+    <dgm:cxn modelId="{735B12AF-B30C-4121-80D5-A207D9182E18}" type="presOf" srcId="{4F3F36E9-1C2D-45BB-B9F2-05364B51B1E6}" destId="{16F4D425-92CE-4B69-B1DB-DF863696348B}" srcOrd="1" destOrd="0" presId="urn:microsoft.com/office/officeart/2016/7/layout/LinearBlockProcessNumbered"/>
+    <dgm:cxn modelId="{7DD17ED3-9E56-45F6-BB95-ABFDF7200370}" type="presOf" srcId="{E96B5C0A-CE06-43FB-8AB6-CEC28117C51D}" destId="{7859A2A4-A79F-4C8D-9DD4-5DD68354C405}" srcOrd="0" destOrd="0" presId="urn:microsoft.com/office/officeart/2016/7/layout/LinearBlockProcessNumbered"/>
+    <dgm:cxn modelId="{418FDCD3-84FC-458E-A284-510E45B55560}" srcId="{D3923C07-9FF3-4BA6-AFF0-FC948FDF7270}" destId="{E96B5C0A-CE06-43FB-8AB6-CEC28117C51D}" srcOrd="0" destOrd="0" parTransId="{0AB04E1F-21FD-4B87-83F5-5C7C0D595BAC}" sibTransId="{B211A41C-E735-49CD-9B1C-5683F19E12BB}"/>
+    <dgm:cxn modelId="{10BF41D7-BD86-42AF-9519-57E39B1553B6}" type="presOf" srcId="{B211A41C-E735-49CD-9B1C-5683F19E12BB}" destId="{00C6B573-97D4-4CD6-823A-B660500B7E11}" srcOrd="0" destOrd="0" presId="urn:microsoft.com/office/officeart/2016/7/layout/LinearBlockProcessNumbered"/>
+    <dgm:cxn modelId="{BE1AFEF4-CC45-4E4B-9CD0-DB37B7D06C10}" type="presOf" srcId="{2703349D-C230-4A7C-9C03-BAC04C8496F4}" destId="{C8826522-A131-4537-99BB-27A32786ABC7}" srcOrd="0" destOrd="0" presId="urn:microsoft.com/office/officeart/2016/7/layout/LinearBlockProcessNumbered"/>
+    <dgm:cxn modelId="{4E836B3A-5800-4A7B-A5D8-943C7E528392}" type="presParOf" srcId="{E011E54D-CF71-40CD-BC52-65173746839D}" destId="{89FB65B4-20D7-41C7-BC20-6230C5511690}" srcOrd="0" destOrd="0" presId="urn:microsoft.com/office/officeart/2016/7/layout/LinearBlockProcessNumbered"/>
+    <dgm:cxn modelId="{B5929E05-BC0F-4DF3-872D-A556FC3793F2}" type="presParOf" srcId="{89FB65B4-20D7-41C7-BC20-6230C5511690}" destId="{7859A2A4-A79F-4C8D-9DD4-5DD68354C405}" srcOrd="0" destOrd="0" presId="urn:microsoft.com/office/officeart/2016/7/layout/LinearBlockProcessNumbered"/>
+    <dgm:cxn modelId="{4A9D269F-FD91-488F-8A7A-3BC9EC88432F}" type="presParOf" srcId="{89FB65B4-20D7-41C7-BC20-6230C5511690}" destId="{00C6B573-97D4-4CD6-823A-B660500B7E11}" srcOrd="1" destOrd="0" presId="urn:microsoft.com/office/officeart/2016/7/layout/LinearBlockProcessNumbered"/>
+    <dgm:cxn modelId="{DC56D9D5-816D-48C1-B3E0-0D7D526C54A4}" type="presParOf" srcId="{89FB65B4-20D7-41C7-BC20-6230C5511690}" destId="{7DE6D97B-429E-4761-9921-C93FCEA37928}" srcOrd="2" destOrd="0" presId="urn:microsoft.com/office/officeart/2016/7/layout/LinearBlockProcessNumbered"/>
+    <dgm:cxn modelId="{B031FAC7-94A7-4E00-8C1D-04B58B054402}" type="presParOf" srcId="{E011E54D-CF71-40CD-BC52-65173746839D}" destId="{DD25D371-9FF0-48EA-833F-5C9D29C30C89}" srcOrd="1" destOrd="0" presId="urn:microsoft.com/office/officeart/2016/7/layout/LinearBlockProcessNumbered"/>
+    <dgm:cxn modelId="{4F4F958B-7A75-4812-A039-2D6AF77A418A}" type="presParOf" srcId="{E011E54D-CF71-40CD-BC52-65173746839D}" destId="{3D00F65C-9030-46DA-B732-FB6C77FB38FC}" srcOrd="2" destOrd="0" presId="urn:microsoft.com/office/officeart/2016/7/layout/LinearBlockProcessNumbered"/>
+    <dgm:cxn modelId="{497FC701-1421-4BC3-A27A-16F535D4D0C2}" type="presParOf" srcId="{3D00F65C-9030-46DA-B732-FB6C77FB38FC}" destId="{9E9C972A-3B71-4542-A07A-B18AE658DA4D}" srcOrd="0" destOrd="0" presId="urn:microsoft.com/office/officeart/2016/7/layout/LinearBlockProcessNumbered"/>
+    <dgm:cxn modelId="{1E0F1F70-7CB5-48E0-8B10-3AB536063C22}" type="presParOf" srcId="{3D00F65C-9030-46DA-B732-FB6C77FB38FC}" destId="{5563C23B-5D4F-43AF-B0A7-96738309BE44}" srcOrd="1" destOrd="0" presId="urn:microsoft.com/office/officeart/2016/7/layout/LinearBlockProcessNumbered"/>
+    <dgm:cxn modelId="{E766858A-C2AC-4D3D-83C3-F7C2016102EB}" type="presParOf" srcId="{3D00F65C-9030-46DA-B732-FB6C77FB38FC}" destId="{16F4D425-92CE-4B69-B1DB-DF863696348B}" srcOrd="2" destOrd="0" presId="urn:microsoft.com/office/officeart/2016/7/layout/LinearBlockProcessNumbered"/>
+    <dgm:cxn modelId="{E817958C-A7D7-4F45-ABF8-5F744C6B2BCC}" type="presParOf" srcId="{E011E54D-CF71-40CD-BC52-65173746839D}" destId="{9B24ADE5-F69F-4384-9570-550F7F928E56}" srcOrd="3" destOrd="0" presId="urn:microsoft.com/office/officeart/2016/7/layout/LinearBlockProcessNumbered"/>
+    <dgm:cxn modelId="{F2C32F2E-F4EC-4007-9344-7864DED8335D}" type="presParOf" srcId="{E011E54D-CF71-40CD-BC52-65173746839D}" destId="{D19D44CF-B19B-403A-A586-6A6181426EFF}" srcOrd="4" destOrd="0" presId="urn:microsoft.com/office/officeart/2016/7/layout/LinearBlockProcessNumbered"/>
+    <dgm:cxn modelId="{DDE421EE-9DFD-4299-9311-DF389599070E}" type="presParOf" srcId="{D19D44CF-B19B-403A-A586-6A6181426EFF}" destId="{C8826522-A131-4537-99BB-27A32786ABC7}" srcOrd="0" destOrd="0" presId="urn:microsoft.com/office/officeart/2016/7/layout/LinearBlockProcessNumbered"/>
+    <dgm:cxn modelId="{51D98ABC-9373-4813-BB14-589E17576FEF}" type="presParOf" srcId="{D19D44CF-B19B-403A-A586-6A6181426EFF}" destId="{0B668586-0D8B-426A-A064-4657FF4F4B89}" srcOrd="1" destOrd="0" presId="urn:microsoft.com/office/officeart/2016/7/layout/LinearBlockProcessNumbered"/>
+    <dgm:cxn modelId="{B2BC3837-D1DE-450C-9F0A-91B6D79E8B8C}" type="presParOf" srcId="{D19D44CF-B19B-403A-A586-6A6181426EFF}" destId="{99D4212C-1AC7-45F0-A60E-DCBFD5DF1C02}" srcOrd="2" destOrd="0" presId="urn:microsoft.com/office/officeart/2016/7/layout/LinearBlockProcessNumbered"/>
+  </dgm:cxnLst>
+  <dgm:bg/>
+  <dgm:whole/>
+  <dgm:extLst>
+    <a:ext uri="http://schemas.microsoft.com/office/drawing/2008/diagram">
+      <dsp:dataModelExt xmlns:dsp="http://schemas.microsoft.com/office/drawing/2008/diagram" relId="rId7" minVer="http://schemas.openxmlformats.org/drawingml/2006/diagram"/>
+    </a:ext>
+  </dgm:extLst>
+</dgm:dataModel>
+</file>
+
+<file path=ppt/diagrams/data4.xml><?xml version="1.0" encoding="utf-8"?>
+<dgm:dataModel xmlns:dgm="http://schemas.openxmlformats.org/drawingml/2006/diagram" xmlns:a="http://schemas.openxmlformats.org/drawingml/2006/main">
+  <dgm:ptLst>
+    <dgm:pt modelId="{D3923C07-9FF3-4BA6-AFF0-FC948FDF7270}" type="doc">
+      <dgm:prSet loTypeId="urn:microsoft.com/office/officeart/2016/7/layout/LinearBlockProcessNumbered" loCatId="process" qsTypeId="urn:microsoft.com/office/officeart/2005/8/quickstyle/simple1" qsCatId="simple" csTypeId="urn:microsoft.com/office/officeart/2005/8/colors/colorful2" csCatId="colorful" phldr="1"/>
+      <dgm:spPr/>
+      <dgm:t>
+        <a:bodyPr/>
+        <a:lstStyle/>
+        <a:p>
+          <a:endParaRPr lang="en-US"/>
+        </a:p>
+      </dgm:t>
+    </dgm:pt>
+    <dgm:pt modelId="{E96B5C0A-CE06-43FB-8AB6-CEC28117C51D}">
+      <dgm:prSet custT="1"/>
+      <dgm:spPr>
+        <a:blipFill>
+          <a:blip xmlns:r="http://schemas.openxmlformats.org/officeDocument/2006/relationships" r:embed="rId1"/>
+          <a:stretch>
+            <a:fillRect b="-2140"/>
+          </a:stretch>
+        </a:blipFill>
+      </dgm:spPr>
+      <dgm:t>
+        <a:bodyPr/>
+        <a:lstStyle/>
+        <a:p>
           <a:r>
-            <a:rPr lang="uk-UA" b="1" dirty="0"/>
-            <a:t>може не опустіти</a:t>
+            <a:rPr lang="uk-UA">
+              <a:noFill/>
+            </a:rPr>
+            <a:t> </a:t>
           </a:r>
-          <a:r>
-            <a:rPr lang="uk-UA" dirty="0"/>
-            <a:t>, тому після заміни його на </a:t>
-          </a:r>
-          <a:r>
-            <a:rPr lang="en-GB" dirty="0" err="1"/>
-            <a:t>RightCopyReserve</a:t>
-          </a:r>
-          <a:r>
-            <a:rPr lang="uk-UA" dirty="0"/>
-            <a:t>,</a:t>
-          </a:r>
-          <a:r>
-            <a:rPr lang="en-GB" dirty="0"/>
-            <a:t> </a:t>
-          </a:r>
-          <a:r>
-            <a:rPr lang="uk-UA" dirty="0"/>
-            <a:t>в останньому збережуться елементи, які були в </a:t>
-          </a:r>
-          <a:r>
-            <a:rPr lang="en-GB" dirty="0" err="1"/>
-            <a:t>Rigth</a:t>
-          </a:r>
-          <a:r>
-            <a:rPr lang="en-GB" dirty="0"/>
-            <a:t>, </a:t>
-          </a:r>
-          <a:r>
-            <a:rPr lang="uk-UA" dirty="0"/>
-            <a:t>тому їх можна просто </a:t>
-          </a:r>
-          <a:r>
-            <a:rPr lang="uk-UA" b="1" dirty="0"/>
-            <a:t>вивільняти</a:t>
-          </a:r>
-          <a:r>
-            <a:rPr lang="en-GB" b="1" dirty="0"/>
-            <a:t> </a:t>
-          </a:r>
-          <a:r>
-            <a:rPr lang="uk-UA" b="1" dirty="0"/>
-            <a:t>в звичайному режимі</a:t>
-          </a:r>
-          <a:endParaRPr lang="en-US" b="1" dirty="0"/>
         </a:p>
       </dgm:t>
     </dgm:pt>
@@ -12657,73 +14243,25 @@
       </dgm:t>
     </dgm:pt>
     <dgm:pt modelId="{4F3F36E9-1C2D-45BB-B9F2-05364B51B1E6}">
-      <dgm:prSet/>
-      <dgm:spPr/>
+      <dgm:prSet custT="1"/>
+      <dgm:spPr>
+        <a:blipFill>
+          <a:blip xmlns:r="http://schemas.openxmlformats.org/officeDocument/2006/relationships" r:embed="rId2"/>
+          <a:stretch>
+            <a:fillRect/>
+          </a:stretch>
+        </a:blipFill>
+      </dgm:spPr>
       <dgm:t>
         <a:bodyPr/>
         <a:lstStyle/>
         <a:p>
           <a:r>
-            <a:rPr lang="uk-UA" dirty="0"/>
-            <a:t>При операціях </a:t>
+            <a:rPr lang="uk-UA">
+              <a:noFill/>
+            </a:rPr>
+            <a:t> </a:t>
           </a:r>
-          <a:r>
-            <a:rPr lang="en-US" dirty="0"/>
-            <a:t>pop() </a:t>
-          </a:r>
-          <a:r>
-            <a:rPr lang="uk-UA" dirty="0"/>
-            <a:t>під час </a:t>
-          </a:r>
-          <a:r>
-            <a:rPr lang="uk-UA" dirty="0" err="1"/>
-            <a:t>перекопійовування</a:t>
-          </a:r>
-          <a:r>
-            <a:rPr lang="uk-UA" dirty="0"/>
-            <a:t> виявиться, що елементи, що розташовані у порядку від останнього у </a:t>
-          </a:r>
-          <a:r>
-            <a:rPr lang="uk-UA" dirty="0" err="1"/>
-            <a:t>стекові</a:t>
-          </a:r>
-          <a:r>
-            <a:rPr lang="uk-UA" dirty="0"/>
-            <a:t> </a:t>
-          </a:r>
-          <a:r>
-            <a:rPr lang="en-GB" dirty="0"/>
-            <a:t>Mediate</a:t>
-          </a:r>
-          <a:r>
-            <a:rPr lang="uk-UA" dirty="0"/>
-            <a:t> </a:t>
-          </a:r>
-          <a:r>
-            <a:rPr lang="uk-UA" b="1" dirty="0"/>
-            <a:t>надлишкові</a:t>
-          </a:r>
-          <a:r>
-            <a:rPr lang="uk-UA" dirty="0"/>
-            <a:t> й їх варто </a:t>
-          </a:r>
-          <a:r>
-            <a:rPr lang="uk-UA" b="1" dirty="0"/>
-            <a:t>викинути</a:t>
-          </a:r>
-          <a:r>
-            <a:rPr lang="uk-UA" dirty="0"/>
-            <a:t> (вони були взяті раніше операціями </a:t>
-          </a:r>
-          <a:r>
-            <a:rPr lang="en-US" dirty="0"/>
-            <a:t>pop</a:t>
-          </a:r>
-          <a:r>
-            <a:rPr lang="uk-UA" dirty="0"/>
-            <a:t>())</a:t>
-          </a:r>
-          <a:endParaRPr lang="en-US" dirty="0"/>
         </a:p>
       </dgm:t>
     </dgm:pt>
@@ -12753,45 +14291,25 @@
       </dgm:t>
     </dgm:pt>
     <dgm:pt modelId="{2703349D-C230-4A7C-9C03-BAC04C8496F4}">
-      <dgm:prSet/>
-      <dgm:spPr/>
+      <dgm:prSet custT="1"/>
+      <dgm:spPr>
+        <a:blipFill>
+          <a:blip xmlns:r="http://schemas.openxmlformats.org/officeDocument/2006/relationships" r:embed="rId3"/>
+          <a:stretch>
+            <a:fillRect/>
+          </a:stretch>
+        </a:blipFill>
+      </dgm:spPr>
       <dgm:t>
         <a:bodyPr/>
         <a:lstStyle/>
         <a:p>
           <a:r>
-            <a:rPr lang="uk-UA" dirty="0"/>
-            <a:t>Щоб знати, коли не варто перекидати елементи стеку </a:t>
+            <a:rPr lang="uk-UA">
+              <a:noFill/>
+            </a:rPr>
+            <a:t> </a:t>
           </a:r>
-          <a:r>
-            <a:rPr lang="en-GB" dirty="0"/>
-            <a:t>Mediate</a:t>
-          </a:r>
-          <a:r>
-            <a:rPr lang="uk-UA" dirty="0"/>
-            <a:t>, а видаляти їх, можна </a:t>
-          </a:r>
-          <a:r>
-            <a:rPr lang="uk-UA" b="1" dirty="0"/>
-            <a:t>завести лічильник</a:t>
-          </a:r>
-          <a:r>
-            <a:rPr lang="uk-UA" dirty="0"/>
-            <a:t> кількості вже взятих елементів зі стеку на копіювання та взятих при операціях </a:t>
-          </a:r>
-          <a:r>
-            <a:rPr lang="en-US" dirty="0"/>
-            <a:t>p</a:t>
-          </a:r>
-          <a:r>
-            <a:rPr lang="en-GB" dirty="0"/>
-            <a:t>op()</a:t>
-          </a:r>
-          <a:r>
-            <a:rPr lang="uk-UA" dirty="0"/>
-            <a:t>.</a:t>
-          </a:r>
-          <a:endParaRPr lang="en-US" dirty="0"/>
         </a:p>
       </dgm:t>
     </dgm:pt>
@@ -12964,11 +14482,11 @@
 </dgm:dataModel>
 </file>
 
-<file path=ppt/diagrams/data4.xml><?xml version="1.0" encoding="utf-8"?>
+<file path=ppt/diagrams/data5.xml><?xml version="1.0" encoding="utf-8"?>
 <dgm:dataModel xmlns:dgm="http://schemas.openxmlformats.org/drawingml/2006/diagram" xmlns:a="http://schemas.openxmlformats.org/drawingml/2006/main">
   <dgm:ptLst>
     <dgm:pt modelId="{290A8819-BA1F-4CFA-95D8-5E07930DF79C}" type="doc">
-      <dgm:prSet loTypeId="urn:microsoft.com/office/officeart/2005/8/layout/cycle1" loCatId="cycle" qsTypeId="urn:microsoft.com/office/officeart/2005/8/quickstyle/simple5" qsCatId="simple" csTypeId="urn:microsoft.com/office/officeart/2005/8/colors/colorful5" csCatId="colorful"/>
+      <dgm:prSet loTypeId="urn:microsoft.com/office/officeart/2005/8/layout/cycle1" loCatId="cycle" qsTypeId="urn:microsoft.com/office/officeart/2005/8/quickstyle/simple5" qsCatId="simple" csTypeId="urn:microsoft.com/office/officeart/2005/8/colors/colorful5" csCatId="colorful" phldr="1"/>
       <dgm:spPr/>
       <dgm:t>
         <a:bodyPr/>
@@ -13023,93 +14541,214 @@
         </a:p>
       </dgm:t>
     </dgm:pt>
-    <dgm:pt modelId="{311E78A3-DA4C-4C5D-87FC-D37709D8512E}">
-      <dgm:prSet/>
-      <dgm:spPr/>
-      <dgm:t>
-        <a:bodyPr/>
-        <a:lstStyle/>
-        <a:p>
-          <a:r>
-            <a:rPr lang="uk-UA">
-              <a:solidFill>
-                <a:schemeClr val="bg1"/>
-              </a:solidFill>
-            </a:rPr>
-            <a:t>Елементи беруться з </a:t>
-          </a:r>
-          <a:r>
-            <a:rPr lang="en-GB">
-              <a:solidFill>
-                <a:schemeClr val="bg1"/>
-              </a:solidFill>
-            </a:rPr>
-            <a:t>RightCopy</a:t>
-          </a:r>
-          <a:r>
-            <a:rPr lang="uk-UA">
-              <a:solidFill>
-                <a:schemeClr val="bg1"/>
-              </a:solidFill>
-            </a:rPr>
-            <a:t>, а також з </a:t>
-          </a:r>
-          <a:r>
-            <a:rPr lang="en-GB">
-              <a:solidFill>
-                <a:schemeClr val="bg1"/>
-              </a:solidFill>
-            </a:rPr>
-            <a:t>Right</a:t>
-          </a:r>
-          <a:r>
-            <a:rPr lang="uk-UA">
-              <a:solidFill>
-                <a:schemeClr val="bg1"/>
-              </a:solidFill>
-            </a:rPr>
-            <a:t> і </a:t>
-          </a:r>
-          <a:r>
-            <a:rPr lang="en-GB">
-              <a:solidFill>
-                <a:schemeClr val="bg1"/>
-              </a:solidFill>
-            </a:rPr>
-            <a:t>RightCopyReserve, </a:t>
-          </a:r>
-          <a:r>
-            <a:rPr lang="uk-UA">
-              <a:solidFill>
-                <a:schemeClr val="bg1"/>
-              </a:solidFill>
-            </a:rPr>
-            <a:t>якщо в </a:t>
-          </a:r>
-          <a:r>
-            <a:rPr lang="en-GB">
-              <a:solidFill>
-                <a:schemeClr val="bg1"/>
-              </a:solidFill>
-            </a:rPr>
-            <a:t>Mediate </a:t>
-          </a:r>
-          <a:r>
-            <a:rPr lang="uk-UA">
-              <a:solidFill>
-                <a:schemeClr val="bg1"/>
-              </a:solidFill>
-            </a:rPr>
-            <a:t>залишилися лише надлишкові елементи;</a:t>
-          </a:r>
-          <a:endParaRPr lang="en-US" dirty="0">
-            <a:solidFill>
-              <a:schemeClr val="bg1"/>
-            </a:solidFill>
-          </a:endParaRPr>
-        </a:p>
-      </dgm:t>
-    </dgm:pt>
+    <mc:AlternateContent xmlns:mc="http://schemas.openxmlformats.org/markup-compatibility/2006">
+      <mc:Choice xmlns:a14="http://schemas.microsoft.com/office/drawing/2010/main" Requires="a14">
+        <dgm:pt modelId="{311E78A3-DA4C-4C5D-87FC-D37709D8512E}">
+          <dgm:prSet/>
+          <dgm:spPr/>
+          <dgm:t>
+            <a:bodyPr/>
+            <a:lstStyle/>
+            <a:p>
+              <a:r>
+                <a:rPr lang="uk-UA" dirty="0">
+                  <a:solidFill>
+                    <a:schemeClr val="bg1"/>
+                  </a:solidFill>
+                </a:rPr>
+                <a:t>Елементи беруться з </a:t>
+              </a:r>
+              <a14:m>
+                <m:oMath xmlns:m="http://schemas.openxmlformats.org/officeDocument/2006/math">
+                  <m:r>
+                    <a:rPr lang="en-GB" i="1" dirty="0" smtClean="0">
+                      <a:solidFill>
+                        <a:schemeClr val="bg1"/>
+                      </a:solidFill>
+                      <a:latin typeface="Cambria Math" panose="02040503050406030204" pitchFamily="18" charset="0"/>
+                    </a:rPr>
+                    <m:t>𝑅𝑖𝑔h𝑡𝐶𝑜𝑝𝑦</m:t>
+                  </m:r>
+                </m:oMath>
+              </a14:m>
+              <a:r>
+                <a:rPr lang="uk-UA" dirty="0">
+                  <a:solidFill>
+                    <a:schemeClr val="bg1"/>
+                  </a:solidFill>
+                </a:rPr>
+                <a:t>, а також з </a:t>
+              </a:r>
+              <a14:m>
+                <m:oMath xmlns:m="http://schemas.openxmlformats.org/officeDocument/2006/math">
+                  <m:r>
+                    <a:rPr lang="en-GB" i="1" dirty="0" smtClean="0">
+                      <a:solidFill>
+                        <a:schemeClr val="bg1"/>
+                      </a:solidFill>
+                      <a:latin typeface="Cambria Math" panose="02040503050406030204" pitchFamily="18" charset="0"/>
+                    </a:rPr>
+                    <m:t>𝑅𝑖𝑔h𝑡</m:t>
+                  </m:r>
+                </m:oMath>
+              </a14:m>
+              <a:r>
+                <a:rPr lang="uk-UA" dirty="0">
+                  <a:solidFill>
+                    <a:schemeClr val="bg1"/>
+                  </a:solidFill>
+                </a:rPr>
+                <a:t> і </a:t>
+              </a:r>
+              <a:r>
+                <a:rPr lang="en-GB" dirty="0" err="1">
+                  <a:solidFill>
+                    <a:schemeClr val="bg1"/>
+                  </a:solidFill>
+                </a:rPr>
+                <a:t>RightCopyReserve</a:t>
+              </a:r>
+              <a:r>
+                <a:rPr lang="en-GB" dirty="0">
+                  <a:solidFill>
+                    <a:schemeClr val="bg1"/>
+                  </a:solidFill>
+                </a:rPr>
+                <a:t>, </a:t>
+              </a:r>
+              <a:r>
+                <a:rPr lang="uk-UA" dirty="0">
+                  <a:solidFill>
+                    <a:schemeClr val="bg1"/>
+                  </a:solidFill>
+                </a:rPr>
+                <a:t>якщо в </a:t>
+              </a:r>
+              <a:r>
+                <a:rPr lang="en-GB" dirty="0">
+                  <a:solidFill>
+                    <a:schemeClr val="bg1"/>
+                  </a:solidFill>
+                </a:rPr>
+                <a:t>Mediate </a:t>
+              </a:r>
+              <a:r>
+                <a:rPr lang="uk-UA" dirty="0">
+                  <a:solidFill>
+                    <a:schemeClr val="bg1"/>
+                  </a:solidFill>
+                </a:rPr>
+                <a:t>залишилися лише надлишкові елементи;</a:t>
+              </a:r>
+              <a:endParaRPr lang="en-US" dirty="0">
+                <a:solidFill>
+                  <a:schemeClr val="bg1"/>
+                </a:solidFill>
+              </a:endParaRPr>
+            </a:p>
+          </dgm:t>
+        </dgm:pt>
+      </mc:Choice>
+      <mc:Fallback>
+        <dgm:pt modelId="{311E78A3-DA4C-4C5D-87FC-D37709D8512E}">
+          <dgm:prSet/>
+          <dgm:spPr/>
+          <dgm:t>
+            <a:bodyPr/>
+            <a:lstStyle/>
+            <a:p>
+              <a:r>
+                <a:rPr lang="uk-UA" dirty="0">
+                  <a:solidFill>
+                    <a:schemeClr val="bg1"/>
+                  </a:solidFill>
+                </a:rPr>
+                <a:t>Елементи беруться з </a:t>
+              </a:r>
+              <a:r>
+                <a:rPr lang="en-GB" i="0" dirty="0">
+                  <a:solidFill>
+                    <a:schemeClr val="bg1"/>
+                  </a:solidFill>
+                  <a:latin typeface="Cambria Math" panose="02040503050406030204" pitchFamily="18" charset="0"/>
+                </a:rPr>
+                <a:t>𝑅𝑖𝑔ℎ𝑡𝐶𝑜𝑝𝑦</a:t>
+              </a:r>
+              <a:r>
+                <a:rPr lang="uk-UA" dirty="0">
+                  <a:solidFill>
+                    <a:schemeClr val="bg1"/>
+                  </a:solidFill>
+                </a:rPr>
+                <a:t>, а також з </a:t>
+              </a:r>
+              <a:r>
+                <a:rPr lang="en-GB" i="0" dirty="0">
+                  <a:solidFill>
+                    <a:schemeClr val="bg1"/>
+                  </a:solidFill>
+                  <a:latin typeface="Cambria Math" panose="02040503050406030204" pitchFamily="18" charset="0"/>
+                </a:rPr>
+                <a:t>𝑅𝑖𝑔ℎ𝑡</a:t>
+              </a:r>
+              <a:r>
+                <a:rPr lang="uk-UA" dirty="0">
+                  <a:solidFill>
+                    <a:schemeClr val="bg1"/>
+                  </a:solidFill>
+                </a:rPr>
+                <a:t> і </a:t>
+              </a:r>
+              <a:r>
+                <a:rPr lang="en-GB" dirty="0" err="1">
+                  <a:solidFill>
+                    <a:schemeClr val="bg1"/>
+                  </a:solidFill>
+                </a:rPr>
+                <a:t>RightCopyReserve</a:t>
+              </a:r>
+              <a:r>
+                <a:rPr lang="en-GB" dirty="0">
+                  <a:solidFill>
+                    <a:schemeClr val="bg1"/>
+                  </a:solidFill>
+                </a:rPr>
+                <a:t>, </a:t>
+              </a:r>
+              <a:r>
+                <a:rPr lang="uk-UA" dirty="0">
+                  <a:solidFill>
+                    <a:schemeClr val="bg1"/>
+                  </a:solidFill>
+                </a:rPr>
+                <a:t>якщо в </a:t>
+              </a:r>
+              <a:r>
+                <a:rPr lang="en-GB" dirty="0">
+                  <a:solidFill>
+                    <a:schemeClr val="bg1"/>
+                  </a:solidFill>
+                </a:rPr>
+                <a:t>Mediate </a:t>
+              </a:r>
+              <a:r>
+                <a:rPr lang="uk-UA" dirty="0">
+                  <a:solidFill>
+                    <a:schemeClr val="bg1"/>
+                  </a:solidFill>
+                </a:rPr>
+                <a:t>залишилися лише надлишкові елементи;</a:t>
+              </a:r>
+              <a:endParaRPr lang="en-US" dirty="0">
+                <a:solidFill>
+                  <a:schemeClr val="bg1"/>
+                </a:solidFill>
+              </a:endParaRPr>
+            </a:p>
+          </dgm:t>
+        </dgm:pt>
+      </mc:Fallback>
+    </mc:AlternateContent>
     <dgm:pt modelId="{78A8F905-9623-4C2C-89C9-55170E79BB8C}" type="parTrans" cxnId="{1EF86E56-033E-41A2-AB7D-F57161A0C12E}">
       <dgm:prSet/>
       <dgm:spPr/>
@@ -13275,6 +14914,683 @@
         </a:p>
       </dgm:t>
     </dgm:pt>
+    <mc:AlternateContent xmlns:mc="http://schemas.openxmlformats.org/markup-compatibility/2006">
+      <mc:Choice xmlns:a14="http://schemas.microsoft.com/office/drawing/2010/main" Requires="a14">
+        <dgm:pt modelId="{BF1D03DA-AA56-4DB2-9B96-3563A64D0AA4}">
+          <dgm:prSet/>
+          <dgm:spPr/>
+          <dgm:t>
+            <a:bodyPr/>
+            <a:lstStyle/>
+            <a:p>
+              <a:r>
+                <a:rPr lang="uk-UA" dirty="0">
+                  <a:solidFill>
+                    <a:schemeClr val="bg1"/>
+                  </a:solidFill>
+                </a:rPr>
+                <a:t>Елементи беруться з </a:t>
+              </a:r>
+              <a14:m>
+                <m:oMath xmlns:m="http://schemas.openxmlformats.org/officeDocument/2006/math">
+                  <m:r>
+                    <a:rPr lang="en-GB" i="1" dirty="0" smtClean="0">
+                      <a:solidFill>
+                        <a:schemeClr val="bg1"/>
+                      </a:solidFill>
+                      <a:latin typeface="Cambria Math" panose="02040503050406030204" pitchFamily="18" charset="0"/>
+                    </a:rPr>
+                    <m:t>𝑅𝑖𝑔h𝑡</m:t>
+                  </m:r>
+                </m:oMath>
+              </a14:m>
+              <a:r>
+                <a:rPr lang="en-GB" dirty="0">
+                  <a:solidFill>
+                    <a:schemeClr val="bg1"/>
+                  </a:solidFill>
+                </a:rPr>
+                <a:t> </a:t>
+              </a:r>
+              <a:r>
+                <a:rPr lang="uk-UA" dirty="0">
+                  <a:solidFill>
+                    <a:schemeClr val="bg1"/>
+                  </a:solidFill>
+                </a:rPr>
+                <a:t>і </a:t>
+              </a:r>
+              <a14:m>
+                <m:oMath xmlns:m="http://schemas.openxmlformats.org/officeDocument/2006/math">
+                  <m:r>
+                    <a:rPr lang="en-GB" i="1" dirty="0" smtClean="0">
+                      <a:solidFill>
+                        <a:schemeClr val="bg1"/>
+                      </a:solidFill>
+                      <a:latin typeface="Cambria Math" panose="02040503050406030204" pitchFamily="18" charset="0"/>
+                    </a:rPr>
+                    <m:t>𝑅𝑖𝑔h𝑡𝐶𝑜𝑝𝑦</m:t>
+                  </m:r>
+                </m:oMath>
+              </a14:m>
+              <a:r>
+                <a:rPr lang="en-GB" dirty="0">
+                  <a:solidFill>
+                    <a:schemeClr val="bg1"/>
+                  </a:solidFill>
+                </a:rPr>
+                <a:t>;</a:t>
+              </a:r>
+              <a:endParaRPr lang="en-US" dirty="0">
+                <a:solidFill>
+                  <a:schemeClr val="bg1"/>
+                </a:solidFill>
+              </a:endParaRPr>
+            </a:p>
+          </dgm:t>
+        </dgm:pt>
+      </mc:Choice>
+      <mc:Fallback>
+        <dgm:pt modelId="{BF1D03DA-AA56-4DB2-9B96-3563A64D0AA4}">
+          <dgm:prSet/>
+          <dgm:spPr/>
+          <dgm:t>
+            <a:bodyPr/>
+            <a:lstStyle/>
+            <a:p>
+              <a:r>
+                <a:rPr lang="uk-UA" dirty="0">
+                  <a:solidFill>
+                    <a:schemeClr val="bg1"/>
+                  </a:solidFill>
+                </a:rPr>
+                <a:t>Елементи беруться з </a:t>
+              </a:r>
+              <a:r>
+                <a:rPr lang="en-GB" i="0" dirty="0">
+                  <a:solidFill>
+                    <a:schemeClr val="bg1"/>
+                  </a:solidFill>
+                  <a:latin typeface="Cambria Math" panose="02040503050406030204" pitchFamily="18" charset="0"/>
+                </a:rPr>
+                <a:t>𝑅𝑖𝑔ℎ𝑡</a:t>
+              </a:r>
+              <a:r>
+                <a:rPr lang="en-GB" dirty="0">
+                  <a:solidFill>
+                    <a:schemeClr val="bg1"/>
+                  </a:solidFill>
+                </a:rPr>
+                <a:t> </a:t>
+              </a:r>
+              <a:r>
+                <a:rPr lang="uk-UA" dirty="0">
+                  <a:solidFill>
+                    <a:schemeClr val="bg1"/>
+                  </a:solidFill>
+                </a:rPr>
+                <a:t>і </a:t>
+              </a:r>
+              <a:r>
+                <a:rPr lang="en-GB" i="0" dirty="0">
+                  <a:solidFill>
+                    <a:schemeClr val="bg1"/>
+                  </a:solidFill>
+                  <a:latin typeface="Cambria Math" panose="02040503050406030204" pitchFamily="18" charset="0"/>
+                </a:rPr>
+                <a:t>𝑅𝑖𝑔ℎ𝑡𝐶𝑜𝑝𝑦</a:t>
+              </a:r>
+              <a:r>
+                <a:rPr lang="en-GB" dirty="0">
+                  <a:solidFill>
+                    <a:schemeClr val="bg1"/>
+                  </a:solidFill>
+                </a:rPr>
+                <a:t>;</a:t>
+              </a:r>
+              <a:endParaRPr lang="en-US" dirty="0">
+                <a:solidFill>
+                  <a:schemeClr val="bg1"/>
+                </a:solidFill>
+              </a:endParaRPr>
+            </a:p>
+          </dgm:t>
+        </dgm:pt>
+      </mc:Fallback>
+    </mc:AlternateContent>
+    <dgm:pt modelId="{340E34C4-FF13-4F1A-A2AB-F8B4287658FD}" type="parTrans" cxnId="{E073C7A2-88EC-4A2F-8471-05F92E42AADD}">
+      <dgm:prSet/>
+      <dgm:spPr/>
+      <dgm:t>
+        <a:bodyPr/>
+        <a:lstStyle/>
+        <a:p>
+          <a:endParaRPr lang="en-US"/>
+        </a:p>
+      </dgm:t>
+    </dgm:pt>
+    <dgm:pt modelId="{D616F339-742B-472B-BF26-C744839E43EC}" type="sibTrans" cxnId="{E073C7A2-88EC-4A2F-8471-05F92E42AADD}">
+      <dgm:prSet/>
+      <dgm:spPr/>
+      <dgm:t>
+        <a:bodyPr/>
+        <a:lstStyle/>
+        <a:p>
+          <a:endParaRPr lang="en-US"/>
+        </a:p>
+      </dgm:t>
+    </dgm:pt>
+    <mc:AlternateContent xmlns:mc="http://schemas.openxmlformats.org/markup-compatibility/2006">
+      <mc:Choice xmlns:a14="http://schemas.microsoft.com/office/drawing/2010/main" Requires="a14">
+        <dgm:pt modelId="{0EF3BAE7-3DAE-4B7D-8E2A-6A416D7D4047}">
+          <dgm:prSet/>
+          <dgm:spPr/>
+          <dgm:t>
+            <a:bodyPr/>
+            <a:lstStyle/>
+            <a:p>
+              <a:r>
+                <a:rPr lang="uk-UA" dirty="0">
+                  <a:solidFill>
+                    <a:schemeClr val="bg1"/>
+                  </a:solidFill>
+                </a:rPr>
+                <a:t>Елементи кладуться в </a:t>
+              </a:r>
+              <a14:m>
+                <m:oMath xmlns:m="http://schemas.openxmlformats.org/officeDocument/2006/math">
+                  <m:r>
+                    <a:rPr lang="en-US" i="1" dirty="0" smtClean="0">
+                      <a:solidFill>
+                        <a:schemeClr val="bg1"/>
+                      </a:solidFill>
+                      <a:latin typeface="Cambria Math" panose="02040503050406030204" pitchFamily="18" charset="0"/>
+                    </a:rPr>
+                    <m:t>𝐿𝑒𝑓𝑡</m:t>
+                  </m:r>
+                </m:oMath>
+              </a14:m>
+              <a:r>
+                <a:rPr lang="en-US" dirty="0">
+                  <a:solidFill>
+                    <a:schemeClr val="bg1"/>
+                  </a:solidFill>
+                </a:rPr>
+                <a:t>;</a:t>
+              </a:r>
+            </a:p>
+          </dgm:t>
+        </dgm:pt>
+      </mc:Choice>
+      <mc:Fallback>
+        <dgm:pt modelId="{0EF3BAE7-3DAE-4B7D-8E2A-6A416D7D4047}">
+          <dgm:prSet/>
+          <dgm:spPr/>
+          <dgm:t>
+            <a:bodyPr/>
+            <a:lstStyle/>
+            <a:p>
+              <a:r>
+                <a:rPr lang="uk-UA" dirty="0">
+                  <a:solidFill>
+                    <a:schemeClr val="bg1"/>
+                  </a:solidFill>
+                </a:rPr>
+                <a:t>Елементи кладуться в </a:t>
+              </a:r>
+              <a:r>
+                <a:rPr lang="en-US" i="0" dirty="0">
+                  <a:solidFill>
+                    <a:schemeClr val="bg1"/>
+                  </a:solidFill>
+                  <a:latin typeface="Cambria Math" panose="02040503050406030204" pitchFamily="18" charset="0"/>
+                </a:rPr>
+                <a:t>𝐿𝑒𝑓𝑡</a:t>
+              </a:r>
+              <a:r>
+                <a:rPr lang="en-US" dirty="0">
+                  <a:solidFill>
+                    <a:schemeClr val="bg1"/>
+                  </a:solidFill>
+                </a:rPr>
+                <a:t>;</a:t>
+              </a:r>
+            </a:p>
+          </dgm:t>
+        </dgm:pt>
+      </mc:Fallback>
+    </mc:AlternateContent>
+    <dgm:pt modelId="{35057382-DC48-4174-8C35-A45F9FA2FED3}" type="parTrans" cxnId="{99B64C53-D6F6-43F4-A9E3-F9AC23D3BB42}">
+      <dgm:prSet/>
+      <dgm:spPr/>
+      <dgm:t>
+        <a:bodyPr/>
+        <a:lstStyle/>
+        <a:p>
+          <a:endParaRPr lang="en-US"/>
+        </a:p>
+      </dgm:t>
+    </dgm:pt>
+    <dgm:pt modelId="{EE376383-CCF2-415F-BC77-3DEB7DAAC157}" type="sibTrans" cxnId="{99B64C53-D6F6-43F4-A9E3-F9AC23D3BB42}">
+      <dgm:prSet/>
+      <dgm:spPr/>
+      <dgm:t>
+        <a:bodyPr/>
+        <a:lstStyle/>
+        <a:p>
+          <a:endParaRPr lang="en-US"/>
+        </a:p>
+      </dgm:t>
+    </dgm:pt>
+    <mc:AlternateContent xmlns:mc="http://schemas.openxmlformats.org/markup-compatibility/2006">
+      <mc:Choice xmlns:a14="http://schemas.microsoft.com/office/drawing/2010/main" Requires="a14">
+        <dgm:pt modelId="{83116729-11BC-4E04-9D91-DF5BFE770984}">
+          <dgm:prSet/>
+          <dgm:spPr/>
+          <dgm:t>
+            <a:bodyPr/>
+            <a:lstStyle/>
+            <a:p>
+              <a:r>
+                <a:rPr lang="uk-UA" dirty="0">
+                  <a:solidFill>
+                    <a:schemeClr val="bg1"/>
+                  </a:solidFill>
+                </a:rPr>
+                <a:t>Очищення </a:t>
+              </a:r>
+              <a14:m>
+                <m:oMath xmlns:m="http://schemas.openxmlformats.org/officeDocument/2006/math">
+                  <m:r>
+                    <a:rPr lang="en-GB" i="1" dirty="0" smtClean="0">
+                      <a:solidFill>
+                        <a:schemeClr val="bg1"/>
+                      </a:solidFill>
+                      <a:latin typeface="Cambria Math" panose="02040503050406030204" pitchFamily="18" charset="0"/>
+                    </a:rPr>
+                    <m:t>𝑅𝑖𝑔h𝑡𝐶𝑜𝑝𝑦𝑅𝑒𝑠𝑒𝑟𝑣𝑒</m:t>
+                  </m:r>
+                </m:oMath>
+              </a14:m>
+              <a:r>
+                <a:rPr lang="uk-UA" dirty="0">
+                  <a:solidFill>
+                    <a:schemeClr val="bg1"/>
+                  </a:solidFill>
+                </a:rPr>
+                <a:t>(достатньо по одній операції в звичайному режимі)</a:t>
+              </a:r>
+              <a:endParaRPr lang="en-US" dirty="0">
+                <a:solidFill>
+                  <a:schemeClr val="bg1"/>
+                </a:solidFill>
+              </a:endParaRPr>
+            </a:p>
+          </dgm:t>
+        </dgm:pt>
+      </mc:Choice>
+      <mc:Fallback>
+        <dgm:pt modelId="{83116729-11BC-4E04-9D91-DF5BFE770984}">
+          <dgm:prSet/>
+          <dgm:spPr/>
+          <dgm:t>
+            <a:bodyPr/>
+            <a:lstStyle/>
+            <a:p>
+              <a:r>
+                <a:rPr lang="uk-UA" dirty="0">
+                  <a:solidFill>
+                    <a:schemeClr val="bg1"/>
+                  </a:solidFill>
+                </a:rPr>
+                <a:t>Очищення </a:t>
+              </a:r>
+              <a:r>
+                <a:rPr lang="en-GB" i="0" dirty="0">
+                  <a:solidFill>
+                    <a:schemeClr val="bg1"/>
+                  </a:solidFill>
+                  <a:latin typeface="Cambria Math" panose="02040503050406030204" pitchFamily="18" charset="0"/>
+                </a:rPr>
+                <a:t>𝑅𝑖𝑔ℎ𝑡𝐶𝑜𝑝𝑦𝑅𝑒𝑠𝑒𝑟𝑣𝑒</a:t>
+              </a:r>
+              <a:r>
+                <a:rPr lang="uk-UA" dirty="0">
+                  <a:solidFill>
+                    <a:schemeClr val="bg1"/>
+                  </a:solidFill>
+                </a:rPr>
+                <a:t>(достатньо по одній операції в звичайному режимі)</a:t>
+              </a:r>
+              <a:endParaRPr lang="en-US" dirty="0">
+                <a:solidFill>
+                  <a:schemeClr val="bg1"/>
+                </a:solidFill>
+              </a:endParaRPr>
+            </a:p>
+          </dgm:t>
+        </dgm:pt>
+      </mc:Fallback>
+    </mc:AlternateContent>
+    <dgm:pt modelId="{E7EA1ED8-1868-4108-8E61-5B7E44DA97EC}" type="parTrans" cxnId="{33E75EEE-5E77-4771-AB51-38F993E5E532}">
+      <dgm:prSet/>
+      <dgm:spPr/>
+      <dgm:t>
+        <a:bodyPr/>
+        <a:lstStyle/>
+        <a:p>
+          <a:endParaRPr lang="en-US"/>
+        </a:p>
+      </dgm:t>
+    </dgm:pt>
+    <dgm:pt modelId="{655DBF37-E0CF-4EA8-BDEF-A2D8A9B5991F}" type="sibTrans" cxnId="{33E75EEE-5E77-4771-AB51-38F993E5E532}">
+      <dgm:prSet/>
+      <dgm:spPr/>
+      <dgm:t>
+        <a:bodyPr/>
+        <a:lstStyle/>
+        <a:p>
+          <a:endParaRPr lang="en-US"/>
+        </a:p>
+      </dgm:t>
+    </dgm:pt>
+    <dgm:pt modelId="{A3C144F8-5716-4AD9-ADC8-97D3314C5353}" type="pres">
+      <dgm:prSet presAssocID="{290A8819-BA1F-4CFA-95D8-5E07930DF79C}" presName="cycle" presStyleCnt="0">
+        <dgm:presLayoutVars>
+          <dgm:dir/>
+          <dgm:resizeHandles val="exact"/>
+        </dgm:presLayoutVars>
+      </dgm:prSet>
+      <dgm:spPr/>
+    </dgm:pt>
+    <dgm:pt modelId="{4FD15D6E-1205-4179-927F-FC25E2CA2DDE}" type="pres">
+      <dgm:prSet presAssocID="{75475345-032D-4C5A-B6E0-B2CC9FD614C4}" presName="dummy" presStyleCnt="0"/>
+      <dgm:spPr/>
+    </dgm:pt>
+    <dgm:pt modelId="{D3E6A245-6124-4371-B632-E05EDC7D82D8}" type="pres">
+      <dgm:prSet presAssocID="{75475345-032D-4C5A-B6E0-B2CC9FD614C4}" presName="node" presStyleLbl="revTx" presStyleIdx="0" presStyleCnt="2">
+        <dgm:presLayoutVars>
+          <dgm:bulletEnabled val="1"/>
+        </dgm:presLayoutVars>
+      </dgm:prSet>
+      <dgm:spPr/>
+    </dgm:pt>
+    <dgm:pt modelId="{D87DD8A1-7D65-4EA8-9994-A16A91CA4A4C}" type="pres">
+      <dgm:prSet presAssocID="{DB5CD24C-844C-4A13-A99F-1A6AE1683012}" presName="sibTrans" presStyleLbl="node1" presStyleIdx="0" presStyleCnt="2" custLinFactNeighborX="-1063" custLinFactNeighborY="4546"/>
+      <dgm:spPr/>
+    </dgm:pt>
+    <dgm:pt modelId="{2AF2E286-D2FA-4583-8A9E-CD407583263A}" type="pres">
+      <dgm:prSet presAssocID="{6AD1D426-54FD-4A2E-884F-5FD225E4E5AA}" presName="dummy" presStyleCnt="0"/>
+      <dgm:spPr/>
+    </dgm:pt>
+    <dgm:pt modelId="{D913932E-55FC-47D2-9D6D-ABA3901EAA97}" type="pres">
+      <dgm:prSet presAssocID="{6AD1D426-54FD-4A2E-884F-5FD225E4E5AA}" presName="node" presStyleLbl="revTx" presStyleIdx="1" presStyleCnt="2">
+        <dgm:presLayoutVars>
+          <dgm:bulletEnabled val="1"/>
+        </dgm:presLayoutVars>
+      </dgm:prSet>
+      <dgm:spPr/>
+    </dgm:pt>
+    <dgm:pt modelId="{BF3C44D2-D024-425F-879A-237E020C932E}" type="pres">
+      <dgm:prSet presAssocID="{612A9073-1E75-4293-9F24-81EBC092A863}" presName="sibTrans" presStyleLbl="node1" presStyleIdx="1" presStyleCnt="2" custLinFactNeighborX="-3028" custLinFactNeighborY="-4502"/>
+      <dgm:spPr/>
+    </dgm:pt>
+  </dgm:ptLst>
+  <dgm:cxnLst>
+    <dgm:cxn modelId="{66757F19-AC94-4B43-9042-583D3377607C}" type="presOf" srcId="{DB5CD24C-844C-4A13-A99F-1A6AE1683012}" destId="{D87DD8A1-7D65-4EA8-9994-A16A91CA4A4C}" srcOrd="0" destOrd="0" presId="urn:microsoft.com/office/officeart/2005/8/layout/cycle1"/>
+    <dgm:cxn modelId="{2DA1F224-A83D-4776-B089-B50C54615EA5}" type="presOf" srcId="{0EF3BAE7-3DAE-4B7D-8E2A-6A416D7D4047}" destId="{D913932E-55FC-47D2-9D6D-ABA3901EAA97}" srcOrd="0" destOrd="2" presId="urn:microsoft.com/office/officeart/2005/8/layout/cycle1"/>
+    <dgm:cxn modelId="{15BDF02F-E357-408B-BDB2-D9DA8B4660F5}" srcId="{75475345-032D-4C5A-B6E0-B2CC9FD614C4}" destId="{E0B80E3A-EA43-4150-8950-69BFA43B557F}" srcOrd="1" destOrd="0" parTransId="{6883B7A2-34ED-4BF5-A33F-E267D1C6EEB7}" sibTransId="{194B5843-4BAA-439B-B96E-AB49BC6B248A}"/>
+    <dgm:cxn modelId="{7791A460-FFD4-4350-9924-1C497837C4CC}" srcId="{75475345-032D-4C5A-B6E0-B2CC9FD614C4}" destId="{13A1FA88-E13E-4541-A878-5FAB6C48BB5B}" srcOrd="2" destOrd="0" parTransId="{2ED8B114-FDCE-450E-BFCB-AB89A3863189}" sibTransId="{B96519C2-87DA-4674-8C91-6D8C4954D53C}"/>
+    <dgm:cxn modelId="{14CE8B61-61B9-4DBF-A138-0EEDC78499AB}" type="presOf" srcId="{83116729-11BC-4E04-9D91-DF5BFE770984}" destId="{D913932E-55FC-47D2-9D6D-ABA3901EAA97}" srcOrd="0" destOrd="3" presId="urn:microsoft.com/office/officeart/2005/8/layout/cycle1"/>
+    <dgm:cxn modelId="{200C1368-20B4-4159-868B-195B1430D69E}" srcId="{290A8819-BA1F-4CFA-95D8-5E07930DF79C}" destId="{6AD1D426-54FD-4A2E-884F-5FD225E4E5AA}" srcOrd="1" destOrd="0" parTransId="{AFF438BC-F728-4578-84F1-87FE201264F5}" sibTransId="{612A9073-1E75-4293-9F24-81EBC092A863}"/>
+    <dgm:cxn modelId="{9A1C3349-A45B-44D8-A8BB-4490B6F84A98}" type="presOf" srcId="{612A9073-1E75-4293-9F24-81EBC092A863}" destId="{BF3C44D2-D024-425F-879A-237E020C932E}" srcOrd="0" destOrd="0" presId="urn:microsoft.com/office/officeart/2005/8/layout/cycle1"/>
+    <dgm:cxn modelId="{99B64C53-D6F6-43F4-A9E3-F9AC23D3BB42}" srcId="{6AD1D426-54FD-4A2E-884F-5FD225E4E5AA}" destId="{0EF3BAE7-3DAE-4B7D-8E2A-6A416D7D4047}" srcOrd="1" destOrd="0" parTransId="{35057382-DC48-4174-8C35-A45F9FA2FED3}" sibTransId="{EE376383-CCF2-415F-BC77-3DEB7DAAC157}"/>
+    <dgm:cxn modelId="{1EF86E56-033E-41A2-AB7D-F57161A0C12E}" srcId="{75475345-032D-4C5A-B6E0-B2CC9FD614C4}" destId="{311E78A3-DA4C-4C5D-87FC-D37709D8512E}" srcOrd="0" destOrd="0" parTransId="{78A8F905-9623-4C2C-89C9-55170E79BB8C}" sibTransId="{F6F4958D-FA74-4D86-A7A0-3A9ABB6733A5}"/>
+    <dgm:cxn modelId="{5313CE82-F4B9-4D3E-A688-F9F17C38E2C1}" type="presOf" srcId="{E0B80E3A-EA43-4150-8950-69BFA43B557F}" destId="{D3E6A245-6124-4371-B632-E05EDC7D82D8}" srcOrd="0" destOrd="2" presId="urn:microsoft.com/office/officeart/2005/8/layout/cycle1"/>
+    <dgm:cxn modelId="{E073C7A2-88EC-4A2F-8471-05F92E42AADD}" srcId="{6AD1D426-54FD-4A2E-884F-5FD225E4E5AA}" destId="{BF1D03DA-AA56-4DB2-9B96-3563A64D0AA4}" srcOrd="0" destOrd="0" parTransId="{340E34C4-FF13-4F1A-A2AB-F8B4287658FD}" sibTransId="{D616F339-742B-472B-BF26-C744839E43EC}"/>
+    <dgm:cxn modelId="{D338A5B4-C5A9-4F54-80C1-3086A6C4CD9E}" type="presOf" srcId="{6AD1D426-54FD-4A2E-884F-5FD225E4E5AA}" destId="{D913932E-55FC-47D2-9D6D-ABA3901EAA97}" srcOrd="0" destOrd="0" presId="urn:microsoft.com/office/officeart/2005/8/layout/cycle1"/>
+    <dgm:cxn modelId="{B0D541BE-3192-4759-8736-A11D840A2097}" type="presOf" srcId="{13A1FA88-E13E-4541-A878-5FAB6C48BB5B}" destId="{D3E6A245-6124-4371-B632-E05EDC7D82D8}" srcOrd="0" destOrd="3" presId="urn:microsoft.com/office/officeart/2005/8/layout/cycle1"/>
+    <dgm:cxn modelId="{2BF9FEC5-4E00-4A8A-B97C-05C29726F12D}" type="presOf" srcId="{75475345-032D-4C5A-B6E0-B2CC9FD614C4}" destId="{D3E6A245-6124-4371-B632-E05EDC7D82D8}" srcOrd="0" destOrd="0" presId="urn:microsoft.com/office/officeart/2005/8/layout/cycle1"/>
+    <dgm:cxn modelId="{E763C7C8-CB17-4F2D-98CF-B47C33EFC6E2}" type="presOf" srcId="{BF1D03DA-AA56-4DB2-9B96-3563A64D0AA4}" destId="{D913932E-55FC-47D2-9D6D-ABA3901EAA97}" srcOrd="0" destOrd="1" presId="urn:microsoft.com/office/officeart/2005/8/layout/cycle1"/>
+    <dgm:cxn modelId="{BE52AAD3-231E-4357-9D43-F939070F9397}" type="presOf" srcId="{290A8819-BA1F-4CFA-95D8-5E07930DF79C}" destId="{A3C144F8-5716-4AD9-ADC8-97D3314C5353}" srcOrd="0" destOrd="0" presId="urn:microsoft.com/office/officeart/2005/8/layout/cycle1"/>
+    <dgm:cxn modelId="{33E75EEE-5E77-4771-AB51-38F993E5E532}" srcId="{6AD1D426-54FD-4A2E-884F-5FD225E4E5AA}" destId="{83116729-11BC-4E04-9D91-DF5BFE770984}" srcOrd="2" destOrd="0" parTransId="{E7EA1ED8-1868-4108-8E61-5B7E44DA97EC}" sibTransId="{655DBF37-E0CF-4EA8-BDEF-A2D8A9B5991F}"/>
+    <dgm:cxn modelId="{12969BF1-88D7-4A57-A099-E26C4FFC68AF}" srcId="{290A8819-BA1F-4CFA-95D8-5E07930DF79C}" destId="{75475345-032D-4C5A-B6E0-B2CC9FD614C4}" srcOrd="0" destOrd="0" parTransId="{DB592F09-4F11-4002-B7EC-A80BAA8C888B}" sibTransId="{DB5CD24C-844C-4A13-A99F-1A6AE1683012}"/>
+    <dgm:cxn modelId="{43BFADFD-8398-489F-9E64-260211C1948D}" type="presOf" srcId="{311E78A3-DA4C-4C5D-87FC-D37709D8512E}" destId="{D3E6A245-6124-4371-B632-E05EDC7D82D8}" srcOrd="0" destOrd="1" presId="urn:microsoft.com/office/officeart/2005/8/layout/cycle1"/>
+    <dgm:cxn modelId="{77185022-C4B5-4697-951C-67B63AD379D1}" type="presParOf" srcId="{A3C144F8-5716-4AD9-ADC8-97D3314C5353}" destId="{4FD15D6E-1205-4179-927F-FC25E2CA2DDE}" srcOrd="0" destOrd="0" presId="urn:microsoft.com/office/officeart/2005/8/layout/cycle1"/>
+    <dgm:cxn modelId="{1FE35108-DE87-4B86-AA52-0506A3CA8334}" type="presParOf" srcId="{A3C144F8-5716-4AD9-ADC8-97D3314C5353}" destId="{D3E6A245-6124-4371-B632-E05EDC7D82D8}" srcOrd="1" destOrd="0" presId="urn:microsoft.com/office/officeart/2005/8/layout/cycle1"/>
+    <dgm:cxn modelId="{FEA5D2AC-0D1C-4FE4-8B3D-E007ECFAE995}" type="presParOf" srcId="{A3C144F8-5716-4AD9-ADC8-97D3314C5353}" destId="{D87DD8A1-7D65-4EA8-9994-A16A91CA4A4C}" srcOrd="2" destOrd="0" presId="urn:microsoft.com/office/officeart/2005/8/layout/cycle1"/>
+    <dgm:cxn modelId="{621BBDBD-2DE8-4DAB-9577-0E851A252A26}" type="presParOf" srcId="{A3C144F8-5716-4AD9-ADC8-97D3314C5353}" destId="{2AF2E286-D2FA-4583-8A9E-CD407583263A}" srcOrd="3" destOrd="0" presId="urn:microsoft.com/office/officeart/2005/8/layout/cycle1"/>
+    <dgm:cxn modelId="{04EBE1AE-2D93-4AB0-BBC6-64F68D9C62C4}" type="presParOf" srcId="{A3C144F8-5716-4AD9-ADC8-97D3314C5353}" destId="{D913932E-55FC-47D2-9D6D-ABA3901EAA97}" srcOrd="4" destOrd="0" presId="urn:microsoft.com/office/officeart/2005/8/layout/cycle1"/>
+    <dgm:cxn modelId="{A0C240B8-F2B9-42A7-BEAB-E09E39DB2C35}" type="presParOf" srcId="{A3C144F8-5716-4AD9-ADC8-97D3314C5353}" destId="{BF3C44D2-D024-425F-879A-237E020C932E}" srcOrd="5" destOrd="0" presId="urn:microsoft.com/office/officeart/2005/8/layout/cycle1"/>
+  </dgm:cxnLst>
+  <dgm:bg/>
+  <dgm:whole/>
+  <dgm:extLst>
+    <a:ext uri="http://schemas.microsoft.com/office/drawing/2008/diagram">
+      <dsp:dataModelExt xmlns:dsp="http://schemas.microsoft.com/office/drawing/2008/diagram" relId="rId7" minVer="http://schemas.openxmlformats.org/drawingml/2006/diagram"/>
+    </a:ext>
+  </dgm:extLst>
+</dgm:dataModel>
+</file>
+
+<file path=ppt/diagrams/data6.xml><?xml version="1.0" encoding="utf-8"?>
+<dgm:dataModel xmlns:dgm="http://schemas.openxmlformats.org/drawingml/2006/diagram" xmlns:a="http://schemas.openxmlformats.org/drawingml/2006/main">
+  <dgm:ptLst>
+    <dgm:pt modelId="{290A8819-BA1F-4CFA-95D8-5E07930DF79C}" type="doc">
+      <dgm:prSet loTypeId="urn:microsoft.com/office/officeart/2005/8/layout/cycle1" loCatId="cycle" qsTypeId="urn:microsoft.com/office/officeart/2005/8/quickstyle/simple5" qsCatId="simple" csTypeId="urn:microsoft.com/office/officeart/2005/8/colors/colorful5" csCatId="colorful" phldr="1"/>
+      <dgm:spPr/>
+      <dgm:t>
+        <a:bodyPr/>
+        <a:lstStyle/>
+        <a:p>
+          <a:endParaRPr lang="en-US"/>
+        </a:p>
+      </dgm:t>
+    </dgm:pt>
+    <dgm:pt modelId="{75475345-032D-4C5A-B6E0-B2CC9FD614C4}">
+      <dgm:prSet/>
+      <dgm:spPr>
+        <a:blipFill>
+          <a:blip xmlns:r="http://schemas.openxmlformats.org/officeDocument/2006/relationships" r:embed="rId1"/>
+          <a:stretch>
+            <a:fillRect l="-4749" t="-1676" b="-2514"/>
+          </a:stretch>
+        </a:blipFill>
+      </dgm:spPr>
+      <dgm:t>
+        <a:bodyPr/>
+        <a:lstStyle/>
+        <a:p>
+          <a:r>
+            <a:rPr lang="uk-UA">
+              <a:noFill/>
+            </a:rPr>
+            <a:t> </a:t>
+          </a:r>
+        </a:p>
+      </dgm:t>
+    </dgm:pt>
+    <dgm:pt modelId="{DB592F09-4F11-4002-B7EC-A80BAA8C888B}" type="parTrans" cxnId="{12969BF1-88D7-4A57-A099-E26C4FFC68AF}">
+      <dgm:prSet/>
+      <dgm:spPr/>
+      <dgm:t>
+        <a:bodyPr/>
+        <a:lstStyle/>
+        <a:p>
+          <a:endParaRPr lang="en-US"/>
+        </a:p>
+      </dgm:t>
+    </dgm:pt>
+    <dgm:pt modelId="{DB5CD24C-844C-4A13-A99F-1A6AE1683012}" type="sibTrans" cxnId="{12969BF1-88D7-4A57-A099-E26C4FFC68AF}">
+      <dgm:prSet phldrT="01"/>
+      <dgm:spPr/>
+      <dgm:t>
+        <a:bodyPr/>
+        <a:lstStyle/>
+        <a:p>
+          <a:endParaRPr lang="en-US"/>
+        </a:p>
+      </dgm:t>
+    </dgm:pt>
+    <dgm:pt modelId="{311E78A3-DA4C-4C5D-87FC-D37709D8512E}">
+      <dgm:prSet/>
+      <dgm:spPr/>
+      <dgm:t>
+        <a:bodyPr/>
+        <a:lstStyle/>
+        <a:p>
+          <a:r>
+            <a:rPr lang="uk-UA">
+              <a:noFill/>
+            </a:rPr>
+            <a:t> </a:t>
+          </a:r>
+        </a:p>
+      </dgm:t>
+    </dgm:pt>
+    <dgm:pt modelId="{78A8F905-9623-4C2C-89C9-55170E79BB8C}" type="parTrans" cxnId="{1EF86E56-033E-41A2-AB7D-F57161A0C12E}">
+      <dgm:prSet/>
+      <dgm:spPr/>
+      <dgm:t>
+        <a:bodyPr/>
+        <a:lstStyle/>
+        <a:p>
+          <a:endParaRPr lang="en-US"/>
+        </a:p>
+      </dgm:t>
+    </dgm:pt>
+    <dgm:pt modelId="{F6F4958D-FA74-4D86-A7A0-3A9ABB6733A5}" type="sibTrans" cxnId="{1EF86E56-033E-41A2-AB7D-F57161A0C12E}">
+      <dgm:prSet/>
+      <dgm:spPr/>
+      <dgm:t>
+        <a:bodyPr/>
+        <a:lstStyle/>
+        <a:p>
+          <a:endParaRPr lang="en-US"/>
+        </a:p>
+      </dgm:t>
+    </dgm:pt>
+    <dgm:pt modelId="{E0B80E3A-EA43-4150-8950-69BFA43B557F}">
+      <dgm:prSet/>
+      <dgm:spPr/>
+      <dgm:t>
+        <a:bodyPr/>
+        <a:lstStyle/>
+        <a:p>
+          <a:r>
+            <a:rPr lang="uk-UA">
+              <a:noFill/>
+            </a:rPr>
+            <a:t> </a:t>
+          </a:r>
+        </a:p>
+      </dgm:t>
+    </dgm:pt>
+    <dgm:pt modelId="{6883B7A2-34ED-4BF5-A33F-E267D1C6EEB7}" type="parTrans" cxnId="{15BDF02F-E357-408B-BDB2-D9DA8B4660F5}">
+      <dgm:prSet/>
+      <dgm:spPr/>
+      <dgm:t>
+        <a:bodyPr/>
+        <a:lstStyle/>
+        <a:p>
+          <a:endParaRPr lang="en-US"/>
+        </a:p>
+      </dgm:t>
+    </dgm:pt>
+    <dgm:pt modelId="{194B5843-4BAA-439B-B96E-AB49BC6B248A}" type="sibTrans" cxnId="{15BDF02F-E357-408B-BDB2-D9DA8B4660F5}">
+      <dgm:prSet/>
+      <dgm:spPr/>
+      <dgm:t>
+        <a:bodyPr/>
+        <a:lstStyle/>
+        <a:p>
+          <a:endParaRPr lang="en-US"/>
+        </a:p>
+      </dgm:t>
+    </dgm:pt>
+    <dgm:pt modelId="{13A1FA88-E13E-4541-A878-5FAB6C48BB5B}">
+      <dgm:prSet/>
+      <dgm:spPr/>
+      <dgm:t>
+        <a:bodyPr/>
+        <a:lstStyle/>
+        <a:p>
+          <a:r>
+            <a:rPr lang="uk-UA">
+              <a:noFill/>
+            </a:rPr>
+            <a:t> </a:t>
+          </a:r>
+        </a:p>
+      </dgm:t>
+    </dgm:pt>
+    <dgm:pt modelId="{2ED8B114-FDCE-450E-BFCB-AB89A3863189}" type="parTrans" cxnId="{7791A460-FFD4-4350-9924-1C497837C4CC}">
+      <dgm:prSet/>
+      <dgm:spPr/>
+      <dgm:t>
+        <a:bodyPr/>
+        <a:lstStyle/>
+        <a:p>
+          <a:endParaRPr lang="en-US"/>
+        </a:p>
+      </dgm:t>
+    </dgm:pt>
+    <dgm:pt modelId="{B96519C2-87DA-4674-8C91-6D8C4954D53C}" type="sibTrans" cxnId="{7791A460-FFD4-4350-9924-1C497837C4CC}">
+      <dgm:prSet/>
+      <dgm:spPr/>
+      <dgm:t>
+        <a:bodyPr/>
+        <a:lstStyle/>
+        <a:p>
+          <a:endParaRPr lang="en-US"/>
+        </a:p>
+      </dgm:t>
+    </dgm:pt>
+    <dgm:pt modelId="{6AD1D426-54FD-4A2E-884F-5FD225E4E5AA}">
+      <dgm:prSet/>
+      <dgm:spPr>
+        <a:blipFill>
+          <a:blip xmlns:r="http://schemas.openxmlformats.org/officeDocument/2006/relationships" r:embed="rId2"/>
+          <a:stretch>
+            <a:fillRect l="-4749" r="-3073"/>
+          </a:stretch>
+        </a:blipFill>
+      </dgm:spPr>
+      <dgm:t>
+        <a:bodyPr/>
+        <a:lstStyle/>
+        <a:p>
+          <a:r>
+            <a:rPr lang="uk-UA">
+              <a:noFill/>
+            </a:rPr>
+            <a:t> </a:t>
+          </a:r>
+        </a:p>
+      </dgm:t>
+    </dgm:pt>
+    <dgm:pt modelId="{AFF438BC-F728-4578-84F1-87FE201264F5}" type="parTrans" cxnId="{200C1368-20B4-4159-868B-195B1430D69E}">
+      <dgm:prSet/>
+      <dgm:spPr/>
+      <dgm:t>
+        <a:bodyPr/>
+        <a:lstStyle/>
+        <a:p>
+          <a:endParaRPr lang="en-US"/>
+        </a:p>
+      </dgm:t>
+    </dgm:pt>
+    <dgm:pt modelId="{612A9073-1E75-4293-9F24-81EBC092A863}" type="sibTrans" cxnId="{200C1368-20B4-4159-868B-195B1430D69E}">
+      <dgm:prSet phldrT="02"/>
+      <dgm:spPr/>
+      <dgm:t>
+        <a:bodyPr/>
+        <a:lstStyle/>
+        <a:p>
+          <a:endParaRPr lang="en-US"/>
+        </a:p>
+      </dgm:t>
+    </dgm:pt>
     <dgm:pt modelId="{BF1D03DA-AA56-4DB2-9B96-3563A64D0AA4}">
       <dgm:prSet/>
       <dgm:spPr/>
@@ -13284,41 +15600,10 @@
         <a:p>
           <a:r>
             <a:rPr lang="uk-UA">
-              <a:solidFill>
-                <a:schemeClr val="bg1"/>
-              </a:solidFill>
+              <a:noFill/>
             </a:rPr>
-            <a:t>Елементи беруться з </a:t>
+            <a:t> </a:t>
           </a:r>
-          <a:r>
-            <a:rPr lang="en-GB">
-              <a:solidFill>
-                <a:schemeClr val="bg1"/>
-              </a:solidFill>
-            </a:rPr>
-            <a:t>Right </a:t>
-          </a:r>
-          <a:r>
-            <a:rPr lang="uk-UA">
-              <a:solidFill>
-                <a:schemeClr val="bg1"/>
-              </a:solidFill>
-            </a:rPr>
-            <a:t>і </a:t>
-          </a:r>
-          <a:r>
-            <a:rPr lang="en-GB">
-              <a:solidFill>
-                <a:schemeClr val="bg1"/>
-              </a:solidFill>
-            </a:rPr>
-            <a:t>RightCopy;</a:t>
-          </a:r>
-          <a:endParaRPr lang="en-US" dirty="0">
-            <a:solidFill>
-              <a:schemeClr val="bg1"/>
-            </a:solidFill>
-          </a:endParaRPr>
         </a:p>
       </dgm:t>
     </dgm:pt>
@@ -13353,19 +15638,9 @@
         <a:p>
           <a:r>
             <a:rPr lang="uk-UA">
-              <a:solidFill>
-                <a:schemeClr val="bg1"/>
-              </a:solidFill>
+              <a:noFill/>
             </a:rPr>
-            <a:t>Елементи кладуться в </a:t>
-          </a:r>
-          <a:r>
-            <a:rPr lang="en-US">
-              <a:solidFill>
-                <a:schemeClr val="bg1"/>
-              </a:solidFill>
-            </a:rPr>
-            <a:t>Left;</a:t>
+            <a:t> </a:t>
           </a:r>
         </a:p>
       </dgm:t>
@@ -13401,33 +15676,10 @@
         <a:p>
           <a:r>
             <a:rPr lang="uk-UA">
-              <a:solidFill>
-                <a:schemeClr val="bg1"/>
-              </a:solidFill>
+              <a:noFill/>
             </a:rPr>
-            <a:t>Очищення </a:t>
+            <a:t> </a:t>
           </a:r>
-          <a:r>
-            <a:rPr lang="en-GB">
-              <a:solidFill>
-                <a:schemeClr val="bg1"/>
-              </a:solidFill>
-            </a:rPr>
-            <a:t>RightCopyReserve</a:t>
-          </a:r>
-          <a:r>
-            <a:rPr lang="uk-UA">
-              <a:solidFill>
-                <a:schemeClr val="bg1"/>
-              </a:solidFill>
-            </a:rPr>
-            <a:t>(достатньо по одній операції в звичайному режимі)</a:t>
-          </a:r>
-          <a:endParaRPr lang="en-US">
-            <a:solidFill>
-              <a:schemeClr val="bg1"/>
-            </a:solidFill>
-          </a:endParaRPr>
         </a:p>
       </dgm:t>
     </dgm:pt>
@@ -13532,7 +15784,7 @@
 </dgm:dataModel>
 </file>
 
-<file path=ppt/diagrams/data5.xml><?xml version="1.0" encoding="utf-8"?>
+<file path=ppt/diagrams/data7.xml><?xml version="1.0" encoding="utf-8"?>
 <dgm:dataModel xmlns:dgm="http://schemas.openxmlformats.org/drawingml/2006/diagram" xmlns:a="http://schemas.openxmlformats.org/drawingml/2006/main">
   <dgm:ptLst>
     <dgm:pt modelId="{CBC0B15C-4606-4E12-918F-7325E7A18E98}" type="doc">
@@ -13913,6 +16165,378 @@
 </dgm:dataModel>
 </file>
 
+<file path=ppt/diagrams/data8.xml><?xml version="1.0" encoding="utf-8"?>
+<dgm:dataModel xmlns:dgm="http://schemas.openxmlformats.org/drawingml/2006/diagram" xmlns:a="http://schemas.openxmlformats.org/drawingml/2006/main">
+  <dgm:ptLst>
+    <dgm:pt modelId="{1D4967EA-3A2A-4B91-A01C-D7049CC05FEB}" type="doc">
+      <dgm:prSet loTypeId="urn:microsoft.com/office/officeart/2005/8/layout/vList5" loCatId="list" qsTypeId="urn:microsoft.com/office/officeart/2005/8/quickstyle/simple1" qsCatId="simple" csTypeId="urn:microsoft.com/office/officeart/2005/8/colors/colorful1" csCatId="colorful"/>
+      <dgm:spPr/>
+      <dgm:t>
+        <a:bodyPr/>
+        <a:lstStyle/>
+        <a:p>
+          <a:endParaRPr lang="en-US"/>
+        </a:p>
+      </dgm:t>
+    </dgm:pt>
+    <dgm:pt modelId="{E31C91F1-47AD-4BA2-B1A7-D7BF625B71BE}">
+      <dgm:prSet/>
+      <dgm:spPr/>
+      <dgm:t>
+        <a:bodyPr/>
+        <a:lstStyle/>
+        <a:p>
+          <a:r>
+            <a:rPr lang="uk-UA"/>
+            <a:t>Переваги</a:t>
+          </a:r>
+          <a:endParaRPr lang="en-US"/>
+        </a:p>
+      </dgm:t>
+    </dgm:pt>
+    <dgm:pt modelId="{AFA3CC56-11FB-4284-A70D-6B7CB3419008}" type="parTrans" cxnId="{B6A1B166-E2C8-4FE0-9592-35D8377653F4}">
+      <dgm:prSet/>
+      <dgm:spPr/>
+      <dgm:t>
+        <a:bodyPr/>
+        <a:lstStyle/>
+        <a:p>
+          <a:endParaRPr lang="en-US"/>
+        </a:p>
+      </dgm:t>
+    </dgm:pt>
+    <dgm:pt modelId="{8371985C-3D5D-438D-84CC-833D1411968A}" type="sibTrans" cxnId="{B6A1B166-E2C8-4FE0-9592-35D8377653F4}">
+      <dgm:prSet/>
+      <dgm:spPr/>
+      <dgm:t>
+        <a:bodyPr/>
+        <a:lstStyle/>
+        <a:p>
+          <a:endParaRPr lang="en-US"/>
+        </a:p>
+      </dgm:t>
+    </dgm:pt>
+    <dgm:pt modelId="{F99DD9E6-25BB-4B49-BF63-8333E1B35A4A}">
+      <dgm:prSet/>
+      <dgm:spPr/>
+      <dgm:t>
+        <a:bodyPr/>
+        <a:lstStyle/>
+        <a:p>
+          <a:r>
+            <a:rPr lang="uk-UA"/>
+            <a:t>Складність виконання операції сягає </a:t>
+          </a:r>
+          <a:r>
+            <a:rPr lang="en-GB"/>
+            <a:t>O(1)</a:t>
+          </a:r>
+          <a:r>
+            <a:rPr lang="uk-UA"/>
+            <a:t>, але середній час виконання збільшується. Попри це її можна використовувати у системах де критично важлива відсутність «підвисань», структура згладжує процес обчислення;</a:t>
+          </a:r>
+          <a:endParaRPr lang="en-US"/>
+        </a:p>
+      </dgm:t>
+    </dgm:pt>
+    <dgm:pt modelId="{806238EA-D4BA-4A35-9344-83895387ABC6}" type="parTrans" cxnId="{51220E72-846B-4147-A85C-49D83B2ABB93}">
+      <dgm:prSet/>
+      <dgm:spPr/>
+      <dgm:t>
+        <a:bodyPr/>
+        <a:lstStyle/>
+        <a:p>
+          <a:endParaRPr lang="en-US"/>
+        </a:p>
+      </dgm:t>
+    </dgm:pt>
+    <dgm:pt modelId="{8DD74023-1224-45A8-88F1-B1227716BF51}" type="sibTrans" cxnId="{51220E72-846B-4147-A85C-49D83B2ABB93}">
+      <dgm:prSet/>
+      <dgm:spPr/>
+      <dgm:t>
+        <a:bodyPr/>
+        <a:lstStyle/>
+        <a:p>
+          <a:endParaRPr lang="en-US"/>
+        </a:p>
+      </dgm:t>
+    </dgm:pt>
+    <dgm:pt modelId="{B4137E97-2F24-42DE-A81D-96113615FE9C}">
+      <dgm:prSet/>
+      <dgm:spPr/>
+      <dgm:t>
+        <a:bodyPr/>
+        <a:lstStyle/>
+        <a:p>
+          <a:r>
+            <a:rPr lang="uk-UA"/>
+            <a:t>Переводиться до персистентної черги.</a:t>
+          </a:r>
+          <a:endParaRPr lang="en-US"/>
+        </a:p>
+      </dgm:t>
+    </dgm:pt>
+    <dgm:pt modelId="{2CE4ECA8-489C-4C5D-97FF-1C40FCC85F09}" type="parTrans" cxnId="{D32F8B5C-7884-4D3F-9D62-FA84772FD0C6}">
+      <dgm:prSet/>
+      <dgm:spPr/>
+      <dgm:t>
+        <a:bodyPr/>
+        <a:lstStyle/>
+        <a:p>
+          <a:endParaRPr lang="en-US"/>
+        </a:p>
+      </dgm:t>
+    </dgm:pt>
+    <dgm:pt modelId="{B3653FA7-B86D-401B-BAB2-8BFACD6CFFCA}" type="sibTrans" cxnId="{D32F8B5C-7884-4D3F-9D62-FA84772FD0C6}">
+      <dgm:prSet/>
+      <dgm:spPr/>
+      <dgm:t>
+        <a:bodyPr/>
+        <a:lstStyle/>
+        <a:p>
+          <a:endParaRPr lang="en-US"/>
+        </a:p>
+      </dgm:t>
+    </dgm:pt>
+    <dgm:pt modelId="{71733AB0-A1EE-4C2B-8B94-8B3CDE0A6D30}">
+      <dgm:prSet/>
+      <dgm:spPr/>
+      <dgm:t>
+        <a:bodyPr/>
+        <a:lstStyle/>
+        <a:p>
+          <a:r>
+            <a:rPr lang="uk-UA"/>
+            <a:t>Недоліки</a:t>
+          </a:r>
+          <a:endParaRPr lang="en-US"/>
+        </a:p>
+      </dgm:t>
+    </dgm:pt>
+    <dgm:pt modelId="{DEAF5AF3-06DA-4E4D-B3FB-864B19502180}" type="parTrans" cxnId="{ACC34B12-3588-4AC1-81A9-023C1F65A6F9}">
+      <dgm:prSet/>
+      <dgm:spPr/>
+      <dgm:t>
+        <a:bodyPr/>
+        <a:lstStyle/>
+        <a:p>
+          <a:endParaRPr lang="en-US"/>
+        </a:p>
+      </dgm:t>
+    </dgm:pt>
+    <dgm:pt modelId="{245ED385-4B14-4B5C-97F1-2CD497192921}" type="sibTrans" cxnId="{ACC34B12-3588-4AC1-81A9-023C1F65A6F9}">
+      <dgm:prSet/>
+      <dgm:spPr/>
+      <dgm:t>
+        <a:bodyPr/>
+        <a:lstStyle/>
+        <a:p>
+          <a:endParaRPr lang="en-US"/>
+        </a:p>
+      </dgm:t>
+    </dgm:pt>
+    <dgm:pt modelId="{0C2172C9-CFDA-4620-A4DC-C4B7D6D8D378}">
+      <dgm:prSet/>
+      <dgm:spPr/>
+      <dgm:t>
+        <a:bodyPr/>
+        <a:lstStyle/>
+        <a:p>
+          <a:r>
+            <a:rPr lang="uk-UA"/>
+            <a:t>В середньому затратніша;</a:t>
+          </a:r>
+          <a:endParaRPr lang="en-US"/>
+        </a:p>
+      </dgm:t>
+    </dgm:pt>
+    <dgm:pt modelId="{8D067D9B-8C0F-4E8E-8CB2-152F6B3B7603}" type="parTrans" cxnId="{ADB22337-749B-4B18-BBDA-C5F0137DA4D0}">
+      <dgm:prSet/>
+      <dgm:spPr/>
+      <dgm:t>
+        <a:bodyPr/>
+        <a:lstStyle/>
+        <a:p>
+          <a:endParaRPr lang="en-US"/>
+        </a:p>
+      </dgm:t>
+    </dgm:pt>
+    <dgm:pt modelId="{28B126D1-379B-48CF-BE60-D55B2DA01AE1}" type="sibTrans" cxnId="{ADB22337-749B-4B18-BBDA-C5F0137DA4D0}">
+      <dgm:prSet/>
+      <dgm:spPr/>
+      <dgm:t>
+        <a:bodyPr/>
+        <a:lstStyle/>
+        <a:p>
+          <a:endParaRPr lang="en-US"/>
+        </a:p>
+      </dgm:t>
+    </dgm:pt>
+    <dgm:pt modelId="{0EF23896-E656-4046-8B60-1A1F6BF0AB54}">
+      <dgm:prSet/>
+      <dgm:spPr/>
+      <dgm:t>
+        <a:bodyPr/>
+        <a:lstStyle/>
+        <a:p>
+          <a:r>
+            <a:rPr lang="uk-UA"/>
+            <a:t>Більша витрата пам’яті;</a:t>
+          </a:r>
+          <a:endParaRPr lang="en-US"/>
+        </a:p>
+      </dgm:t>
+    </dgm:pt>
+    <dgm:pt modelId="{58371CEF-612A-4D33-88EE-3887F012BB71}" type="parTrans" cxnId="{6B23317C-1FF2-47E3-8B2B-39C9319B8BBA}">
+      <dgm:prSet/>
+      <dgm:spPr/>
+      <dgm:t>
+        <a:bodyPr/>
+        <a:lstStyle/>
+        <a:p>
+          <a:endParaRPr lang="en-US"/>
+        </a:p>
+      </dgm:t>
+    </dgm:pt>
+    <dgm:pt modelId="{178FDA70-4E10-418D-B853-712D206EBC01}" type="sibTrans" cxnId="{6B23317C-1FF2-47E3-8B2B-39C9319B8BBA}">
+      <dgm:prSet/>
+      <dgm:spPr/>
+      <dgm:t>
+        <a:bodyPr/>
+        <a:lstStyle/>
+        <a:p>
+          <a:endParaRPr lang="en-US"/>
+        </a:p>
+      </dgm:t>
+    </dgm:pt>
+    <dgm:pt modelId="{BC80996F-BEAB-49F1-9E9F-E634EAFEA297}">
+      <dgm:prSet/>
+      <dgm:spPr/>
+      <dgm:t>
+        <a:bodyPr/>
+        <a:lstStyle/>
+        <a:p>
+          <a:r>
+            <a:rPr lang="uk-UA"/>
+            <a:t>Велика складність реалізації / велика ймовірність допущення помилки</a:t>
+          </a:r>
+          <a:endParaRPr lang="en-US"/>
+        </a:p>
+      </dgm:t>
+    </dgm:pt>
+    <dgm:pt modelId="{089394DA-2B62-403F-B995-36AD0D1980F7}" type="parTrans" cxnId="{58F15321-8020-4FDF-9DAD-F4E0A44121AF}">
+      <dgm:prSet/>
+      <dgm:spPr/>
+      <dgm:t>
+        <a:bodyPr/>
+        <a:lstStyle/>
+        <a:p>
+          <a:endParaRPr lang="en-US"/>
+        </a:p>
+      </dgm:t>
+    </dgm:pt>
+    <dgm:pt modelId="{76890347-EB8E-42F9-98F1-FFFB4309846B}" type="sibTrans" cxnId="{58F15321-8020-4FDF-9DAD-F4E0A44121AF}">
+      <dgm:prSet/>
+      <dgm:spPr/>
+      <dgm:t>
+        <a:bodyPr/>
+        <a:lstStyle/>
+        <a:p>
+          <a:endParaRPr lang="en-US"/>
+        </a:p>
+      </dgm:t>
+    </dgm:pt>
+    <dgm:pt modelId="{CC556DDC-FB86-4079-8809-14BCBD469E39}" type="pres">
+      <dgm:prSet presAssocID="{1D4967EA-3A2A-4B91-A01C-D7049CC05FEB}" presName="Name0" presStyleCnt="0">
+        <dgm:presLayoutVars>
+          <dgm:dir/>
+          <dgm:animLvl val="lvl"/>
+          <dgm:resizeHandles val="exact"/>
+        </dgm:presLayoutVars>
+      </dgm:prSet>
+      <dgm:spPr/>
+    </dgm:pt>
+    <dgm:pt modelId="{A7A8391F-102C-462E-B6D6-B3F4C60AD45B}" type="pres">
+      <dgm:prSet presAssocID="{E31C91F1-47AD-4BA2-B1A7-D7BF625B71BE}" presName="linNode" presStyleCnt="0"/>
+      <dgm:spPr/>
+    </dgm:pt>
+    <dgm:pt modelId="{83F5FB8E-390A-444D-86D5-8CE6F65315F9}" type="pres">
+      <dgm:prSet presAssocID="{E31C91F1-47AD-4BA2-B1A7-D7BF625B71BE}" presName="parentText" presStyleLbl="node1" presStyleIdx="0" presStyleCnt="2">
+        <dgm:presLayoutVars>
+          <dgm:chMax val="1"/>
+          <dgm:bulletEnabled val="1"/>
+        </dgm:presLayoutVars>
+      </dgm:prSet>
+      <dgm:spPr/>
+    </dgm:pt>
+    <dgm:pt modelId="{27EABF72-1772-4C71-ADF9-DA5E239FE5F4}" type="pres">
+      <dgm:prSet presAssocID="{E31C91F1-47AD-4BA2-B1A7-D7BF625B71BE}" presName="descendantText" presStyleLbl="alignAccFollowNode1" presStyleIdx="0" presStyleCnt="2">
+        <dgm:presLayoutVars>
+          <dgm:bulletEnabled val="1"/>
+        </dgm:presLayoutVars>
+      </dgm:prSet>
+      <dgm:spPr/>
+    </dgm:pt>
+    <dgm:pt modelId="{700F7D06-55FB-4DE6-A70A-259527E56B55}" type="pres">
+      <dgm:prSet presAssocID="{8371985C-3D5D-438D-84CC-833D1411968A}" presName="sp" presStyleCnt="0"/>
+      <dgm:spPr/>
+    </dgm:pt>
+    <dgm:pt modelId="{1522D9B2-946E-4A7E-80DE-85430B1B5822}" type="pres">
+      <dgm:prSet presAssocID="{71733AB0-A1EE-4C2B-8B94-8B3CDE0A6D30}" presName="linNode" presStyleCnt="0"/>
+      <dgm:spPr/>
+    </dgm:pt>
+    <dgm:pt modelId="{79ED4FD8-2EB3-4217-9763-2558E80F4110}" type="pres">
+      <dgm:prSet presAssocID="{71733AB0-A1EE-4C2B-8B94-8B3CDE0A6D30}" presName="parentText" presStyleLbl="node1" presStyleIdx="1" presStyleCnt="2">
+        <dgm:presLayoutVars>
+          <dgm:chMax val="1"/>
+          <dgm:bulletEnabled val="1"/>
+        </dgm:presLayoutVars>
+      </dgm:prSet>
+      <dgm:spPr/>
+    </dgm:pt>
+    <dgm:pt modelId="{2B77268A-35DA-48A2-940F-710D0557C261}" type="pres">
+      <dgm:prSet presAssocID="{71733AB0-A1EE-4C2B-8B94-8B3CDE0A6D30}" presName="descendantText" presStyleLbl="alignAccFollowNode1" presStyleIdx="1" presStyleCnt="2">
+        <dgm:presLayoutVars>
+          <dgm:bulletEnabled val="1"/>
+        </dgm:presLayoutVars>
+      </dgm:prSet>
+      <dgm:spPr/>
+    </dgm:pt>
+  </dgm:ptLst>
+  <dgm:cxnLst>
+    <dgm:cxn modelId="{ACC34B12-3588-4AC1-81A9-023C1F65A6F9}" srcId="{1D4967EA-3A2A-4B91-A01C-D7049CC05FEB}" destId="{71733AB0-A1EE-4C2B-8B94-8B3CDE0A6D30}" srcOrd="1" destOrd="0" parTransId="{DEAF5AF3-06DA-4E4D-B3FB-864B19502180}" sibTransId="{245ED385-4B14-4B5C-97F1-2CD497192921}"/>
+    <dgm:cxn modelId="{58F15321-8020-4FDF-9DAD-F4E0A44121AF}" srcId="{71733AB0-A1EE-4C2B-8B94-8B3CDE0A6D30}" destId="{BC80996F-BEAB-49F1-9E9F-E634EAFEA297}" srcOrd="2" destOrd="0" parTransId="{089394DA-2B62-403F-B995-36AD0D1980F7}" sibTransId="{76890347-EB8E-42F9-98F1-FFFB4309846B}"/>
+    <dgm:cxn modelId="{ADB22337-749B-4B18-BBDA-C5F0137DA4D0}" srcId="{71733AB0-A1EE-4C2B-8B94-8B3CDE0A6D30}" destId="{0C2172C9-CFDA-4620-A4DC-C4B7D6D8D378}" srcOrd="0" destOrd="0" parTransId="{8D067D9B-8C0F-4E8E-8CB2-152F6B3B7603}" sibTransId="{28B126D1-379B-48CF-BE60-D55B2DA01AE1}"/>
+    <dgm:cxn modelId="{D32F8B5C-7884-4D3F-9D62-FA84772FD0C6}" srcId="{E31C91F1-47AD-4BA2-B1A7-D7BF625B71BE}" destId="{B4137E97-2F24-42DE-A81D-96113615FE9C}" srcOrd="1" destOrd="0" parTransId="{2CE4ECA8-489C-4C5D-97FF-1C40FCC85F09}" sibTransId="{B3653FA7-B86D-401B-BAB2-8BFACD6CFFCA}"/>
+    <dgm:cxn modelId="{B6A1B166-E2C8-4FE0-9592-35D8377653F4}" srcId="{1D4967EA-3A2A-4B91-A01C-D7049CC05FEB}" destId="{E31C91F1-47AD-4BA2-B1A7-D7BF625B71BE}" srcOrd="0" destOrd="0" parTransId="{AFA3CC56-11FB-4284-A70D-6B7CB3419008}" sibTransId="{8371985C-3D5D-438D-84CC-833D1411968A}"/>
+    <dgm:cxn modelId="{51220E72-846B-4147-A85C-49D83B2ABB93}" srcId="{E31C91F1-47AD-4BA2-B1A7-D7BF625B71BE}" destId="{F99DD9E6-25BB-4B49-BF63-8333E1B35A4A}" srcOrd="0" destOrd="0" parTransId="{806238EA-D4BA-4A35-9344-83895387ABC6}" sibTransId="{8DD74023-1224-45A8-88F1-B1227716BF51}"/>
+    <dgm:cxn modelId="{EF8AED77-86C7-4759-8CE1-6BB121788A4F}" type="presOf" srcId="{E31C91F1-47AD-4BA2-B1A7-D7BF625B71BE}" destId="{83F5FB8E-390A-444D-86D5-8CE6F65315F9}" srcOrd="0" destOrd="0" presId="urn:microsoft.com/office/officeart/2005/8/layout/vList5"/>
+    <dgm:cxn modelId="{6B23317C-1FF2-47E3-8B2B-39C9319B8BBA}" srcId="{71733AB0-A1EE-4C2B-8B94-8B3CDE0A6D30}" destId="{0EF23896-E656-4046-8B60-1A1F6BF0AB54}" srcOrd="1" destOrd="0" parTransId="{58371CEF-612A-4D33-88EE-3887F012BB71}" sibTransId="{178FDA70-4E10-418D-B853-712D206EBC01}"/>
+    <dgm:cxn modelId="{6BCE0881-68C4-498F-8256-673866ACA78F}" type="presOf" srcId="{B4137E97-2F24-42DE-A81D-96113615FE9C}" destId="{27EABF72-1772-4C71-ADF9-DA5E239FE5F4}" srcOrd="0" destOrd="1" presId="urn:microsoft.com/office/officeart/2005/8/layout/vList5"/>
+    <dgm:cxn modelId="{D71951B8-6FB4-48C4-8D67-ACE693A48A7B}" type="presOf" srcId="{BC80996F-BEAB-49F1-9E9F-E634EAFEA297}" destId="{2B77268A-35DA-48A2-940F-710D0557C261}" srcOrd="0" destOrd="2" presId="urn:microsoft.com/office/officeart/2005/8/layout/vList5"/>
+    <dgm:cxn modelId="{78F993BB-28BB-4121-A97F-1E636612375E}" type="presOf" srcId="{0C2172C9-CFDA-4620-A4DC-C4B7D6D8D378}" destId="{2B77268A-35DA-48A2-940F-710D0557C261}" srcOrd="0" destOrd="0" presId="urn:microsoft.com/office/officeart/2005/8/layout/vList5"/>
+    <dgm:cxn modelId="{CF8537D0-6F7F-44F6-81DE-777C9DF05A40}" type="presOf" srcId="{1D4967EA-3A2A-4B91-A01C-D7049CC05FEB}" destId="{CC556DDC-FB86-4079-8809-14BCBD469E39}" srcOrd="0" destOrd="0" presId="urn:microsoft.com/office/officeart/2005/8/layout/vList5"/>
+    <dgm:cxn modelId="{DF4E34DE-72BA-448B-934D-1F6419971E4E}" type="presOf" srcId="{0EF23896-E656-4046-8B60-1A1F6BF0AB54}" destId="{2B77268A-35DA-48A2-940F-710D0557C261}" srcOrd="0" destOrd="1" presId="urn:microsoft.com/office/officeart/2005/8/layout/vList5"/>
+    <dgm:cxn modelId="{34A051E1-2842-452C-BA34-0B3244D27975}" type="presOf" srcId="{71733AB0-A1EE-4C2B-8B94-8B3CDE0A6D30}" destId="{79ED4FD8-2EB3-4217-9763-2558E80F4110}" srcOrd="0" destOrd="0" presId="urn:microsoft.com/office/officeart/2005/8/layout/vList5"/>
+    <dgm:cxn modelId="{A2CDDDF6-22F4-4A4B-BB2B-95EF8889B378}" type="presOf" srcId="{F99DD9E6-25BB-4B49-BF63-8333E1B35A4A}" destId="{27EABF72-1772-4C71-ADF9-DA5E239FE5F4}" srcOrd="0" destOrd="0" presId="urn:microsoft.com/office/officeart/2005/8/layout/vList5"/>
+    <dgm:cxn modelId="{FEB370BA-6CB2-4DA4-9E5A-41C6C7419904}" type="presParOf" srcId="{CC556DDC-FB86-4079-8809-14BCBD469E39}" destId="{A7A8391F-102C-462E-B6D6-B3F4C60AD45B}" srcOrd="0" destOrd="0" presId="urn:microsoft.com/office/officeart/2005/8/layout/vList5"/>
+    <dgm:cxn modelId="{07B7F481-F687-4A14-9813-5CD7BF0F3B55}" type="presParOf" srcId="{A7A8391F-102C-462E-B6D6-B3F4C60AD45B}" destId="{83F5FB8E-390A-444D-86D5-8CE6F65315F9}" srcOrd="0" destOrd="0" presId="urn:microsoft.com/office/officeart/2005/8/layout/vList5"/>
+    <dgm:cxn modelId="{7E85A97C-1BD0-4B07-AE4B-D7FD8E26FDFF}" type="presParOf" srcId="{A7A8391F-102C-462E-B6D6-B3F4C60AD45B}" destId="{27EABF72-1772-4C71-ADF9-DA5E239FE5F4}" srcOrd="1" destOrd="0" presId="urn:microsoft.com/office/officeart/2005/8/layout/vList5"/>
+    <dgm:cxn modelId="{2DDE1E59-2037-4035-A685-C29587CD7C0A}" type="presParOf" srcId="{CC556DDC-FB86-4079-8809-14BCBD469E39}" destId="{700F7D06-55FB-4DE6-A70A-259527E56B55}" srcOrd="1" destOrd="0" presId="urn:microsoft.com/office/officeart/2005/8/layout/vList5"/>
+    <dgm:cxn modelId="{C276F9C9-09D2-42FA-9C09-65CEE4088C90}" type="presParOf" srcId="{CC556DDC-FB86-4079-8809-14BCBD469E39}" destId="{1522D9B2-946E-4A7E-80DE-85430B1B5822}" srcOrd="2" destOrd="0" presId="urn:microsoft.com/office/officeart/2005/8/layout/vList5"/>
+    <dgm:cxn modelId="{97ACC28B-7449-4E17-AC3A-DF103941BDA9}" type="presParOf" srcId="{1522D9B2-946E-4A7E-80DE-85430B1B5822}" destId="{79ED4FD8-2EB3-4217-9763-2558E80F4110}" srcOrd="0" destOrd="0" presId="urn:microsoft.com/office/officeart/2005/8/layout/vList5"/>
+    <dgm:cxn modelId="{F1714DAC-4E98-4316-A625-548A7EF888E6}" type="presParOf" srcId="{1522D9B2-946E-4A7E-80DE-85430B1B5822}" destId="{2B77268A-35DA-48A2-940F-710D0557C261}" srcOrd="1" destOrd="0" presId="urn:microsoft.com/office/officeart/2005/8/layout/vList5"/>
+  </dgm:cxnLst>
+  <dgm:bg/>
+  <dgm:whole/>
+  <dgm:extLst>
+    <a:ext uri="http://schemas.microsoft.com/office/drawing/2008/diagram">
+      <dsp:dataModelExt xmlns:dsp="http://schemas.microsoft.com/office/drawing/2008/diagram" relId="rId7" minVer="http://schemas.openxmlformats.org/drawingml/2006/diagram"/>
+    </a:ext>
+  </dgm:extLst>
+</dgm:dataModel>
+</file>
+
 <file path=ppt/diagrams/drawing1.xml><?xml version="1.0" encoding="utf-8"?>
 <dsp:drawing xmlns:dgm="http://schemas.openxmlformats.org/drawingml/2006/diagram" xmlns:dsp="http://schemas.microsoft.com/office/drawing/2008/diagram" xmlns:a="http://schemas.openxmlformats.org/drawingml/2006/main">
   <dsp:spTree>
@@ -13928,8 +16552,8 @@
       </dsp:nvSpPr>
       <dsp:spPr>
         <a:xfrm>
-          <a:off x="197" y="258763"/>
-          <a:ext cx="2389393" cy="2867272"/>
+          <a:off x="224" y="948130"/>
+          <a:ext cx="2716615" cy="3259938"/>
         </a:xfrm>
         <a:prstGeom prst="rect">
           <a:avLst/>
@@ -14004,12 +16628,12 @@
         </a:fontRef>
       </dsp:style>
       <dsp:txBody>
-        <a:bodyPr spcFirstLastPara="0" vert="horz" wrap="square" lIns="236019" tIns="0" rIns="236019" bIns="330200" numCol="1" spcCol="1270" anchor="t" anchorCtr="0">
+        <a:bodyPr spcFirstLastPara="0" vert="horz" wrap="square" lIns="268341" tIns="0" rIns="268341" bIns="330200" numCol="1" spcCol="1270" anchor="t" anchorCtr="0">
           <a:noAutofit/>
         </a:bodyPr>
         <a:lstStyle/>
         <a:p>
-          <a:pPr marL="0" lvl="0" indent="0" algn="l" defTabSz="577850">
+          <a:pPr marL="0" lvl="0" indent="0" algn="l" defTabSz="711200">
             <a:lnSpc>
               <a:spcPct val="90000"/>
             </a:lnSpc>
@@ -14022,15 +16646,15 @@
             <a:buNone/>
           </a:pPr>
           <a:r>
-            <a:rPr lang="uk-UA" sz="1300" kern="1200"/>
+            <a:rPr lang="uk-UA" sz="1600" kern="1200" dirty="0"/>
             <a:t>Черга, як структура даних функціонує за принципом «перший прийшов — перший прийшов», як і в реальному житті</a:t>
           </a:r>
-          <a:endParaRPr lang="en-US" sz="1300" kern="1200"/>
+          <a:endParaRPr lang="en-US" sz="1600" kern="1200" dirty="0"/>
         </a:p>
       </dsp:txBody>
       <dsp:txXfrm>
-        <a:off x="197" y="1405672"/>
-        <a:ext cx="2389393" cy="1720363"/>
+        <a:off x="224" y="2252106"/>
+        <a:ext cx="2716615" cy="1955963"/>
       </dsp:txXfrm>
     </dsp:sp>
     <dsp:sp modelId="{6031B1AD-CD21-4DA5-B62A-6E19B1645040}">
@@ -14040,8 +16664,8 @@
       </dsp:nvSpPr>
       <dsp:spPr>
         <a:xfrm>
-          <a:off x="197" y="258763"/>
-          <a:ext cx="2389393" cy="1146908"/>
+          <a:off x="224" y="948130"/>
+          <a:ext cx="2716615" cy="1303975"/>
         </a:xfrm>
         <a:prstGeom prst="rect">
           <a:avLst/>
@@ -14083,12 +16707,12 @@
         </a:fontRef>
       </dsp:style>
       <dsp:txBody>
-        <a:bodyPr spcFirstLastPara="0" vert="horz" wrap="square" lIns="236019" tIns="165100" rIns="236019" bIns="165100" numCol="1" spcCol="1270" anchor="ctr" anchorCtr="0">
+        <a:bodyPr spcFirstLastPara="0" vert="horz" wrap="square" lIns="268341" tIns="165100" rIns="268341" bIns="165100" numCol="1" spcCol="1270" anchor="ctr" anchorCtr="0">
           <a:noAutofit/>
         </a:bodyPr>
         <a:lstStyle/>
         <a:p>
-          <a:pPr marL="0" lvl="0" indent="0" algn="l" defTabSz="2578100">
+          <a:pPr marL="0" lvl="0" indent="0" algn="l" defTabSz="1911350">
             <a:lnSpc>
               <a:spcPct val="90000"/>
             </a:lnSpc>
@@ -14101,14 +16725,14 @@
             <a:buNone/>
           </a:pPr>
           <a:r>
-            <a:rPr lang="en-US" sz="5800" kern="1200"/>
+            <a:rPr lang="en-US" sz="4300" kern="1200"/>
             <a:t>01</a:t>
           </a:r>
         </a:p>
       </dsp:txBody>
       <dsp:txXfrm>
-        <a:off x="197" y="258763"/>
-        <a:ext cx="2389393" cy="1146908"/>
+        <a:off x="224" y="948130"/>
+        <a:ext cx="2716615" cy="1303975"/>
       </dsp:txXfrm>
     </dsp:sp>
     <dsp:sp modelId="{A3CCC479-02AB-477E-9CDC-E7156D14D738}">
@@ -14118,8 +16742,8 @@
       </dsp:nvSpPr>
       <dsp:spPr>
         <a:xfrm>
-          <a:off x="2580743" y="258763"/>
-          <a:ext cx="2389393" cy="2867272"/>
+          <a:off x="2934169" y="948130"/>
+          <a:ext cx="2716615" cy="3259938"/>
         </a:xfrm>
         <a:prstGeom prst="rect">
           <a:avLst/>
@@ -14194,12 +16818,12 @@
         </a:fontRef>
       </dsp:style>
       <dsp:txBody>
-        <a:bodyPr spcFirstLastPara="0" vert="horz" wrap="square" lIns="236019" tIns="0" rIns="236019" bIns="330200" numCol="1" spcCol="1270" anchor="t" anchorCtr="0">
+        <a:bodyPr spcFirstLastPara="0" vert="horz" wrap="square" lIns="268341" tIns="0" rIns="268341" bIns="330200" numCol="1" spcCol="1270" anchor="t" anchorCtr="0">
           <a:noAutofit/>
         </a:bodyPr>
         <a:lstStyle/>
         <a:p>
-          <a:pPr marL="0" lvl="0" indent="0" algn="l" defTabSz="577850">
+          <a:pPr marL="0" lvl="0" indent="0" algn="l" defTabSz="711200">
             <a:lnSpc>
               <a:spcPct val="90000"/>
             </a:lnSpc>
@@ -14212,15 +16836,15 @@
             <a:buNone/>
           </a:pPr>
           <a:r>
-            <a:rPr lang="uk-UA" sz="1300" kern="1200"/>
+            <a:rPr lang="uk-UA" sz="1600" kern="1200" dirty="0"/>
             <a:t>На основі цієї структури працюють обробники повідомлень (подій), які не можуть миттєво виконати поставлену задачу, тому й відкладають її «на потім» з допомогою черги</a:t>
           </a:r>
-          <a:endParaRPr lang="en-US" sz="1300" kern="1200"/>
+          <a:endParaRPr lang="en-US" sz="1600" kern="1200" dirty="0"/>
         </a:p>
       </dsp:txBody>
       <dsp:txXfrm>
-        <a:off x="2580743" y="1405672"/>
-        <a:ext cx="2389393" cy="1720363"/>
+        <a:off x="2934169" y="2252106"/>
+        <a:ext cx="2716615" cy="1955963"/>
       </dsp:txXfrm>
     </dsp:sp>
     <dsp:sp modelId="{30805C79-1200-43F1-A842-C779E9F0C073}">
@@ -14230,8 +16854,8 @@
       </dsp:nvSpPr>
       <dsp:spPr>
         <a:xfrm>
-          <a:off x="2580743" y="258763"/>
-          <a:ext cx="2389393" cy="1146908"/>
+          <a:off x="2934169" y="1130133"/>
+          <a:ext cx="2716615" cy="939970"/>
         </a:xfrm>
         <a:prstGeom prst="rect">
           <a:avLst/>
@@ -14273,12 +16897,12 @@
         </a:fontRef>
       </dsp:style>
       <dsp:txBody>
-        <a:bodyPr spcFirstLastPara="0" vert="horz" wrap="square" lIns="236019" tIns="165100" rIns="236019" bIns="165100" numCol="1" spcCol="1270" anchor="ctr" anchorCtr="0">
+        <a:bodyPr spcFirstLastPara="0" vert="horz" wrap="square" lIns="268341" tIns="165100" rIns="268341" bIns="165100" numCol="1" spcCol="1270" anchor="ctr" anchorCtr="0">
           <a:noAutofit/>
         </a:bodyPr>
         <a:lstStyle/>
         <a:p>
-          <a:pPr marL="0" lvl="0" indent="0" algn="l" defTabSz="2578100">
+          <a:pPr marL="0" lvl="0" indent="0" algn="l" defTabSz="1911350">
             <a:lnSpc>
               <a:spcPct val="90000"/>
             </a:lnSpc>
@@ -14291,14 +16915,14 @@
             <a:buNone/>
           </a:pPr>
           <a:r>
-            <a:rPr lang="en-US" sz="5800" kern="1200"/>
+            <a:rPr lang="en-US" sz="4300" kern="1200" dirty="0"/>
             <a:t>02</a:t>
           </a:r>
         </a:p>
       </dsp:txBody>
       <dsp:txXfrm>
-        <a:off x="2580743" y="258763"/>
-        <a:ext cx="2389393" cy="1146908"/>
+        <a:off x="2934169" y="1130133"/>
+        <a:ext cx="2716615" cy="939970"/>
       </dsp:txXfrm>
     </dsp:sp>
     <dsp:sp modelId="{5BDA4417-3A91-4B40-8B90-5607CB1B951A}">
@@ -14308,8 +16932,8 @@
       </dsp:nvSpPr>
       <dsp:spPr>
         <a:xfrm>
-          <a:off x="5161288" y="258763"/>
-          <a:ext cx="2389393" cy="2867272"/>
+          <a:off x="5868114" y="948130"/>
+          <a:ext cx="2716615" cy="3259938"/>
         </a:xfrm>
         <a:prstGeom prst="rect">
           <a:avLst/>
@@ -14384,12 +17008,12 @@
         </a:fontRef>
       </dsp:style>
       <dsp:txBody>
-        <a:bodyPr spcFirstLastPara="0" vert="horz" wrap="square" lIns="236019" tIns="0" rIns="236019" bIns="330200" numCol="1" spcCol="1270" anchor="t" anchorCtr="0">
+        <a:bodyPr spcFirstLastPara="0" vert="horz" wrap="square" lIns="268341" tIns="0" rIns="268341" bIns="330200" numCol="1" spcCol="1270" anchor="t" anchorCtr="0">
           <a:noAutofit/>
         </a:bodyPr>
         <a:lstStyle/>
         <a:p>
-          <a:pPr marL="0" lvl="0" indent="0" algn="l" defTabSz="577850">
+          <a:pPr marL="0" lvl="0" indent="0" algn="l" defTabSz="711200">
             <a:lnSpc>
               <a:spcPct val="90000"/>
             </a:lnSpc>
@@ -14402,15 +17026,15 @@
             <a:buNone/>
           </a:pPr>
           <a:r>
-            <a:rPr lang="uk-UA" sz="1300" kern="1200"/>
+            <a:rPr lang="uk-UA" sz="1600" kern="1200"/>
             <a:t>Важливу роль відіграє при буферизації (Наприклад у відтворенні відео, де нові завантажені кадри додаються в кінець черги, а використовують кадри початку черги)</a:t>
           </a:r>
-          <a:endParaRPr lang="en-US" sz="1300" kern="1200"/>
+          <a:endParaRPr lang="en-US" sz="1600" kern="1200"/>
         </a:p>
       </dsp:txBody>
       <dsp:txXfrm>
-        <a:off x="5161288" y="1405672"/>
-        <a:ext cx="2389393" cy="1720363"/>
+        <a:off x="5868114" y="2252106"/>
+        <a:ext cx="2716615" cy="1955963"/>
       </dsp:txXfrm>
     </dsp:sp>
     <dsp:sp modelId="{0C9CEF0A-99EA-4D48-A500-EC58380965B3}">
@@ -14420,8 +17044,8 @@
       </dsp:nvSpPr>
       <dsp:spPr>
         <a:xfrm>
-          <a:off x="5161288" y="258763"/>
-          <a:ext cx="2389393" cy="1146908"/>
+          <a:off x="5868114" y="948130"/>
+          <a:ext cx="2716615" cy="1303975"/>
         </a:xfrm>
         <a:prstGeom prst="rect">
           <a:avLst/>
@@ -14463,12 +17087,12 @@
         </a:fontRef>
       </dsp:style>
       <dsp:txBody>
-        <a:bodyPr spcFirstLastPara="0" vert="horz" wrap="square" lIns="236019" tIns="165100" rIns="236019" bIns="165100" numCol="1" spcCol="1270" anchor="ctr" anchorCtr="0">
+        <a:bodyPr spcFirstLastPara="0" vert="horz" wrap="square" lIns="268341" tIns="165100" rIns="268341" bIns="165100" numCol="1" spcCol="1270" anchor="ctr" anchorCtr="0">
           <a:noAutofit/>
         </a:bodyPr>
         <a:lstStyle/>
         <a:p>
-          <a:pPr marL="0" lvl="0" indent="0" algn="l" defTabSz="2578100">
+          <a:pPr marL="0" lvl="0" indent="0" algn="l" defTabSz="1911350">
             <a:lnSpc>
               <a:spcPct val="90000"/>
             </a:lnSpc>
@@ -14481,14 +17105,14 @@
             <a:buNone/>
           </a:pPr>
           <a:r>
-            <a:rPr lang="en-US" sz="5800" kern="1200"/>
+            <a:rPr lang="en-US" sz="4300" kern="1200"/>
             <a:t>03</a:t>
           </a:r>
         </a:p>
       </dsp:txBody>
       <dsp:txXfrm>
-        <a:off x="5161288" y="258763"/>
-        <a:ext cx="2389393" cy="1146908"/>
+        <a:off x="5868114" y="948130"/>
+        <a:ext cx="2716615" cy="1303975"/>
       </dsp:txXfrm>
     </dsp:sp>
     <dsp:sp modelId="{D53837F3-3201-4113-AA7C-783E917ABB08}">
@@ -14498,8 +17122,8 @@
       </dsp:nvSpPr>
       <dsp:spPr>
         <a:xfrm>
-          <a:off x="7741833" y="258763"/>
-          <a:ext cx="2389393" cy="2867272"/>
+          <a:off x="8802059" y="948130"/>
+          <a:ext cx="2716615" cy="3259938"/>
         </a:xfrm>
         <a:prstGeom prst="rect">
           <a:avLst/>
@@ -14574,12 +17198,12 @@
         </a:fontRef>
       </dsp:style>
       <dsp:txBody>
-        <a:bodyPr spcFirstLastPara="0" vert="horz" wrap="square" lIns="236019" tIns="0" rIns="236019" bIns="330200" numCol="1" spcCol="1270" anchor="t" anchorCtr="0">
+        <a:bodyPr spcFirstLastPara="0" vert="horz" wrap="square" lIns="268341" tIns="0" rIns="268341" bIns="330200" numCol="1" spcCol="1270" anchor="t" anchorCtr="0">
           <a:noAutofit/>
         </a:bodyPr>
         <a:lstStyle/>
         <a:p>
-          <a:pPr marL="0" lvl="0" indent="0" algn="l" defTabSz="577850">
+          <a:pPr marL="0" lvl="0" indent="0" algn="l" defTabSz="711200">
             <a:lnSpc>
               <a:spcPct val="90000"/>
             </a:lnSpc>
@@ -14592,23 +17216,23 @@
             <a:buNone/>
           </a:pPr>
           <a:r>
-            <a:rPr lang="uk-UA" sz="1300" kern="1200"/>
+            <a:rPr lang="uk-UA" sz="1600" kern="1200"/>
             <a:t>Клавіатурний буфер </a:t>
           </a:r>
           <a:r>
-            <a:rPr lang="en-GB" sz="1300" kern="1200"/>
+            <a:rPr lang="en-GB" sz="1600" kern="1200"/>
             <a:t>BIOS </a:t>
           </a:r>
           <a:r>
-            <a:rPr lang="uk-UA" sz="1300" kern="1200"/>
+            <a:rPr lang="uk-UA" sz="1600" kern="1200"/>
             <a:t>організований у вигляді кільцевої черги</a:t>
           </a:r>
-          <a:endParaRPr lang="en-US" sz="1300" kern="1200"/>
+          <a:endParaRPr lang="en-US" sz="1600" kern="1200"/>
         </a:p>
       </dsp:txBody>
       <dsp:txXfrm>
-        <a:off x="7741833" y="1405672"/>
-        <a:ext cx="2389393" cy="1720363"/>
+        <a:off x="8802059" y="2252106"/>
+        <a:ext cx="2716615" cy="1955963"/>
       </dsp:txXfrm>
     </dsp:sp>
     <dsp:sp modelId="{055EDFAD-62EE-4005-A1BE-03DF93E1F4EE}">
@@ -14618,8 +17242,8 @@
       </dsp:nvSpPr>
       <dsp:spPr>
         <a:xfrm>
-          <a:off x="7741833" y="258763"/>
-          <a:ext cx="2389393" cy="1146908"/>
+          <a:off x="8802059" y="948130"/>
+          <a:ext cx="2716615" cy="1303975"/>
         </a:xfrm>
         <a:prstGeom prst="rect">
           <a:avLst/>
@@ -14661,12 +17285,12 @@
         </a:fontRef>
       </dsp:style>
       <dsp:txBody>
-        <a:bodyPr spcFirstLastPara="0" vert="horz" wrap="square" lIns="236019" tIns="165100" rIns="236019" bIns="165100" numCol="1" spcCol="1270" anchor="ctr" anchorCtr="0">
+        <a:bodyPr spcFirstLastPara="0" vert="horz" wrap="square" lIns="268341" tIns="165100" rIns="268341" bIns="165100" numCol="1" spcCol="1270" anchor="ctr" anchorCtr="0">
           <a:noAutofit/>
         </a:bodyPr>
         <a:lstStyle/>
         <a:p>
-          <a:pPr marL="0" lvl="0" indent="0" algn="l" defTabSz="2578100">
+          <a:pPr marL="0" lvl="0" indent="0" algn="l" defTabSz="1911350">
             <a:lnSpc>
               <a:spcPct val="90000"/>
             </a:lnSpc>
@@ -14679,14 +17303,14 @@
             <a:buNone/>
           </a:pPr>
           <a:r>
-            <a:rPr lang="en-US" sz="5800" kern="1200"/>
+            <a:rPr lang="en-US" sz="4300" kern="1200"/>
             <a:t>04</a:t>
           </a:r>
         </a:p>
       </dsp:txBody>
       <dsp:txXfrm>
-        <a:off x="7741833" y="258763"/>
-        <a:ext cx="2389393" cy="1146908"/>
+        <a:off x="8802059" y="948130"/>
+        <a:ext cx="2716615" cy="1303975"/>
       </dsp:txXfrm>
     </dsp:sp>
   </dsp:spTree>
@@ -14965,8 +17589,8 @@
       </dsp:nvSpPr>
       <dsp:spPr>
         <a:xfrm>
-          <a:off x="791" y="0"/>
-          <a:ext cx="3205646" cy="3384799"/>
+          <a:off x="916" y="0"/>
+          <a:ext cx="3712964" cy="4254500"/>
         </a:xfrm>
         <a:prstGeom prst="rect">
           <a:avLst/>
@@ -15007,12 +17631,12 @@
         </a:fontRef>
       </dsp:style>
       <dsp:txBody>
-        <a:bodyPr spcFirstLastPara="0" vert="horz" wrap="square" lIns="316647" tIns="0" rIns="316647" bIns="330200" numCol="1" spcCol="1270" anchor="t" anchorCtr="0">
+        <a:bodyPr spcFirstLastPara="0" vert="horz" wrap="square" lIns="366758" tIns="0" rIns="366758" bIns="330200" numCol="1" spcCol="1270" anchor="t" anchorCtr="0">
           <a:noAutofit/>
         </a:bodyPr>
         <a:lstStyle/>
         <a:p>
-          <a:pPr marL="0" lvl="0" indent="0" algn="l" defTabSz="622300">
+          <a:pPr marL="0" lvl="0" indent="0" algn="l" defTabSz="800100">
             <a:lnSpc>
               <a:spcPct val="90000"/>
             </a:lnSpc>
@@ -15025,71 +17649,89 @@
             <a:buNone/>
           </a:pPr>
           <a:r>
-            <a:rPr lang="uk-UA" sz="1400" kern="1200" dirty="0"/>
+            <a:rPr lang="uk-UA" sz="1800" kern="1200" dirty="0"/>
             <a:t>Під кінець процесу копіювання стек </a:t>
           </a:r>
+          <a14:m xmlns:a14="http://schemas.microsoft.com/office/drawing/2010/main">
+            <m:oMath xmlns:m="http://schemas.openxmlformats.org/officeDocument/2006/math">
+              <m:r>
+                <a:rPr lang="en-US" sz="1800" b="1" i="1" kern="1200" dirty="0" smtClean="0">
+                  <a:latin typeface="Cambria Math" panose="02040503050406030204" pitchFamily="18" charset="0"/>
+                </a:rPr>
+                <m:t>𝑹𝒊𝒈𝒉𝒕𝑪𝒐𝒑𝒚</m:t>
+              </m:r>
+            </m:oMath>
+          </a14:m>
           <a:r>
-            <a:rPr lang="en-US" sz="1400" b="1" kern="1200" dirty="0" err="1"/>
-            <a:t>RightCopy</a:t>
-          </a:r>
-          <a:r>
-            <a:rPr lang="en-US" sz="1400" b="1" kern="1200" dirty="0"/>
+            <a:rPr lang="en-US" sz="1800" b="1" kern="1200" dirty="0"/>
             <a:t> </a:t>
           </a:r>
           <a:r>
-            <a:rPr lang="uk-UA" sz="1400" b="1" kern="1200" dirty="0"/>
+            <a:rPr lang="uk-UA" sz="1800" b="1" kern="1200" dirty="0"/>
             <a:t>може не опустіти</a:t>
           </a:r>
           <a:r>
-            <a:rPr lang="uk-UA" sz="1400" kern="1200" dirty="0"/>
+            <a:rPr lang="uk-UA" sz="1800" kern="1200" dirty="0"/>
             <a:t>, тому після заміни його на </a:t>
           </a:r>
+          <a14:m xmlns:a14="http://schemas.microsoft.com/office/drawing/2010/main">
+            <m:oMath xmlns:m="http://schemas.openxmlformats.org/officeDocument/2006/math">
+              <m:r>
+                <a:rPr lang="en-GB" sz="1800" i="1" kern="1200" dirty="0" smtClean="0">
+                  <a:latin typeface="Cambria Math" panose="02040503050406030204" pitchFamily="18" charset="0"/>
+                </a:rPr>
+                <m:t>𝑅𝑖𝑔h𝑡𝐶𝑜𝑝𝑦𝑅𝑒𝑠𝑒𝑟𝑣𝑒</m:t>
+              </m:r>
+            </m:oMath>
+          </a14:m>
           <a:r>
-            <a:rPr lang="en-GB" sz="1400" kern="1200" dirty="0" err="1"/>
-            <a:t>RightCopyReserve</a:t>
-          </a:r>
-          <a:r>
-            <a:rPr lang="uk-UA" sz="1400" kern="1200" dirty="0"/>
+            <a:rPr lang="uk-UA" sz="1800" kern="1200" dirty="0"/>
             <a:t>,</a:t>
           </a:r>
           <a:r>
-            <a:rPr lang="en-GB" sz="1400" kern="1200" dirty="0"/>
+            <a:rPr lang="en-GB" sz="1800" kern="1200" dirty="0"/>
             <a:t> </a:t>
           </a:r>
           <a:r>
-            <a:rPr lang="uk-UA" sz="1400" kern="1200" dirty="0"/>
+            <a:rPr lang="uk-UA" sz="1800" kern="1200" dirty="0"/>
             <a:t>в останньому збережуться елементи, які були в </a:t>
           </a:r>
+          <a14:m xmlns:a14="http://schemas.microsoft.com/office/drawing/2010/main">
+            <m:oMath xmlns:m="http://schemas.openxmlformats.org/officeDocument/2006/math">
+              <m:r>
+                <a:rPr lang="en-GB" sz="1800" i="1" kern="1200" dirty="0" smtClean="0">
+                  <a:latin typeface="Cambria Math" panose="02040503050406030204" pitchFamily="18" charset="0"/>
+                </a:rPr>
+                <m:t>𝑅𝑖𝑔𝑡h</m:t>
+              </m:r>
+            </m:oMath>
+          </a14:m>
           <a:r>
-            <a:rPr lang="en-GB" sz="1400" kern="1200" dirty="0" err="1"/>
-            <a:t>Rigth</a:t>
-          </a:r>
-          <a:r>
-            <a:rPr lang="en-GB" sz="1400" kern="1200" dirty="0"/>
+            <a:rPr lang="en-GB" sz="1800" kern="1200" dirty="0"/>
             <a:t>, </a:t>
           </a:r>
           <a:r>
-            <a:rPr lang="uk-UA" sz="1400" kern="1200" dirty="0"/>
+            <a:rPr lang="uk-UA" sz="1800" kern="1200" dirty="0"/>
             <a:t>тому їх можна просто </a:t>
           </a:r>
           <a:r>
-            <a:rPr lang="uk-UA" sz="1400" b="1" kern="1200" dirty="0"/>
+            <a:rPr lang="uk-UA" sz="1800" b="1" kern="1200" dirty="0"/>
             <a:t>вивільняти</a:t>
           </a:r>
           <a:r>
-            <a:rPr lang="en-GB" sz="1400" b="1" kern="1200" dirty="0"/>
+            <a:rPr lang="en-GB" sz="1800" b="1" kern="1200" dirty="0"/>
             <a:t> </a:t>
           </a:r>
           <a:r>
-            <a:rPr lang="uk-UA" sz="1400" b="1" kern="1200" dirty="0"/>
+            <a:rPr lang="uk-UA" sz="1800" b="1" kern="1200" dirty="0"/>
             <a:t>в звичайному режимі</a:t>
           </a:r>
-          <a:endParaRPr lang="en-US" sz="1400" b="1" kern="1200" dirty="0"/>
+          <a:endParaRPr lang="en-US" sz="1800" b="1" kern="1200" dirty="0"/>
         </a:p>
       </dsp:txBody>
       <dsp:txXfrm>
-        <a:off x="791" y="1353919"/>
-        <a:ext cx="3205646" cy="2030879"/>
+        <a:off x="916" y="1701800"/>
+        <a:ext cx="3712964" cy="2552700"/>
       </dsp:txXfrm>
     </dsp:sp>
     <dsp:sp modelId="{00C6B573-97D4-4CD6-823A-B660500B7E11}">
@@ -15099,8 +17741,8 @@
       </dsp:nvSpPr>
       <dsp:spPr>
         <a:xfrm>
-          <a:off x="791" y="0"/>
-          <a:ext cx="3205646" cy="1353919"/>
+          <a:off x="916" y="0"/>
+          <a:ext cx="3712964" cy="1701800"/>
         </a:xfrm>
         <a:prstGeom prst="rect">
           <a:avLst/>
@@ -15128,7 +17770,7 @@
         </a:fontRef>
       </dsp:style>
       <dsp:txBody>
-        <a:bodyPr spcFirstLastPara="0" vert="horz" wrap="square" lIns="316647" tIns="165100" rIns="316647" bIns="165100" numCol="1" spcCol="1270" anchor="ctr" anchorCtr="0">
+        <a:bodyPr spcFirstLastPara="0" vert="horz" wrap="square" lIns="366758" tIns="165100" rIns="366758" bIns="165100" numCol="1" spcCol="1270" anchor="ctr" anchorCtr="0">
           <a:noAutofit/>
         </a:bodyPr>
         <a:lstStyle/>
@@ -15153,8 +17795,8 @@
         </a:p>
       </dsp:txBody>
       <dsp:txXfrm>
-        <a:off x="791" y="0"/>
-        <a:ext cx="3205646" cy="1353919"/>
+        <a:off x="916" y="0"/>
+        <a:ext cx="3712964" cy="1701800"/>
       </dsp:txXfrm>
     </dsp:sp>
     <dsp:sp modelId="{9E9C972A-3B71-4542-A07A-B18AE658DA4D}">
@@ -15164,8 +17806,8 @@
       </dsp:nvSpPr>
       <dsp:spPr>
         <a:xfrm>
-          <a:off x="3462889" y="0"/>
-          <a:ext cx="3205646" cy="3384799"/>
+          <a:off x="4010917" y="0"/>
+          <a:ext cx="3712964" cy="4254500"/>
         </a:xfrm>
         <a:prstGeom prst="rect">
           <a:avLst/>
@@ -15206,12 +17848,12 @@
         </a:fontRef>
       </dsp:style>
       <dsp:txBody>
-        <a:bodyPr spcFirstLastPara="0" vert="horz" wrap="square" lIns="316647" tIns="0" rIns="316647" bIns="330200" numCol="1" spcCol="1270" anchor="t" anchorCtr="0">
+        <a:bodyPr spcFirstLastPara="0" vert="horz" wrap="square" lIns="366758" tIns="0" rIns="366758" bIns="330200" numCol="1" spcCol="1270" anchor="t" anchorCtr="0">
           <a:noAutofit/>
         </a:bodyPr>
         <a:lstStyle/>
         <a:p>
-          <a:pPr marL="0" lvl="0" indent="0" algn="l" defTabSz="622300">
+          <a:pPr marL="0" lvl="0" indent="0" algn="l" defTabSz="800100">
             <a:lnSpc>
               <a:spcPct val="90000"/>
             </a:lnSpc>
@@ -15224,71 +17866,101 @@
             <a:buNone/>
           </a:pPr>
           <a:r>
-            <a:rPr lang="uk-UA" sz="1400" kern="1200" dirty="0"/>
+            <a:rPr lang="uk-UA" sz="1800" kern="1200" dirty="0"/>
             <a:t>При операціях </a:t>
           </a:r>
+          <a14:m xmlns:a14="http://schemas.microsoft.com/office/drawing/2010/main">
+            <m:oMath xmlns:m="http://schemas.openxmlformats.org/officeDocument/2006/math">
+              <m:r>
+                <a:rPr lang="en-US" sz="1800" i="1" kern="1200" dirty="0" smtClean="0">
+                  <a:latin typeface="Cambria Math" panose="02040503050406030204" pitchFamily="18" charset="0"/>
+                </a:rPr>
+                <m:t>𝑝𝑜𝑝</m:t>
+              </m:r>
+              <m:r>
+                <a:rPr lang="en-US" sz="1800" i="1" kern="1200" dirty="0" smtClean="0">
+                  <a:latin typeface="Cambria Math" panose="02040503050406030204" pitchFamily="18" charset="0"/>
+                </a:rPr>
+                <m:t>() </m:t>
+              </m:r>
+            </m:oMath>
+          </a14:m>
           <a:r>
-            <a:rPr lang="en-US" sz="1400" kern="1200" dirty="0"/>
-            <a:t>pop() </a:t>
-          </a:r>
-          <a:r>
-            <a:rPr lang="uk-UA" sz="1400" kern="1200" dirty="0"/>
+            <a:rPr lang="uk-UA" sz="1800" kern="1200" dirty="0"/>
             <a:t>під час </a:t>
           </a:r>
           <a:r>
-            <a:rPr lang="uk-UA" sz="1400" kern="1200" dirty="0" err="1"/>
+            <a:rPr lang="uk-UA" sz="1800" kern="1200" dirty="0" err="1"/>
             <a:t>перекопійовування</a:t>
           </a:r>
           <a:r>
-            <a:rPr lang="uk-UA" sz="1400" kern="1200" dirty="0"/>
+            <a:rPr lang="uk-UA" sz="1800" kern="1200" dirty="0"/>
             <a:t> виявиться, що елементи, що розташовані у порядку від останнього у </a:t>
           </a:r>
           <a:r>
-            <a:rPr lang="uk-UA" sz="1400" kern="1200" dirty="0" err="1"/>
+            <a:rPr lang="uk-UA" sz="1800" kern="1200" dirty="0" err="1"/>
             <a:t>стекові</a:t>
           </a:r>
           <a:r>
-            <a:rPr lang="uk-UA" sz="1400" kern="1200" dirty="0"/>
+            <a:rPr lang="uk-UA" sz="1800" kern="1200" dirty="0"/>
+            <a:t> </a:t>
+          </a:r>
+          <a14:m xmlns:a14="http://schemas.microsoft.com/office/drawing/2010/main">
+            <m:oMath xmlns:m="http://schemas.openxmlformats.org/officeDocument/2006/math">
+              <m:r>
+                <a:rPr lang="en-GB" sz="1800" i="1" kern="1200" dirty="0" smtClean="0">
+                  <a:latin typeface="Cambria Math" panose="02040503050406030204" pitchFamily="18" charset="0"/>
+                </a:rPr>
+                <m:t>𝑀𝑒𝑑𝑖𝑎𝑡𝑒</m:t>
+              </m:r>
+            </m:oMath>
+          </a14:m>
+          <a:r>
+            <a:rPr lang="uk-UA" sz="1800" kern="1200" dirty="0"/>
             <a:t> </a:t>
           </a:r>
           <a:r>
-            <a:rPr lang="en-GB" sz="1400" kern="1200" dirty="0"/>
-            <a:t>Mediate</a:t>
-          </a:r>
-          <a:r>
-            <a:rPr lang="uk-UA" sz="1400" kern="1200" dirty="0"/>
-            <a:t> </a:t>
-          </a:r>
-          <a:r>
-            <a:rPr lang="uk-UA" sz="1400" b="1" kern="1200" dirty="0"/>
+            <a:rPr lang="uk-UA" sz="1800" b="1" kern="1200" dirty="0"/>
             <a:t>надлишкові</a:t>
           </a:r>
           <a:r>
-            <a:rPr lang="uk-UA" sz="1400" kern="1200" dirty="0"/>
+            <a:rPr lang="uk-UA" sz="1800" kern="1200" dirty="0"/>
             <a:t> й їх варто </a:t>
           </a:r>
           <a:r>
-            <a:rPr lang="uk-UA" sz="1400" b="1" kern="1200" dirty="0"/>
+            <a:rPr lang="uk-UA" sz="1800" b="1" kern="1200" dirty="0"/>
             <a:t>викинути</a:t>
           </a:r>
           <a:r>
-            <a:rPr lang="uk-UA" sz="1400" kern="1200" dirty="0"/>
+            <a:rPr lang="uk-UA" sz="1800" kern="1200" dirty="0"/>
             <a:t> (вони були взяті раніше операціями </a:t>
           </a:r>
+          <a14:m xmlns:a14="http://schemas.microsoft.com/office/drawing/2010/main">
+            <m:oMath xmlns:m="http://schemas.openxmlformats.org/officeDocument/2006/math">
+              <m:r>
+                <a:rPr lang="en-US" sz="1800" i="1" kern="1200" dirty="0" smtClean="0">
+                  <a:latin typeface="Cambria Math" panose="02040503050406030204" pitchFamily="18" charset="0"/>
+                </a:rPr>
+                <m:t>𝑝𝑜𝑝</m:t>
+              </m:r>
+              <m:r>
+                <a:rPr lang="uk-UA" sz="1800" i="1" kern="1200" dirty="0">
+                  <a:latin typeface="Cambria Math" panose="02040503050406030204" pitchFamily="18" charset="0"/>
+                </a:rPr>
+                <m:t>()</m:t>
+              </m:r>
+            </m:oMath>
+          </a14:m>
           <a:r>
-            <a:rPr lang="en-US" sz="1400" kern="1200" dirty="0"/>
-            <a:t>pop</a:t>
+            <a:rPr lang="uk-UA" sz="1800" kern="1200" dirty="0"/>
+            <a:t>)</a:t>
           </a:r>
-          <a:r>
-            <a:rPr lang="uk-UA" sz="1400" kern="1200" dirty="0"/>
-            <a:t>())</a:t>
-          </a:r>
-          <a:endParaRPr lang="en-US" sz="1400" kern="1200" dirty="0"/>
+          <a:endParaRPr lang="en-US" sz="1800" kern="1200" dirty="0"/>
         </a:p>
       </dsp:txBody>
       <dsp:txXfrm>
-        <a:off x="3462889" y="1353919"/>
-        <a:ext cx="3205646" cy="2030879"/>
+        <a:off x="4010917" y="1701800"/>
+        <a:ext cx="3712964" cy="2552700"/>
       </dsp:txXfrm>
     </dsp:sp>
     <dsp:sp modelId="{5563C23B-5D4F-43AF-B0A7-96738309BE44}">
@@ -15298,8 +17970,8 @@
       </dsp:nvSpPr>
       <dsp:spPr>
         <a:xfrm>
-          <a:off x="3462889" y="0"/>
-          <a:ext cx="3205646" cy="1353919"/>
+          <a:off x="4010917" y="0"/>
+          <a:ext cx="3712964" cy="1701800"/>
         </a:xfrm>
         <a:prstGeom prst="rect">
           <a:avLst/>
@@ -15327,7 +17999,7 @@
         </a:fontRef>
       </dsp:style>
       <dsp:txBody>
-        <a:bodyPr spcFirstLastPara="0" vert="horz" wrap="square" lIns="316647" tIns="165100" rIns="316647" bIns="165100" numCol="1" spcCol="1270" anchor="ctr" anchorCtr="0">
+        <a:bodyPr spcFirstLastPara="0" vert="horz" wrap="square" lIns="366758" tIns="165100" rIns="366758" bIns="165100" numCol="1" spcCol="1270" anchor="ctr" anchorCtr="0">
           <a:noAutofit/>
         </a:bodyPr>
         <a:lstStyle/>
@@ -15351,8 +18023,8 @@
         </a:p>
       </dsp:txBody>
       <dsp:txXfrm>
-        <a:off x="3462889" y="0"/>
-        <a:ext cx="3205646" cy="1353919"/>
+        <a:off x="4010917" y="0"/>
+        <a:ext cx="3712964" cy="1701800"/>
       </dsp:txXfrm>
     </dsp:sp>
     <dsp:sp modelId="{C8826522-A131-4537-99BB-27A32786ABC7}">
@@ -15362,8 +18034,8 @@
       </dsp:nvSpPr>
       <dsp:spPr>
         <a:xfrm>
-          <a:off x="6924987" y="0"/>
-          <a:ext cx="3205646" cy="3384799"/>
+          <a:off x="8020919" y="0"/>
+          <a:ext cx="3712964" cy="4254500"/>
         </a:xfrm>
         <a:prstGeom prst="rect">
           <a:avLst/>
@@ -15404,12 +18076,12 @@
         </a:fontRef>
       </dsp:style>
       <dsp:txBody>
-        <a:bodyPr spcFirstLastPara="0" vert="horz" wrap="square" lIns="316647" tIns="0" rIns="316647" bIns="330200" numCol="1" spcCol="1270" anchor="t" anchorCtr="0">
+        <a:bodyPr spcFirstLastPara="0" vert="horz" wrap="square" lIns="366758" tIns="0" rIns="366758" bIns="330200" numCol="1" spcCol="1270" anchor="t" anchorCtr="0">
           <a:noAutofit/>
         </a:bodyPr>
         <a:lstStyle/>
         <a:p>
-          <a:pPr marL="0" lvl="0" indent="0" algn="l" defTabSz="622300">
+          <a:pPr marL="0" lvl="0" indent="0" algn="l" defTabSz="800100">
             <a:lnSpc>
               <a:spcPct val="90000"/>
             </a:lnSpc>
@@ -15422,43 +18094,63 @@
             <a:buNone/>
           </a:pPr>
           <a:r>
-            <a:rPr lang="uk-UA" sz="1400" kern="1200" dirty="0"/>
+            <a:rPr lang="uk-UA" sz="1800" kern="1200" dirty="0"/>
             <a:t>Щоб знати, коли не варто перекидати елементи стеку </a:t>
           </a:r>
+          <a14:m xmlns:a14="http://schemas.microsoft.com/office/drawing/2010/main">
+            <m:oMath xmlns:m="http://schemas.openxmlformats.org/officeDocument/2006/math">
+              <m:r>
+                <a:rPr lang="en-GB" sz="1800" i="1" kern="1200" dirty="0" smtClean="0">
+                  <a:latin typeface="Cambria Math" panose="02040503050406030204" pitchFamily="18" charset="0"/>
+                </a:rPr>
+                <m:t>𝑀𝑒𝑑𝑖𝑎𝑡𝑒</m:t>
+              </m:r>
+            </m:oMath>
+          </a14:m>
           <a:r>
-            <a:rPr lang="en-GB" sz="1400" kern="1200" dirty="0"/>
-            <a:t>Mediate</a:t>
-          </a:r>
-          <a:r>
-            <a:rPr lang="uk-UA" sz="1400" kern="1200" dirty="0"/>
+            <a:rPr lang="uk-UA" sz="1800" kern="1200" dirty="0"/>
             <a:t>, а видаляти їх, можна </a:t>
           </a:r>
           <a:r>
-            <a:rPr lang="uk-UA" sz="1400" b="1" kern="1200" dirty="0"/>
+            <a:rPr lang="uk-UA" sz="1800" b="1" kern="1200" dirty="0"/>
             <a:t>завести лічильник</a:t>
           </a:r>
           <a:r>
-            <a:rPr lang="uk-UA" sz="1400" kern="1200" dirty="0"/>
+            <a:rPr lang="uk-UA" sz="1800" kern="1200" dirty="0"/>
             <a:t> кількості вже взятих елементів зі стеку на копіювання та взятих при операціях </a:t>
           </a:r>
+          <a14:m xmlns:a14="http://schemas.microsoft.com/office/drawing/2010/main">
+            <m:oMath xmlns:m="http://schemas.openxmlformats.org/officeDocument/2006/math">
+              <m:r>
+                <a:rPr lang="en-US" sz="1800" i="1" kern="1200" dirty="0" smtClean="0">
+                  <a:latin typeface="Cambria Math" panose="02040503050406030204" pitchFamily="18" charset="0"/>
+                </a:rPr>
+                <m:t>𝑝</m:t>
+              </m:r>
+              <m:r>
+                <a:rPr lang="en-GB" sz="1800" i="1" kern="1200" dirty="0">
+                  <a:latin typeface="Cambria Math" panose="02040503050406030204" pitchFamily="18" charset="0"/>
+                </a:rPr>
+                <m:t>𝑜𝑝</m:t>
+              </m:r>
+              <m:r>
+                <a:rPr lang="en-GB" sz="1800" i="1" kern="1200" dirty="0">
+                  <a:latin typeface="Cambria Math" panose="02040503050406030204" pitchFamily="18" charset="0"/>
+                </a:rPr>
+                <m:t>()</m:t>
+              </m:r>
+            </m:oMath>
+          </a14:m>
           <a:r>
-            <a:rPr lang="en-US" sz="1400" kern="1200" dirty="0"/>
-            <a:t>p</a:t>
-          </a:r>
-          <a:r>
-            <a:rPr lang="en-GB" sz="1400" kern="1200" dirty="0"/>
-            <a:t>op()</a:t>
-          </a:r>
-          <a:r>
-            <a:rPr lang="uk-UA" sz="1400" kern="1200" dirty="0"/>
+            <a:rPr lang="uk-UA" sz="1800" kern="1200" dirty="0"/>
             <a:t>.</a:t>
           </a:r>
-          <a:endParaRPr lang="en-US" sz="1400" kern="1200" dirty="0"/>
+          <a:endParaRPr lang="en-US" sz="1800" kern="1200" dirty="0"/>
         </a:p>
       </dsp:txBody>
       <dsp:txXfrm>
-        <a:off x="6924987" y="1353919"/>
-        <a:ext cx="3205646" cy="2030879"/>
+        <a:off x="8020919" y="1701800"/>
+        <a:ext cx="3712964" cy="2552700"/>
       </dsp:txXfrm>
     </dsp:sp>
     <dsp:sp modelId="{0B668586-0D8B-426A-A064-4657FF4F4B89}">
@@ -15468,8 +18160,8 @@
       </dsp:nvSpPr>
       <dsp:spPr>
         <a:xfrm>
-          <a:off x="6924987" y="0"/>
-          <a:ext cx="3205646" cy="1353919"/>
+          <a:off x="8020919" y="0"/>
+          <a:ext cx="3712964" cy="1701800"/>
         </a:xfrm>
         <a:prstGeom prst="rect">
           <a:avLst/>
@@ -15497,7 +18189,7 @@
         </a:fontRef>
       </dsp:style>
       <dsp:txBody>
-        <a:bodyPr spcFirstLastPara="0" vert="horz" wrap="square" lIns="316647" tIns="165100" rIns="316647" bIns="165100" numCol="1" spcCol="1270" anchor="ctr" anchorCtr="0">
+        <a:bodyPr spcFirstLastPara="0" vert="horz" wrap="square" lIns="366758" tIns="165100" rIns="366758" bIns="165100" numCol="1" spcCol="1270" anchor="ctr" anchorCtr="0">
           <a:noAutofit/>
         </a:bodyPr>
         <a:lstStyle/>
@@ -15521,8 +18213,8 @@
         </a:p>
       </dsp:txBody>
       <dsp:txXfrm>
-        <a:off x="6924987" y="0"/>
-        <a:ext cx="3205646" cy="1353919"/>
+        <a:off x="8020919" y="0"/>
+        <a:ext cx="3712964" cy="1701800"/>
       </dsp:txXfrm>
     </dsp:sp>
   </dsp:spTree>
@@ -15614,39 +18306,49 @@
             <a:buChar char="•"/>
           </a:pPr>
           <a:r>
-            <a:rPr lang="uk-UA" sz="1200" kern="1200">
+            <a:rPr lang="uk-UA" sz="1200" kern="1200" dirty="0">
               <a:solidFill>
                 <a:schemeClr val="bg1"/>
               </a:solidFill>
             </a:rPr>
             <a:t>Елементи беруться з </a:t>
           </a:r>
+          <a14:m xmlns:a14="http://schemas.microsoft.com/office/drawing/2010/main">
+            <m:oMath xmlns:m="http://schemas.openxmlformats.org/officeDocument/2006/math">
+              <m:r>
+                <a:rPr lang="en-GB" sz="1200" i="1" kern="1200" dirty="0" smtClean="0">
+                  <a:solidFill>
+                    <a:schemeClr val="bg1"/>
+                  </a:solidFill>
+                  <a:latin typeface="Cambria Math" panose="02040503050406030204" pitchFamily="18" charset="0"/>
+                </a:rPr>
+                <m:t>𝑅𝑖𝑔h𝑡𝐶𝑜𝑝𝑦</m:t>
+              </m:r>
+            </m:oMath>
+          </a14:m>
           <a:r>
-            <a:rPr lang="en-GB" sz="1200" kern="1200">
-              <a:solidFill>
-                <a:schemeClr val="bg1"/>
-              </a:solidFill>
-            </a:rPr>
-            <a:t>RightCopy</a:t>
-          </a:r>
-          <a:r>
-            <a:rPr lang="uk-UA" sz="1200" kern="1200">
+            <a:rPr lang="uk-UA" sz="1200" kern="1200" dirty="0">
               <a:solidFill>
                 <a:schemeClr val="bg1"/>
               </a:solidFill>
             </a:rPr>
             <a:t>, а також з </a:t>
           </a:r>
+          <a14:m xmlns:a14="http://schemas.microsoft.com/office/drawing/2010/main">
+            <m:oMath xmlns:m="http://schemas.openxmlformats.org/officeDocument/2006/math">
+              <m:r>
+                <a:rPr lang="en-GB" sz="1200" i="1" kern="1200" dirty="0" smtClean="0">
+                  <a:solidFill>
+                    <a:schemeClr val="bg1"/>
+                  </a:solidFill>
+                  <a:latin typeface="Cambria Math" panose="02040503050406030204" pitchFamily="18" charset="0"/>
+                </a:rPr>
+                <m:t>𝑅𝑖𝑔h𝑡</m:t>
+              </m:r>
+            </m:oMath>
+          </a14:m>
           <a:r>
-            <a:rPr lang="en-GB" sz="1200" kern="1200">
-              <a:solidFill>
-                <a:schemeClr val="bg1"/>
-              </a:solidFill>
-            </a:rPr>
-            <a:t>Right</a:t>
-          </a:r>
-          <a:r>
-            <a:rPr lang="uk-UA" sz="1200" kern="1200">
+            <a:rPr lang="uk-UA" sz="1200" kern="1200" dirty="0">
               <a:solidFill>
                 <a:schemeClr val="bg1"/>
               </a:solidFill>
@@ -15654,15 +18356,23 @@
             <a:t> і </a:t>
           </a:r>
           <a:r>
-            <a:rPr lang="en-GB" sz="1200" kern="1200">
+            <a:rPr lang="en-GB" sz="1200" kern="1200" dirty="0" err="1">
               <a:solidFill>
                 <a:schemeClr val="bg1"/>
               </a:solidFill>
             </a:rPr>
-            <a:t>RightCopyReserve, </a:t>
+            <a:t>RightCopyReserve</a:t>
           </a:r>
           <a:r>
-            <a:rPr lang="uk-UA" sz="1200" kern="1200">
+            <a:rPr lang="en-GB" sz="1200" kern="1200" dirty="0">
+              <a:solidFill>
+                <a:schemeClr val="bg1"/>
+              </a:solidFill>
+            </a:rPr>
+            <a:t>, </a:t>
+          </a:r>
+          <a:r>
+            <a:rPr lang="uk-UA" sz="1200" kern="1200" dirty="0">
               <a:solidFill>
                 <a:schemeClr val="bg1"/>
               </a:solidFill>
@@ -15670,7 +18380,7 @@
             <a:t>якщо в </a:t>
           </a:r>
           <a:r>
-            <a:rPr lang="en-GB" sz="1200" kern="1200">
+            <a:rPr lang="en-GB" sz="1200" kern="1200" dirty="0">
               <a:solidFill>
                 <a:schemeClr val="bg1"/>
               </a:solidFill>
@@ -15678,7 +18388,7 @@
             <a:t>Mediate </a:t>
           </a:r>
           <a:r>
-            <a:rPr lang="uk-UA" sz="1200" kern="1200">
+            <a:rPr lang="uk-UA" sz="1200" kern="1200" dirty="0">
               <a:solidFill>
                 <a:schemeClr val="bg1"/>
               </a:solidFill>
@@ -15917,36 +18627,62 @@
             <a:buChar char="•"/>
           </a:pPr>
           <a:r>
-            <a:rPr lang="uk-UA" sz="1200" kern="1200">
+            <a:rPr lang="uk-UA" sz="1200" kern="1200" dirty="0">
               <a:solidFill>
                 <a:schemeClr val="bg1"/>
               </a:solidFill>
             </a:rPr>
             <a:t>Елементи беруться з </a:t>
           </a:r>
+          <a14:m xmlns:a14="http://schemas.microsoft.com/office/drawing/2010/main">
+            <m:oMath xmlns:m="http://schemas.openxmlformats.org/officeDocument/2006/math">
+              <m:r>
+                <a:rPr lang="en-GB" sz="1200" i="1" kern="1200" dirty="0" smtClean="0">
+                  <a:solidFill>
+                    <a:schemeClr val="bg1"/>
+                  </a:solidFill>
+                  <a:latin typeface="Cambria Math" panose="02040503050406030204" pitchFamily="18" charset="0"/>
+                </a:rPr>
+                <m:t>𝑅𝑖𝑔h𝑡</m:t>
+              </m:r>
+            </m:oMath>
+          </a14:m>
           <a:r>
-            <a:rPr lang="en-GB" sz="1200" kern="1200">
+            <a:rPr lang="en-GB" sz="1200" kern="1200" dirty="0">
               <a:solidFill>
                 <a:schemeClr val="bg1"/>
               </a:solidFill>
             </a:rPr>
-            <a:t>Right </a:t>
+            <a:t> </a:t>
           </a:r>
           <a:r>
-            <a:rPr lang="uk-UA" sz="1200" kern="1200">
+            <a:rPr lang="uk-UA" sz="1200" kern="1200" dirty="0">
               <a:solidFill>
                 <a:schemeClr val="bg1"/>
               </a:solidFill>
             </a:rPr>
             <a:t>і </a:t>
           </a:r>
+          <a14:m xmlns:a14="http://schemas.microsoft.com/office/drawing/2010/main">
+            <m:oMath xmlns:m="http://schemas.openxmlformats.org/officeDocument/2006/math">
+              <m:r>
+                <a:rPr lang="en-GB" sz="1200" i="1" kern="1200" dirty="0" smtClean="0">
+                  <a:solidFill>
+                    <a:schemeClr val="bg1"/>
+                  </a:solidFill>
+                  <a:latin typeface="Cambria Math" panose="02040503050406030204" pitchFamily="18" charset="0"/>
+                </a:rPr>
+                <m:t>𝑅𝑖𝑔h𝑡𝐶𝑜𝑝𝑦</m:t>
+              </m:r>
+            </m:oMath>
+          </a14:m>
           <a:r>
-            <a:rPr lang="en-GB" sz="1200" kern="1200">
+            <a:rPr lang="en-GB" sz="1200" kern="1200" dirty="0">
               <a:solidFill>
                 <a:schemeClr val="bg1"/>
               </a:solidFill>
             </a:rPr>
-            <a:t>RightCopy;</a:t>
+            <a:t>;</a:t>
           </a:r>
           <a:endParaRPr lang="en-US" sz="1200" kern="1200" dirty="0">
             <a:solidFill>
@@ -15968,20 +18704,33 @@
             <a:buChar char="•"/>
           </a:pPr>
           <a:r>
-            <a:rPr lang="uk-UA" sz="1200" kern="1200">
+            <a:rPr lang="uk-UA" sz="1200" kern="1200" dirty="0">
               <a:solidFill>
                 <a:schemeClr val="bg1"/>
               </a:solidFill>
             </a:rPr>
             <a:t>Елементи кладуться в </a:t>
           </a:r>
+          <a14:m xmlns:a14="http://schemas.microsoft.com/office/drawing/2010/main">
+            <m:oMath xmlns:m="http://schemas.openxmlformats.org/officeDocument/2006/math">
+              <m:r>
+                <a:rPr lang="en-US" sz="1200" i="1" kern="1200" dirty="0" smtClean="0">
+                  <a:solidFill>
+                    <a:schemeClr val="bg1"/>
+                  </a:solidFill>
+                  <a:latin typeface="Cambria Math" panose="02040503050406030204" pitchFamily="18" charset="0"/>
+                </a:rPr>
+                <m:t>𝐿𝑒𝑓𝑡</m:t>
+              </m:r>
+            </m:oMath>
+          </a14:m>
           <a:r>
-            <a:rPr lang="en-US" sz="1200" kern="1200">
+            <a:rPr lang="en-US" sz="1200" kern="1200" dirty="0">
               <a:solidFill>
                 <a:schemeClr val="bg1"/>
               </a:solidFill>
             </a:rPr>
-            <a:t>Left;</a:t>
+            <a:t>;</a:t>
           </a:r>
         </a:p>
         <a:p>
@@ -15998,30 +18747,35 @@
             <a:buChar char="•"/>
           </a:pPr>
           <a:r>
-            <a:rPr lang="uk-UA" sz="1200" kern="1200">
+            <a:rPr lang="uk-UA" sz="1200" kern="1200" dirty="0">
               <a:solidFill>
                 <a:schemeClr val="bg1"/>
               </a:solidFill>
             </a:rPr>
             <a:t>Очищення </a:t>
           </a:r>
+          <a14:m xmlns:a14="http://schemas.microsoft.com/office/drawing/2010/main">
+            <m:oMath xmlns:m="http://schemas.openxmlformats.org/officeDocument/2006/math">
+              <m:r>
+                <a:rPr lang="en-GB" sz="1200" i="1" kern="1200" dirty="0" smtClean="0">
+                  <a:solidFill>
+                    <a:schemeClr val="bg1"/>
+                  </a:solidFill>
+                  <a:latin typeface="Cambria Math" panose="02040503050406030204" pitchFamily="18" charset="0"/>
+                </a:rPr>
+                <m:t>𝑅𝑖𝑔h𝑡𝐶𝑜𝑝𝑦𝑅𝑒𝑠𝑒𝑟𝑣𝑒</m:t>
+              </m:r>
+            </m:oMath>
+          </a14:m>
           <a:r>
-            <a:rPr lang="en-GB" sz="1200" kern="1200">
-              <a:solidFill>
-                <a:schemeClr val="bg1"/>
-              </a:solidFill>
-            </a:rPr>
-            <a:t>RightCopyReserve</a:t>
-          </a:r>
-          <a:r>
-            <a:rPr lang="uk-UA" sz="1200" kern="1200">
+            <a:rPr lang="uk-UA" sz="1200" kern="1200" dirty="0">
               <a:solidFill>
                 <a:schemeClr val="bg1"/>
               </a:solidFill>
             </a:rPr>
             <a:t>(достатньо по одній операції в звичайному режимі)</a:t>
           </a:r>
-          <a:endParaRPr lang="en-US" sz="1200" kern="1200">
+          <a:endParaRPr lang="en-US" sz="1200" kern="1200" dirty="0">
             <a:solidFill>
               <a:schemeClr val="bg1"/>
             </a:solidFill>
@@ -16856,6 +19610,399 @@
       <dsp:txXfrm>
         <a:off x="4045459" y="2152531"/>
         <a:ext cx="2040506" cy="1194571"/>
+      </dsp:txXfrm>
+    </dsp:sp>
+  </dsp:spTree>
+</dsp:drawing>
+</file>
+
+<file path=ppt/diagrams/drawing6.xml><?xml version="1.0" encoding="utf-8"?>
+<dsp:drawing xmlns:dgm="http://schemas.openxmlformats.org/drawingml/2006/diagram" xmlns:dsp="http://schemas.microsoft.com/office/drawing/2008/diagram" xmlns:a="http://schemas.openxmlformats.org/drawingml/2006/main">
+  <dsp:spTree>
+    <dsp:nvGrpSpPr>
+      <dsp:cNvPr id="0" name=""/>
+      <dsp:cNvGrpSpPr/>
+    </dsp:nvGrpSpPr>
+    <dsp:grpSpPr/>
+    <dsp:sp modelId="{27EABF72-1772-4C71-ADF9-DA5E239FE5F4}">
+      <dsp:nvSpPr>
+        <dsp:cNvPr id="0" name=""/>
+        <dsp:cNvSpPr/>
+      </dsp:nvSpPr>
+      <dsp:spPr>
+        <a:xfrm rot="5400000">
+          <a:off x="2895295" y="-576043"/>
+          <a:ext cx="2017895" cy="3674581"/>
+        </a:xfrm>
+        <a:prstGeom prst="round2SameRect">
+          <a:avLst/>
+        </a:prstGeom>
+        <a:solidFill>
+          <a:schemeClr val="accent2">
+            <a:tint val="40000"/>
+            <a:alpha val="90000"/>
+            <a:hueOff val="0"/>
+            <a:satOff val="0"/>
+            <a:lumOff val="0"/>
+            <a:alphaOff val="0"/>
+          </a:schemeClr>
+        </a:solidFill>
+        <a:ln w="19050" cap="rnd" cmpd="sng" algn="ctr">
+          <a:solidFill>
+            <a:schemeClr val="accent2">
+              <a:tint val="40000"/>
+              <a:alpha val="90000"/>
+              <a:hueOff val="0"/>
+              <a:satOff val="0"/>
+              <a:lumOff val="0"/>
+              <a:alphaOff val="0"/>
+            </a:schemeClr>
+          </a:solidFill>
+          <a:prstDash val="solid"/>
+        </a:ln>
+        <a:effectLst/>
+      </dsp:spPr>
+      <dsp:style>
+        <a:lnRef idx="2">
+          <a:scrgbClr r="0" g="0" b="0"/>
+        </a:lnRef>
+        <a:fillRef idx="1">
+          <a:scrgbClr r="0" g="0" b="0"/>
+        </a:fillRef>
+        <a:effectRef idx="0">
+          <a:scrgbClr r="0" g="0" b="0"/>
+        </a:effectRef>
+        <a:fontRef idx="minor"/>
+      </dsp:style>
+      <dsp:txBody>
+        <a:bodyPr spcFirstLastPara="0" vert="horz" wrap="square" lIns="57150" tIns="28575" rIns="57150" bIns="28575" numCol="1" spcCol="1270" anchor="ctr" anchorCtr="0">
+          <a:noAutofit/>
+        </a:bodyPr>
+        <a:lstStyle/>
+        <a:p>
+          <a:pPr marL="114300" lvl="1" indent="-114300" algn="l" defTabSz="666750">
+            <a:lnSpc>
+              <a:spcPct val="90000"/>
+            </a:lnSpc>
+            <a:spcBef>
+              <a:spcPct val="0"/>
+            </a:spcBef>
+            <a:spcAft>
+              <a:spcPct val="15000"/>
+            </a:spcAft>
+            <a:buChar char="•"/>
+          </a:pPr>
+          <a:r>
+            <a:rPr lang="uk-UA" sz="1500" kern="1200"/>
+            <a:t>Складність виконання операції сягає </a:t>
+          </a:r>
+          <a:r>
+            <a:rPr lang="en-GB" sz="1500" kern="1200"/>
+            <a:t>O(1)</a:t>
+          </a:r>
+          <a:r>
+            <a:rPr lang="uk-UA" sz="1500" kern="1200"/>
+            <a:t>, але середній час виконання збільшується. Попри це її можна використовувати у системах де критично важлива відсутність «підвисань», структура згладжує процес обчислення;</a:t>
+          </a:r>
+          <a:endParaRPr lang="en-US" sz="1500" kern="1200"/>
+        </a:p>
+        <a:p>
+          <a:pPr marL="114300" lvl="1" indent="-114300" algn="l" defTabSz="666750">
+            <a:lnSpc>
+              <a:spcPct val="90000"/>
+            </a:lnSpc>
+            <a:spcBef>
+              <a:spcPct val="0"/>
+            </a:spcBef>
+            <a:spcAft>
+              <a:spcPct val="15000"/>
+            </a:spcAft>
+            <a:buChar char="•"/>
+          </a:pPr>
+          <a:r>
+            <a:rPr lang="uk-UA" sz="1500" kern="1200"/>
+            <a:t>Переводиться до персистентної черги.</a:t>
+          </a:r>
+          <a:endParaRPr lang="en-US" sz="1500" kern="1200"/>
+        </a:p>
+      </dsp:txBody>
+      <dsp:txXfrm rot="-5400000">
+        <a:off x="2066952" y="350806"/>
+        <a:ext cx="3576075" cy="1820883"/>
+      </dsp:txXfrm>
+    </dsp:sp>
+    <dsp:sp modelId="{83F5FB8E-390A-444D-86D5-8CE6F65315F9}">
+      <dsp:nvSpPr>
+        <dsp:cNvPr id="0" name=""/>
+        <dsp:cNvSpPr/>
+      </dsp:nvSpPr>
+      <dsp:spPr>
+        <a:xfrm>
+          <a:off x="0" y="63"/>
+          <a:ext cx="2066952" cy="2522369"/>
+        </a:xfrm>
+        <a:prstGeom prst="roundRect">
+          <a:avLst/>
+        </a:prstGeom>
+        <a:solidFill>
+          <a:schemeClr val="accent2">
+            <a:hueOff val="0"/>
+            <a:satOff val="0"/>
+            <a:lumOff val="0"/>
+            <a:alphaOff val="0"/>
+          </a:schemeClr>
+        </a:solidFill>
+        <a:ln w="19050" cap="rnd" cmpd="sng" algn="ctr">
+          <a:solidFill>
+            <a:schemeClr val="lt1">
+              <a:hueOff val="0"/>
+              <a:satOff val="0"/>
+              <a:lumOff val="0"/>
+              <a:alphaOff val="0"/>
+            </a:schemeClr>
+          </a:solidFill>
+          <a:prstDash val="solid"/>
+        </a:ln>
+        <a:effectLst/>
+      </dsp:spPr>
+      <dsp:style>
+        <a:lnRef idx="2">
+          <a:scrgbClr r="0" g="0" b="0"/>
+        </a:lnRef>
+        <a:fillRef idx="1">
+          <a:scrgbClr r="0" g="0" b="0"/>
+        </a:fillRef>
+        <a:effectRef idx="0">
+          <a:scrgbClr r="0" g="0" b="0"/>
+        </a:effectRef>
+        <a:fontRef idx="minor">
+          <a:schemeClr val="lt1"/>
+        </a:fontRef>
+      </dsp:style>
+      <dsp:txBody>
+        <a:bodyPr spcFirstLastPara="0" vert="horz" wrap="square" lIns="121920" tIns="60960" rIns="121920" bIns="60960" numCol="1" spcCol="1270" anchor="ctr" anchorCtr="0">
+          <a:noAutofit/>
+        </a:bodyPr>
+        <a:lstStyle/>
+        <a:p>
+          <a:pPr marL="0" lvl="0" indent="0" algn="ctr" defTabSz="1422400">
+            <a:lnSpc>
+              <a:spcPct val="90000"/>
+            </a:lnSpc>
+            <a:spcBef>
+              <a:spcPct val="0"/>
+            </a:spcBef>
+            <a:spcAft>
+              <a:spcPct val="35000"/>
+            </a:spcAft>
+            <a:buNone/>
+          </a:pPr>
+          <a:r>
+            <a:rPr lang="uk-UA" sz="3200" kern="1200"/>
+            <a:t>Переваги</a:t>
+          </a:r>
+          <a:endParaRPr lang="en-US" sz="3200" kern="1200"/>
+        </a:p>
+      </dsp:txBody>
+      <dsp:txXfrm>
+        <a:off x="100900" y="100963"/>
+        <a:ext cx="1865152" cy="2320569"/>
+      </dsp:txXfrm>
+    </dsp:sp>
+    <dsp:sp modelId="{2B77268A-35DA-48A2-940F-710D0557C261}">
+      <dsp:nvSpPr>
+        <dsp:cNvPr id="0" name=""/>
+        <dsp:cNvSpPr/>
+      </dsp:nvSpPr>
+      <dsp:spPr>
+        <a:xfrm rot="5400000">
+          <a:off x="2895295" y="2072444"/>
+          <a:ext cx="2017895" cy="3674581"/>
+        </a:xfrm>
+        <a:prstGeom prst="round2SameRect">
+          <a:avLst/>
+        </a:prstGeom>
+        <a:solidFill>
+          <a:schemeClr val="accent3">
+            <a:tint val="40000"/>
+            <a:alpha val="90000"/>
+            <a:hueOff val="0"/>
+            <a:satOff val="0"/>
+            <a:lumOff val="0"/>
+            <a:alphaOff val="0"/>
+          </a:schemeClr>
+        </a:solidFill>
+        <a:ln w="19050" cap="rnd" cmpd="sng" algn="ctr">
+          <a:solidFill>
+            <a:schemeClr val="accent3">
+              <a:tint val="40000"/>
+              <a:alpha val="90000"/>
+              <a:hueOff val="0"/>
+              <a:satOff val="0"/>
+              <a:lumOff val="0"/>
+              <a:alphaOff val="0"/>
+            </a:schemeClr>
+          </a:solidFill>
+          <a:prstDash val="solid"/>
+        </a:ln>
+        <a:effectLst/>
+      </dsp:spPr>
+      <dsp:style>
+        <a:lnRef idx="2">
+          <a:scrgbClr r="0" g="0" b="0"/>
+        </a:lnRef>
+        <a:fillRef idx="1">
+          <a:scrgbClr r="0" g="0" b="0"/>
+        </a:fillRef>
+        <a:effectRef idx="0">
+          <a:scrgbClr r="0" g="0" b="0"/>
+        </a:effectRef>
+        <a:fontRef idx="minor"/>
+      </dsp:style>
+      <dsp:txBody>
+        <a:bodyPr spcFirstLastPara="0" vert="horz" wrap="square" lIns="57150" tIns="28575" rIns="57150" bIns="28575" numCol="1" spcCol="1270" anchor="ctr" anchorCtr="0">
+          <a:noAutofit/>
+        </a:bodyPr>
+        <a:lstStyle/>
+        <a:p>
+          <a:pPr marL="114300" lvl="1" indent="-114300" algn="l" defTabSz="666750">
+            <a:lnSpc>
+              <a:spcPct val="90000"/>
+            </a:lnSpc>
+            <a:spcBef>
+              <a:spcPct val="0"/>
+            </a:spcBef>
+            <a:spcAft>
+              <a:spcPct val="15000"/>
+            </a:spcAft>
+            <a:buChar char="•"/>
+          </a:pPr>
+          <a:r>
+            <a:rPr lang="uk-UA" sz="1500" kern="1200"/>
+            <a:t>В середньому затратніша;</a:t>
+          </a:r>
+          <a:endParaRPr lang="en-US" sz="1500" kern="1200"/>
+        </a:p>
+        <a:p>
+          <a:pPr marL="114300" lvl="1" indent="-114300" algn="l" defTabSz="666750">
+            <a:lnSpc>
+              <a:spcPct val="90000"/>
+            </a:lnSpc>
+            <a:spcBef>
+              <a:spcPct val="0"/>
+            </a:spcBef>
+            <a:spcAft>
+              <a:spcPct val="15000"/>
+            </a:spcAft>
+            <a:buChar char="•"/>
+          </a:pPr>
+          <a:r>
+            <a:rPr lang="uk-UA" sz="1500" kern="1200"/>
+            <a:t>Більша витрата пам’яті;</a:t>
+          </a:r>
+          <a:endParaRPr lang="en-US" sz="1500" kern="1200"/>
+        </a:p>
+        <a:p>
+          <a:pPr marL="114300" lvl="1" indent="-114300" algn="l" defTabSz="666750">
+            <a:lnSpc>
+              <a:spcPct val="90000"/>
+            </a:lnSpc>
+            <a:spcBef>
+              <a:spcPct val="0"/>
+            </a:spcBef>
+            <a:spcAft>
+              <a:spcPct val="15000"/>
+            </a:spcAft>
+            <a:buChar char="•"/>
+          </a:pPr>
+          <a:r>
+            <a:rPr lang="uk-UA" sz="1500" kern="1200"/>
+            <a:t>Велика складність реалізації / велика ймовірність допущення помилки</a:t>
+          </a:r>
+          <a:endParaRPr lang="en-US" sz="1500" kern="1200"/>
+        </a:p>
+      </dsp:txBody>
+      <dsp:txXfrm rot="-5400000">
+        <a:off x="2066952" y="2999293"/>
+        <a:ext cx="3576075" cy="1820883"/>
+      </dsp:txXfrm>
+    </dsp:sp>
+    <dsp:sp modelId="{79ED4FD8-2EB3-4217-9763-2558E80F4110}">
+      <dsp:nvSpPr>
+        <dsp:cNvPr id="0" name=""/>
+        <dsp:cNvSpPr/>
+      </dsp:nvSpPr>
+      <dsp:spPr>
+        <a:xfrm>
+          <a:off x="0" y="2648550"/>
+          <a:ext cx="2066952" cy="2522369"/>
+        </a:xfrm>
+        <a:prstGeom prst="roundRect">
+          <a:avLst/>
+        </a:prstGeom>
+        <a:solidFill>
+          <a:schemeClr val="accent3">
+            <a:hueOff val="0"/>
+            <a:satOff val="0"/>
+            <a:lumOff val="0"/>
+            <a:alphaOff val="0"/>
+          </a:schemeClr>
+        </a:solidFill>
+        <a:ln w="19050" cap="rnd" cmpd="sng" algn="ctr">
+          <a:solidFill>
+            <a:schemeClr val="lt1">
+              <a:hueOff val="0"/>
+              <a:satOff val="0"/>
+              <a:lumOff val="0"/>
+              <a:alphaOff val="0"/>
+            </a:schemeClr>
+          </a:solidFill>
+          <a:prstDash val="solid"/>
+        </a:ln>
+        <a:effectLst/>
+      </dsp:spPr>
+      <dsp:style>
+        <a:lnRef idx="2">
+          <a:scrgbClr r="0" g="0" b="0"/>
+        </a:lnRef>
+        <a:fillRef idx="1">
+          <a:scrgbClr r="0" g="0" b="0"/>
+        </a:fillRef>
+        <a:effectRef idx="0">
+          <a:scrgbClr r="0" g="0" b="0"/>
+        </a:effectRef>
+        <a:fontRef idx="minor">
+          <a:schemeClr val="lt1"/>
+        </a:fontRef>
+      </dsp:style>
+      <dsp:txBody>
+        <a:bodyPr spcFirstLastPara="0" vert="horz" wrap="square" lIns="121920" tIns="60960" rIns="121920" bIns="60960" numCol="1" spcCol="1270" anchor="ctr" anchorCtr="0">
+          <a:noAutofit/>
+        </a:bodyPr>
+        <a:lstStyle/>
+        <a:p>
+          <a:pPr marL="0" lvl="0" indent="0" algn="ctr" defTabSz="1422400">
+            <a:lnSpc>
+              <a:spcPct val="90000"/>
+            </a:lnSpc>
+            <a:spcBef>
+              <a:spcPct val="0"/>
+            </a:spcBef>
+            <a:spcAft>
+              <a:spcPct val="35000"/>
+            </a:spcAft>
+            <a:buNone/>
+          </a:pPr>
+          <a:r>
+            <a:rPr lang="uk-UA" sz="3200" kern="1200"/>
+            <a:t>Недоліки</a:t>
+          </a:r>
+          <a:endParaRPr lang="en-US" sz="3200" kern="1200"/>
+        </a:p>
+      </dsp:txBody>
+      <dsp:txXfrm>
+        <a:off x="100900" y="2749450"/>
+        <a:ext cx="1865152" cy="2320569"/>
       </dsp:txXfrm>
     </dsp:sp>
   </dsp:spTree>
@@ -18035,6 +21182,239 @@
 </dgm:layoutDef>
 </file>
 
+<file path=ppt/diagrams/layout6.xml><?xml version="1.0" encoding="utf-8"?>
+<dgm:layoutDef xmlns:dgm="http://schemas.openxmlformats.org/drawingml/2006/diagram" xmlns:a="http://schemas.openxmlformats.org/drawingml/2006/main" uniqueId="urn:microsoft.com/office/officeart/2005/8/layout/vList5">
+  <dgm:title val=""/>
+  <dgm:desc val=""/>
+  <dgm:catLst>
+    <dgm:cat type="list" pri="15000"/>
+    <dgm:cat type="convert" pri="2000"/>
+  </dgm:catLst>
+  <dgm:sampData>
+    <dgm:dataModel>
+      <dgm:ptLst>
+        <dgm:pt modelId="0" type="doc"/>
+        <dgm:pt modelId="1">
+          <dgm:prSet phldr="1"/>
+        </dgm:pt>
+        <dgm:pt modelId="11">
+          <dgm:prSet phldr="1"/>
+        </dgm:pt>
+        <dgm:pt modelId="12">
+          <dgm:prSet phldr="1"/>
+        </dgm:pt>
+        <dgm:pt modelId="2">
+          <dgm:prSet phldr="1"/>
+        </dgm:pt>
+        <dgm:pt modelId="21">
+          <dgm:prSet phldr="1"/>
+        </dgm:pt>
+        <dgm:pt modelId="22">
+          <dgm:prSet phldr="1"/>
+        </dgm:pt>
+        <dgm:pt modelId="3">
+          <dgm:prSet phldr="1"/>
+        </dgm:pt>
+        <dgm:pt modelId="31">
+          <dgm:prSet phldr="1"/>
+        </dgm:pt>
+        <dgm:pt modelId="32">
+          <dgm:prSet phldr="1"/>
+        </dgm:pt>
+      </dgm:ptLst>
+      <dgm:cxnLst>
+        <dgm:cxn modelId="4" srcId="0" destId="1" srcOrd="0" destOrd="0"/>
+        <dgm:cxn modelId="5" srcId="0" destId="2" srcOrd="1" destOrd="0"/>
+        <dgm:cxn modelId="6" srcId="0" destId="3" srcOrd="2" destOrd="0"/>
+        <dgm:cxn modelId="13" srcId="1" destId="11" srcOrd="0" destOrd="0"/>
+        <dgm:cxn modelId="14" srcId="1" destId="12" srcOrd="1" destOrd="0"/>
+        <dgm:cxn modelId="23" srcId="2" destId="21" srcOrd="0" destOrd="0"/>
+        <dgm:cxn modelId="24" srcId="2" destId="22" srcOrd="1" destOrd="0"/>
+        <dgm:cxn modelId="33" srcId="3" destId="31" srcOrd="0" destOrd="0"/>
+        <dgm:cxn modelId="34" srcId="3" destId="32" srcOrd="1" destOrd="0"/>
+      </dgm:cxnLst>
+      <dgm:bg/>
+      <dgm:whole/>
+    </dgm:dataModel>
+  </dgm:sampData>
+  <dgm:styleData>
+    <dgm:dataModel>
+      <dgm:ptLst>
+        <dgm:pt modelId="0" type="doc"/>
+        <dgm:pt modelId="1"/>
+        <dgm:pt modelId="11"/>
+        <dgm:pt modelId="2"/>
+        <dgm:pt modelId="21"/>
+      </dgm:ptLst>
+      <dgm:cxnLst>
+        <dgm:cxn modelId="4" srcId="0" destId="1" srcOrd="0" destOrd="0"/>
+        <dgm:cxn modelId="5" srcId="0" destId="2" srcOrd="1" destOrd="0"/>
+        <dgm:cxn modelId="13" srcId="1" destId="11" srcOrd="0" destOrd="0"/>
+        <dgm:cxn modelId="23" srcId="2" destId="21" srcOrd="0" destOrd="0"/>
+      </dgm:cxnLst>
+      <dgm:bg/>
+      <dgm:whole/>
+    </dgm:dataModel>
+  </dgm:styleData>
+  <dgm:clrData>
+    <dgm:dataModel>
+      <dgm:ptLst>
+        <dgm:pt modelId="0" type="doc"/>
+        <dgm:pt modelId="1"/>
+        <dgm:pt modelId="11"/>
+        <dgm:pt modelId="2"/>
+        <dgm:pt modelId="21"/>
+        <dgm:pt modelId="3"/>
+        <dgm:pt modelId="31"/>
+        <dgm:pt modelId="4"/>
+        <dgm:pt modelId="41"/>
+      </dgm:ptLst>
+      <dgm:cxnLst>
+        <dgm:cxn modelId="5" srcId="0" destId="1" srcOrd="0" destOrd="0"/>
+        <dgm:cxn modelId="6" srcId="0" destId="2" srcOrd="1" destOrd="0"/>
+        <dgm:cxn modelId="7" srcId="0" destId="3" srcOrd="2" destOrd="0"/>
+        <dgm:cxn modelId="8" srcId="0" destId="4" srcOrd="3" destOrd="0"/>
+        <dgm:cxn modelId="13" srcId="1" destId="11" srcOrd="0" destOrd="0"/>
+        <dgm:cxn modelId="23" srcId="2" destId="21" srcOrd="0" destOrd="0"/>
+        <dgm:cxn modelId="33" srcId="3" destId="31" srcOrd="0" destOrd="0"/>
+        <dgm:cxn modelId="43" srcId="4" destId="41" srcOrd="0" destOrd="0"/>
+      </dgm:cxnLst>
+      <dgm:bg/>
+      <dgm:whole/>
+    </dgm:dataModel>
+  </dgm:clrData>
+  <dgm:layoutNode name="Name0">
+    <dgm:varLst>
+      <dgm:dir/>
+      <dgm:animLvl val="lvl"/>
+      <dgm:resizeHandles val="exact"/>
+    </dgm:varLst>
+    <dgm:choose name="Name1">
+      <dgm:if name="Name2" func="var" arg="dir" op="equ" val="norm">
+        <dgm:alg type="lin">
+          <dgm:param type="linDir" val="fromT"/>
+          <dgm:param type="nodeHorzAlign" val="l"/>
+        </dgm:alg>
+      </dgm:if>
+      <dgm:else name="Name3">
+        <dgm:alg type="lin">
+          <dgm:param type="linDir" val="fromT"/>
+          <dgm:param type="nodeHorzAlign" val="r"/>
+        </dgm:alg>
+      </dgm:else>
+    </dgm:choose>
+    <dgm:shape xmlns:r="http://schemas.openxmlformats.org/officeDocument/2006/relationships" r:blip="">
+      <dgm:adjLst/>
+    </dgm:shape>
+    <dgm:presOf/>
+    <dgm:constrLst>
+      <dgm:constr type="h" for="ch" forName="linNode" refType="h"/>
+      <dgm:constr type="w" for="ch" forName="linNode" refType="w"/>
+      <dgm:constr type="h" for="ch" forName="sp" refType="h" fact="0.05"/>
+      <dgm:constr type="primFontSz" for="des" forName="parentText" op="equ" val="65"/>
+      <dgm:constr type="secFontSz" for="des" forName="descendantText" op="equ"/>
+    </dgm:constrLst>
+    <dgm:ruleLst/>
+    <dgm:forEach name="Name4" axis="ch" ptType="node">
+      <dgm:layoutNode name="linNode">
+        <dgm:choose name="Name5">
+          <dgm:if name="Name6" func="var" arg="dir" op="equ" val="norm">
+            <dgm:alg type="lin">
+              <dgm:param type="linDir" val="fromL"/>
+            </dgm:alg>
+          </dgm:if>
+          <dgm:else name="Name7">
+            <dgm:alg type="lin">
+              <dgm:param type="linDir" val="fromR"/>
+            </dgm:alg>
+          </dgm:else>
+        </dgm:choose>
+        <dgm:shape xmlns:r="http://schemas.openxmlformats.org/officeDocument/2006/relationships" r:blip="">
+          <dgm:adjLst/>
+        </dgm:shape>
+        <dgm:presOf/>
+        <dgm:constrLst>
+          <dgm:constr type="w" for="ch" forName="parentText" refType="w" fact="0.36"/>
+          <dgm:constr type="w" for="ch" forName="descendantText" refType="w" fact="0.64"/>
+          <dgm:constr type="h" for="ch" forName="parentText" refType="h"/>
+          <dgm:constr type="h" for="ch" forName="descendantText" refType="h" refFor="ch" refForName="parentText" fact="0.8"/>
+        </dgm:constrLst>
+        <dgm:ruleLst/>
+        <dgm:layoutNode name="parentText">
+          <dgm:varLst>
+            <dgm:chMax val="1"/>
+            <dgm:bulletEnabled val="1"/>
+          </dgm:varLst>
+          <dgm:alg type="tx"/>
+          <dgm:shape xmlns:r="http://schemas.openxmlformats.org/officeDocument/2006/relationships" type="roundRect" r:blip="" zOrderOff="3">
+            <dgm:adjLst/>
+          </dgm:shape>
+          <dgm:presOf axis="self" ptType="node"/>
+          <dgm:constrLst>
+            <dgm:constr type="tMarg" refType="primFontSz" fact="0.15"/>
+            <dgm:constr type="bMarg" refType="primFontSz" fact="0.15"/>
+            <dgm:constr type="lMarg" refType="primFontSz" fact="0.3"/>
+            <dgm:constr type="rMarg" refType="primFontSz" fact="0.3"/>
+          </dgm:constrLst>
+          <dgm:ruleLst>
+            <dgm:rule type="primFontSz" val="5" fact="NaN" max="NaN"/>
+          </dgm:ruleLst>
+        </dgm:layoutNode>
+        <dgm:choose name="Name8">
+          <dgm:if name="Name9" axis="ch" ptType="node" func="cnt" op="gte" val="1">
+            <dgm:layoutNode name="descendantText" styleLbl="alignAccFollowNode1">
+              <dgm:varLst>
+                <dgm:bulletEnabled val="1"/>
+              </dgm:varLst>
+              <dgm:alg type="tx">
+                <dgm:param type="stBulletLvl" val="1"/>
+                <dgm:param type="txAnchorVertCh" val="mid"/>
+              </dgm:alg>
+              <dgm:choose name="Name10">
+                <dgm:if name="Name11" func="var" arg="dir" op="equ" val="norm">
+                  <dgm:shape xmlns:r="http://schemas.openxmlformats.org/officeDocument/2006/relationships" rot="90" type="round2SameRect" r:blip="">
+                    <dgm:adjLst/>
+                  </dgm:shape>
+                </dgm:if>
+                <dgm:else name="Name12">
+                  <dgm:shape xmlns:r="http://schemas.openxmlformats.org/officeDocument/2006/relationships" rot="-90" type="round2SameRect" r:blip="">
+                    <dgm:adjLst/>
+                  </dgm:shape>
+                </dgm:else>
+              </dgm:choose>
+              <dgm:presOf axis="des" ptType="node"/>
+              <dgm:constrLst>
+                <dgm:constr type="secFontSz" val="65"/>
+                <dgm:constr type="primFontSz" refType="secFontSz"/>
+                <dgm:constr type="lMarg" refType="secFontSz" fact="0.3"/>
+                <dgm:constr type="rMarg" refType="secFontSz" fact="0.3"/>
+                <dgm:constr type="tMarg" refType="secFontSz" fact="0.15"/>
+                <dgm:constr type="bMarg" refType="secFontSz" fact="0.15"/>
+              </dgm:constrLst>
+              <dgm:ruleLst>
+                <dgm:rule type="secFontSz" val="5" fact="NaN" max="NaN"/>
+              </dgm:ruleLst>
+            </dgm:layoutNode>
+          </dgm:if>
+          <dgm:else name="Name13"/>
+        </dgm:choose>
+      </dgm:layoutNode>
+      <dgm:forEach name="Name14" axis="followSib" ptType="sibTrans" cnt="1">
+        <dgm:layoutNode name="sp">
+          <dgm:alg type="sp"/>
+          <dgm:shape xmlns:r="http://schemas.openxmlformats.org/officeDocument/2006/relationships" r:blip="">
+            <dgm:adjLst/>
+          </dgm:shape>
+          <dgm:presOf/>
+          <dgm:constrLst/>
+          <dgm:ruleLst/>
+        </dgm:layoutNode>
+      </dgm:forEach>
+    </dgm:forEach>
+  </dgm:layoutNode>
+</dgm:layoutDef>
+</file>
+
 <file path=ppt/diagrams/quickStyle1.xml><?xml version="1.0" encoding="utf-8"?>
 <dgm:styleDef xmlns:dgm="http://schemas.openxmlformats.org/drawingml/2006/diagram" xmlns:a="http://schemas.openxmlformats.org/drawingml/2006/main" uniqueId="urn:microsoft.com/office/officeart/2005/8/quickstyle/simple5">
   <dgm:title val=""/>
@@ -22172,6 +25552,1040 @@
 </file>
 
 <file path=ppt/diagrams/quickStyle5.xml><?xml version="1.0" encoding="utf-8"?>
+<dgm:styleDef xmlns:dgm="http://schemas.openxmlformats.org/drawingml/2006/diagram" xmlns:a="http://schemas.openxmlformats.org/drawingml/2006/main" uniqueId="urn:microsoft.com/office/officeart/2005/8/quickstyle/simple1">
+  <dgm:title val=""/>
+  <dgm:desc val=""/>
+  <dgm:catLst>
+    <dgm:cat type="simple" pri="10100"/>
+  </dgm:catLst>
+  <dgm:scene3d>
+    <a:camera prst="orthographicFront"/>
+    <a:lightRig rig="threePt" dir="t"/>
+  </dgm:scene3d>
+  <dgm:styleLbl name="node0">
+    <dgm:scene3d>
+      <a:camera prst="orthographicFront"/>
+      <a:lightRig rig="threePt" dir="t"/>
+    </dgm:scene3d>
+    <dgm:sp3d/>
+    <dgm:txPr/>
+    <dgm:style>
+      <a:lnRef idx="2">
+        <a:scrgbClr r="0" g="0" b="0"/>
+      </a:lnRef>
+      <a:fillRef idx="1">
+        <a:scrgbClr r="0" g="0" b="0"/>
+      </a:fillRef>
+      <a:effectRef idx="0">
+        <a:scrgbClr r="0" g="0" b="0"/>
+      </a:effectRef>
+      <a:fontRef idx="minor">
+        <a:schemeClr val="lt1"/>
+      </a:fontRef>
+    </dgm:style>
+  </dgm:styleLbl>
+  <dgm:styleLbl name="lnNode1">
+    <dgm:scene3d>
+      <a:camera prst="orthographicFront"/>
+      <a:lightRig rig="threePt" dir="t"/>
+    </dgm:scene3d>
+    <dgm:sp3d/>
+    <dgm:txPr/>
+    <dgm:style>
+      <a:lnRef idx="2">
+        <a:scrgbClr r="0" g="0" b="0"/>
+      </a:lnRef>
+      <a:fillRef idx="1">
+        <a:scrgbClr r="0" g="0" b="0"/>
+      </a:fillRef>
+      <a:effectRef idx="0">
+        <a:scrgbClr r="0" g="0" b="0"/>
+      </a:effectRef>
+      <a:fontRef idx="minor">
+        <a:schemeClr val="lt1"/>
+      </a:fontRef>
+    </dgm:style>
+  </dgm:styleLbl>
+  <dgm:styleLbl name="vennNode1">
+    <dgm:scene3d>
+      <a:camera prst="orthographicFront"/>
+      <a:lightRig rig="threePt" dir="t"/>
+    </dgm:scene3d>
+    <dgm:sp3d/>
+    <dgm:txPr/>
+    <dgm:style>
+      <a:lnRef idx="2">
+        <a:scrgbClr r="0" g="0" b="0"/>
+      </a:lnRef>
+      <a:fillRef idx="1">
+        <a:scrgbClr r="0" g="0" b="0"/>
+      </a:fillRef>
+      <a:effectRef idx="0">
+        <a:scrgbClr r="0" g="0" b="0"/>
+      </a:effectRef>
+      <a:fontRef idx="minor">
+        <a:schemeClr val="tx1"/>
+      </a:fontRef>
+    </dgm:style>
+  </dgm:styleLbl>
+  <dgm:styleLbl name="alignNode1">
+    <dgm:scene3d>
+      <a:camera prst="orthographicFront"/>
+      <a:lightRig rig="threePt" dir="t"/>
+    </dgm:scene3d>
+    <dgm:sp3d/>
+    <dgm:txPr/>
+    <dgm:style>
+      <a:lnRef idx="2">
+        <a:scrgbClr r="0" g="0" b="0"/>
+      </a:lnRef>
+      <a:fillRef idx="1">
+        <a:scrgbClr r="0" g="0" b="0"/>
+      </a:fillRef>
+      <a:effectRef idx="0">
+        <a:scrgbClr r="0" g="0" b="0"/>
+      </a:effectRef>
+      <a:fontRef idx="minor">
+        <a:schemeClr val="lt1"/>
+      </a:fontRef>
+    </dgm:style>
+  </dgm:styleLbl>
+  <dgm:styleLbl name="node1">
+    <dgm:scene3d>
+      <a:camera prst="orthographicFront"/>
+      <a:lightRig rig="threePt" dir="t"/>
+    </dgm:scene3d>
+    <dgm:sp3d/>
+    <dgm:txPr/>
+    <dgm:style>
+      <a:lnRef idx="2">
+        <a:scrgbClr r="0" g="0" b="0"/>
+      </a:lnRef>
+      <a:fillRef idx="1">
+        <a:scrgbClr r="0" g="0" b="0"/>
+      </a:fillRef>
+      <a:effectRef idx="0">
+        <a:scrgbClr r="0" g="0" b="0"/>
+      </a:effectRef>
+      <a:fontRef idx="minor">
+        <a:schemeClr val="lt1"/>
+      </a:fontRef>
+    </dgm:style>
+  </dgm:styleLbl>
+  <dgm:styleLbl name="node2">
+    <dgm:scene3d>
+      <a:camera prst="orthographicFront"/>
+      <a:lightRig rig="threePt" dir="t"/>
+    </dgm:scene3d>
+    <dgm:sp3d/>
+    <dgm:txPr/>
+    <dgm:style>
+      <a:lnRef idx="2">
+        <a:scrgbClr r="0" g="0" b="0"/>
+      </a:lnRef>
+      <a:fillRef idx="1">
+        <a:scrgbClr r="0" g="0" b="0"/>
+      </a:fillRef>
+      <a:effectRef idx="0">
+        <a:scrgbClr r="0" g="0" b="0"/>
+      </a:effectRef>
+      <a:fontRef idx="minor">
+        <a:schemeClr val="lt1"/>
+      </a:fontRef>
+    </dgm:style>
+  </dgm:styleLbl>
+  <dgm:styleLbl name="node3">
+    <dgm:scene3d>
+      <a:camera prst="orthographicFront"/>
+      <a:lightRig rig="threePt" dir="t"/>
+    </dgm:scene3d>
+    <dgm:sp3d/>
+    <dgm:txPr/>
+    <dgm:style>
+      <a:lnRef idx="2">
+        <a:scrgbClr r="0" g="0" b="0"/>
+      </a:lnRef>
+      <a:fillRef idx="1">
+        <a:scrgbClr r="0" g="0" b="0"/>
+      </a:fillRef>
+      <a:effectRef idx="0">
+        <a:scrgbClr r="0" g="0" b="0"/>
+      </a:effectRef>
+      <a:fontRef idx="minor">
+        <a:schemeClr val="lt1"/>
+      </a:fontRef>
+    </dgm:style>
+  </dgm:styleLbl>
+  <dgm:styleLbl name="node4">
+    <dgm:scene3d>
+      <a:camera prst="orthographicFront"/>
+      <a:lightRig rig="threePt" dir="t"/>
+    </dgm:scene3d>
+    <dgm:sp3d/>
+    <dgm:txPr/>
+    <dgm:style>
+      <a:lnRef idx="2">
+        <a:scrgbClr r="0" g="0" b="0"/>
+      </a:lnRef>
+      <a:fillRef idx="1">
+        <a:scrgbClr r="0" g="0" b="0"/>
+      </a:fillRef>
+      <a:effectRef idx="0">
+        <a:scrgbClr r="0" g="0" b="0"/>
+      </a:effectRef>
+      <a:fontRef idx="minor">
+        <a:schemeClr val="lt1"/>
+      </a:fontRef>
+    </dgm:style>
+  </dgm:styleLbl>
+  <dgm:styleLbl name="fgImgPlace1">
+    <dgm:scene3d>
+      <a:camera prst="orthographicFront"/>
+      <a:lightRig rig="threePt" dir="t"/>
+    </dgm:scene3d>
+    <dgm:sp3d/>
+    <dgm:txPr/>
+    <dgm:style>
+      <a:lnRef idx="2">
+        <a:scrgbClr r="0" g="0" b="0"/>
+      </a:lnRef>
+      <a:fillRef idx="1">
+        <a:scrgbClr r="0" g="0" b="0"/>
+      </a:fillRef>
+      <a:effectRef idx="0">
+        <a:scrgbClr r="0" g="0" b="0"/>
+      </a:effectRef>
+      <a:fontRef idx="minor"/>
+    </dgm:style>
+  </dgm:styleLbl>
+  <dgm:styleLbl name="alignImgPlace1">
+    <dgm:scene3d>
+      <a:camera prst="orthographicFront"/>
+      <a:lightRig rig="threePt" dir="t"/>
+    </dgm:scene3d>
+    <dgm:sp3d/>
+    <dgm:txPr/>
+    <dgm:style>
+      <a:lnRef idx="2">
+        <a:scrgbClr r="0" g="0" b="0"/>
+      </a:lnRef>
+      <a:fillRef idx="1">
+        <a:scrgbClr r="0" g="0" b="0"/>
+      </a:fillRef>
+      <a:effectRef idx="0">
+        <a:scrgbClr r="0" g="0" b="0"/>
+      </a:effectRef>
+      <a:fontRef idx="minor"/>
+    </dgm:style>
+  </dgm:styleLbl>
+  <dgm:styleLbl name="bgImgPlace1">
+    <dgm:scene3d>
+      <a:camera prst="orthographicFront"/>
+      <a:lightRig rig="threePt" dir="t"/>
+    </dgm:scene3d>
+    <dgm:sp3d/>
+    <dgm:txPr/>
+    <dgm:style>
+      <a:lnRef idx="2">
+        <a:scrgbClr r="0" g="0" b="0"/>
+      </a:lnRef>
+      <a:fillRef idx="1">
+        <a:scrgbClr r="0" g="0" b="0"/>
+      </a:fillRef>
+      <a:effectRef idx="0">
+        <a:scrgbClr r="0" g="0" b="0"/>
+      </a:effectRef>
+      <a:fontRef idx="minor"/>
+    </dgm:style>
+  </dgm:styleLbl>
+  <dgm:styleLbl name="sibTrans2D1">
+    <dgm:scene3d>
+      <a:camera prst="orthographicFront"/>
+      <a:lightRig rig="threePt" dir="t"/>
+    </dgm:scene3d>
+    <dgm:sp3d/>
+    <dgm:txPr/>
+    <dgm:style>
+      <a:lnRef idx="0">
+        <a:scrgbClr r="0" g="0" b="0"/>
+      </a:lnRef>
+      <a:fillRef idx="1">
+        <a:scrgbClr r="0" g="0" b="0"/>
+      </a:fillRef>
+      <a:effectRef idx="0">
+        <a:scrgbClr r="0" g="0" b="0"/>
+      </a:effectRef>
+      <a:fontRef idx="minor">
+        <a:schemeClr val="lt1"/>
+      </a:fontRef>
+    </dgm:style>
+  </dgm:styleLbl>
+  <dgm:styleLbl name="fgSibTrans2D1">
+    <dgm:scene3d>
+      <a:camera prst="orthographicFront"/>
+      <a:lightRig rig="threePt" dir="t"/>
+    </dgm:scene3d>
+    <dgm:sp3d/>
+    <dgm:txPr/>
+    <dgm:style>
+      <a:lnRef idx="0">
+        <a:scrgbClr r="0" g="0" b="0"/>
+      </a:lnRef>
+      <a:fillRef idx="1">
+        <a:scrgbClr r="0" g="0" b="0"/>
+      </a:fillRef>
+      <a:effectRef idx="0">
+        <a:scrgbClr r="0" g="0" b="0"/>
+      </a:effectRef>
+      <a:fontRef idx="minor">
+        <a:schemeClr val="lt1"/>
+      </a:fontRef>
+    </dgm:style>
+  </dgm:styleLbl>
+  <dgm:styleLbl name="bgSibTrans2D1">
+    <dgm:scene3d>
+      <a:camera prst="orthographicFront"/>
+      <a:lightRig rig="threePt" dir="t"/>
+    </dgm:scene3d>
+    <dgm:sp3d/>
+    <dgm:txPr/>
+    <dgm:style>
+      <a:lnRef idx="0">
+        <a:scrgbClr r="0" g="0" b="0"/>
+      </a:lnRef>
+      <a:fillRef idx="1">
+        <a:scrgbClr r="0" g="0" b="0"/>
+      </a:fillRef>
+      <a:effectRef idx="0">
+        <a:scrgbClr r="0" g="0" b="0"/>
+      </a:effectRef>
+      <a:fontRef idx="minor">
+        <a:schemeClr val="lt1"/>
+      </a:fontRef>
+    </dgm:style>
+  </dgm:styleLbl>
+  <dgm:styleLbl name="sibTrans1D1">
+    <dgm:scene3d>
+      <a:camera prst="orthographicFront"/>
+      <a:lightRig rig="threePt" dir="t"/>
+    </dgm:scene3d>
+    <dgm:sp3d/>
+    <dgm:txPr/>
+    <dgm:style>
+      <a:lnRef idx="1">
+        <a:scrgbClr r="0" g="0" b="0"/>
+      </a:lnRef>
+      <a:fillRef idx="0">
+        <a:scrgbClr r="0" g="0" b="0"/>
+      </a:fillRef>
+      <a:effectRef idx="0">
+        <a:scrgbClr r="0" g="0" b="0"/>
+      </a:effectRef>
+      <a:fontRef idx="minor"/>
+    </dgm:style>
+  </dgm:styleLbl>
+  <dgm:styleLbl name="callout">
+    <dgm:scene3d>
+      <a:camera prst="orthographicFront"/>
+      <a:lightRig rig="threePt" dir="t"/>
+    </dgm:scene3d>
+    <dgm:sp3d/>
+    <dgm:txPr/>
+    <dgm:style>
+      <a:lnRef idx="2">
+        <a:scrgbClr r="0" g="0" b="0"/>
+      </a:lnRef>
+      <a:fillRef idx="1">
+        <a:scrgbClr r="0" g="0" b="0"/>
+      </a:fillRef>
+      <a:effectRef idx="0">
+        <a:scrgbClr r="0" g="0" b="0"/>
+      </a:effectRef>
+      <a:fontRef idx="minor"/>
+    </dgm:style>
+  </dgm:styleLbl>
+  <dgm:styleLbl name="asst0">
+    <dgm:scene3d>
+      <a:camera prst="orthographicFront"/>
+      <a:lightRig rig="threePt" dir="t"/>
+    </dgm:scene3d>
+    <dgm:sp3d/>
+    <dgm:txPr/>
+    <dgm:style>
+      <a:lnRef idx="2">
+        <a:scrgbClr r="0" g="0" b="0"/>
+      </a:lnRef>
+      <a:fillRef idx="1">
+        <a:scrgbClr r="0" g="0" b="0"/>
+      </a:fillRef>
+      <a:effectRef idx="0">
+        <a:scrgbClr r="0" g="0" b="0"/>
+      </a:effectRef>
+      <a:fontRef idx="minor">
+        <a:schemeClr val="lt1"/>
+      </a:fontRef>
+    </dgm:style>
+  </dgm:styleLbl>
+  <dgm:styleLbl name="asst1">
+    <dgm:scene3d>
+      <a:camera prst="orthographicFront"/>
+      <a:lightRig rig="threePt" dir="t"/>
+    </dgm:scene3d>
+    <dgm:sp3d/>
+    <dgm:txPr/>
+    <dgm:style>
+      <a:lnRef idx="2">
+        <a:scrgbClr r="0" g="0" b="0"/>
+      </a:lnRef>
+      <a:fillRef idx="1">
+        <a:scrgbClr r="0" g="0" b="0"/>
+      </a:fillRef>
+      <a:effectRef idx="0">
+        <a:scrgbClr r="0" g="0" b="0"/>
+      </a:effectRef>
+      <a:fontRef idx="minor">
+        <a:schemeClr val="lt1"/>
+      </a:fontRef>
+    </dgm:style>
+  </dgm:styleLbl>
+  <dgm:styleLbl name="asst2">
+    <dgm:scene3d>
+      <a:camera prst="orthographicFront"/>
+      <a:lightRig rig="threePt" dir="t"/>
+    </dgm:scene3d>
+    <dgm:sp3d/>
+    <dgm:txPr/>
+    <dgm:style>
+      <a:lnRef idx="2">
+        <a:scrgbClr r="0" g="0" b="0"/>
+      </a:lnRef>
+      <a:fillRef idx="1">
+        <a:scrgbClr r="0" g="0" b="0"/>
+      </a:fillRef>
+      <a:effectRef idx="0">
+        <a:scrgbClr r="0" g="0" b="0"/>
+      </a:effectRef>
+      <a:fontRef idx="minor">
+        <a:schemeClr val="lt1"/>
+      </a:fontRef>
+    </dgm:style>
+  </dgm:styleLbl>
+  <dgm:styleLbl name="asst3">
+    <dgm:scene3d>
+      <a:camera prst="orthographicFront"/>
+      <a:lightRig rig="threePt" dir="t"/>
+    </dgm:scene3d>
+    <dgm:sp3d/>
+    <dgm:txPr/>
+    <dgm:style>
+      <a:lnRef idx="2">
+        <a:scrgbClr r="0" g="0" b="0"/>
+      </a:lnRef>
+      <a:fillRef idx="1">
+        <a:scrgbClr r="0" g="0" b="0"/>
+      </a:fillRef>
+      <a:effectRef idx="0">
+        <a:scrgbClr r="0" g="0" b="0"/>
+      </a:effectRef>
+      <a:fontRef idx="minor">
+        <a:schemeClr val="lt1"/>
+      </a:fontRef>
+    </dgm:style>
+  </dgm:styleLbl>
+  <dgm:styleLbl name="asst4">
+    <dgm:scene3d>
+      <a:camera prst="orthographicFront"/>
+      <a:lightRig rig="threePt" dir="t"/>
+    </dgm:scene3d>
+    <dgm:sp3d/>
+    <dgm:txPr/>
+    <dgm:style>
+      <a:lnRef idx="2">
+        <a:scrgbClr r="0" g="0" b="0"/>
+      </a:lnRef>
+      <a:fillRef idx="1">
+        <a:scrgbClr r="0" g="0" b="0"/>
+      </a:fillRef>
+      <a:effectRef idx="0">
+        <a:scrgbClr r="0" g="0" b="0"/>
+      </a:effectRef>
+      <a:fontRef idx="minor">
+        <a:schemeClr val="lt1"/>
+      </a:fontRef>
+    </dgm:style>
+  </dgm:styleLbl>
+  <dgm:styleLbl name="parChTrans2D1">
+    <dgm:scene3d>
+      <a:camera prst="orthographicFront"/>
+      <a:lightRig rig="threePt" dir="t"/>
+    </dgm:scene3d>
+    <dgm:sp3d/>
+    <dgm:txPr/>
+    <dgm:style>
+      <a:lnRef idx="2">
+        <a:scrgbClr r="0" g="0" b="0"/>
+      </a:lnRef>
+      <a:fillRef idx="1">
+        <a:scrgbClr r="0" g="0" b="0"/>
+      </a:fillRef>
+      <a:effectRef idx="0">
+        <a:scrgbClr r="0" g="0" b="0"/>
+      </a:effectRef>
+      <a:fontRef idx="minor">
+        <a:schemeClr val="lt1"/>
+      </a:fontRef>
+    </dgm:style>
+  </dgm:styleLbl>
+  <dgm:styleLbl name="parChTrans2D2">
+    <dgm:scene3d>
+      <a:camera prst="orthographicFront"/>
+      <a:lightRig rig="threePt" dir="t"/>
+    </dgm:scene3d>
+    <dgm:sp3d/>
+    <dgm:txPr/>
+    <dgm:style>
+      <a:lnRef idx="2">
+        <a:scrgbClr r="0" g="0" b="0"/>
+      </a:lnRef>
+      <a:fillRef idx="1">
+        <a:scrgbClr r="0" g="0" b="0"/>
+      </a:fillRef>
+      <a:effectRef idx="0">
+        <a:scrgbClr r="0" g="0" b="0"/>
+      </a:effectRef>
+      <a:fontRef idx="minor">
+        <a:schemeClr val="lt1"/>
+      </a:fontRef>
+    </dgm:style>
+  </dgm:styleLbl>
+  <dgm:styleLbl name="parChTrans2D3">
+    <dgm:scene3d>
+      <a:camera prst="orthographicFront"/>
+      <a:lightRig rig="threePt" dir="t"/>
+    </dgm:scene3d>
+    <dgm:sp3d/>
+    <dgm:txPr/>
+    <dgm:style>
+      <a:lnRef idx="2">
+        <a:scrgbClr r="0" g="0" b="0"/>
+      </a:lnRef>
+      <a:fillRef idx="1">
+        <a:scrgbClr r="0" g="0" b="0"/>
+      </a:fillRef>
+      <a:effectRef idx="0">
+        <a:scrgbClr r="0" g="0" b="0"/>
+      </a:effectRef>
+      <a:fontRef idx="minor">
+        <a:schemeClr val="lt1"/>
+      </a:fontRef>
+    </dgm:style>
+  </dgm:styleLbl>
+  <dgm:styleLbl name="parChTrans2D4">
+    <dgm:scene3d>
+      <a:camera prst="orthographicFront"/>
+      <a:lightRig rig="threePt" dir="t"/>
+    </dgm:scene3d>
+    <dgm:sp3d/>
+    <dgm:txPr/>
+    <dgm:style>
+      <a:lnRef idx="2">
+        <a:scrgbClr r="0" g="0" b="0"/>
+      </a:lnRef>
+      <a:fillRef idx="1">
+        <a:scrgbClr r="0" g="0" b="0"/>
+      </a:fillRef>
+      <a:effectRef idx="0">
+        <a:scrgbClr r="0" g="0" b="0"/>
+      </a:effectRef>
+      <a:fontRef idx="minor">
+        <a:schemeClr val="lt1"/>
+      </a:fontRef>
+    </dgm:style>
+  </dgm:styleLbl>
+  <dgm:styleLbl name="parChTrans1D1">
+    <dgm:scene3d>
+      <a:camera prst="orthographicFront"/>
+      <a:lightRig rig="threePt" dir="t"/>
+    </dgm:scene3d>
+    <dgm:sp3d/>
+    <dgm:txPr/>
+    <dgm:style>
+      <a:lnRef idx="2">
+        <a:scrgbClr r="0" g="0" b="0"/>
+      </a:lnRef>
+      <a:fillRef idx="0">
+        <a:scrgbClr r="0" g="0" b="0"/>
+      </a:fillRef>
+      <a:effectRef idx="0">
+        <a:scrgbClr r="0" g="0" b="0"/>
+      </a:effectRef>
+      <a:fontRef idx="minor"/>
+    </dgm:style>
+  </dgm:styleLbl>
+  <dgm:styleLbl name="parChTrans1D2">
+    <dgm:scene3d>
+      <a:camera prst="orthographicFront"/>
+      <a:lightRig rig="threePt" dir="t"/>
+    </dgm:scene3d>
+    <dgm:sp3d/>
+    <dgm:txPr/>
+    <dgm:style>
+      <a:lnRef idx="2">
+        <a:scrgbClr r="0" g="0" b="0"/>
+      </a:lnRef>
+      <a:fillRef idx="0">
+        <a:scrgbClr r="0" g="0" b="0"/>
+      </a:fillRef>
+      <a:effectRef idx="0">
+        <a:scrgbClr r="0" g="0" b="0"/>
+      </a:effectRef>
+      <a:fontRef idx="minor"/>
+    </dgm:style>
+  </dgm:styleLbl>
+  <dgm:styleLbl name="parChTrans1D3">
+    <dgm:scene3d>
+      <a:camera prst="orthographicFront"/>
+      <a:lightRig rig="threePt" dir="t"/>
+    </dgm:scene3d>
+    <dgm:sp3d/>
+    <dgm:txPr/>
+    <dgm:style>
+      <a:lnRef idx="2">
+        <a:scrgbClr r="0" g="0" b="0"/>
+      </a:lnRef>
+      <a:fillRef idx="0">
+        <a:scrgbClr r="0" g="0" b="0"/>
+      </a:fillRef>
+      <a:effectRef idx="0">
+        <a:scrgbClr r="0" g="0" b="0"/>
+      </a:effectRef>
+      <a:fontRef idx="minor"/>
+    </dgm:style>
+  </dgm:styleLbl>
+  <dgm:styleLbl name="parChTrans1D4">
+    <dgm:scene3d>
+      <a:camera prst="orthographicFront"/>
+      <a:lightRig rig="threePt" dir="t"/>
+    </dgm:scene3d>
+    <dgm:sp3d/>
+    <dgm:txPr/>
+    <dgm:style>
+      <a:lnRef idx="2">
+        <a:scrgbClr r="0" g="0" b="0"/>
+      </a:lnRef>
+      <a:fillRef idx="0">
+        <a:scrgbClr r="0" g="0" b="0"/>
+      </a:fillRef>
+      <a:effectRef idx="0">
+        <a:scrgbClr r="0" g="0" b="0"/>
+      </a:effectRef>
+      <a:fontRef idx="minor"/>
+    </dgm:style>
+  </dgm:styleLbl>
+  <dgm:styleLbl name="fgAcc1">
+    <dgm:scene3d>
+      <a:camera prst="orthographicFront"/>
+      <a:lightRig rig="threePt" dir="t"/>
+    </dgm:scene3d>
+    <dgm:sp3d/>
+    <dgm:txPr/>
+    <dgm:style>
+      <a:lnRef idx="2">
+        <a:scrgbClr r="0" g="0" b="0"/>
+      </a:lnRef>
+      <a:fillRef idx="1">
+        <a:scrgbClr r="0" g="0" b="0"/>
+      </a:fillRef>
+      <a:effectRef idx="0">
+        <a:scrgbClr r="0" g="0" b="0"/>
+      </a:effectRef>
+      <a:fontRef idx="minor"/>
+    </dgm:style>
+  </dgm:styleLbl>
+  <dgm:styleLbl name="conFgAcc1">
+    <dgm:scene3d>
+      <a:camera prst="orthographicFront"/>
+      <a:lightRig rig="threePt" dir="t"/>
+    </dgm:scene3d>
+    <dgm:sp3d/>
+    <dgm:txPr/>
+    <dgm:style>
+      <a:lnRef idx="2">
+        <a:scrgbClr r="0" g="0" b="0"/>
+      </a:lnRef>
+      <a:fillRef idx="1">
+        <a:scrgbClr r="0" g="0" b="0"/>
+      </a:fillRef>
+      <a:effectRef idx="0">
+        <a:scrgbClr r="0" g="0" b="0"/>
+      </a:effectRef>
+      <a:fontRef idx="minor"/>
+    </dgm:style>
+  </dgm:styleLbl>
+  <dgm:styleLbl name="alignAcc1">
+    <dgm:scene3d>
+      <a:camera prst="orthographicFront"/>
+      <a:lightRig rig="threePt" dir="t"/>
+    </dgm:scene3d>
+    <dgm:sp3d/>
+    <dgm:txPr/>
+    <dgm:style>
+      <a:lnRef idx="2">
+        <a:scrgbClr r="0" g="0" b="0"/>
+      </a:lnRef>
+      <a:fillRef idx="1">
+        <a:scrgbClr r="0" g="0" b="0"/>
+      </a:fillRef>
+      <a:effectRef idx="0">
+        <a:scrgbClr r="0" g="0" b="0"/>
+      </a:effectRef>
+      <a:fontRef idx="minor"/>
+    </dgm:style>
+  </dgm:styleLbl>
+  <dgm:styleLbl name="trAlignAcc1">
+    <dgm:scene3d>
+      <a:camera prst="orthographicFront"/>
+      <a:lightRig rig="threePt" dir="t"/>
+    </dgm:scene3d>
+    <dgm:sp3d/>
+    <dgm:txPr/>
+    <dgm:style>
+      <a:lnRef idx="1">
+        <a:scrgbClr r="0" g="0" b="0"/>
+      </a:lnRef>
+      <a:fillRef idx="1">
+        <a:scrgbClr r="0" g="0" b="0"/>
+      </a:fillRef>
+      <a:effectRef idx="0">
+        <a:scrgbClr r="0" g="0" b="0"/>
+      </a:effectRef>
+      <a:fontRef idx="minor"/>
+    </dgm:style>
+  </dgm:styleLbl>
+  <dgm:styleLbl name="bgAcc1">
+    <dgm:scene3d>
+      <a:camera prst="orthographicFront"/>
+      <a:lightRig rig="threePt" dir="t"/>
+    </dgm:scene3d>
+    <dgm:sp3d/>
+    <dgm:txPr/>
+    <dgm:style>
+      <a:lnRef idx="2">
+        <a:scrgbClr r="0" g="0" b="0"/>
+      </a:lnRef>
+      <a:fillRef idx="1">
+        <a:scrgbClr r="0" g="0" b="0"/>
+      </a:fillRef>
+      <a:effectRef idx="0">
+        <a:scrgbClr r="0" g="0" b="0"/>
+      </a:effectRef>
+      <a:fontRef idx="minor"/>
+    </dgm:style>
+  </dgm:styleLbl>
+  <dgm:styleLbl name="solidFgAcc1">
+    <dgm:scene3d>
+      <a:camera prst="orthographicFront"/>
+      <a:lightRig rig="threePt" dir="t"/>
+    </dgm:scene3d>
+    <dgm:sp3d/>
+    <dgm:txPr/>
+    <dgm:style>
+      <a:lnRef idx="2">
+        <a:scrgbClr r="0" g="0" b="0"/>
+      </a:lnRef>
+      <a:fillRef idx="1">
+        <a:scrgbClr r="0" g="0" b="0"/>
+      </a:fillRef>
+      <a:effectRef idx="0">
+        <a:scrgbClr r="0" g="0" b="0"/>
+      </a:effectRef>
+      <a:fontRef idx="minor"/>
+    </dgm:style>
+  </dgm:styleLbl>
+  <dgm:styleLbl name="solidAlignAcc1">
+    <dgm:scene3d>
+      <a:camera prst="orthographicFront"/>
+      <a:lightRig rig="threePt" dir="t"/>
+    </dgm:scene3d>
+    <dgm:sp3d/>
+    <dgm:txPr/>
+    <dgm:style>
+      <a:lnRef idx="2">
+        <a:scrgbClr r="0" g="0" b="0"/>
+      </a:lnRef>
+      <a:fillRef idx="1">
+        <a:scrgbClr r="0" g="0" b="0"/>
+      </a:fillRef>
+      <a:effectRef idx="0">
+        <a:scrgbClr r="0" g="0" b="0"/>
+      </a:effectRef>
+      <a:fontRef idx="minor"/>
+    </dgm:style>
+  </dgm:styleLbl>
+  <dgm:styleLbl name="solidBgAcc1">
+    <dgm:scene3d>
+      <a:camera prst="orthographicFront"/>
+      <a:lightRig rig="threePt" dir="t"/>
+    </dgm:scene3d>
+    <dgm:sp3d/>
+    <dgm:txPr/>
+    <dgm:style>
+      <a:lnRef idx="2">
+        <a:scrgbClr r="0" g="0" b="0"/>
+      </a:lnRef>
+      <a:fillRef idx="1">
+        <a:scrgbClr r="0" g="0" b="0"/>
+      </a:fillRef>
+      <a:effectRef idx="0">
+        <a:scrgbClr r="0" g="0" b="0"/>
+      </a:effectRef>
+      <a:fontRef idx="minor"/>
+    </dgm:style>
+  </dgm:styleLbl>
+  <dgm:styleLbl name="fgAccFollowNode1">
+    <dgm:scene3d>
+      <a:camera prst="orthographicFront"/>
+      <a:lightRig rig="threePt" dir="t"/>
+    </dgm:scene3d>
+    <dgm:sp3d/>
+    <dgm:txPr/>
+    <dgm:style>
+      <a:lnRef idx="2">
+        <a:scrgbClr r="0" g="0" b="0"/>
+      </a:lnRef>
+      <a:fillRef idx="1">
+        <a:scrgbClr r="0" g="0" b="0"/>
+      </a:fillRef>
+      <a:effectRef idx="0">
+        <a:scrgbClr r="0" g="0" b="0"/>
+      </a:effectRef>
+      <a:fontRef idx="minor"/>
+    </dgm:style>
+  </dgm:styleLbl>
+  <dgm:styleLbl name="alignAccFollowNode1">
+    <dgm:scene3d>
+      <a:camera prst="orthographicFront"/>
+      <a:lightRig rig="threePt" dir="t"/>
+    </dgm:scene3d>
+    <dgm:sp3d/>
+    <dgm:txPr/>
+    <dgm:style>
+      <a:lnRef idx="2">
+        <a:scrgbClr r="0" g="0" b="0"/>
+      </a:lnRef>
+      <a:fillRef idx="1">
+        <a:scrgbClr r="0" g="0" b="0"/>
+      </a:fillRef>
+      <a:effectRef idx="0">
+        <a:scrgbClr r="0" g="0" b="0"/>
+      </a:effectRef>
+      <a:fontRef idx="minor"/>
+    </dgm:style>
+  </dgm:styleLbl>
+  <dgm:styleLbl name="bgAccFollowNode1">
+    <dgm:scene3d>
+      <a:camera prst="orthographicFront"/>
+      <a:lightRig rig="threePt" dir="t"/>
+    </dgm:scene3d>
+    <dgm:sp3d/>
+    <dgm:txPr/>
+    <dgm:style>
+      <a:lnRef idx="2">
+        <a:scrgbClr r="0" g="0" b="0"/>
+      </a:lnRef>
+      <a:fillRef idx="1">
+        <a:scrgbClr r="0" g="0" b="0"/>
+      </a:fillRef>
+      <a:effectRef idx="0">
+        <a:scrgbClr r="0" g="0" b="0"/>
+      </a:effectRef>
+      <a:fontRef idx="minor"/>
+    </dgm:style>
+  </dgm:styleLbl>
+  <dgm:styleLbl name="fgAcc0">
+    <dgm:scene3d>
+      <a:camera prst="orthographicFront"/>
+      <a:lightRig rig="threePt" dir="t"/>
+    </dgm:scene3d>
+    <dgm:sp3d/>
+    <dgm:txPr/>
+    <dgm:style>
+      <a:lnRef idx="2">
+        <a:scrgbClr r="0" g="0" b="0"/>
+      </a:lnRef>
+      <a:fillRef idx="1">
+        <a:scrgbClr r="0" g="0" b="0"/>
+      </a:fillRef>
+      <a:effectRef idx="0">
+        <a:scrgbClr r="0" g="0" b="0"/>
+      </a:effectRef>
+      <a:fontRef idx="minor"/>
+    </dgm:style>
+  </dgm:styleLbl>
+  <dgm:styleLbl name="fgAcc2">
+    <dgm:scene3d>
+      <a:camera prst="orthographicFront"/>
+      <a:lightRig rig="threePt" dir="t"/>
+    </dgm:scene3d>
+    <dgm:sp3d/>
+    <dgm:txPr/>
+    <dgm:style>
+      <a:lnRef idx="2">
+        <a:scrgbClr r="0" g="0" b="0"/>
+      </a:lnRef>
+      <a:fillRef idx="1">
+        <a:scrgbClr r="0" g="0" b="0"/>
+      </a:fillRef>
+      <a:effectRef idx="0">
+        <a:scrgbClr r="0" g="0" b="0"/>
+      </a:effectRef>
+      <a:fontRef idx="minor"/>
+    </dgm:style>
+  </dgm:styleLbl>
+  <dgm:styleLbl name="fgAcc3">
+    <dgm:scene3d>
+      <a:camera prst="orthographicFront"/>
+      <a:lightRig rig="threePt" dir="t"/>
+    </dgm:scene3d>
+    <dgm:sp3d/>
+    <dgm:txPr/>
+    <dgm:style>
+      <a:lnRef idx="2">
+        <a:scrgbClr r="0" g="0" b="0"/>
+      </a:lnRef>
+      <a:fillRef idx="1">
+        <a:scrgbClr r="0" g="0" b="0"/>
+      </a:fillRef>
+      <a:effectRef idx="0">
+        <a:scrgbClr r="0" g="0" b="0"/>
+      </a:effectRef>
+      <a:fontRef idx="minor"/>
+    </dgm:style>
+  </dgm:styleLbl>
+  <dgm:styleLbl name="fgAcc4">
+    <dgm:scene3d>
+      <a:camera prst="orthographicFront"/>
+      <a:lightRig rig="threePt" dir="t"/>
+    </dgm:scene3d>
+    <dgm:sp3d/>
+    <dgm:txPr/>
+    <dgm:style>
+      <a:lnRef idx="2">
+        <a:scrgbClr r="0" g="0" b="0"/>
+      </a:lnRef>
+      <a:fillRef idx="1">
+        <a:scrgbClr r="0" g="0" b="0"/>
+      </a:fillRef>
+      <a:effectRef idx="0">
+        <a:scrgbClr r="0" g="0" b="0"/>
+      </a:effectRef>
+      <a:fontRef idx="minor"/>
+    </dgm:style>
+  </dgm:styleLbl>
+  <dgm:styleLbl name="bgShp">
+    <dgm:scene3d>
+      <a:camera prst="orthographicFront"/>
+      <a:lightRig rig="threePt" dir="t"/>
+    </dgm:scene3d>
+    <dgm:sp3d/>
+    <dgm:txPr/>
+    <dgm:style>
+      <a:lnRef idx="0">
+        <a:scrgbClr r="0" g="0" b="0"/>
+      </a:lnRef>
+      <a:fillRef idx="1">
+        <a:scrgbClr r="0" g="0" b="0"/>
+      </a:fillRef>
+      <a:effectRef idx="0">
+        <a:scrgbClr r="0" g="0" b="0"/>
+      </a:effectRef>
+      <a:fontRef idx="minor"/>
+    </dgm:style>
+  </dgm:styleLbl>
+  <dgm:styleLbl name="dkBgShp">
+    <dgm:scene3d>
+      <a:camera prst="orthographicFront"/>
+      <a:lightRig rig="threePt" dir="t"/>
+    </dgm:scene3d>
+    <dgm:sp3d/>
+    <dgm:txPr/>
+    <dgm:style>
+      <a:lnRef idx="0">
+        <a:scrgbClr r="0" g="0" b="0"/>
+      </a:lnRef>
+      <a:fillRef idx="1">
+        <a:scrgbClr r="0" g="0" b="0"/>
+      </a:fillRef>
+      <a:effectRef idx="0">
+        <a:scrgbClr r="0" g="0" b="0"/>
+      </a:effectRef>
+      <a:fontRef idx="minor"/>
+    </dgm:style>
+  </dgm:styleLbl>
+  <dgm:styleLbl name="trBgShp">
+    <dgm:scene3d>
+      <a:camera prst="orthographicFront"/>
+      <a:lightRig rig="threePt" dir="t"/>
+    </dgm:scene3d>
+    <dgm:sp3d/>
+    <dgm:txPr/>
+    <dgm:style>
+      <a:lnRef idx="0">
+        <a:scrgbClr r="0" g="0" b="0"/>
+      </a:lnRef>
+      <a:fillRef idx="1">
+        <a:scrgbClr r="0" g="0" b="0"/>
+      </a:fillRef>
+      <a:effectRef idx="0">
+        <a:scrgbClr r="0" g="0" b="0"/>
+      </a:effectRef>
+      <a:fontRef idx="minor"/>
+    </dgm:style>
+  </dgm:styleLbl>
+  <dgm:styleLbl name="fgShp">
+    <dgm:scene3d>
+      <a:camera prst="orthographicFront"/>
+      <a:lightRig rig="threePt" dir="t"/>
+    </dgm:scene3d>
+    <dgm:sp3d/>
+    <dgm:txPr/>
+    <dgm:style>
+      <a:lnRef idx="2">
+        <a:scrgbClr r="0" g="0" b="0"/>
+      </a:lnRef>
+      <a:fillRef idx="1">
+        <a:scrgbClr r="0" g="0" b="0"/>
+      </a:fillRef>
+      <a:effectRef idx="0">
+        <a:scrgbClr r="0" g="0" b="0"/>
+      </a:effectRef>
+      <a:fontRef idx="minor"/>
+    </dgm:style>
+  </dgm:styleLbl>
+  <dgm:styleLbl name="revTx">
+    <dgm:scene3d>
+      <a:camera prst="orthographicFront"/>
+      <a:lightRig rig="threePt" dir="t"/>
+    </dgm:scene3d>
+    <dgm:sp3d/>
+    <dgm:txPr/>
+    <dgm:style>
+      <a:lnRef idx="0">
+        <a:scrgbClr r="0" g="0" b="0"/>
+      </a:lnRef>
+      <a:fillRef idx="0">
+        <a:scrgbClr r="0" g="0" b="0"/>
+      </a:fillRef>
+      <a:effectRef idx="0">
+        <a:scrgbClr r="0" g="0" b="0"/>
+      </a:effectRef>
+      <a:fontRef idx="minor"/>
+    </dgm:style>
+  </dgm:styleLbl>
+</dgm:styleDef>
+</file>
+
+<file path=ppt/diagrams/quickStyle6.xml><?xml version="1.0" encoding="utf-8"?>
 <dgm:styleDef xmlns:dgm="http://schemas.openxmlformats.org/drawingml/2006/diagram" xmlns:a="http://schemas.openxmlformats.org/drawingml/2006/main" uniqueId="urn:microsoft.com/office/officeart/2005/8/quickstyle/simple1">
   <dgm:title val=""/>
   <dgm:desc val=""/>
@@ -29083,6 +33497,799 @@
   <p:cSld>
     <p:bg>
       <p:bgPr>
+        <a:blipFill>
+          <a:blip r:embed="rId2">
+            <a:extLst/>
+          </a:blip>
+          <a:stretch/>
+        </a:blipFill>
+        <a:effectLst/>
+      </p:bgPr>
+    </p:bg>
+    <p:spTree>
+      <p:nvGrpSpPr>
+        <p:cNvPr id="1" name=""/>
+        <p:cNvGrpSpPr/>
+        <p:nvPr/>
+      </p:nvGrpSpPr>
+      <p:grpSpPr>
+        <a:xfrm>
+          <a:off x="0" y="0"/>
+          <a:ext cx="0" cy="0"/>
+          <a:chOff x="0" y="0"/>
+          <a:chExt cx="0" cy="0"/>
+        </a:xfrm>
+      </p:grpSpPr>
+      <p:pic>
+        <p:nvPicPr>
+          <p:cNvPr id="13" name="Picture 12">
+            <a:extLst>
+              <a:ext uri="{FF2B5EF4-FFF2-40B4-BE49-F238E27FC236}">
+                <a16:creationId xmlns:a16="http://schemas.microsoft.com/office/drawing/2014/main" id="{CBECFFDC-94DB-4DA3-94FE-22FEDDA8FA30}"/>
+              </a:ext>
+              <a:ext uri="{C183D7F6-B498-43B3-948B-1728B52AA6E4}">
+                <adec:decorative xmlns:adec="http://schemas.microsoft.com/office/drawing/2017/decorative" val="1"/>
+              </a:ext>
+            </a:extLst>
+          </p:cNvPr>
+          <p:cNvPicPr>
+            <a:picLocks noGrp="1" noRot="1" noChangeAspect="1" noMove="1" noResize="1" noEditPoints="1" noAdjustHandles="1" noChangeArrowheads="1" noChangeShapeType="1" noCrop="1"/>
+          </p:cNvPicPr>
+          <p:nvPr>
+            <p:extLst>
+              <p:ext uri="{386F3935-93C4-4BCD-93E2-E3B085C9AB24}">
+                <p16:designElem xmlns:p16="http://schemas.microsoft.com/office/powerpoint/2015/main" val="1"/>
+              </p:ext>
+            </p:extLst>
+          </p:nvPr>
+        </p:nvPicPr>
+        <p:blipFill>
+          <a:blip r:embed="rId3">
+            <a:extLst>
+              <a:ext uri="{28A0092B-C50C-407E-A947-70E740481C1C}">
+                <a14:useLocalDpi xmlns:a14="http://schemas.microsoft.com/office/drawing/2010/main" val="0"/>
+              </a:ext>
+            </a:extLst>
+          </a:blip>
+          <a:stretch>
+            <a:fillRect/>
+          </a:stretch>
+        </p:blipFill>
+        <p:spPr>
+          <a:xfrm>
+            <a:off x="0" y="0"/>
+            <a:ext cx="12188825" cy="6856214"/>
+          </a:xfrm>
+          <a:prstGeom prst="rect">
+            <a:avLst/>
+          </a:prstGeom>
+        </p:spPr>
+      </p:pic>
+      <p:pic>
+        <p:nvPicPr>
+          <p:cNvPr id="104" name="Місце для вмісту 3">
+            <a:extLst>
+              <a:ext uri="{FF2B5EF4-FFF2-40B4-BE49-F238E27FC236}">
+                <a16:creationId xmlns:a16="http://schemas.microsoft.com/office/drawing/2014/main" id="{CE815989-EE63-4E25-8B28-6B97066BE378}"/>
+              </a:ext>
+            </a:extLst>
+          </p:cNvPr>
+          <p:cNvPicPr>
+            <a:picLocks noChangeAspect="1"/>
+          </p:cNvPicPr>
+          <p:nvPr/>
+        </p:nvPicPr>
+        <p:blipFill rotWithShape="1">
+          <a:blip r:embed="rId4"/>
+          <a:srcRect l="145" r="-1" b="-2"/>
+          <a:stretch/>
+        </p:blipFill>
+        <p:spPr>
+          <a:xfrm>
+            <a:off x="12700" y="975"/>
+            <a:ext cx="8695944" cy="6858000"/>
+          </a:xfrm>
+          <a:prstGeom prst="rect">
+            <a:avLst/>
+          </a:prstGeom>
+        </p:spPr>
+      </p:pic>
+      <p:pic>
+        <p:nvPicPr>
+          <p:cNvPr id="15" name="Picture 14">
+            <a:extLst>
+              <a:ext uri="{FF2B5EF4-FFF2-40B4-BE49-F238E27FC236}">
+                <a16:creationId xmlns:a16="http://schemas.microsoft.com/office/drawing/2014/main" id="{98BF0107-3463-486E-B9EE-5A5727B4F7FB}"/>
+              </a:ext>
+              <a:ext uri="{C183D7F6-B498-43B3-948B-1728B52AA6E4}">
+                <adec:decorative xmlns:adec="http://schemas.microsoft.com/office/drawing/2017/decorative" val="1"/>
+              </a:ext>
+            </a:extLst>
+          </p:cNvPr>
+          <p:cNvPicPr>
+            <a:picLocks noGrp="1" noRot="1" noChangeAspect="1" noMove="1" noResize="1" noEditPoints="1" noAdjustHandles="1" noChangeArrowheads="1" noChangeShapeType="1" noCrop="1"/>
+          </p:cNvPicPr>
+          <p:nvPr>
+            <p:extLst>
+              <p:ext uri="{386F3935-93C4-4BCD-93E2-E3B085C9AB24}">
+                <p16:designElem xmlns:p16="http://schemas.microsoft.com/office/powerpoint/2015/main" val="1"/>
+              </p:ext>
+            </p:extLst>
+          </p:nvPr>
+        </p:nvPicPr>
+        <p:blipFill>
+          <a:blip r:embed="rId5">
+            <a:extLst>
+              <a:ext uri="{28A0092B-C50C-407E-A947-70E740481C1C}">
+                <a14:useLocalDpi xmlns:a14="http://schemas.microsoft.com/office/drawing/2010/main" val="0"/>
+              </a:ext>
+            </a:extLst>
+          </a:blip>
+          <a:stretch>
+            <a:fillRect/>
+          </a:stretch>
+        </p:blipFill>
+        <p:spPr>
+          <a:xfrm>
+            <a:off x="0" y="0"/>
+            <a:ext cx="12188825" cy="6856214"/>
+          </a:xfrm>
+          <a:prstGeom prst="rect">
+            <a:avLst/>
+          </a:prstGeom>
+        </p:spPr>
+      </p:pic>
+      <mc:AlternateContent xmlns:mc="http://schemas.openxmlformats.org/markup-compatibility/2006">
+        <mc:Choice xmlns:a14="http://schemas.microsoft.com/office/drawing/2010/main" Requires="a14">
+          <p:sp>
+            <p:nvSpPr>
+              <p:cNvPr id="2" name="Заголовок 1">
+                <a:extLst>
+                  <a:ext uri="{FF2B5EF4-FFF2-40B4-BE49-F238E27FC236}">
+                    <a16:creationId xmlns:a16="http://schemas.microsoft.com/office/drawing/2014/main" id="{3276B8C0-D54F-42A8-9FF4-42B0EA65C568}"/>
+                  </a:ext>
+                </a:extLst>
+              </p:cNvPr>
+              <p:cNvSpPr>
+                <a:spLocks noGrp="1"/>
+              </p:cNvSpPr>
+              <p:nvPr>
+                <p:ph type="title"/>
+              </p:nvPr>
+            </p:nvSpPr>
+            <p:spPr>
+              <a:xfrm>
+                <a:off x="8870335" y="110067"/>
+                <a:ext cx="3254990" cy="2421464"/>
+              </a:xfrm>
+            </p:spPr>
+            <p:txBody>
+              <a:bodyPr vert="horz" lIns="91440" tIns="45720" rIns="91440" bIns="45720" rtlCol="0" anchor="b">
+                <a:normAutofit/>
+              </a:bodyPr>
+              <a:lstStyle/>
+              <a:p>
+                <a:pPr algn="r">
+                  <a:lnSpc>
+                    <a:spcPct val="90000"/>
+                  </a:lnSpc>
+                </a:pPr>
+                <a:r>
+                  <a:rPr lang="en-US" sz="3400" dirty="0" err="1"/>
+                  <a:t>Взяття</a:t>
+                </a:r>
+                <a:r>
+                  <a:rPr lang="en-US" sz="3400" dirty="0"/>
+                  <a:t> </a:t>
+                </a:r>
+                <a:r>
+                  <a:rPr lang="en-US" sz="3400" dirty="0" err="1"/>
+                  <a:t>зразу</a:t>
+                </a:r>
+                <a:r>
+                  <a:rPr lang="en-US" sz="3400" dirty="0"/>
+                  <a:t> </a:t>
+                </a:r>
+                <a:r>
+                  <a:rPr lang="en-US" sz="3400" dirty="0" err="1"/>
+                  <a:t>трьох</a:t>
+                </a:r>
+                <a:r>
+                  <a:rPr lang="en-US" sz="3400" dirty="0"/>
+                  <a:t> </a:t>
+                </a:r>
+                <a:r>
+                  <a:rPr lang="en-US" sz="3400" dirty="0" err="1"/>
+                  <a:t>елементів</a:t>
+                </a:r>
+                <a:r>
+                  <a:rPr lang="en-US" sz="3400" dirty="0"/>
+                  <a:t> </a:t>
+                </a:r>
+                <a:r>
+                  <a:rPr lang="en-US" sz="3400" dirty="0" err="1"/>
+                  <a:t>при</a:t>
+                </a:r>
+                <a:r>
+                  <a:rPr lang="en-US" sz="3400" dirty="0"/>
+                  <a:t> </a:t>
+                </a:r>
+                <a14:m>
+                  <m:oMath xmlns:m="http://schemas.openxmlformats.org/officeDocument/2006/math">
+                    <m:r>
+                      <a:rPr lang="en-US" sz="3400" b="0" i="1">
+                        <a:latin typeface="Cambria Math" panose="02040503050406030204" pitchFamily="18" charset="0"/>
+                      </a:rPr>
+                      <m:t>𝑡𝑜𝐶𝑜𝑝𝑦</m:t>
+                    </m:r>
+                    <m:r>
+                      <a:rPr lang="en-US" sz="3400" b="0" i="1">
+                        <a:latin typeface="Cambria Math" panose="02040503050406030204" pitchFamily="18" charset="0"/>
+                      </a:rPr>
+                      <m:t>≤0</m:t>
+                    </m:r>
+                  </m:oMath>
+                </a14:m>
+                <a:endParaRPr lang="en-US" sz="3400" dirty="0"/>
+              </a:p>
+            </p:txBody>
+          </p:sp>
+        </mc:Choice>
+        <mc:Fallback>
+          <p:sp>
+            <p:nvSpPr>
+              <p:cNvPr id="2" name="Заголовок 1">
+                <a:extLst>
+                  <a:ext uri="{FF2B5EF4-FFF2-40B4-BE49-F238E27FC236}">
+                    <a16:creationId xmlns:a16="http://schemas.microsoft.com/office/drawing/2014/main" id="{3276B8C0-D54F-42A8-9FF4-42B0EA65C568}"/>
+                  </a:ext>
+                </a:extLst>
+              </p:cNvPr>
+              <p:cNvSpPr>
+                <a:spLocks noGrp="1" noRot="1" noChangeAspect="1" noMove="1" noResize="1" noEditPoints="1" noAdjustHandles="1" noChangeArrowheads="1" noChangeShapeType="1" noTextEdit="1"/>
+              </p:cNvSpPr>
+              <p:nvPr>
+                <p:ph type="title"/>
+              </p:nvPr>
+            </p:nvSpPr>
+            <p:spPr>
+              <a:xfrm>
+                <a:off x="8870335" y="110067"/>
+                <a:ext cx="3254990" cy="2421464"/>
+              </a:xfrm>
+              <a:blipFill>
+                <a:blip r:embed="rId6"/>
+                <a:stretch>
+                  <a:fillRect l="-749" r="-5243"/>
+                </a:stretch>
+              </a:blipFill>
+            </p:spPr>
+            <p:txBody>
+              <a:bodyPr/>
+              <a:lstStyle/>
+              <a:p>
+                <a:r>
+                  <a:rPr lang="uk-UA">
+                    <a:noFill/>
+                  </a:rPr>
+                  <a:t> </a:t>
+                </a:r>
+              </a:p>
+            </p:txBody>
+          </p:sp>
+        </mc:Fallback>
+      </mc:AlternateContent>
+      <mc:AlternateContent xmlns:mc="http://schemas.openxmlformats.org/markup-compatibility/2006">
+        <mc:Choice xmlns:a14="http://schemas.microsoft.com/office/drawing/2010/main" Requires="a14">
+          <p:sp>
+            <p:nvSpPr>
+              <p:cNvPr id="10" name="Content Placeholder 9">
+                <a:extLst>
+                  <a:ext uri="{FF2B5EF4-FFF2-40B4-BE49-F238E27FC236}">
+                    <a16:creationId xmlns:a16="http://schemas.microsoft.com/office/drawing/2014/main" id="{99979CE2-D286-4027-8AFA-44BF8506A3CC}"/>
+                  </a:ext>
+                </a:extLst>
+              </p:cNvPr>
+              <p:cNvSpPr>
+                <a:spLocks noGrp="1"/>
+              </p:cNvSpPr>
+              <p:nvPr>
+                <p:ph idx="1"/>
+              </p:nvPr>
+            </p:nvSpPr>
+            <p:spPr>
+              <a:xfrm>
+                <a:off x="8870335" y="3357032"/>
+                <a:ext cx="3254990" cy="1405467"/>
+              </a:xfrm>
+            </p:spPr>
+            <p:txBody>
+              <a:bodyPr vert="horz" lIns="91440" tIns="45720" rIns="91440" bIns="45720" rtlCol="0" anchor="t">
+                <a:normAutofit/>
+              </a:bodyPr>
+              <a:lstStyle/>
+              <a:p>
+                <a:pPr marL="0" indent="0">
+                  <a:buNone/>
+                </a:pPr>
+                <a:r>
+                  <a:rPr lang="en-US" dirty="0"/>
+                  <a:t>В </a:t>
+                </a:r>
+                <a:r>
+                  <a:rPr lang="en-US" dirty="0" err="1"/>
+                  <a:t>даному</a:t>
+                </a:r>
+                <a:r>
+                  <a:rPr lang="en-US" dirty="0"/>
+                  <a:t> </a:t>
+                </a:r>
+                <a:r>
+                  <a:rPr lang="en-US" dirty="0" err="1"/>
+                  <a:t>випадку</a:t>
+                </a:r>
+                <a:r>
+                  <a:rPr lang="en-US" dirty="0"/>
+                  <a:t> </a:t>
+                </a:r>
+                <a:r>
+                  <a:rPr lang="en-US" dirty="0" err="1"/>
+                  <a:t>буде</a:t>
+                </a:r>
+                <a:r>
+                  <a:rPr lang="en-US" dirty="0"/>
+                  <a:t> </a:t>
+                </a:r>
+                <a:r>
+                  <a:rPr lang="en-US" dirty="0" err="1"/>
+                  <a:t>взято</a:t>
+                </a:r>
+                <a:r>
+                  <a:rPr lang="en-US" dirty="0"/>
+                  <a:t> </a:t>
+                </a:r>
+                <a:r>
+                  <a:rPr lang="en-US" dirty="0" err="1"/>
+                  <a:t>елемент</a:t>
+                </a:r>
+                <a:r>
+                  <a:rPr lang="en-US" dirty="0"/>
+                  <a:t> «7» з </a:t>
+                </a:r>
+                <a14:m>
+                  <m:oMath xmlns:m="http://schemas.openxmlformats.org/officeDocument/2006/math">
+                    <m:r>
+                      <a:rPr lang="en-US" b="0" i="1">
+                        <a:latin typeface="Cambria Math" panose="02040503050406030204" pitchFamily="18" charset="0"/>
+                      </a:rPr>
+                      <m:t>𝑅𝑖𝑔h𝑡</m:t>
+                    </m:r>
+                    <m:r>
+                      <a:rPr lang="en-US" b="0" i="1">
+                        <a:latin typeface="Cambria Math" panose="02040503050406030204" pitchFamily="18" charset="0"/>
+                      </a:rPr>
+                      <m:t>, </m:t>
+                    </m:r>
+                    <m:r>
+                      <a:rPr lang="en-US" b="0" i="1">
+                        <a:latin typeface="Cambria Math" panose="02040503050406030204" pitchFamily="18" charset="0"/>
+                      </a:rPr>
+                      <m:t>𝑅𝑖𝑔h𝑡𝐶𝑜𝑝𝑦</m:t>
+                    </m:r>
+                  </m:oMath>
+                </a14:m>
+                <a:r>
+                  <a:rPr lang="en-US" dirty="0"/>
+                  <a:t> </a:t>
+                </a:r>
+                <a:r>
+                  <a:rPr lang="en-US" dirty="0" err="1"/>
+                  <a:t>та</a:t>
+                </a:r>
+                <a:r>
+                  <a:rPr lang="en-US" dirty="0"/>
+                  <a:t> </a:t>
+                </a:r>
+                <a14:m>
+                  <m:oMath xmlns:m="http://schemas.openxmlformats.org/officeDocument/2006/math">
+                    <m:r>
+                      <a:rPr lang="en-US" b="0" i="1">
+                        <a:latin typeface="Cambria Math" panose="02040503050406030204" pitchFamily="18" charset="0"/>
+                      </a:rPr>
+                      <m:t>𝑅𝑖𝑔h𝑡𝐶𝑜𝑝𝑦𝑅𝑒𝑠𝑒𝑟𝑣𝑒</m:t>
+                    </m:r>
+                  </m:oMath>
+                </a14:m>
+                <a:endParaRPr lang="en-US" dirty="0"/>
+              </a:p>
+            </p:txBody>
+          </p:sp>
+        </mc:Choice>
+        <mc:Fallback>
+          <p:sp>
+            <p:nvSpPr>
+              <p:cNvPr id="10" name="Content Placeholder 9">
+                <a:extLst>
+                  <a:ext uri="{FF2B5EF4-FFF2-40B4-BE49-F238E27FC236}">
+                    <a16:creationId xmlns:a16="http://schemas.microsoft.com/office/drawing/2014/main" id="{99979CE2-D286-4027-8AFA-44BF8506A3CC}"/>
+                  </a:ext>
+                </a:extLst>
+              </p:cNvPr>
+              <p:cNvSpPr>
+                <a:spLocks noGrp="1" noRot="1" noChangeAspect="1" noMove="1" noResize="1" noEditPoints="1" noAdjustHandles="1" noChangeArrowheads="1" noChangeShapeType="1" noTextEdit="1"/>
+              </p:cNvSpPr>
+              <p:nvPr>
+                <p:ph idx="1"/>
+              </p:nvPr>
+            </p:nvSpPr>
+            <p:spPr>
+              <a:xfrm>
+                <a:off x="8870335" y="3357032"/>
+                <a:ext cx="3254990" cy="1405467"/>
+              </a:xfrm>
+              <a:blipFill>
+                <a:blip r:embed="rId7"/>
+                <a:stretch>
+                  <a:fillRect l="-1498" t="-2609"/>
+                </a:stretch>
+              </a:blipFill>
+            </p:spPr>
+            <p:txBody>
+              <a:bodyPr/>
+              <a:lstStyle/>
+              <a:p>
+                <a:r>
+                  <a:rPr lang="uk-UA">
+                    <a:noFill/>
+                  </a:rPr>
+                  <a:t> </a:t>
+                </a:r>
+              </a:p>
+            </p:txBody>
+          </p:sp>
+        </mc:Fallback>
+      </mc:AlternateContent>
+      <mc:AlternateContent xmlns:mc="http://schemas.openxmlformats.org/markup-compatibility/2006">
+        <mc:Choice xmlns:a14="http://schemas.microsoft.com/office/drawing/2010/main" Requires="a14">
+          <p:sp>
+            <p:nvSpPr>
+              <p:cNvPr id="105" name="Content Placeholder 9">
+                <a:extLst>
+                  <a:ext uri="{FF2B5EF4-FFF2-40B4-BE49-F238E27FC236}">
+                    <a16:creationId xmlns:a16="http://schemas.microsoft.com/office/drawing/2014/main" id="{4AED1560-85A1-4885-B192-142A29057549}"/>
+                  </a:ext>
+                </a:extLst>
+              </p:cNvPr>
+              <p:cNvSpPr txBox="1">
+                <a:spLocks/>
+              </p:cNvSpPr>
+              <p:nvPr/>
+            </p:nvSpPr>
+            <p:spPr>
+              <a:xfrm>
+                <a:off x="8870335" y="5439832"/>
+                <a:ext cx="3254990" cy="1405467"/>
+              </a:xfrm>
+              <a:prstGeom prst="rect">
+                <a:avLst/>
+              </a:prstGeom>
+            </p:spPr>
+            <p:txBody>
+              <a:bodyPr vert="horz" lIns="91440" tIns="45720" rIns="91440" bIns="45720" rtlCol="0" anchor="t">
+                <a:normAutofit/>
+              </a:bodyPr>
+              <a:lstStyle>
+                <a:lvl1pPr marL="285750" indent="-285750" algn="l" defTabSz="457200" rtl="0" eaLnBrk="1" latinLnBrk="0" hangingPunct="1">
+                  <a:spcBef>
+                    <a:spcPts val="0"/>
+                  </a:spcBef>
+                  <a:spcAft>
+                    <a:spcPts val="1000"/>
+                  </a:spcAft>
+                  <a:buClr>
+                    <a:schemeClr val="tx1"/>
+                  </a:buClr>
+                  <a:buSzPct val="100000"/>
+                  <a:buFont typeface="Arial"/>
+                  <a:buChar char="•"/>
+                  <a:defRPr sz="1800" kern="1200" cap="none">
+                    <a:solidFill>
+                      <a:schemeClr val="tx1"/>
+                    </a:solidFill>
+                    <a:effectLst/>
+                    <a:latin typeface="+mn-lt"/>
+                    <a:ea typeface="+mn-ea"/>
+                    <a:cs typeface="+mn-cs"/>
+                  </a:defRPr>
+                </a:lvl1pPr>
+                <a:lvl2pPr marL="742950" indent="-285750" algn="l" defTabSz="457200" rtl="0" eaLnBrk="1" latinLnBrk="0" hangingPunct="1">
+                  <a:spcBef>
+                    <a:spcPts val="0"/>
+                  </a:spcBef>
+                  <a:spcAft>
+                    <a:spcPts val="1000"/>
+                  </a:spcAft>
+                  <a:buClr>
+                    <a:schemeClr val="tx1"/>
+                  </a:buClr>
+                  <a:buSzPct val="100000"/>
+                  <a:buFont typeface="Arial"/>
+                  <a:buChar char="•"/>
+                  <a:defRPr sz="1600" kern="1200" cap="none">
+                    <a:solidFill>
+                      <a:schemeClr val="tx1"/>
+                    </a:solidFill>
+                    <a:effectLst/>
+                    <a:latin typeface="+mn-lt"/>
+                    <a:ea typeface="+mn-ea"/>
+                    <a:cs typeface="+mn-cs"/>
+                  </a:defRPr>
+                </a:lvl2pPr>
+                <a:lvl3pPr marL="1200150" indent="-285750" algn="l" defTabSz="457200" rtl="0" eaLnBrk="1" latinLnBrk="0" hangingPunct="1">
+                  <a:spcBef>
+                    <a:spcPts val="0"/>
+                  </a:spcBef>
+                  <a:spcAft>
+                    <a:spcPts val="1000"/>
+                  </a:spcAft>
+                  <a:buClr>
+                    <a:schemeClr val="tx1"/>
+                  </a:buClr>
+                  <a:buSzPct val="100000"/>
+                  <a:buFont typeface="Arial"/>
+                  <a:buChar char="•"/>
+                  <a:defRPr sz="1400" kern="1200" cap="none">
+                    <a:solidFill>
+                      <a:schemeClr val="tx1"/>
+                    </a:solidFill>
+                    <a:effectLst/>
+                    <a:latin typeface="+mn-lt"/>
+                    <a:ea typeface="+mn-ea"/>
+                    <a:cs typeface="+mn-cs"/>
+                  </a:defRPr>
+                </a:lvl3pPr>
+                <a:lvl4pPr marL="1543050" indent="-171450" algn="l" defTabSz="457200" rtl="0" eaLnBrk="1" latinLnBrk="0" hangingPunct="1">
+                  <a:spcBef>
+                    <a:spcPts val="0"/>
+                  </a:spcBef>
+                  <a:spcAft>
+                    <a:spcPts val="1000"/>
+                  </a:spcAft>
+                  <a:buClr>
+                    <a:schemeClr val="tx1"/>
+                  </a:buClr>
+                  <a:buSzPct val="100000"/>
+                  <a:buFont typeface="Arial"/>
+                  <a:buChar char="•"/>
+                  <a:defRPr sz="1200" kern="1200" cap="none">
+                    <a:solidFill>
+                      <a:schemeClr val="tx1"/>
+                    </a:solidFill>
+                    <a:effectLst/>
+                    <a:latin typeface="+mn-lt"/>
+                    <a:ea typeface="+mn-ea"/>
+                    <a:cs typeface="+mn-cs"/>
+                  </a:defRPr>
+                </a:lvl4pPr>
+                <a:lvl5pPr marL="2000250" indent="-171450" algn="l" defTabSz="457200" rtl="0" eaLnBrk="1" latinLnBrk="0" hangingPunct="1">
+                  <a:spcBef>
+                    <a:spcPts val="0"/>
+                  </a:spcBef>
+                  <a:spcAft>
+                    <a:spcPts val="1000"/>
+                  </a:spcAft>
+                  <a:buClr>
+                    <a:schemeClr val="tx1"/>
+                  </a:buClr>
+                  <a:buSzPct val="100000"/>
+                  <a:buFont typeface="Arial"/>
+                  <a:buChar char="•"/>
+                  <a:defRPr sz="1200" kern="1200" cap="none">
+                    <a:solidFill>
+                      <a:schemeClr val="tx1"/>
+                    </a:solidFill>
+                    <a:effectLst/>
+                    <a:latin typeface="+mn-lt"/>
+                    <a:ea typeface="+mn-ea"/>
+                    <a:cs typeface="+mn-cs"/>
+                  </a:defRPr>
+                </a:lvl5pPr>
+                <a:lvl6pPr marL="2514600" indent="-228600" algn="l" defTabSz="457200" rtl="0" eaLnBrk="1" latinLnBrk="0" hangingPunct="1">
+                  <a:spcBef>
+                    <a:spcPts val="0"/>
+                  </a:spcBef>
+                  <a:spcAft>
+                    <a:spcPts val="1000"/>
+                  </a:spcAft>
+                  <a:buClr>
+                    <a:schemeClr val="tx1"/>
+                  </a:buClr>
+                  <a:buSzPct val="100000"/>
+                  <a:buFont typeface="Arial"/>
+                  <a:buChar char="•"/>
+                  <a:defRPr sz="1200" kern="1200" cap="none">
+                    <a:solidFill>
+                      <a:schemeClr val="tx1"/>
+                    </a:solidFill>
+                    <a:effectLst/>
+                    <a:latin typeface="+mn-lt"/>
+                    <a:ea typeface="+mn-ea"/>
+                    <a:cs typeface="+mn-cs"/>
+                  </a:defRPr>
+                </a:lvl6pPr>
+                <a:lvl7pPr marL="2971800" indent="-228600" algn="l" defTabSz="457200" rtl="0" eaLnBrk="1" latinLnBrk="0" hangingPunct="1">
+                  <a:spcBef>
+                    <a:spcPts val="0"/>
+                  </a:spcBef>
+                  <a:spcAft>
+                    <a:spcPts val="1000"/>
+                  </a:spcAft>
+                  <a:buClr>
+                    <a:schemeClr val="tx1"/>
+                  </a:buClr>
+                  <a:buSzPct val="100000"/>
+                  <a:buFont typeface="Arial"/>
+                  <a:buChar char="•"/>
+                  <a:defRPr sz="1200" kern="1200" cap="none">
+                    <a:solidFill>
+                      <a:schemeClr val="tx1"/>
+                    </a:solidFill>
+                    <a:effectLst/>
+                    <a:latin typeface="+mn-lt"/>
+                    <a:ea typeface="+mn-ea"/>
+                    <a:cs typeface="+mn-cs"/>
+                  </a:defRPr>
+                </a:lvl7pPr>
+                <a:lvl8pPr marL="3429000" indent="-228600" algn="l" defTabSz="457200" rtl="0" eaLnBrk="1" latinLnBrk="0" hangingPunct="1">
+                  <a:spcBef>
+                    <a:spcPts val="0"/>
+                  </a:spcBef>
+                  <a:spcAft>
+                    <a:spcPts val="1000"/>
+                  </a:spcAft>
+                  <a:buClr>
+                    <a:schemeClr val="tx1"/>
+                  </a:buClr>
+                  <a:buSzPct val="100000"/>
+                  <a:buFont typeface="Arial"/>
+                  <a:buChar char="•"/>
+                  <a:defRPr sz="1200" kern="1200" cap="none">
+                    <a:solidFill>
+                      <a:schemeClr val="tx1"/>
+                    </a:solidFill>
+                    <a:effectLst/>
+                    <a:latin typeface="+mn-lt"/>
+                    <a:ea typeface="+mn-ea"/>
+                    <a:cs typeface="+mn-cs"/>
+                  </a:defRPr>
+                </a:lvl8pPr>
+                <a:lvl9pPr marL="3886200" indent="-228600" algn="l" defTabSz="457200" rtl="0" eaLnBrk="1" latinLnBrk="0" hangingPunct="1">
+                  <a:spcBef>
+                    <a:spcPts val="0"/>
+                  </a:spcBef>
+                  <a:spcAft>
+                    <a:spcPts val="1000"/>
+                  </a:spcAft>
+                  <a:buClr>
+                    <a:schemeClr val="tx1"/>
+                  </a:buClr>
+                  <a:buSzPct val="100000"/>
+                  <a:buFont typeface="Arial"/>
+                  <a:buChar char="•"/>
+                  <a:defRPr sz="1200" kern="1200" cap="none">
+                    <a:solidFill>
+                      <a:schemeClr val="tx1"/>
+                    </a:solidFill>
+                    <a:effectLst/>
+                    <a:latin typeface="+mn-lt"/>
+                    <a:ea typeface="+mn-ea"/>
+                    <a:cs typeface="+mn-cs"/>
+                  </a:defRPr>
+                </a:lvl9pPr>
+              </a:lstStyle>
+              <a:p>
+                <a:pPr marL="0" indent="0">
+                  <a:buFont typeface="Arial"/>
+                  <a:buNone/>
+                </a:pPr>
+                <a:r>
+                  <a:rPr lang="uk-UA" dirty="0"/>
+                  <a:t>Елемент «1» у </a:t>
+                </a:r>
+                <a:r>
+                  <a:rPr lang="uk-UA" dirty="0" err="1"/>
+                  <a:t>стекові</a:t>
+                </a:r>
+                <a:r>
+                  <a:rPr lang="uk-UA" dirty="0"/>
+                  <a:t> </a:t>
+                </a:r>
+                <a14:m>
+                  <m:oMath xmlns:m="http://schemas.openxmlformats.org/officeDocument/2006/math">
+                    <m:r>
+                      <a:rPr lang="en-GB" b="0" i="1" smtClean="0">
+                        <a:latin typeface="Cambria Math" panose="02040503050406030204" pitchFamily="18" charset="0"/>
+                      </a:rPr>
+                      <m:t>𝑀𝑒𝑑𝑖𝑎𝑡𝑒</m:t>
+                    </m:r>
+                  </m:oMath>
+                </a14:m>
+                <a:r>
+                  <a:rPr lang="en-US" dirty="0"/>
+                  <a:t> </a:t>
+                </a:r>
+                <a:r>
+                  <a:rPr lang="uk-UA" dirty="0"/>
+                  <a:t>є надлишковим</a:t>
+                </a:r>
+                <a:endParaRPr lang="en-US" dirty="0"/>
+              </a:p>
+            </p:txBody>
+          </p:sp>
+        </mc:Choice>
+        <mc:Fallback>
+          <p:sp>
+            <p:nvSpPr>
+              <p:cNvPr id="105" name="Content Placeholder 9">
+                <a:extLst>
+                  <a:ext uri="{FF2B5EF4-FFF2-40B4-BE49-F238E27FC236}">
+                    <a16:creationId xmlns:a16="http://schemas.microsoft.com/office/drawing/2014/main" id="{4AED1560-85A1-4885-B192-142A29057549}"/>
+                  </a:ext>
+                </a:extLst>
+              </p:cNvPr>
+              <p:cNvSpPr txBox="1">
+                <a:spLocks noRot="1" noChangeAspect="1" noMove="1" noResize="1" noEditPoints="1" noAdjustHandles="1" noChangeArrowheads="1" noChangeShapeType="1" noTextEdit="1"/>
+              </p:cNvSpPr>
+              <p:nvPr/>
+            </p:nvSpPr>
+            <p:spPr>
+              <a:xfrm>
+                <a:off x="8870335" y="5439832"/>
+                <a:ext cx="3254990" cy="1405467"/>
+              </a:xfrm>
+              <a:prstGeom prst="rect">
+                <a:avLst/>
+              </a:prstGeom>
+              <a:blipFill>
+                <a:blip r:embed="rId8"/>
+                <a:stretch>
+                  <a:fillRect l="-1498" t="-2165"/>
+                </a:stretch>
+              </a:blipFill>
+            </p:spPr>
+            <p:txBody>
+              <a:bodyPr/>
+              <a:lstStyle/>
+              <a:p>
+                <a:r>
+                  <a:rPr lang="uk-UA">
+                    <a:noFill/>
+                  </a:rPr>
+                  <a:t> </a:t>
+                </a:r>
+              </a:p>
+            </p:txBody>
+          </p:sp>
+        </mc:Fallback>
+      </mc:AlternateContent>
+    </p:spTree>
+    <p:extLst>
+      <p:ext uri="{BB962C8B-B14F-4D97-AF65-F5344CB8AC3E}">
+        <p14:creationId xmlns:p14="http://schemas.microsoft.com/office/powerpoint/2010/main" val="974880333"/>
+      </p:ext>
+    </p:extLst>
+  </p:cSld>
+  <p:clrMapOvr>
+    <a:masterClrMapping/>
+  </p:clrMapOvr>
+</p:sld>
+</file>
+
+<file path=ppt/slides/slide11.xml><?xml version="1.0" encoding="utf-8"?>
+<p:sld xmlns:a="http://schemas.openxmlformats.org/drawingml/2006/main" xmlns:r="http://schemas.openxmlformats.org/officeDocument/2006/relationships" xmlns:p="http://schemas.openxmlformats.org/presentationml/2006/main">
+  <p:cSld>
+    <p:bg>
+      <p:bgPr>
         <a:solidFill>
           <a:srgbClr val="002060"/>
         </a:solidFill>
@@ -29467,37 +34674,74 @@
           </a:p>
         </p:txBody>
       </p:sp>
-      <p:graphicFrame>
-        <p:nvGraphicFramePr>
-          <p:cNvPr id="5" name="Місце для вмісту 2">
-            <a:extLst>
-              <a:ext uri="{FF2B5EF4-FFF2-40B4-BE49-F238E27FC236}">
-                <a16:creationId xmlns:a16="http://schemas.microsoft.com/office/drawing/2014/main" id="{E16C71F6-F3C0-4CE5-8CA1-95C33321CDBB}"/>
-              </a:ext>
-            </a:extLst>
-          </p:cNvPr>
-          <p:cNvGraphicFramePr>
-            <a:graphicFrameLocks noGrp="1"/>
-          </p:cNvGraphicFramePr>
-          <p:nvPr>
-            <p:ph idx="1"/>
-            <p:extLst>
-              <p:ext uri="{D42A27DB-BD31-4B8C-83A1-F6EECF244321}">
-                <p14:modId xmlns:p14="http://schemas.microsoft.com/office/powerpoint/2010/main" val="1035682778"/>
-              </p:ext>
-            </p:extLst>
-          </p:nvPr>
-        </p:nvGraphicFramePr>
-        <p:xfrm>
-          <a:off x="5617029" y="793820"/>
-          <a:ext cx="5741534" cy="5170983"/>
-        </p:xfrm>
-        <a:graphic>
-          <a:graphicData uri="http://schemas.openxmlformats.org/drawingml/2006/diagram">
-            <dgm:relIds xmlns:dgm="http://schemas.openxmlformats.org/drawingml/2006/diagram" xmlns:r="http://schemas.openxmlformats.org/officeDocument/2006/relationships" r:dm="rId3" r:lo="rId4" r:qs="rId5" r:cs="rId6"/>
-          </a:graphicData>
-        </a:graphic>
-      </p:graphicFrame>
+      <mc:AlternateContent xmlns:mc="http://schemas.openxmlformats.org/markup-compatibility/2006">
+        <mc:Choice xmlns:a14="http://schemas.microsoft.com/office/drawing/2010/main" Requires="a14">
+          <p:graphicFrame>
+            <p:nvGraphicFramePr>
+              <p:cNvPr id="5" name="Місце для вмісту 2">
+                <a:extLst>
+                  <a:ext uri="{FF2B5EF4-FFF2-40B4-BE49-F238E27FC236}">
+                    <a16:creationId xmlns:a16="http://schemas.microsoft.com/office/drawing/2014/main" id="{E16C71F6-F3C0-4CE5-8CA1-95C33321CDBB}"/>
+                  </a:ext>
+                </a:extLst>
+              </p:cNvPr>
+              <p:cNvGraphicFramePr>
+                <a:graphicFrameLocks noGrp="1"/>
+              </p:cNvGraphicFramePr>
+              <p:nvPr>
+                <p:ph idx="1"/>
+                <p:extLst>
+                  <p:ext uri="{D42A27DB-BD31-4B8C-83A1-F6EECF244321}">
+                    <p14:modId xmlns:p14="http://schemas.microsoft.com/office/powerpoint/2010/main" val="237671703"/>
+                  </p:ext>
+                </p:extLst>
+              </p:nvPr>
+            </p:nvGraphicFramePr>
+            <p:xfrm>
+              <a:off x="5617029" y="793820"/>
+              <a:ext cx="5741534" cy="5170983"/>
+            </p:xfrm>
+            <a:graphic>
+              <a:graphicData uri="http://schemas.openxmlformats.org/drawingml/2006/diagram">
+                <dgm:relIds xmlns:dgm="http://schemas.openxmlformats.org/drawingml/2006/diagram" xmlns:r="http://schemas.openxmlformats.org/officeDocument/2006/relationships" r:dm="rId3" r:lo="rId4" r:qs="rId5" r:cs="rId6"/>
+              </a:graphicData>
+            </a:graphic>
+          </p:graphicFrame>
+        </mc:Choice>
+        <mc:Fallback>
+          <p:graphicFrame>
+            <p:nvGraphicFramePr>
+              <p:cNvPr id="5" name="Місце для вмісту 2">
+                <a:extLst>
+                  <a:ext uri="{FF2B5EF4-FFF2-40B4-BE49-F238E27FC236}">
+                    <a16:creationId xmlns:a16="http://schemas.microsoft.com/office/drawing/2014/main" id="{E16C71F6-F3C0-4CE5-8CA1-95C33321CDBB}"/>
+                  </a:ext>
+                </a:extLst>
+              </p:cNvPr>
+              <p:cNvGraphicFramePr>
+                <a:graphicFrameLocks noGrp="1"/>
+              </p:cNvGraphicFramePr>
+              <p:nvPr>
+                <p:ph idx="1"/>
+                <p:extLst>
+                  <p:ext uri="{D42A27DB-BD31-4B8C-83A1-F6EECF244321}">
+                    <p14:modId xmlns:p14="http://schemas.microsoft.com/office/powerpoint/2010/main" val="237671703"/>
+                  </p:ext>
+                </p:extLst>
+              </p:nvPr>
+            </p:nvGraphicFramePr>
+            <p:xfrm>
+              <a:off x="5617029" y="793820"/>
+              <a:ext cx="5741534" cy="5170983"/>
+            </p:xfrm>
+            <a:graphic>
+              <a:graphicData uri="http://schemas.openxmlformats.org/drawingml/2006/diagram">
+                <dgm:relIds xmlns:dgm="http://schemas.openxmlformats.org/drawingml/2006/diagram" xmlns:r="http://schemas.openxmlformats.org/officeDocument/2006/relationships" r:dm="rId8" r:lo="rId4" r:qs="rId5" r:cs="rId6"/>
+              </a:graphicData>
+            </a:graphic>
+          </p:graphicFrame>
+        </mc:Fallback>
+      </mc:AlternateContent>
     </p:spTree>
     <p:extLst>
       <p:ext uri="{BB962C8B-B14F-4D97-AF65-F5344CB8AC3E}">
@@ -29511,7 +34755,7 @@
 </p:sld>
 </file>
 
-<file path=ppt/slides/slide11.xml><?xml version="1.0" encoding="utf-8"?>
+<file path=ppt/slides/slide12.xml><?xml version="1.0" encoding="utf-8"?>
 <p:sld xmlns:a="http://schemas.openxmlformats.org/drawingml/2006/main" xmlns:r="http://schemas.openxmlformats.org/officeDocument/2006/relationships" xmlns:p="http://schemas.openxmlformats.org/presentationml/2006/main">
   <p:cSld>
     <p:bg>
@@ -29683,8 +34927,8 @@
           </a:fontRef>
         </p:style>
       </p:cxnSp>
-      <mc:AlternateContent xmlns:mc="http://schemas.openxmlformats.org/markup-compatibility/2006">
-        <mc:Choice xmlns:a14="http://schemas.microsoft.com/office/drawing/2010/main" Requires="a14">
+      <mc:AlternateContent xmlns:mc="http://schemas.openxmlformats.org/markup-compatibility/2006" xmlns:a14="http://schemas.microsoft.com/office/drawing/2010/main">
+        <mc:Choice Requires="a14">
           <p:sp>
             <p:nvSpPr>
               <p:cNvPr id="3" name="Місце для вмісту 2">
@@ -30046,7 +35290,7 @@
             </p:txBody>
           </p:sp>
         </mc:Choice>
-        <mc:Fallback>
+        <mc:Fallback xmlns="">
           <p:sp>
             <p:nvSpPr>
               <p:cNvPr id="3" name="Місце для вмісту 2">
@@ -30103,7 +35347,7 @@
 </p:sld>
 </file>
 
-<file path=ppt/slides/slide12.xml><?xml version="1.0" encoding="utf-8"?>
+<file path=ppt/slides/slide13.xml><?xml version="1.0" encoding="utf-8"?>
 <p:sld xmlns:a="http://schemas.openxmlformats.org/drawingml/2006/main" xmlns:r="http://schemas.openxmlformats.org/officeDocument/2006/relationships" xmlns:p="http://schemas.openxmlformats.org/presentationml/2006/main">
   <p:cSld>
     <p:bg>
@@ -30390,7 +35634,7 @@
 </p:sld>
 </file>
 
-<file path=ppt/slides/slide13.xml><?xml version="1.0" encoding="utf-8"?>
+<file path=ppt/slides/slide14.xml><?xml version="1.0" encoding="utf-8"?>
 <p:sld xmlns:a="http://schemas.openxmlformats.org/drawingml/2006/main" xmlns:r="http://schemas.openxmlformats.org/officeDocument/2006/relationships" xmlns:p="http://schemas.openxmlformats.org/presentationml/2006/main">
   <p:cSld>
     <p:bg>
@@ -30742,7 +35986,7 @@
 </p:sld>
 </file>
 
-<file path=ppt/slides/slide14.xml><?xml version="1.0" encoding="utf-8"?>
+<file path=ppt/slides/slide15.xml><?xml version="1.0" encoding="utf-8"?>
 <p:sld xmlns:a="http://schemas.openxmlformats.org/drawingml/2006/main" xmlns:r="http://schemas.openxmlformats.org/officeDocument/2006/relationships" xmlns:p="http://schemas.openxmlformats.org/presentationml/2006/main">
   <p:cSld>
     <p:bg>
@@ -30857,9 +36101,17 @@
 </p:sld>
 </file>
 
-<file path=ppt/slides/slide15.xml><?xml version="1.0" encoding="utf-8"?>
+<file path=ppt/slides/slide16.xml><?xml version="1.0" encoding="utf-8"?>
 <p:sld xmlns:a="http://schemas.openxmlformats.org/drawingml/2006/main" xmlns:r="http://schemas.openxmlformats.org/officeDocument/2006/relationships" xmlns:p="http://schemas.openxmlformats.org/presentationml/2006/main">
   <p:cSld>
+    <p:bg>
+      <p:bgPr>
+        <a:solidFill>
+          <a:srgbClr val="002060"/>
+        </a:solidFill>
+        <a:effectLst/>
+      </p:bgPr>
+    </p:bg>
     <p:spTree>
       <p:nvGrpSpPr>
         <p:cNvPr id="1" name=""/>
@@ -30876,6 +36128,171 @@
       </p:grpSpPr>
       <p:sp>
         <p:nvSpPr>
+          <p:cNvPr id="10" name="Rectangle 9">
+            <a:extLst>
+              <a:ext uri="{FF2B5EF4-FFF2-40B4-BE49-F238E27FC236}">
+                <a16:creationId xmlns:a16="http://schemas.microsoft.com/office/drawing/2014/main" id="{4117F0C1-BCBB-40C7-99D6-F703E7A4B5F3}"/>
+              </a:ext>
+              <a:ext uri="{C183D7F6-B498-43B3-948B-1728B52AA6E4}">
+                <adec:decorative xmlns:adec="http://schemas.microsoft.com/office/drawing/2017/decorative" val="1"/>
+              </a:ext>
+            </a:extLst>
+          </p:cNvPr>
+          <p:cNvSpPr>
+            <a:spLocks noGrp="1" noRot="1" noChangeAspect="1" noMove="1" noResize="1" noEditPoints="1" noAdjustHandles="1" noChangeArrowheads="1" noChangeShapeType="1" noTextEdit="1"/>
+          </p:cNvSpPr>
+          <p:nvPr>
+            <p:extLst>
+              <p:ext uri="{386F3935-93C4-4BCD-93E2-E3B085C9AB24}">
+                <p16:designElem xmlns:p16="http://schemas.microsoft.com/office/powerpoint/2015/main" val="1"/>
+              </p:ext>
+            </p:extLst>
+          </p:nvPr>
+        </p:nvSpPr>
+        <p:spPr>
+          <a:xfrm>
+            <a:off x="0" y="0"/>
+            <a:ext cx="12192000" cy="6858000"/>
+          </a:xfrm>
+          <a:prstGeom prst="rect">
+            <a:avLst/>
+          </a:prstGeom>
+          <a:ln>
+            <a:noFill/>
+          </a:ln>
+        </p:spPr>
+        <p:style>
+          <a:lnRef idx="2">
+            <a:schemeClr val="accent1">
+              <a:shade val="50000"/>
+            </a:schemeClr>
+          </a:lnRef>
+          <a:fillRef idx="1003">
+            <a:schemeClr val="lt2"/>
+          </a:fillRef>
+          <a:effectRef idx="0">
+            <a:schemeClr val="accent1"/>
+          </a:effectRef>
+          <a:fontRef idx="minor">
+            <a:schemeClr val="lt1"/>
+          </a:fontRef>
+        </p:style>
+        <p:txBody>
+          <a:bodyPr rtlCol="0" anchor="ctr"/>
+          <a:lstStyle/>
+          <a:p>
+            <a:pPr algn="ctr"/>
+            <a:endParaRPr lang="en-US"/>
+          </a:p>
+        </p:txBody>
+      </p:sp>
+      <p:sp>
+        <p:nvSpPr>
+          <p:cNvPr id="12" name="Rectangle 11">
+            <a:extLst>
+              <a:ext uri="{FF2B5EF4-FFF2-40B4-BE49-F238E27FC236}">
+                <a16:creationId xmlns:a16="http://schemas.microsoft.com/office/drawing/2014/main" id="{D1A5D8BC-B41A-4E96-91C4-D60F5162257E}"/>
+              </a:ext>
+              <a:ext uri="{C183D7F6-B498-43B3-948B-1728B52AA6E4}">
+                <adec:decorative xmlns:adec="http://schemas.microsoft.com/office/drawing/2017/decorative" val="1"/>
+              </a:ext>
+            </a:extLst>
+          </p:cNvPr>
+          <p:cNvSpPr>
+            <a:spLocks noGrp="1" noRot="1" noChangeAspect="1" noMove="1" noResize="1" noEditPoints="1" noAdjustHandles="1" noChangeArrowheads="1" noChangeShapeType="1" noTextEdit="1"/>
+          </p:cNvSpPr>
+          <p:nvPr>
+            <p:extLst>
+              <p:ext uri="{386F3935-93C4-4BCD-93E2-E3B085C9AB24}">
+                <p16:designElem xmlns:p16="http://schemas.microsoft.com/office/powerpoint/2015/main" val="1"/>
+              </p:ext>
+            </p:extLst>
+          </p:nvPr>
+        </p:nvSpPr>
+        <p:spPr>
+          <a:xfrm>
+            <a:off x="0" y="0"/>
+            <a:ext cx="12192000" cy="6858000"/>
+          </a:xfrm>
+          <a:prstGeom prst="rect">
+            <a:avLst/>
+          </a:prstGeom>
+          <a:ln>
+            <a:noFill/>
+          </a:ln>
+        </p:spPr>
+        <p:style>
+          <a:lnRef idx="2">
+            <a:schemeClr val="accent1">
+              <a:shade val="50000"/>
+            </a:schemeClr>
+          </a:lnRef>
+          <a:fillRef idx="1003">
+            <a:schemeClr val="dk2"/>
+          </a:fillRef>
+          <a:effectRef idx="0">
+            <a:schemeClr val="accent1"/>
+          </a:effectRef>
+          <a:fontRef idx="minor">
+            <a:schemeClr val="lt1"/>
+          </a:fontRef>
+        </p:style>
+        <p:txBody>
+          <a:bodyPr rtlCol="0" anchor="ctr"/>
+          <a:lstStyle/>
+          <a:p>
+            <a:pPr algn="ctr"/>
+            <a:endParaRPr lang="en-US"/>
+          </a:p>
+        </p:txBody>
+      </p:sp>
+      <p:pic>
+        <p:nvPicPr>
+          <p:cNvPr id="14" name="Picture 13">
+            <a:extLst>
+              <a:ext uri="{FF2B5EF4-FFF2-40B4-BE49-F238E27FC236}">
+                <a16:creationId xmlns:a16="http://schemas.microsoft.com/office/drawing/2014/main" id="{0D321D5F-FA18-4271-9EAA-0BEA14116BB5}"/>
+              </a:ext>
+              <a:ext uri="{C183D7F6-B498-43B3-948B-1728B52AA6E4}">
+                <adec:decorative xmlns:adec="http://schemas.microsoft.com/office/drawing/2017/decorative" val="1"/>
+              </a:ext>
+            </a:extLst>
+          </p:cNvPr>
+          <p:cNvPicPr>
+            <a:picLocks noGrp="1" noRot="1" noChangeAspect="1" noMove="1" noResize="1" noEditPoints="1" noAdjustHandles="1" noChangeArrowheads="1" noChangeShapeType="1" noCrop="1"/>
+          </p:cNvPicPr>
+          <p:nvPr>
+            <p:extLst>
+              <p:ext uri="{386F3935-93C4-4BCD-93E2-E3B085C9AB24}">
+                <p16:designElem xmlns:p16="http://schemas.microsoft.com/office/powerpoint/2015/main" val="1"/>
+              </p:ext>
+            </p:extLst>
+          </p:nvPr>
+        </p:nvPicPr>
+        <p:blipFill>
+          <a:blip r:embed="rId2">
+            <a:extLst>
+              <a:ext uri="{28A0092B-C50C-407E-A947-70E740481C1C}">
+                <a14:useLocalDpi xmlns:a14="http://schemas.microsoft.com/office/drawing/2010/main" val="0"/>
+              </a:ext>
+            </a:extLst>
+          </a:blip>
+          <a:stretch>
+            <a:fillRect/>
+          </a:stretch>
+        </p:blipFill>
+        <p:spPr>
+          <a:xfrm>
+            <a:off x="0" y="0"/>
+            <a:ext cx="12188825" cy="6856214"/>
+          </a:xfrm>
+          <a:prstGeom prst="rect">
+            <a:avLst/>
+          </a:prstGeom>
+        </p:spPr>
+      </p:pic>
+      <p:sp>
+        <p:nvSpPr>
           <p:cNvPr id="2" name="Заголовок 1">
             <a:extLst>
               <a:ext uri="{FF2B5EF4-FFF2-40B4-BE49-F238E27FC236}">
@@ -30890,111 +36307,220 @@
             <p:ph type="title"/>
           </p:nvPr>
         </p:nvSpPr>
-        <p:spPr/>
+        <p:spPr>
+          <a:xfrm>
+            <a:off x="718457" y="531278"/>
+            <a:ext cx="3211517" cy="5292579"/>
+          </a:xfrm>
+        </p:spPr>
         <p:txBody>
-          <a:bodyPr/>
+          <a:bodyPr>
+            <a:normAutofit/>
+          </a:bodyPr>
           <a:lstStyle/>
           <a:p>
             <a:r>
-              <a:rPr lang="uk-UA" dirty="0"/>
+              <a:rPr lang="uk-UA">
+                <a:solidFill>
+                  <a:srgbClr val="FFFFFF"/>
+                </a:solidFill>
+              </a:rPr>
               <a:t>Переваги та недоліки черги на шести стеках</a:t>
             </a:r>
           </a:p>
         </p:txBody>
       </p:sp>
-      <p:sp>
+      <p:sp useBgFill="1">
         <p:nvSpPr>
-          <p:cNvPr id="3" name="Місце для вмісту 2">
+          <p:cNvPr id="16" name="Freeform: Shape 15">
             <a:extLst>
               <a:ext uri="{FF2B5EF4-FFF2-40B4-BE49-F238E27FC236}">
-                <a16:creationId xmlns:a16="http://schemas.microsoft.com/office/drawing/2014/main" id="{D80BC026-6213-43AA-AE90-6112A0B77CD1}"/>
+                <a16:creationId xmlns:a16="http://schemas.microsoft.com/office/drawing/2014/main" id="{51287385-D3EA-47A8-A127-6061791ADBB6}"/>
+              </a:ext>
+              <a:ext uri="{C183D7F6-B498-43B3-948B-1728B52AA6E4}">
+                <adec:decorative xmlns:adec="http://schemas.microsoft.com/office/drawing/2017/decorative" val="1"/>
               </a:ext>
             </a:extLst>
           </p:cNvPr>
           <p:cNvSpPr>
-            <a:spLocks noGrp="1"/>
+            <a:spLocks noGrp="1" noRot="1" noChangeAspect="1" noMove="1" noResize="1" noEditPoints="1" noAdjustHandles="1" noChangeArrowheads="1" noChangeShapeType="1" noTextEdit="1"/>
           </p:cNvSpPr>
           <p:nvPr>
-            <p:ph idx="1"/>
+            <p:extLst>
+              <p:ext uri="{386F3935-93C4-4BCD-93E2-E3B085C9AB24}">
+                <p16:designElem xmlns:p16="http://schemas.microsoft.com/office/powerpoint/2015/main" val="1"/>
+              </p:ext>
+            </p:extLst>
           </p:nvPr>
         </p:nvSpPr>
-        <p:spPr/>
+        <p:spPr bwMode="grayWhite">
+          <a:xfrm>
+            <a:off x="4422108" y="0"/>
+            <a:ext cx="7769892" cy="6858000"/>
+          </a:xfrm>
+          <a:custGeom>
+            <a:avLst/>
+            <a:gdLst>
+              <a:gd name="connsiteX0" fmla="*/ 1779516 w 7769892"/>
+              <a:gd name="connsiteY0" fmla="*/ 0 h 6837536"/>
+              <a:gd name="connsiteX1" fmla="*/ 6454848 w 7769892"/>
+              <a:gd name="connsiteY1" fmla="*/ 0 h 6837536"/>
+              <a:gd name="connsiteX2" fmla="*/ 6511730 w 7769892"/>
+              <a:gd name="connsiteY2" fmla="*/ 37905 h 6837536"/>
+              <a:gd name="connsiteX3" fmla="*/ 7769892 w 7769892"/>
+              <a:gd name="connsiteY3" fmla="*/ 1486041 h 6837536"/>
+              <a:gd name="connsiteX4" fmla="*/ 7769892 w 7769892"/>
+              <a:gd name="connsiteY4" fmla="*/ 5281056 h 6837536"/>
+              <a:gd name="connsiteX5" fmla="*/ 6353475 w 7769892"/>
+              <a:gd name="connsiteY5" fmla="*/ 6837536 h 6837536"/>
+              <a:gd name="connsiteX6" fmla="*/ 1882727 w 7769892"/>
+              <a:gd name="connsiteY6" fmla="*/ 6837536 h 6837536"/>
+              <a:gd name="connsiteX7" fmla="*/ 0 w 7769892"/>
+              <a:gd name="connsiteY7" fmla="*/ 3386463 h 6837536"/>
+              <a:gd name="connsiteX8" fmla="*/ 1655292 w 7769892"/>
+              <a:gd name="connsiteY8" fmla="*/ 88307 h 6837536"/>
+            </a:gdLst>
+            <a:ahLst/>
+            <a:cxnLst>
+              <a:cxn ang="0">
+                <a:pos x="connsiteX0" y="connsiteY0"/>
+              </a:cxn>
+              <a:cxn ang="0">
+                <a:pos x="connsiteX1" y="connsiteY1"/>
+              </a:cxn>
+              <a:cxn ang="0">
+                <a:pos x="connsiteX2" y="connsiteY2"/>
+              </a:cxn>
+              <a:cxn ang="0">
+                <a:pos x="connsiteX3" y="connsiteY3"/>
+              </a:cxn>
+              <a:cxn ang="0">
+                <a:pos x="connsiteX4" y="connsiteY4"/>
+              </a:cxn>
+              <a:cxn ang="0">
+                <a:pos x="connsiteX5" y="connsiteY5"/>
+              </a:cxn>
+              <a:cxn ang="0">
+                <a:pos x="connsiteX6" y="connsiteY6"/>
+              </a:cxn>
+              <a:cxn ang="0">
+                <a:pos x="connsiteX7" y="connsiteY7"/>
+              </a:cxn>
+              <a:cxn ang="0">
+                <a:pos x="connsiteX8" y="connsiteY8"/>
+              </a:cxn>
+            </a:cxnLst>
+            <a:rect l="l" t="t" r="r" b="b"/>
+            <a:pathLst>
+              <a:path w="7769892" h="6837536">
+                <a:moveTo>
+                  <a:pt x="1779516" y="0"/>
+                </a:moveTo>
+                <a:lnTo>
+                  <a:pt x="6454848" y="0"/>
+                </a:lnTo>
+                <a:lnTo>
+                  <a:pt x="6511730" y="37905"/>
+                </a:lnTo>
+                <a:cubicBezTo>
+                  <a:pt x="7036410" y="413592"/>
+                  <a:pt x="7468976" y="909648"/>
+                  <a:pt x="7769892" y="1486041"/>
+                </a:cubicBezTo>
+                <a:cubicBezTo>
+                  <a:pt x="7769892" y="1486041"/>
+                  <a:pt x="7769892" y="1486041"/>
+                  <a:pt x="7769892" y="5281056"/>
+                </a:cubicBezTo>
+                <a:cubicBezTo>
+                  <a:pt x="7437646" y="5916473"/>
+                  <a:pt x="6953850" y="6452788"/>
+                  <a:pt x="6353475" y="6837536"/>
+                </a:cubicBezTo>
+                <a:cubicBezTo>
+                  <a:pt x="6353475" y="6837536"/>
+                  <a:pt x="6353475" y="6837536"/>
+                  <a:pt x="1882727" y="6837536"/>
+                </a:cubicBezTo>
+                <a:cubicBezTo>
+                  <a:pt x="751925" y="6103017"/>
+                  <a:pt x="0" y="4832183"/>
+                  <a:pt x="0" y="3386463"/>
+                </a:cubicBezTo>
+                <a:cubicBezTo>
+                  <a:pt x="0" y="2036566"/>
+                  <a:pt x="651406" y="838748"/>
+                  <a:pt x="1655292" y="88307"/>
+                </a:cubicBezTo>
+                <a:close/>
+              </a:path>
+            </a:pathLst>
+          </a:custGeom>
+          <a:ln w="50800" cap="sq" cmpd="dbl">
+            <a:noFill/>
+            <a:miter lim="800000"/>
+          </a:ln>
+          <a:effectLst>
+            <a:outerShdw blurRad="254000" algn="tl" rotWithShape="0">
+              <a:srgbClr val="000000">
+                <a:alpha val="43000"/>
+              </a:srgbClr>
+            </a:outerShdw>
+          </a:effectLst>
+          <a:extLst/>
+        </p:spPr>
         <p:txBody>
-          <a:bodyPr/>
+          <a:bodyPr vert="horz" wrap="square" lIns="91440" tIns="45720" rIns="91440" bIns="45720" rtlCol="0" anchor="t">
+            <a:noAutofit/>
+          </a:bodyPr>
           <a:lstStyle/>
           <a:p>
-            <a:r>
-              <a:rPr lang="uk-UA" dirty="0"/>
-              <a:t>Переваги</a:t>
-            </a:r>
-          </a:p>
-          <a:p>
-            <a:pPr lvl="1"/>
-            <a:r>
-              <a:rPr lang="uk-UA" dirty="0"/>
-              <a:t>Складність виконання операції сягає </a:t>
-            </a:r>
-            <a:r>
-              <a:rPr lang="en-GB" dirty="0"/>
-              <a:t>O(1)</a:t>
-            </a:r>
-            <a:r>
-              <a:rPr lang="uk-UA" dirty="0"/>
-              <a:t>, але середній час виконання збільшується. Попри це її можна використовувати у системах де критично важлива відсутність «підвисань», структура згладжує процес обчислення;</a:t>
-            </a:r>
-          </a:p>
-          <a:p>
-            <a:pPr lvl="1"/>
-            <a:r>
-              <a:rPr lang="uk-UA" dirty="0"/>
-              <a:t>Переводиться до </a:t>
-            </a:r>
-            <a:r>
-              <a:rPr lang="uk-UA" dirty="0" err="1"/>
-              <a:t>персистентної</a:t>
-            </a:r>
-            <a:r>
-              <a:rPr lang="uk-UA" dirty="0"/>
-              <a:t> черги.</a:t>
-            </a:r>
-          </a:p>
-          <a:p>
-            <a:r>
-              <a:rPr lang="uk-UA" dirty="0"/>
-              <a:t>Недоліки</a:t>
-            </a:r>
-          </a:p>
-          <a:p>
-            <a:pPr lvl="1"/>
-            <a:r>
-              <a:rPr lang="uk-UA" dirty="0"/>
-              <a:t>В середньому </a:t>
-            </a:r>
-            <a:r>
-              <a:rPr lang="uk-UA" dirty="0" err="1"/>
-              <a:t>затратніша</a:t>
-            </a:r>
-            <a:r>
-              <a:rPr lang="uk-UA" dirty="0"/>
-              <a:t>;</a:t>
-            </a:r>
-          </a:p>
-          <a:p>
-            <a:pPr lvl="1"/>
-            <a:r>
-              <a:rPr lang="uk-UA" dirty="0"/>
-              <a:t>Більша витрата пам’яті;</a:t>
-            </a:r>
-          </a:p>
-          <a:p>
-            <a:pPr lvl="1"/>
-            <a:r>
-              <a:rPr lang="uk-UA" dirty="0"/>
-              <a:t>Велика складність реалізації / велика ймовірність допущення помилки</a:t>
-            </a:r>
+            <a:pPr algn="ctr">
+              <a:spcAft>
+                <a:spcPts val="1000"/>
+              </a:spcAft>
+              <a:buClr>
+                <a:schemeClr val="tx1"/>
+              </a:buClr>
+              <a:buSzPct val="100000"/>
+              <a:buFont typeface="Arial"/>
+              <a:buNone/>
+            </a:pPr>
+            <a:endParaRPr lang="en-US" sz="1600" cap="all"/>
           </a:p>
         </p:txBody>
       </p:sp>
+      <p:graphicFrame>
+        <p:nvGraphicFramePr>
+          <p:cNvPr id="5" name="Місце для вмісту 2">
+            <a:extLst>
+              <a:ext uri="{FF2B5EF4-FFF2-40B4-BE49-F238E27FC236}">
+                <a16:creationId xmlns:a16="http://schemas.microsoft.com/office/drawing/2014/main" id="{0A661235-0CAE-4071-9095-28FCCDF02509}"/>
+              </a:ext>
+            </a:extLst>
+          </p:cNvPr>
+          <p:cNvGraphicFramePr>
+            <a:graphicFrameLocks noGrp="1"/>
+          </p:cNvGraphicFramePr>
+          <p:nvPr>
+            <p:ph idx="1"/>
+            <p:extLst>
+              <p:ext uri="{D42A27DB-BD31-4B8C-83A1-F6EECF244321}">
+                <p14:modId xmlns:p14="http://schemas.microsoft.com/office/powerpoint/2010/main" val="1634747830"/>
+              </p:ext>
+            </p:extLst>
+          </p:nvPr>
+        </p:nvGraphicFramePr>
+        <p:xfrm>
+          <a:off x="5617029" y="793820"/>
+          <a:ext cx="5741534" cy="5170983"/>
+        </p:xfrm>
+        <a:graphic>
+          <a:graphicData uri="http://schemas.openxmlformats.org/drawingml/2006/diagram">
+            <dgm:relIds xmlns:dgm="http://schemas.openxmlformats.org/drawingml/2006/diagram" xmlns:r="http://schemas.openxmlformats.org/officeDocument/2006/relationships" r:dm="rId3" r:lo="rId4" r:qs="rId5" r:cs="rId6"/>
+          </a:graphicData>
+        </a:graphic>
+      </p:graphicFrame>
     </p:spTree>
     <p:extLst>
       <p:ext uri="{BB962C8B-B14F-4D97-AF65-F5344CB8AC3E}">
@@ -31003,12 +36529,12 @@
     </p:extLst>
   </p:cSld>
   <p:clrMapOvr>
-    <a:masterClrMapping/>
+    <a:overrideClrMapping bg1="lt1" tx1="dk1" bg2="lt2" tx2="dk2" accent1="accent1" accent2="accent2" accent3="accent3" accent4="accent4" accent5="accent5" accent6="accent6" hlink="hlink" folHlink="folHlink"/>
   </p:clrMapOvr>
 </p:sld>
 </file>
 
-<file path=ppt/slides/slide16.xml><?xml version="1.0" encoding="utf-8"?>
+<file path=ppt/slides/slide17.xml><?xml version="1.0" encoding="utf-8"?>
 <p:sld xmlns:a="http://schemas.openxmlformats.org/drawingml/2006/main" xmlns:r="http://schemas.openxmlformats.org/officeDocument/2006/relationships" xmlns:p="http://schemas.openxmlformats.org/presentationml/2006/main">
   <p:cSld>
     <p:spTree>
@@ -31110,20 +36636,9 @@
               <a:rPr lang="en-GB" dirty="0"/>
               <a:t>D0.A0.D0.B5.D0.B0.D0.BB.D0.B8.D0.B7.D0.B0.D1.86.D0.B8.D1.8F_.D0.BE.D1.87.D0.B5.D1.80.D0.B5.D0.B4.D0.B8_.D0.BD.D0.B0_.D1.88.D0.B5.D1.81.D1.82.D0.B8_.D1.81.D1.82.D0.B5.D0.BA.D0.B0.D1.85</a:t>
             </a:r>
-            <a:endParaRPr lang="uk-UA" dirty="0"/>
-          </a:p>
-          <a:p>
             <a:r>
               <a:rPr lang="uk-UA" dirty="0"/>
-              <a:t>Доволі детально розписано дії в структурі даних</a:t>
-            </a:r>
-            <a:r>
-              <a:rPr lang="uk-UA"/>
-              <a:t>, але є й </a:t>
-            </a:r>
-            <a:r>
-              <a:rPr lang="uk-UA" dirty="0"/>
-              <a:t>певна заплутаність: на сайті представлено 7 різних черг: </a:t>
+              <a:t> Доволі детально розписано дії в структурі даних, але є й певна заплутаність: на сайті представлено 7 різних черг: </a:t>
             </a:r>
             <a:r>
               <a:rPr lang="en-US" dirty="0"/>
@@ -31180,6 +36695,12 @@
             <a:r>
               <a:rPr lang="uk-UA" dirty="0"/>
               <a:t>, а потім після перетворень елементи повертаються назад</a:t>
+            </a:r>
+          </a:p>
+          <a:p>
+            <a:r>
+              <a:rPr lang="uk-UA" dirty="0"/>
+              <a:t>Інші розглянуті ресурси оперують меншою кількістю даних, які наявні на вказаному ресурсі.</a:t>
             </a:r>
           </a:p>
         </p:txBody>
@@ -31276,14 +36797,14 @@
             <p:ph idx="1"/>
             <p:extLst>
               <p:ext uri="{D42A27DB-BD31-4B8C-83A1-F6EECF244321}">
-                <p14:modId xmlns:p14="http://schemas.microsoft.com/office/powerpoint/2010/main" val="650533571"/>
+                <p14:modId xmlns:p14="http://schemas.microsoft.com/office/powerpoint/2010/main" val="745913452"/>
               </p:ext>
             </p:extLst>
           </p:nvPr>
         </p:nvGraphicFramePr>
         <p:xfrm>
-          <a:off x="685800" y="2406400"/>
-          <a:ext cx="10131425" cy="3384799"/>
+          <a:off x="279400" y="1701800"/>
+          <a:ext cx="11518900" cy="5156200"/>
         </p:xfrm>
         <a:graphic>
           <a:graphicData uri="http://schemas.openxmlformats.org/drawingml/2006/diagram">
@@ -31584,90 +37105,181 @@
           </a:fontRef>
         </p:style>
       </p:cxnSp>
-      <p:sp>
-        <p:nvSpPr>
-          <p:cNvPr id="3" name="Місце для вмісту 2">
-            <a:extLst>
-              <a:ext uri="{FF2B5EF4-FFF2-40B4-BE49-F238E27FC236}">
-                <a16:creationId xmlns:a16="http://schemas.microsoft.com/office/drawing/2014/main" id="{8C19C31D-6714-40F1-B79F-ED577410B8CB}"/>
-              </a:ext>
-            </a:extLst>
-          </p:cNvPr>
-          <p:cNvSpPr>
-            <a:spLocks noGrp="1"/>
-          </p:cNvSpPr>
-          <p:nvPr>
-            <p:ph idx="1"/>
-          </p:nvPr>
-        </p:nvSpPr>
-        <p:spPr>
-          <a:xfrm>
-            <a:off x="4988658" y="1150076"/>
-            <a:ext cx="6517543" cy="4557849"/>
-          </a:xfrm>
-        </p:spPr>
-        <p:txBody>
-          <a:bodyPr>
-            <a:normAutofit/>
-          </a:bodyPr>
-          <a:lstStyle/>
-          <a:p>
-            <a:r>
-              <a:rPr lang="uk-UA"/>
-              <a:t>Для доведення, що ця черга працює саме за </a:t>
-            </a:r>
-            <a:r>
-              <a:rPr lang="en-GB"/>
-              <a:t>O(1) </a:t>
-            </a:r>
-            <a:r>
-              <a:rPr lang="uk-UA"/>
-              <a:t>варто розглянути принцип її функціонування</a:t>
-            </a:r>
-          </a:p>
-          <a:p>
-            <a:r>
-              <a:rPr lang="uk-UA"/>
-              <a:t>За основу взята черга на двох стеках з умовними назвами </a:t>
-            </a:r>
-            <a:r>
-              <a:rPr lang="en-GB"/>
-              <a:t>Left </a:t>
-            </a:r>
-            <a:r>
-              <a:rPr lang="uk-UA"/>
-              <a:t>(для операцій </a:t>
-            </a:r>
-            <a:r>
-              <a:rPr lang="en-GB"/>
-              <a:t>push() — </a:t>
-            </a:r>
-            <a:r>
-              <a:rPr lang="uk-UA"/>
-              <a:t>додання до черги) та </a:t>
-            </a:r>
-            <a:r>
-              <a:rPr lang="en-GB"/>
-              <a:t>Right</a:t>
-            </a:r>
-            <a:r>
-              <a:rPr lang="uk-UA"/>
-              <a:t> (для операцій </a:t>
-            </a:r>
-            <a:r>
-              <a:rPr lang="en-US"/>
-              <a:t>pop() </a:t>
-            </a:r>
-            <a:r>
-              <a:rPr lang="uk-UA"/>
-              <a:t>— взяття значення з черги)</a:t>
-            </a:r>
-          </a:p>
-          <a:p>
-            <a:endParaRPr lang="uk-UA"/>
-          </a:p>
-        </p:txBody>
-      </p:sp>
+      <mc:AlternateContent xmlns:mc="http://schemas.openxmlformats.org/markup-compatibility/2006">
+        <mc:Choice xmlns:a14="http://schemas.microsoft.com/office/drawing/2010/main" Requires="a14">
+          <p:sp>
+            <p:nvSpPr>
+              <p:cNvPr id="3" name="Місце для вмісту 2">
+                <a:extLst>
+                  <a:ext uri="{FF2B5EF4-FFF2-40B4-BE49-F238E27FC236}">
+                    <a16:creationId xmlns:a16="http://schemas.microsoft.com/office/drawing/2014/main" id="{8C19C31D-6714-40F1-B79F-ED577410B8CB}"/>
+                  </a:ext>
+                </a:extLst>
+              </p:cNvPr>
+              <p:cNvSpPr>
+                <a:spLocks noGrp="1"/>
+              </p:cNvSpPr>
+              <p:nvPr>
+                <p:ph idx="1"/>
+              </p:nvPr>
+            </p:nvSpPr>
+            <p:spPr>
+              <a:xfrm>
+                <a:off x="4988658" y="1150076"/>
+                <a:ext cx="6517543" cy="4557849"/>
+              </a:xfrm>
+            </p:spPr>
+            <p:txBody>
+              <a:bodyPr>
+                <a:normAutofit/>
+              </a:bodyPr>
+              <a:lstStyle/>
+              <a:p>
+                <a:r>
+                  <a:rPr lang="uk-UA" dirty="0"/>
+                  <a:t>Для доведення, що ця черга працює саме за </a:t>
+                </a:r>
+                <a14:m>
+                  <m:oMath xmlns:m="http://schemas.openxmlformats.org/officeDocument/2006/math">
+                    <m:r>
+                      <a:rPr lang="en-GB" i="1" dirty="0" smtClean="0">
+                        <a:latin typeface="Cambria Math" panose="02040503050406030204" pitchFamily="18" charset="0"/>
+                      </a:rPr>
+                      <m:t>𝑂</m:t>
+                    </m:r>
+                    <m:r>
+                      <a:rPr lang="en-GB" i="1" dirty="0" smtClean="0">
+                        <a:latin typeface="Cambria Math" panose="02040503050406030204" pitchFamily="18" charset="0"/>
+                      </a:rPr>
+                      <m:t>(1)</m:t>
+                    </m:r>
+                  </m:oMath>
+                </a14:m>
+                <a:r>
+                  <a:rPr lang="en-GB" dirty="0"/>
+                  <a:t> </a:t>
+                </a:r>
+                <a:r>
+                  <a:rPr lang="uk-UA" dirty="0"/>
+                  <a:t>варто розглянути принцип її функціонування</a:t>
+                </a:r>
+              </a:p>
+              <a:p>
+                <a:r>
+                  <a:rPr lang="uk-UA" dirty="0"/>
+                  <a:t>За основу взята черга на двох стеках з умовними назвами </a:t>
+                </a:r>
+                <a:r>
+                  <a:rPr lang="en-GB" dirty="0"/>
+                  <a:t>Left </a:t>
+                </a:r>
+                <a:r>
+                  <a:rPr lang="uk-UA" dirty="0"/>
+                  <a:t>(для операцій </a:t>
+                </a:r>
+                <a14:m>
+                  <m:oMath xmlns:m="http://schemas.openxmlformats.org/officeDocument/2006/math">
+                    <m:r>
+                      <a:rPr lang="en-GB" i="1" dirty="0" smtClean="0">
+                        <a:latin typeface="Cambria Math" panose="02040503050406030204" pitchFamily="18" charset="0"/>
+                      </a:rPr>
+                      <m:t>𝑝𝑢𝑠h</m:t>
+                    </m:r>
+                    <m:r>
+                      <a:rPr lang="en-GB" i="1" dirty="0" smtClean="0">
+                        <a:latin typeface="Cambria Math" panose="02040503050406030204" pitchFamily="18" charset="0"/>
+                      </a:rPr>
+                      <m:t>()</m:t>
+                    </m:r>
+                  </m:oMath>
+                </a14:m>
+                <a:r>
+                  <a:rPr lang="en-GB" dirty="0"/>
+                  <a:t> — </a:t>
+                </a:r>
+                <a:r>
+                  <a:rPr lang="uk-UA" dirty="0"/>
+                  <a:t>додання до черги) та </a:t>
+                </a:r>
+                <a:r>
+                  <a:rPr lang="en-GB" dirty="0"/>
+                  <a:t>Right</a:t>
+                </a:r>
+                <a:r>
+                  <a:rPr lang="uk-UA" dirty="0"/>
+                  <a:t> (для операцій </a:t>
+                </a:r>
+                <a14:m>
+                  <m:oMath xmlns:m="http://schemas.openxmlformats.org/officeDocument/2006/math">
+                    <m:r>
+                      <a:rPr lang="en-US" i="1" dirty="0" smtClean="0">
+                        <a:latin typeface="Cambria Math" panose="02040503050406030204" pitchFamily="18" charset="0"/>
+                      </a:rPr>
+                      <m:t>𝑝𝑜𝑝</m:t>
+                    </m:r>
+                    <m:r>
+                      <a:rPr lang="en-US" i="1" dirty="0" smtClean="0">
+                        <a:latin typeface="Cambria Math" panose="02040503050406030204" pitchFamily="18" charset="0"/>
+                      </a:rPr>
+                      <m:t>() </m:t>
+                    </m:r>
+                  </m:oMath>
+                </a14:m>
+                <a:r>
+                  <a:rPr lang="uk-UA" dirty="0"/>
+                  <a:t>— взяття значення з черги)</a:t>
+                </a:r>
+              </a:p>
+              <a:p>
+                <a:endParaRPr lang="uk-UA" dirty="0"/>
+              </a:p>
+            </p:txBody>
+          </p:sp>
+        </mc:Choice>
+        <mc:Fallback>
+          <p:sp>
+            <p:nvSpPr>
+              <p:cNvPr id="3" name="Місце для вмісту 2">
+                <a:extLst>
+                  <a:ext uri="{FF2B5EF4-FFF2-40B4-BE49-F238E27FC236}">
+                    <a16:creationId xmlns:a16="http://schemas.microsoft.com/office/drawing/2014/main" id="{8C19C31D-6714-40F1-B79F-ED577410B8CB}"/>
+                  </a:ext>
+                </a:extLst>
+              </p:cNvPr>
+              <p:cNvSpPr>
+                <a:spLocks noGrp="1" noRot="1" noChangeAspect="1" noMove="1" noResize="1" noEditPoints="1" noAdjustHandles="1" noChangeArrowheads="1" noChangeShapeType="1" noTextEdit="1"/>
+              </p:cNvSpPr>
+              <p:nvPr>
+                <p:ph idx="1"/>
+              </p:nvPr>
+            </p:nvSpPr>
+            <p:spPr>
+              <a:xfrm>
+                <a:off x="4988658" y="1150076"/>
+                <a:ext cx="6517543" cy="4557849"/>
+              </a:xfrm>
+              <a:blipFill>
+                <a:blip r:embed="rId3"/>
+                <a:stretch>
+                  <a:fillRect l="-561" r="-1402"/>
+                </a:stretch>
+              </a:blipFill>
+            </p:spPr>
+            <p:txBody>
+              <a:bodyPr/>
+              <a:lstStyle/>
+              <a:p>
+                <a:r>
+                  <a:rPr lang="uk-UA">
+                    <a:noFill/>
+                  </a:rPr>
+                  <a:t> </a:t>
+                </a:r>
+              </a:p>
+            </p:txBody>
+          </p:sp>
+        </mc:Fallback>
+      </mc:AlternateContent>
     </p:spTree>
     <p:extLst>
       <p:ext uri="{BB962C8B-B14F-4D97-AF65-F5344CB8AC3E}">
@@ -31885,31 +37497,59 @@
               <a:lstStyle/>
               <a:p>
                 <a:r>
-                  <a:rPr lang="uk-UA"/>
+                  <a:rPr lang="uk-UA" dirty="0"/>
                   <a:t>Всі операції будуть гарантовано виконуватися за </a:t>
                 </a:r>
+                <a14:m>
+                  <m:oMath xmlns:m="http://schemas.openxmlformats.org/officeDocument/2006/math">
+                    <m:r>
+                      <a:rPr lang="en-GB" i="1" dirty="0" smtClean="0">
+                        <a:latin typeface="Cambria Math" panose="02040503050406030204" pitchFamily="18" charset="0"/>
+                      </a:rPr>
+                      <m:t>𝑂</m:t>
+                    </m:r>
+                    <m:r>
+                      <a:rPr lang="en-GB" i="1" dirty="0" smtClean="0">
+                        <a:latin typeface="Cambria Math" panose="02040503050406030204" pitchFamily="18" charset="0"/>
+                      </a:rPr>
+                      <m:t>(1)</m:t>
+                    </m:r>
+                  </m:oMath>
+                </a14:m>
                 <a:r>
-                  <a:rPr lang="en-GB"/>
-                  <a:t>O(1), </a:t>
+                  <a:rPr lang="en-GB" dirty="0"/>
+                  <a:t>, </a:t>
                 </a:r>
                 <a:r>
-                  <a:rPr lang="uk-UA"/>
+                  <a:rPr lang="uk-UA" dirty="0"/>
                   <a:t>доки в стеку </a:t>
                 </a:r>
+                <a14:m>
+                  <m:oMath xmlns:m="http://schemas.openxmlformats.org/officeDocument/2006/math">
+                    <m:r>
+                      <a:rPr lang="en-US" i="1" dirty="0" smtClean="0">
+                        <a:latin typeface="Cambria Math" panose="02040503050406030204" pitchFamily="18" charset="0"/>
+                      </a:rPr>
+                      <m:t>𝐿𝑒𝑓𝑡</m:t>
+                    </m:r>
+                    <m:r>
+                      <a:rPr lang="en-US" i="1" dirty="0" smtClean="0">
+                        <a:latin typeface="Cambria Math" panose="02040503050406030204" pitchFamily="18" charset="0"/>
+                      </a:rPr>
+                      <m:t> </m:t>
+                    </m:r>
+                  </m:oMath>
+                </a14:m>
                 <a:r>
-                  <a:rPr lang="en-US"/>
-                  <a:t>Left </a:t>
-                </a:r>
-                <a:r>
-                  <a:rPr lang="uk-UA"/>
+                  <a:rPr lang="uk-UA" dirty="0"/>
                   <a:t>не виявиться більше елементів, ніж у </a:t>
                 </a:r>
                 <a:r>
-                  <a:rPr lang="en-US"/>
+                  <a:rPr lang="en-US" dirty="0"/>
                   <a:t>Right:</a:t>
                 </a:r>
                 <a:r>
-                  <a:rPr lang="uk-UA"/>
+                  <a:rPr lang="uk-UA" dirty="0"/>
                   <a:t> тоді за </a:t>
                 </a:r>
                 <a14:m>
@@ -31947,61 +37587,95 @@
                   </m:oMath>
                 </a14:m>
                 <a:r>
-                  <a:rPr lang="en-GB"/>
+                  <a:rPr lang="en-GB" dirty="0"/>
                   <a:t> </a:t>
                 </a:r>
                 <a:r>
-                  <a:rPr lang="uk-UA"/>
+                  <a:rPr lang="uk-UA" dirty="0"/>
                   <a:t>операцій </a:t>
                 </a:r>
+                <a14:m>
+                  <m:oMath xmlns:m="http://schemas.openxmlformats.org/officeDocument/2006/math">
+                    <m:r>
+                      <a:rPr lang="en-GB" i="1" dirty="0" smtClean="0">
+                        <a:latin typeface="Cambria Math" panose="02040503050406030204" pitchFamily="18" charset="0"/>
+                      </a:rPr>
+                      <m:t>𝑝𝑜𝑝</m:t>
+                    </m:r>
+                    <m:r>
+                      <a:rPr lang="en-GB" i="1" dirty="0" smtClean="0">
+                        <a:latin typeface="Cambria Math" panose="02040503050406030204" pitchFamily="18" charset="0"/>
+                      </a:rPr>
+                      <m:t>() </m:t>
+                    </m:r>
+                  </m:oMath>
+                </a14:m>
                 <a:r>
-                  <a:rPr lang="en-GB"/>
-                  <a:t>pop() </a:t>
-                </a:r>
-                <a:r>
-                  <a:rPr lang="uk-UA"/>
+                  <a:rPr lang="uk-UA" dirty="0"/>
                   <a:t>ми не зможемо «перевернути» стек </a:t>
                 </a:r>
+                <a14:m>
+                  <m:oMath xmlns:m="http://schemas.openxmlformats.org/officeDocument/2006/math">
+                    <m:r>
+                      <a:rPr lang="en-US" i="1" dirty="0" smtClean="0">
+                        <a:latin typeface="Cambria Math" panose="02040503050406030204" pitchFamily="18" charset="0"/>
+                      </a:rPr>
+                      <m:t>𝐿𝑒𝑓𝑡</m:t>
+                    </m:r>
+                  </m:oMath>
+                </a14:m>
                 <a:r>
-                  <a:rPr lang="en-US"/>
-                  <a:t>Left</a:t>
-                </a:r>
-                <a:r>
-                  <a:rPr lang="uk-UA"/>
+                  <a:rPr lang="uk-UA" dirty="0"/>
                   <a:t>, щоб брати елементи з нього. Для цього при досягненні </a:t>
                 </a:r>
                 <a:r>
-                  <a:rPr lang="uk-UA" err="1"/>
+                  <a:rPr lang="uk-UA" dirty="0" err="1"/>
                   <a:t>стеком</a:t>
                 </a:r>
                 <a:r>
-                  <a:rPr lang="uk-UA"/>
+                  <a:rPr lang="uk-UA" dirty="0"/>
+                  <a:t> </a:t>
+                </a:r>
+                <a14:m>
+                  <m:oMath xmlns:m="http://schemas.openxmlformats.org/officeDocument/2006/math">
+                    <m:r>
+                      <a:rPr lang="en-US" i="1" dirty="0" smtClean="0">
+                        <a:latin typeface="Cambria Math" panose="02040503050406030204" pitchFamily="18" charset="0"/>
+                      </a:rPr>
+                      <m:t>𝐿𝑒𝑓𝑡</m:t>
+                    </m:r>
+                  </m:oMath>
+                </a14:m>
+                <a:r>
+                  <a:rPr lang="en-US" dirty="0"/>
                   <a:t> </a:t>
                 </a:r>
                 <a:r>
-                  <a:rPr lang="en-US"/>
-                  <a:t>Left </a:t>
-                </a:r>
-                <a:r>
-                  <a:rPr lang="uk-UA"/>
+                  <a:rPr lang="uk-UA" dirty="0"/>
                   <a:t>більшої кількості елементів, ніж у </a:t>
                 </a:r>
+                <a14:m>
+                  <m:oMath xmlns:m="http://schemas.openxmlformats.org/officeDocument/2006/math">
+                    <m:r>
+                      <a:rPr lang="en-US" i="1" dirty="0" smtClean="0">
+                        <a:latin typeface="Cambria Math" panose="02040503050406030204" pitchFamily="18" charset="0"/>
+                      </a:rPr>
+                      <m:t>𝑅𝑖𝑔h𝑡</m:t>
+                    </m:r>
+                  </m:oMath>
+                </a14:m>
                 <a:r>
-                  <a:rPr lang="en-US"/>
-                  <a:t>Right</a:t>
-                </a:r>
-                <a:r>
-                  <a:rPr lang="uk-UA"/>
+                  <a:rPr lang="uk-UA" dirty="0"/>
                   <a:t> варто зразу ж при операції, що здійснила це перебільшення почати </a:t>
                 </a:r>
                 <a:r>
-                  <a:rPr lang="uk-UA" err="1"/>
+                  <a:rPr lang="uk-UA" dirty="0" err="1"/>
                   <a:t>перекопійовування</a:t>
                 </a:r>
-                <a:endParaRPr lang="en-US"/>
+                <a:endParaRPr lang="en-US" dirty="0"/>
               </a:p>
               <a:p>
-                <a:endParaRPr lang="uk-UA"/>
+                <a:endParaRPr lang="uk-UA" dirty="0"/>
               </a:p>
             </p:txBody>
           </p:sp>
@@ -32236,90 +37910,211 @@
           </a:fontRef>
         </p:style>
       </p:cxnSp>
-      <p:sp>
-        <p:nvSpPr>
-          <p:cNvPr id="3" name="Місце для вмісту 2">
-            <a:extLst>
-              <a:ext uri="{FF2B5EF4-FFF2-40B4-BE49-F238E27FC236}">
-                <a16:creationId xmlns:a16="http://schemas.microsoft.com/office/drawing/2014/main" id="{C578F04E-92FC-4C3A-813F-9F2DB2288707}"/>
-              </a:ext>
-            </a:extLst>
-          </p:cNvPr>
-          <p:cNvSpPr>
-            <a:spLocks noGrp="1"/>
-          </p:cNvSpPr>
-          <p:nvPr>
-            <p:ph idx="1"/>
-          </p:nvPr>
-        </p:nvSpPr>
-        <p:spPr>
-          <a:xfrm>
-            <a:off x="4988658" y="1150076"/>
-            <a:ext cx="6517543" cy="4557849"/>
-          </a:xfrm>
-        </p:spPr>
-        <p:txBody>
-          <a:bodyPr>
-            <a:normAutofit/>
-          </a:bodyPr>
-          <a:lstStyle/>
-          <a:p>
-            <a:r>
-              <a:rPr lang="uk-UA"/>
-              <a:t>Очевидно, що під час </a:t>
-            </a:r>
-            <a:r>
-              <a:rPr lang="uk-UA" err="1"/>
-              <a:t>перекопійовування</a:t>
-            </a:r>
-            <a:r>
-              <a:rPr lang="uk-UA"/>
-              <a:t> (а цей процес триває </a:t>
-            </a:r>
-            <a:r>
-              <a:rPr lang="en-GB"/>
-              <a:t>n </a:t>
-            </a:r>
-            <a:r>
-              <a:rPr lang="uk-UA"/>
-              <a:t>операцій </a:t>
-            </a:r>
-            <a:r>
-              <a:rPr lang="en-US"/>
-              <a:t>push() / pop(), </a:t>
-            </a:r>
-            <a:r>
-              <a:rPr lang="uk-UA"/>
-              <a:t>враховуючи операцію з перебільшенням) стек </a:t>
-            </a:r>
-            <a:r>
-              <a:rPr lang="en-US"/>
-              <a:t>Left</a:t>
-            </a:r>
-            <a:r>
-              <a:rPr lang="uk-UA"/>
-              <a:t> втратить структуру й не зможе приймати операції </a:t>
-            </a:r>
-            <a:r>
-              <a:rPr lang="en-US"/>
-              <a:t>pop().</a:t>
-            </a:r>
-            <a:r>
-              <a:rPr lang="uk-UA"/>
-              <a:t> Для цього необхідний четвертий стек </a:t>
-            </a:r>
-            <a:r>
-              <a:rPr lang="en-US" err="1"/>
-              <a:t>LeftReserve</a:t>
-            </a:r>
-            <a:r>
-              <a:rPr lang="uk-UA"/>
-              <a:t>, який і буде заповнюватися при копіюванні</a:t>
-            </a:r>
-            <a:endParaRPr lang="en-US"/>
-          </a:p>
-        </p:txBody>
-      </p:sp>
+      <mc:AlternateContent xmlns:mc="http://schemas.openxmlformats.org/markup-compatibility/2006">
+        <mc:Choice xmlns:a14="http://schemas.microsoft.com/office/drawing/2010/main" Requires="a14">
+          <p:sp>
+            <p:nvSpPr>
+              <p:cNvPr id="3" name="Місце для вмісту 2">
+                <a:extLst>
+                  <a:ext uri="{FF2B5EF4-FFF2-40B4-BE49-F238E27FC236}">
+                    <a16:creationId xmlns:a16="http://schemas.microsoft.com/office/drawing/2014/main" id="{C578F04E-92FC-4C3A-813F-9F2DB2288707}"/>
+                  </a:ext>
+                </a:extLst>
+              </p:cNvPr>
+              <p:cNvSpPr>
+                <a:spLocks noGrp="1"/>
+              </p:cNvSpPr>
+              <p:nvPr>
+                <p:ph idx="1"/>
+              </p:nvPr>
+            </p:nvSpPr>
+            <p:spPr>
+              <a:xfrm>
+                <a:off x="4988658" y="1150076"/>
+                <a:ext cx="6517543" cy="4557849"/>
+              </a:xfrm>
+            </p:spPr>
+            <p:txBody>
+              <a:bodyPr>
+                <a:normAutofit/>
+              </a:bodyPr>
+              <a:lstStyle/>
+              <a:p>
+                <a:r>
+                  <a:rPr lang="uk-UA" dirty="0"/>
+                  <a:t>Очевидно, що під час </a:t>
+                </a:r>
+                <a:r>
+                  <a:rPr lang="uk-UA" dirty="0" err="1"/>
+                  <a:t>перекопійовування</a:t>
+                </a:r>
+                <a:r>
+                  <a:rPr lang="uk-UA" dirty="0"/>
+                  <a:t> (а цей процес триває </a:t>
+                </a:r>
+                <a14:m>
+                  <m:oMath xmlns:m="http://schemas.openxmlformats.org/officeDocument/2006/math">
+                    <m:r>
+                      <a:rPr lang="en-GB" i="1" dirty="0" smtClean="0">
+                        <a:latin typeface="Cambria Math" panose="02040503050406030204" pitchFamily="18" charset="0"/>
+                      </a:rPr>
+                      <m:t>𝑛</m:t>
+                    </m:r>
+                  </m:oMath>
+                </a14:m>
+                <a:r>
+                  <a:rPr lang="en-GB" dirty="0"/>
+                  <a:t> </a:t>
+                </a:r>
+                <a:r>
+                  <a:rPr lang="uk-UA" dirty="0"/>
+                  <a:t>операцій </a:t>
+                </a:r>
+                <a14:m>
+                  <m:oMath xmlns:m="http://schemas.openxmlformats.org/officeDocument/2006/math">
+                    <m:r>
+                      <a:rPr lang="en-US" i="1" dirty="0" smtClean="0">
+                        <a:latin typeface="Cambria Math" panose="02040503050406030204" pitchFamily="18" charset="0"/>
+                      </a:rPr>
+                      <m:t>𝑝𝑢𝑠h</m:t>
+                    </m:r>
+                    <m:r>
+                      <a:rPr lang="en-US" i="1" dirty="0" smtClean="0">
+                        <a:latin typeface="Cambria Math" panose="02040503050406030204" pitchFamily="18" charset="0"/>
+                      </a:rPr>
+                      <m:t>()</m:t>
+                    </m:r>
+                  </m:oMath>
+                </a14:m>
+                <a:r>
+                  <a:rPr lang="en-US" dirty="0"/>
+                  <a:t> / </a:t>
+                </a:r>
+                <a14:m>
+                  <m:oMath xmlns:m="http://schemas.openxmlformats.org/officeDocument/2006/math">
+                    <m:r>
+                      <a:rPr lang="en-US" i="1" dirty="0" smtClean="0">
+                        <a:latin typeface="Cambria Math" panose="02040503050406030204" pitchFamily="18" charset="0"/>
+                      </a:rPr>
+                      <m:t>𝑝𝑜𝑝</m:t>
+                    </m:r>
+                    <m:r>
+                      <a:rPr lang="en-US" i="1" dirty="0" smtClean="0">
+                        <a:latin typeface="Cambria Math" panose="02040503050406030204" pitchFamily="18" charset="0"/>
+                      </a:rPr>
+                      <m:t>()</m:t>
+                    </m:r>
+                  </m:oMath>
+                </a14:m>
+                <a:r>
+                  <a:rPr lang="en-US" dirty="0"/>
+                  <a:t>, </a:t>
+                </a:r>
+                <a:r>
+                  <a:rPr lang="uk-UA" dirty="0"/>
+                  <a:t>враховуючи операцію з перебільшенням) стек </a:t>
+                </a:r>
+                <a14:m>
+                  <m:oMath xmlns:m="http://schemas.openxmlformats.org/officeDocument/2006/math">
+                    <m:r>
+                      <a:rPr lang="en-US" i="1" dirty="0" smtClean="0">
+                        <a:latin typeface="Cambria Math" panose="02040503050406030204" pitchFamily="18" charset="0"/>
+                      </a:rPr>
+                      <m:t>𝐿𝑒𝑓𝑡</m:t>
+                    </m:r>
+                  </m:oMath>
+                </a14:m>
+                <a:r>
+                  <a:rPr lang="uk-UA" dirty="0"/>
+                  <a:t> втратить структуру й не зможе приймати операції </a:t>
+                </a:r>
+                <a14:m>
+                  <m:oMath xmlns:m="http://schemas.openxmlformats.org/officeDocument/2006/math">
+                    <m:r>
+                      <a:rPr lang="en-US" i="1" dirty="0" smtClean="0">
+                        <a:latin typeface="Cambria Math" panose="02040503050406030204" pitchFamily="18" charset="0"/>
+                      </a:rPr>
+                      <m:t>𝑝𝑜𝑝</m:t>
+                    </m:r>
+                    <m:r>
+                      <a:rPr lang="en-US" i="1" dirty="0" smtClean="0">
+                        <a:latin typeface="Cambria Math" panose="02040503050406030204" pitchFamily="18" charset="0"/>
+                      </a:rPr>
+                      <m:t>()</m:t>
+                    </m:r>
+                  </m:oMath>
+                </a14:m>
+                <a:r>
+                  <a:rPr lang="en-US" dirty="0"/>
+                  <a:t>.</a:t>
+                </a:r>
+                <a:r>
+                  <a:rPr lang="uk-UA" dirty="0"/>
+                  <a:t> Для цього необхідний четвертий стек </a:t>
+                </a:r>
+                <a14:m>
+                  <m:oMath xmlns:m="http://schemas.openxmlformats.org/officeDocument/2006/math">
+                    <m:r>
+                      <a:rPr lang="en-US" i="1" dirty="0" smtClean="0">
+                        <a:latin typeface="Cambria Math" panose="02040503050406030204" pitchFamily="18" charset="0"/>
+                      </a:rPr>
+                      <m:t>𝐿𝑒𝑓𝑡𝑅𝑒𝑠𝑒𝑟𝑣𝑒</m:t>
+                    </m:r>
+                  </m:oMath>
+                </a14:m>
+                <a:r>
+                  <a:rPr lang="uk-UA" dirty="0"/>
+                  <a:t>, який і буде заповнюватися при копіюванні</a:t>
+                </a:r>
+                <a:endParaRPr lang="en-US" dirty="0"/>
+              </a:p>
+            </p:txBody>
+          </p:sp>
+        </mc:Choice>
+        <mc:Fallback>
+          <p:sp>
+            <p:nvSpPr>
+              <p:cNvPr id="3" name="Місце для вмісту 2">
+                <a:extLst>
+                  <a:ext uri="{FF2B5EF4-FFF2-40B4-BE49-F238E27FC236}">
+                    <a16:creationId xmlns:a16="http://schemas.microsoft.com/office/drawing/2014/main" id="{C578F04E-92FC-4C3A-813F-9F2DB2288707}"/>
+                  </a:ext>
+                </a:extLst>
+              </p:cNvPr>
+              <p:cNvSpPr>
+                <a:spLocks noGrp="1" noRot="1" noChangeAspect="1" noMove="1" noResize="1" noEditPoints="1" noAdjustHandles="1" noChangeArrowheads="1" noChangeShapeType="1" noTextEdit="1"/>
+              </p:cNvSpPr>
+              <p:nvPr>
+                <p:ph idx="1"/>
+              </p:nvPr>
+            </p:nvSpPr>
+            <p:spPr>
+              <a:xfrm>
+                <a:off x="4988658" y="1150076"/>
+                <a:ext cx="6517543" cy="4557849"/>
+              </a:xfrm>
+              <a:blipFill>
+                <a:blip r:embed="rId3"/>
+                <a:stretch>
+                  <a:fillRect l="-561" r="-93"/>
+                </a:stretch>
+              </a:blipFill>
+            </p:spPr>
+            <p:txBody>
+              <a:bodyPr/>
+              <a:lstStyle/>
+              <a:p>
+                <a:r>
+                  <a:rPr lang="uk-UA">
+                    <a:noFill/>
+                  </a:rPr>
+                  <a:t> </a:t>
+                </a:r>
+              </a:p>
+            </p:txBody>
+          </p:sp>
+        </mc:Fallback>
+      </mc:AlternateContent>
     </p:spTree>
     <p:extLst>
       <p:ext uri="{BB962C8B-B14F-4D97-AF65-F5344CB8AC3E}">
@@ -32506,222 +38301,411 @@
           </a:fontRef>
         </p:style>
       </p:cxnSp>
-      <p:sp>
-        <p:nvSpPr>
-          <p:cNvPr id="3" name="Місце для вмісту 2">
-            <a:extLst>
-              <a:ext uri="{FF2B5EF4-FFF2-40B4-BE49-F238E27FC236}">
-                <a16:creationId xmlns:a16="http://schemas.microsoft.com/office/drawing/2014/main" id="{63F38357-0ECA-4DAF-9F1D-BC6BAADE5198}"/>
-              </a:ext>
-            </a:extLst>
-          </p:cNvPr>
-          <p:cNvSpPr>
-            <a:spLocks noGrp="1"/>
-          </p:cNvSpPr>
-          <p:nvPr>
-            <p:ph idx="1"/>
-          </p:nvPr>
-        </p:nvSpPr>
-        <p:spPr>
-          <a:xfrm>
-            <a:off x="4988658" y="1150076"/>
-            <a:ext cx="6517543" cy="4557849"/>
-          </a:xfrm>
-        </p:spPr>
-        <p:txBody>
-          <a:bodyPr>
-            <a:normAutofit/>
-          </a:bodyPr>
-          <a:lstStyle/>
-          <a:p>
-            <a:r>
-              <a:rPr lang="uk-UA" dirty="0"/>
-              <a:t>Після закінчення </a:t>
-            </a:r>
-            <a:r>
-              <a:rPr lang="uk-UA" dirty="0" err="1"/>
-              <a:t>перекопіювання</a:t>
-            </a:r>
-            <a:r>
-              <a:rPr lang="uk-UA" dirty="0"/>
-              <a:t> варто замінити стеки </a:t>
-            </a:r>
-            <a:r>
-              <a:rPr lang="en-GB" dirty="0"/>
-              <a:t>Left </a:t>
-            </a:r>
-            <a:r>
-              <a:rPr lang="uk-UA" dirty="0"/>
-              <a:t>і </a:t>
-            </a:r>
-            <a:r>
-              <a:rPr lang="en-US" dirty="0" err="1"/>
-              <a:t>LeftReserve</a:t>
-            </a:r>
-            <a:endParaRPr lang="en-US" dirty="0"/>
-          </a:p>
-          <a:p>
-            <a:r>
-              <a:rPr lang="uk-UA" dirty="0"/>
-              <a:t>Замінити стеки </a:t>
-            </a:r>
-            <a:r>
-              <a:rPr lang="en-US" dirty="0"/>
-              <a:t>Mediate </a:t>
-            </a:r>
-            <a:r>
-              <a:rPr lang="uk-UA" dirty="0"/>
-              <a:t>і </a:t>
-            </a:r>
-            <a:r>
-              <a:rPr lang="en-US" dirty="0"/>
-              <a:t>Right</a:t>
-            </a:r>
-            <a:r>
-              <a:rPr lang="uk-UA" dirty="0"/>
-              <a:t> просто так не вдасться, бо </a:t>
-            </a:r>
-            <a:r>
-              <a:rPr lang="en-US" dirty="0"/>
-              <a:t>Right </a:t>
-            </a:r>
-            <a:r>
-              <a:rPr lang="uk-UA" dirty="0"/>
-              <a:t>міг і не опустіти під час </a:t>
-            </a:r>
-            <a:r>
-              <a:rPr lang="uk-UA" dirty="0" err="1"/>
-              <a:t>перекопіюванння</a:t>
-            </a:r>
-            <a:r>
-              <a:rPr lang="uk-UA" dirty="0"/>
-              <a:t>. Для цього логіка дещо змінюється: в стек </a:t>
-            </a:r>
-            <a:r>
-              <a:rPr lang="en-US" dirty="0"/>
-              <a:t>Mediate </a:t>
-            </a:r>
-            <a:r>
-              <a:rPr lang="uk-UA" dirty="0"/>
-              <a:t>перекидаються елементи стеку </a:t>
-            </a:r>
-            <a:r>
-              <a:rPr lang="en-GB" dirty="0"/>
-              <a:t>Right, </a:t>
-            </a:r>
-            <a:r>
-              <a:rPr lang="uk-UA" dirty="0"/>
-              <a:t>тоді </a:t>
-            </a:r>
-            <a:r>
-              <a:rPr lang="en-GB" dirty="0"/>
-              <a:t>Left </a:t>
-            </a:r>
-            <a:r>
-              <a:rPr lang="uk-UA" dirty="0"/>
-              <a:t>копіюється в </a:t>
-            </a:r>
-            <a:r>
-              <a:rPr lang="en-GB" dirty="0"/>
-              <a:t>Right</a:t>
-            </a:r>
-            <a:r>
-              <a:rPr lang="uk-UA" dirty="0"/>
-              <a:t>, потім </a:t>
-            </a:r>
-            <a:r>
-              <a:rPr lang="en-GB" dirty="0"/>
-              <a:t>Mediate </a:t>
-            </a:r>
-            <a:r>
-              <a:rPr lang="uk-UA" dirty="0"/>
-              <a:t>віддає елементи назад стеку </a:t>
-            </a:r>
-            <a:r>
-              <a:rPr lang="en-US" dirty="0"/>
-              <a:t>Right</a:t>
-            </a:r>
-            <a:r>
-              <a:rPr lang="uk-UA" dirty="0"/>
-              <a:t>, який цим фактом </a:t>
-            </a:r>
-            <a:r>
-              <a:rPr lang="uk-UA" dirty="0" err="1"/>
-              <a:t>осереджує</a:t>
-            </a:r>
-            <a:r>
-              <a:rPr lang="uk-UA" dirty="0"/>
-              <a:t> і ліву і праву частини черги</a:t>
-            </a:r>
-          </a:p>
-          <a:p>
-            <a:r>
-              <a:rPr lang="uk-UA" dirty="0"/>
-              <a:t>Очевидно, що тепер під час </a:t>
-            </a:r>
-            <a:r>
-              <a:rPr lang="uk-UA" dirty="0" err="1"/>
-              <a:t>перекопіювання</a:t>
-            </a:r>
-            <a:r>
-              <a:rPr lang="uk-UA" dirty="0"/>
-              <a:t> стек </a:t>
-            </a:r>
-            <a:r>
-              <a:rPr lang="en-US" dirty="0"/>
-              <a:t>Right</a:t>
-            </a:r>
-            <a:r>
-              <a:rPr lang="uk-UA" dirty="0"/>
-              <a:t> зайнятий, але черга має повертати результат на </a:t>
-            </a:r>
-            <a:r>
-              <a:rPr lang="en-US" dirty="0"/>
-              <a:t>pop(). </a:t>
-            </a:r>
-            <a:r>
-              <a:rPr lang="uk-UA" dirty="0"/>
-              <a:t>Для них під час копіювання буде слугувати п’ятий стек </a:t>
-            </a:r>
-            <a:r>
-              <a:rPr lang="en-US" dirty="0" err="1"/>
-              <a:t>RightCopy</a:t>
-            </a:r>
-            <a:r>
-              <a:rPr lang="en-US" dirty="0"/>
-              <a:t>, </a:t>
-            </a:r>
-            <a:r>
-              <a:rPr lang="uk-UA" dirty="0"/>
-              <a:t>який при наповненні стеку </a:t>
-            </a:r>
-            <a:r>
-              <a:rPr lang="en-US" dirty="0"/>
-              <a:t>Right</a:t>
-            </a:r>
-            <a:r>
-              <a:rPr lang="uk-UA" dirty="0"/>
-              <a:t> буде наповнюватися цими ж елементами. Тоді на початок копіювання він матиме </a:t>
-            </a:r>
-            <a:r>
-              <a:rPr lang="en-US" dirty="0"/>
-              <a:t>n </a:t>
-            </a:r>
-            <a:r>
-              <a:rPr lang="uk-UA" dirty="0"/>
-              <a:t>елементів для операції </a:t>
-            </a:r>
-            <a:r>
-              <a:rPr lang="en-US" dirty="0"/>
-              <a:t>pop(), </a:t>
-            </a:r>
-            <a:r>
-              <a:rPr lang="uk-UA" dirty="0"/>
-              <a:t>що достатньо для здійснення копіювання, роблячи по мінімум три додаткових дії.</a:t>
-            </a:r>
-          </a:p>
-        </p:txBody>
-      </p:sp>
+      <mc:AlternateContent xmlns:mc="http://schemas.openxmlformats.org/markup-compatibility/2006">
+        <mc:Choice xmlns:a14="http://schemas.microsoft.com/office/drawing/2010/main" Requires="a14">
+          <p:sp>
+            <p:nvSpPr>
+              <p:cNvPr id="3" name="Місце для вмісту 2">
+                <a:extLst>
+                  <a:ext uri="{FF2B5EF4-FFF2-40B4-BE49-F238E27FC236}">
+                    <a16:creationId xmlns:a16="http://schemas.microsoft.com/office/drawing/2014/main" id="{63F38357-0ECA-4DAF-9F1D-BC6BAADE5198}"/>
+                  </a:ext>
+                </a:extLst>
+              </p:cNvPr>
+              <p:cNvSpPr>
+                <a:spLocks noGrp="1"/>
+              </p:cNvSpPr>
+              <p:nvPr>
+                <p:ph idx="1"/>
+              </p:nvPr>
+            </p:nvSpPr>
+            <p:spPr>
+              <a:xfrm>
+                <a:off x="4988658" y="1150076"/>
+                <a:ext cx="6517543" cy="4557849"/>
+              </a:xfrm>
+            </p:spPr>
+            <p:txBody>
+              <a:bodyPr>
+                <a:normAutofit lnSpcReduction="10000"/>
+              </a:bodyPr>
+              <a:lstStyle/>
+              <a:p>
+                <a:r>
+                  <a:rPr lang="uk-UA" dirty="0"/>
+                  <a:t>Після закінчення </a:t>
+                </a:r>
+                <a:r>
+                  <a:rPr lang="uk-UA" dirty="0" err="1"/>
+                  <a:t>перекопіювання</a:t>
+                </a:r>
+                <a:r>
+                  <a:rPr lang="uk-UA" dirty="0"/>
+                  <a:t> варто замінити стеки </a:t>
+                </a:r>
+                <a14:m>
+                  <m:oMath xmlns:m="http://schemas.openxmlformats.org/officeDocument/2006/math">
+                    <m:r>
+                      <a:rPr lang="en-GB" i="1" dirty="0" smtClean="0">
+                        <a:latin typeface="Cambria Math" panose="02040503050406030204" pitchFamily="18" charset="0"/>
+                      </a:rPr>
+                      <m:t>𝐿𝑒𝑓𝑡</m:t>
+                    </m:r>
+                  </m:oMath>
+                </a14:m>
+                <a:r>
+                  <a:rPr lang="en-GB" dirty="0"/>
+                  <a:t> </a:t>
+                </a:r>
+                <a:r>
+                  <a:rPr lang="uk-UA" dirty="0"/>
+                  <a:t>і </a:t>
+                </a:r>
+                <a14:m>
+                  <m:oMath xmlns:m="http://schemas.openxmlformats.org/officeDocument/2006/math">
+                    <m:r>
+                      <a:rPr lang="en-US" i="1" dirty="0" smtClean="0">
+                        <a:latin typeface="Cambria Math" panose="02040503050406030204" pitchFamily="18" charset="0"/>
+                      </a:rPr>
+                      <m:t>𝐿𝑒𝑓𝑡𝑅𝑒𝑠𝑒𝑟𝑣𝑒</m:t>
+                    </m:r>
+                  </m:oMath>
+                </a14:m>
+                <a:endParaRPr lang="en-US" dirty="0"/>
+              </a:p>
+              <a:p>
+                <a:r>
+                  <a:rPr lang="uk-UA" dirty="0"/>
+                  <a:t>Замінити стеки </a:t>
+                </a:r>
+                <a14:m>
+                  <m:oMath xmlns:m="http://schemas.openxmlformats.org/officeDocument/2006/math">
+                    <m:r>
+                      <a:rPr lang="en-US" i="1" dirty="0" smtClean="0">
+                        <a:latin typeface="Cambria Math" panose="02040503050406030204" pitchFamily="18" charset="0"/>
+                      </a:rPr>
+                      <m:t>𝑀𝑒𝑑𝑖𝑎𝑡𝑒</m:t>
+                    </m:r>
+                  </m:oMath>
+                </a14:m>
+                <a:r>
+                  <a:rPr lang="en-US" dirty="0"/>
+                  <a:t> </a:t>
+                </a:r>
+                <a:r>
+                  <a:rPr lang="uk-UA" dirty="0"/>
+                  <a:t>і </a:t>
+                </a:r>
+                <a14:m>
+                  <m:oMath xmlns:m="http://schemas.openxmlformats.org/officeDocument/2006/math">
+                    <m:r>
+                      <a:rPr lang="en-US" i="1" dirty="0" smtClean="0">
+                        <a:latin typeface="Cambria Math" panose="02040503050406030204" pitchFamily="18" charset="0"/>
+                      </a:rPr>
+                      <m:t>𝑅𝑖𝑔h𝑡</m:t>
+                    </m:r>
+                  </m:oMath>
+                </a14:m>
+                <a:r>
+                  <a:rPr lang="uk-UA" dirty="0"/>
+                  <a:t> просто так не вдасться, бо </a:t>
+                </a:r>
+                <a14:m>
+                  <m:oMath xmlns:m="http://schemas.openxmlformats.org/officeDocument/2006/math">
+                    <m:r>
+                      <a:rPr lang="en-US" i="1" dirty="0" smtClean="0">
+                        <a:latin typeface="Cambria Math" panose="02040503050406030204" pitchFamily="18" charset="0"/>
+                      </a:rPr>
+                      <m:t>𝑅𝑖𝑔h𝑡</m:t>
+                    </m:r>
+                  </m:oMath>
+                </a14:m>
+                <a:r>
+                  <a:rPr lang="en-US" dirty="0"/>
+                  <a:t> </a:t>
+                </a:r>
+                <a:r>
+                  <a:rPr lang="uk-UA" dirty="0"/>
+                  <a:t>міг і не опустіти під час </a:t>
+                </a:r>
+                <a:r>
+                  <a:rPr lang="uk-UA" dirty="0" err="1"/>
+                  <a:t>перекопіюванння</a:t>
+                </a:r>
+                <a:r>
+                  <a:rPr lang="uk-UA" dirty="0"/>
+                  <a:t>. Для цього логіка дещо змінюється: в стек </a:t>
+                </a:r>
+                <a14:m>
+                  <m:oMath xmlns:m="http://schemas.openxmlformats.org/officeDocument/2006/math">
+                    <m:r>
+                      <a:rPr lang="en-US" i="1" dirty="0" smtClean="0">
+                        <a:latin typeface="Cambria Math" panose="02040503050406030204" pitchFamily="18" charset="0"/>
+                      </a:rPr>
+                      <m:t>𝑀𝑒𝑑𝑖𝑎𝑡𝑒</m:t>
+                    </m:r>
+                  </m:oMath>
+                </a14:m>
+                <a:r>
+                  <a:rPr lang="en-US" dirty="0"/>
+                  <a:t> </a:t>
+                </a:r>
+                <a:r>
+                  <a:rPr lang="uk-UA" dirty="0"/>
+                  <a:t>перекидаються елементи стеку </a:t>
+                </a:r>
+                <a14:m>
+                  <m:oMath xmlns:m="http://schemas.openxmlformats.org/officeDocument/2006/math">
+                    <m:r>
+                      <a:rPr lang="en-GB" i="1" dirty="0" smtClean="0">
+                        <a:latin typeface="Cambria Math" panose="02040503050406030204" pitchFamily="18" charset="0"/>
+                      </a:rPr>
+                      <m:t>𝑅𝑖𝑔h𝑡</m:t>
+                    </m:r>
+                  </m:oMath>
+                </a14:m>
+                <a:r>
+                  <a:rPr lang="en-GB" dirty="0"/>
+                  <a:t>, </a:t>
+                </a:r>
+                <a:r>
+                  <a:rPr lang="uk-UA" dirty="0"/>
+                  <a:t>тоді </a:t>
+                </a:r>
+                <a14:m>
+                  <m:oMath xmlns:m="http://schemas.openxmlformats.org/officeDocument/2006/math">
+                    <m:r>
+                      <a:rPr lang="en-GB" i="1" dirty="0" smtClean="0">
+                        <a:latin typeface="Cambria Math" panose="02040503050406030204" pitchFamily="18" charset="0"/>
+                      </a:rPr>
+                      <m:t>𝐿𝑒𝑓𝑡</m:t>
+                    </m:r>
+                  </m:oMath>
+                </a14:m>
+                <a:r>
+                  <a:rPr lang="en-GB" dirty="0"/>
+                  <a:t> </a:t>
+                </a:r>
+                <a:r>
+                  <a:rPr lang="uk-UA" dirty="0"/>
+                  <a:t>копіюється в </a:t>
+                </a:r>
+                <a14:m>
+                  <m:oMath xmlns:m="http://schemas.openxmlformats.org/officeDocument/2006/math">
+                    <m:r>
+                      <a:rPr lang="en-GB" i="1" dirty="0" smtClean="0">
+                        <a:latin typeface="Cambria Math" panose="02040503050406030204" pitchFamily="18" charset="0"/>
+                      </a:rPr>
+                      <m:t>𝑅𝑖𝑔h𝑡</m:t>
+                    </m:r>
+                  </m:oMath>
+                </a14:m>
+                <a:r>
+                  <a:rPr lang="uk-UA" dirty="0"/>
+                  <a:t>, потім </a:t>
+                </a:r>
+                <a14:m>
+                  <m:oMath xmlns:m="http://schemas.openxmlformats.org/officeDocument/2006/math">
+                    <m:r>
+                      <a:rPr lang="en-GB" i="1" dirty="0" smtClean="0">
+                        <a:latin typeface="Cambria Math" panose="02040503050406030204" pitchFamily="18" charset="0"/>
+                      </a:rPr>
+                      <m:t>𝑀𝑒𝑑𝑖𝑎𝑡𝑒</m:t>
+                    </m:r>
+                  </m:oMath>
+                </a14:m>
+                <a:r>
+                  <a:rPr lang="en-GB" dirty="0"/>
+                  <a:t> </a:t>
+                </a:r>
+                <a:r>
+                  <a:rPr lang="uk-UA" dirty="0"/>
+                  <a:t>віддає елементи назад стеку </a:t>
+                </a:r>
+                <a14:m>
+                  <m:oMath xmlns:m="http://schemas.openxmlformats.org/officeDocument/2006/math">
+                    <m:r>
+                      <a:rPr lang="en-US" i="1" dirty="0" smtClean="0">
+                        <a:latin typeface="Cambria Math" panose="02040503050406030204" pitchFamily="18" charset="0"/>
+                      </a:rPr>
+                      <m:t>𝑅𝑖𝑔h𝑡</m:t>
+                    </m:r>
+                  </m:oMath>
+                </a14:m>
+                <a:r>
+                  <a:rPr lang="uk-UA" dirty="0"/>
+                  <a:t>, який цим фактом </a:t>
+                </a:r>
+                <a:r>
+                  <a:rPr lang="uk-UA" dirty="0" err="1"/>
+                  <a:t>осереджує</a:t>
+                </a:r>
+                <a:r>
+                  <a:rPr lang="uk-UA" dirty="0"/>
+                  <a:t> і ліву і праву частини черги</a:t>
+                </a:r>
+              </a:p>
+              <a:p>
+                <a:r>
+                  <a:rPr lang="uk-UA" dirty="0"/>
+                  <a:t>Очевидно, що тепер під час </a:t>
+                </a:r>
+                <a:r>
+                  <a:rPr lang="uk-UA" dirty="0" err="1"/>
+                  <a:t>перекопіювання</a:t>
+                </a:r>
+                <a:r>
+                  <a:rPr lang="uk-UA" dirty="0"/>
+                  <a:t> стек </a:t>
+                </a:r>
+                <a:r>
+                  <a:rPr lang="en-US" dirty="0"/>
+                  <a:t>Right</a:t>
+                </a:r>
+                <a:r>
+                  <a:rPr lang="uk-UA" dirty="0"/>
+                  <a:t> зайнятий, але черга має повертати результат на </a:t>
+                </a:r>
+                <a14:m>
+                  <m:oMath xmlns:m="http://schemas.openxmlformats.org/officeDocument/2006/math">
+                    <m:r>
+                      <a:rPr lang="en-US" i="1" dirty="0" smtClean="0">
+                        <a:latin typeface="Cambria Math" panose="02040503050406030204" pitchFamily="18" charset="0"/>
+                      </a:rPr>
+                      <m:t>𝑝𝑜𝑝</m:t>
+                    </m:r>
+                    <m:r>
+                      <a:rPr lang="en-US" i="1" dirty="0" smtClean="0">
+                        <a:latin typeface="Cambria Math" panose="02040503050406030204" pitchFamily="18" charset="0"/>
+                      </a:rPr>
+                      <m:t>()</m:t>
+                    </m:r>
+                  </m:oMath>
+                </a14:m>
+                <a:r>
+                  <a:rPr lang="en-US" dirty="0"/>
+                  <a:t>. </a:t>
+                </a:r>
+                <a:r>
+                  <a:rPr lang="uk-UA" dirty="0"/>
+                  <a:t>Для них під час копіювання буде слугувати п’ятий стек </a:t>
+                </a:r>
+                <a14:m>
+                  <m:oMath xmlns:m="http://schemas.openxmlformats.org/officeDocument/2006/math">
+                    <m:r>
+                      <a:rPr lang="en-US" i="1" dirty="0" smtClean="0">
+                        <a:latin typeface="Cambria Math" panose="02040503050406030204" pitchFamily="18" charset="0"/>
+                      </a:rPr>
+                      <m:t>𝑅𝑖𝑔h𝑡𝐶𝑜𝑝𝑦</m:t>
+                    </m:r>
+                  </m:oMath>
+                </a14:m>
+                <a:r>
+                  <a:rPr lang="en-US" dirty="0"/>
+                  <a:t>, </a:t>
+                </a:r>
+                <a:r>
+                  <a:rPr lang="uk-UA" dirty="0"/>
+                  <a:t>який при наповненні стеку </a:t>
+                </a:r>
+                <a:r>
+                  <a:rPr lang="en-US" dirty="0"/>
+                  <a:t>Right</a:t>
+                </a:r>
+                <a:r>
+                  <a:rPr lang="uk-UA" dirty="0"/>
+                  <a:t> буде наповнюватися цими ж елементами. Тоді на початок копіювання він матиме </a:t>
+                </a:r>
+                <a14:m>
+                  <m:oMath xmlns:m="http://schemas.openxmlformats.org/officeDocument/2006/math">
+                    <m:r>
+                      <a:rPr lang="en-US" i="1" dirty="0" smtClean="0">
+                        <a:latin typeface="Cambria Math" panose="02040503050406030204" pitchFamily="18" charset="0"/>
+                      </a:rPr>
+                      <m:t>𝑛</m:t>
+                    </m:r>
+                  </m:oMath>
+                </a14:m>
+                <a:r>
+                  <a:rPr lang="en-US" dirty="0"/>
+                  <a:t> </a:t>
+                </a:r>
+                <a:r>
+                  <a:rPr lang="uk-UA" dirty="0"/>
+                  <a:t>елементів для операції </a:t>
+                </a:r>
+                <a14:m>
+                  <m:oMath xmlns:m="http://schemas.openxmlformats.org/officeDocument/2006/math">
+                    <m:r>
+                      <a:rPr lang="en-US" i="1" dirty="0" smtClean="0">
+                        <a:latin typeface="Cambria Math" panose="02040503050406030204" pitchFamily="18" charset="0"/>
+                      </a:rPr>
+                      <m:t>𝑝𝑜𝑝</m:t>
+                    </m:r>
+                    <m:r>
+                      <a:rPr lang="en-US" i="1" dirty="0" smtClean="0">
+                        <a:latin typeface="Cambria Math" panose="02040503050406030204" pitchFamily="18" charset="0"/>
+                      </a:rPr>
+                      <m:t>()</m:t>
+                    </m:r>
+                  </m:oMath>
+                </a14:m>
+                <a:r>
+                  <a:rPr lang="en-US" dirty="0"/>
+                  <a:t>, </a:t>
+                </a:r>
+                <a:r>
+                  <a:rPr lang="uk-UA" dirty="0"/>
+                  <a:t>що достатньо для здійснення копіювання, роблячи по мінімум три додаткових дії.</a:t>
+                </a:r>
+              </a:p>
+            </p:txBody>
+          </p:sp>
+        </mc:Choice>
+        <mc:Fallback>
+          <p:sp>
+            <p:nvSpPr>
+              <p:cNvPr id="3" name="Місце для вмісту 2">
+                <a:extLst>
+                  <a:ext uri="{FF2B5EF4-FFF2-40B4-BE49-F238E27FC236}">
+                    <a16:creationId xmlns:a16="http://schemas.microsoft.com/office/drawing/2014/main" id="{63F38357-0ECA-4DAF-9F1D-BC6BAADE5198}"/>
+                  </a:ext>
+                </a:extLst>
+              </p:cNvPr>
+              <p:cNvSpPr>
+                <a:spLocks noGrp="1" noRot="1" noChangeAspect="1" noMove="1" noResize="1" noEditPoints="1" noAdjustHandles="1" noChangeArrowheads="1" noChangeShapeType="1" noTextEdit="1"/>
+              </p:cNvSpPr>
+              <p:nvPr>
+                <p:ph idx="1"/>
+              </p:nvPr>
+            </p:nvSpPr>
+            <p:spPr>
+              <a:xfrm>
+                <a:off x="4988658" y="1150076"/>
+                <a:ext cx="6517543" cy="4557849"/>
+              </a:xfrm>
+              <a:blipFill>
+                <a:blip r:embed="rId3"/>
+                <a:stretch>
+                  <a:fillRect l="-561" r="-841"/>
+                </a:stretch>
+              </a:blipFill>
+            </p:spPr>
+            <p:txBody>
+              <a:bodyPr/>
+              <a:lstStyle/>
+              <a:p>
+                <a:r>
+                  <a:rPr lang="uk-UA">
+                    <a:noFill/>
+                  </a:rPr>
+                  <a:t> </a:t>
+                </a:r>
+              </a:p>
+            </p:txBody>
+          </p:sp>
+        </mc:Fallback>
+      </mc:AlternateContent>
     </p:spTree>
     <p:extLst>
       <p:ext uri="{BB962C8B-B14F-4D97-AF65-F5344CB8AC3E}">
@@ -32908,219 +38892,362 @@
           </a:fontRef>
         </p:style>
       </p:cxnSp>
-      <p:sp>
-        <p:nvSpPr>
-          <p:cNvPr id="3" name="Місце для вмісту 2">
-            <a:extLst>
-              <a:ext uri="{FF2B5EF4-FFF2-40B4-BE49-F238E27FC236}">
-                <a16:creationId xmlns:a16="http://schemas.microsoft.com/office/drawing/2014/main" id="{ACEE2127-AB1C-43A6-9028-0BB0497B512A}"/>
-              </a:ext>
-            </a:extLst>
-          </p:cNvPr>
-          <p:cNvSpPr>
-            <a:spLocks noGrp="1"/>
-          </p:cNvSpPr>
-          <p:nvPr>
-            <p:ph idx="1"/>
-          </p:nvPr>
-        </p:nvSpPr>
-        <p:spPr>
-          <a:xfrm>
-            <a:off x="4988658" y="1150076"/>
-            <a:ext cx="6517543" cy="4557849"/>
-          </a:xfrm>
-        </p:spPr>
-        <p:txBody>
-          <a:bodyPr>
-            <a:normAutofit/>
-          </a:bodyPr>
-          <a:lstStyle/>
-          <a:p>
-            <a:r>
-              <a:rPr lang="uk-UA" dirty="0"/>
-              <a:t>Залишився недолік при дублюванні масиву </a:t>
-            </a:r>
-            <a:r>
-              <a:rPr lang="en-US" dirty="0"/>
-              <a:t>Right </a:t>
-            </a:r>
-            <a:r>
-              <a:rPr lang="uk-UA" dirty="0"/>
-              <a:t>у </a:t>
-            </a:r>
-            <a:r>
-              <a:rPr lang="en-US" dirty="0" err="1"/>
-              <a:t>RightCopy</a:t>
-            </a:r>
-            <a:r>
-              <a:rPr lang="en-US" dirty="0"/>
-              <a:t> (</a:t>
-            </a:r>
-            <a:r>
-              <a:rPr lang="uk-UA" dirty="0"/>
-              <a:t>при одночасному наповненні однаковими елементами), коли масив </a:t>
-            </a:r>
-            <a:r>
-              <a:rPr lang="en-US" dirty="0"/>
-              <a:t>Right</a:t>
-            </a:r>
-            <a:r>
-              <a:rPr lang="uk-UA" dirty="0"/>
-              <a:t>,</a:t>
-            </a:r>
-            <a:r>
-              <a:rPr lang="en-US" dirty="0"/>
-              <a:t> </a:t>
-            </a:r>
-            <a:r>
-              <a:rPr lang="uk-UA" dirty="0"/>
-              <a:t>приймаючи елементи від </a:t>
-            </a:r>
-            <a:r>
-              <a:rPr lang="en-GB" dirty="0"/>
-              <a:t>Left</a:t>
-            </a:r>
-            <a:r>
-              <a:rPr lang="uk-UA" dirty="0"/>
-              <a:t> або </a:t>
-            </a:r>
-            <a:r>
-              <a:rPr lang="en-US" dirty="0"/>
-              <a:t>Mediate </a:t>
-            </a:r>
-            <a:r>
-              <a:rPr lang="uk-UA" dirty="0"/>
-              <a:t>не надає змогу приймати елементи стеку </a:t>
-            </a:r>
-            <a:r>
-              <a:rPr lang="en-US" dirty="0" err="1"/>
-              <a:t>RightCopy</a:t>
-            </a:r>
-            <a:r>
-              <a:rPr lang="uk-UA" dirty="0"/>
-              <a:t>, адже</a:t>
-            </a:r>
-            <a:r>
-              <a:rPr lang="en-US" dirty="0"/>
-              <a:t> Right </a:t>
-            </a:r>
-            <a:r>
-              <a:rPr lang="uk-UA" dirty="0"/>
-              <a:t>наповнюється під час </a:t>
-            </a:r>
-            <a:r>
-              <a:rPr lang="uk-UA" dirty="0" err="1"/>
-              <a:t>перекопійовування</a:t>
-            </a:r>
-            <a:r>
-              <a:rPr lang="uk-UA" dirty="0"/>
-              <a:t>, а під час нього </a:t>
-            </a:r>
-            <a:r>
-              <a:rPr lang="en-US" dirty="0" err="1"/>
-              <a:t>RightCopy</a:t>
-            </a:r>
-            <a:r>
-              <a:rPr lang="en-US" dirty="0"/>
-              <a:t> </a:t>
-            </a:r>
-            <a:r>
-              <a:rPr lang="uk-UA" dirty="0"/>
-              <a:t>виділений на операції </a:t>
-            </a:r>
-            <a:r>
-              <a:rPr lang="en-US" dirty="0"/>
-              <a:t>pop().</a:t>
-            </a:r>
-            <a:endParaRPr lang="uk-UA" dirty="0"/>
-          </a:p>
-          <a:p>
-            <a:r>
-              <a:rPr lang="uk-UA" dirty="0"/>
-              <a:t>Для вирішення проблеми варто завести новий стек </a:t>
-            </a:r>
-            <a:r>
-              <a:rPr lang="en-GB" dirty="0" err="1"/>
-              <a:t>RightCopyReserve</a:t>
-            </a:r>
-            <a:r>
-              <a:rPr lang="en-GB" dirty="0"/>
-              <a:t>, </a:t>
-            </a:r>
-            <a:r>
-              <a:rPr lang="uk-UA" dirty="0"/>
-              <a:t>який буде заповнюватися замість </a:t>
-            </a:r>
-            <a:r>
-              <a:rPr lang="en-US" dirty="0" err="1"/>
-              <a:t>RightCopy</a:t>
-            </a:r>
-            <a:r>
-              <a:rPr lang="uk-UA" dirty="0"/>
-              <a:t> під час </a:t>
-            </a:r>
-            <a:r>
-              <a:rPr lang="uk-UA" dirty="0" err="1"/>
-              <a:t>перекопійовування</a:t>
-            </a:r>
-            <a:r>
-              <a:rPr lang="uk-UA" dirty="0"/>
-              <a:t>.</a:t>
-            </a:r>
-          </a:p>
-          <a:p>
-            <a:r>
-              <a:rPr lang="uk-UA" dirty="0"/>
-              <a:t>При закінченні </a:t>
-            </a:r>
-            <a:r>
-              <a:rPr lang="uk-UA" dirty="0" err="1"/>
-              <a:t>перекопійовування</a:t>
-            </a:r>
-            <a:r>
-              <a:rPr lang="uk-UA" dirty="0"/>
-              <a:t> варто замінити стеки </a:t>
-            </a:r>
-            <a:r>
-              <a:rPr lang="en-US" dirty="0"/>
-              <a:t>Left </a:t>
-            </a:r>
-            <a:r>
-              <a:rPr lang="uk-UA" dirty="0"/>
-              <a:t>з </a:t>
-            </a:r>
-            <a:r>
-              <a:rPr lang="en-US" dirty="0" err="1"/>
-              <a:t>LeftReserve</a:t>
-            </a:r>
-            <a:r>
-              <a:rPr lang="en-US" dirty="0"/>
-              <a:t> </a:t>
-            </a:r>
-            <a:r>
-              <a:rPr lang="uk-UA" dirty="0"/>
-              <a:t>та </a:t>
-            </a:r>
-            <a:r>
-              <a:rPr lang="en-US" dirty="0" err="1"/>
-              <a:t>RightCopy</a:t>
-            </a:r>
-            <a:r>
-              <a:rPr lang="en-US" dirty="0"/>
-              <a:t> </a:t>
-            </a:r>
-            <a:r>
-              <a:rPr lang="uk-UA" dirty="0"/>
-              <a:t>з </a:t>
-            </a:r>
-            <a:r>
-              <a:rPr lang="en-GB" dirty="0" err="1"/>
-              <a:t>RightCopyReserve</a:t>
-            </a:r>
-            <a:endParaRPr lang="uk-UA" dirty="0"/>
-          </a:p>
-        </p:txBody>
-      </p:sp>
+      <mc:AlternateContent xmlns:mc="http://schemas.openxmlformats.org/markup-compatibility/2006">
+        <mc:Choice xmlns:a14="http://schemas.microsoft.com/office/drawing/2010/main" Requires="a14">
+          <p:sp>
+            <p:nvSpPr>
+              <p:cNvPr id="3" name="Місце для вмісту 2">
+                <a:extLst>
+                  <a:ext uri="{FF2B5EF4-FFF2-40B4-BE49-F238E27FC236}">
+                    <a16:creationId xmlns:a16="http://schemas.microsoft.com/office/drawing/2014/main" id="{ACEE2127-AB1C-43A6-9028-0BB0497B512A}"/>
+                  </a:ext>
+                </a:extLst>
+              </p:cNvPr>
+              <p:cNvSpPr>
+                <a:spLocks noGrp="1"/>
+              </p:cNvSpPr>
+              <p:nvPr>
+                <p:ph idx="1"/>
+              </p:nvPr>
+            </p:nvSpPr>
+            <p:spPr>
+              <a:xfrm>
+                <a:off x="4988658" y="1150076"/>
+                <a:ext cx="6517543" cy="4557849"/>
+              </a:xfrm>
+            </p:spPr>
+            <p:txBody>
+              <a:bodyPr>
+                <a:normAutofit/>
+              </a:bodyPr>
+              <a:lstStyle/>
+              <a:p>
+                <a:r>
+                  <a:rPr lang="uk-UA" dirty="0"/>
+                  <a:t>Залишився недолік при дублюванні масиву </a:t>
+                </a:r>
+                <a14:m>
+                  <m:oMath xmlns:m="http://schemas.openxmlformats.org/officeDocument/2006/math">
+                    <m:r>
+                      <a:rPr lang="en-US" i="1" dirty="0" smtClean="0">
+                        <a:latin typeface="Cambria Math" panose="02040503050406030204" pitchFamily="18" charset="0"/>
+                      </a:rPr>
+                      <m:t>𝑅𝑖𝑔h𝑡</m:t>
+                    </m:r>
+                  </m:oMath>
+                </a14:m>
+                <a:r>
+                  <a:rPr lang="en-US" dirty="0"/>
+                  <a:t> </a:t>
+                </a:r>
+                <a:r>
+                  <a:rPr lang="uk-UA" dirty="0"/>
+                  <a:t>у </a:t>
+                </a:r>
+                <a14:m>
+                  <m:oMath xmlns:m="http://schemas.openxmlformats.org/officeDocument/2006/math">
+                    <m:r>
+                      <a:rPr lang="en-US" i="1" dirty="0" smtClean="0">
+                        <a:latin typeface="Cambria Math" panose="02040503050406030204" pitchFamily="18" charset="0"/>
+                      </a:rPr>
+                      <m:t>𝑅𝑖𝑔h𝑡𝐶𝑜𝑝𝑦</m:t>
+                    </m:r>
+                  </m:oMath>
+                </a14:m>
+                <a:r>
+                  <a:rPr lang="en-US" dirty="0"/>
+                  <a:t> (</a:t>
+                </a:r>
+                <a:r>
+                  <a:rPr lang="uk-UA" dirty="0"/>
+                  <a:t>при одночасному наповненні однаковими елементами), коли масив </a:t>
+                </a:r>
+                <a14:m>
+                  <m:oMath xmlns:m="http://schemas.openxmlformats.org/officeDocument/2006/math">
+                    <m:r>
+                      <a:rPr lang="en-US" i="1" dirty="0" smtClean="0">
+                        <a:latin typeface="Cambria Math" panose="02040503050406030204" pitchFamily="18" charset="0"/>
+                      </a:rPr>
+                      <m:t>𝑅𝑖𝑔h𝑡</m:t>
+                    </m:r>
+                  </m:oMath>
+                </a14:m>
+                <a:r>
+                  <a:rPr lang="uk-UA" dirty="0"/>
+                  <a:t>,</a:t>
+                </a:r>
+                <a:r>
+                  <a:rPr lang="en-US" dirty="0"/>
+                  <a:t> </a:t>
+                </a:r>
+                <a:r>
+                  <a:rPr lang="uk-UA" dirty="0"/>
+                  <a:t>приймаючи елементи від </a:t>
+                </a:r>
+                <a14:m>
+                  <m:oMath xmlns:m="http://schemas.openxmlformats.org/officeDocument/2006/math">
+                    <m:r>
+                      <a:rPr lang="en-GB" i="1" dirty="0" smtClean="0">
+                        <a:latin typeface="Cambria Math" panose="02040503050406030204" pitchFamily="18" charset="0"/>
+                      </a:rPr>
+                      <m:t>𝐿𝑒𝑓𝑡</m:t>
+                    </m:r>
+                  </m:oMath>
+                </a14:m>
+                <a:r>
+                  <a:rPr lang="uk-UA" dirty="0"/>
+                  <a:t> або </a:t>
+                </a:r>
+                <a14:m>
+                  <m:oMath xmlns:m="http://schemas.openxmlformats.org/officeDocument/2006/math">
+                    <m:r>
+                      <a:rPr lang="en-US" i="1" dirty="0" smtClean="0">
+                        <a:latin typeface="Cambria Math" panose="02040503050406030204" pitchFamily="18" charset="0"/>
+                      </a:rPr>
+                      <m:t>𝑀𝑒𝑑𝑖𝑎𝑡𝑒</m:t>
+                    </m:r>
+                  </m:oMath>
+                </a14:m>
+                <a:r>
+                  <a:rPr lang="en-US" dirty="0"/>
+                  <a:t> </a:t>
+                </a:r>
+                <a:r>
+                  <a:rPr lang="uk-UA" dirty="0"/>
+                  <a:t>не надає змогу приймати елементи стеку </a:t>
+                </a:r>
+                <a14:m>
+                  <m:oMath xmlns:m="http://schemas.openxmlformats.org/officeDocument/2006/math">
+                    <m:r>
+                      <a:rPr lang="en-US" i="1" dirty="0" smtClean="0">
+                        <a:latin typeface="Cambria Math" panose="02040503050406030204" pitchFamily="18" charset="0"/>
+                      </a:rPr>
+                      <m:t>𝑅𝑖𝑔h𝑡𝐶𝑜𝑝𝑦</m:t>
+                    </m:r>
+                  </m:oMath>
+                </a14:m>
+                <a:r>
+                  <a:rPr lang="uk-UA" dirty="0"/>
+                  <a:t>, адже</a:t>
+                </a:r>
+                <a:r>
+                  <a:rPr lang="en-US" dirty="0"/>
+                  <a:t> Right </a:t>
+                </a:r>
+                <a:r>
+                  <a:rPr lang="uk-UA" dirty="0"/>
+                  <a:t>наповнюється під час </a:t>
+                </a:r>
+                <a:r>
+                  <a:rPr lang="uk-UA" dirty="0" err="1"/>
+                  <a:t>перекопійовування</a:t>
+                </a:r>
+                <a:r>
+                  <a:rPr lang="uk-UA" dirty="0"/>
+                  <a:t>, а під час нього </a:t>
+                </a:r>
+                <a14:m>
+                  <m:oMath xmlns:m="http://schemas.openxmlformats.org/officeDocument/2006/math">
+                    <m:r>
+                      <a:rPr lang="en-US" i="1" dirty="0" smtClean="0">
+                        <a:latin typeface="Cambria Math" panose="02040503050406030204" pitchFamily="18" charset="0"/>
+                      </a:rPr>
+                      <m:t>𝑅𝑖𝑔h𝑡𝐶𝑜𝑝𝑦</m:t>
+                    </m:r>
+                  </m:oMath>
+                </a14:m>
+                <a:r>
+                  <a:rPr lang="en-US" dirty="0"/>
+                  <a:t> </a:t>
+                </a:r>
+                <a:r>
+                  <a:rPr lang="uk-UA" dirty="0"/>
+                  <a:t>виділений на операції </a:t>
+                </a:r>
+                <a14:m>
+                  <m:oMath xmlns:m="http://schemas.openxmlformats.org/officeDocument/2006/math">
+                    <m:r>
+                      <a:rPr lang="en-US" i="1" dirty="0" smtClean="0">
+                        <a:latin typeface="Cambria Math" panose="02040503050406030204" pitchFamily="18" charset="0"/>
+                      </a:rPr>
+                      <m:t>𝑝𝑜𝑝</m:t>
+                    </m:r>
+                    <m:r>
+                      <a:rPr lang="en-US" i="1" dirty="0" smtClean="0">
+                        <a:latin typeface="Cambria Math" panose="02040503050406030204" pitchFamily="18" charset="0"/>
+                      </a:rPr>
+                      <m:t>()</m:t>
+                    </m:r>
+                  </m:oMath>
+                </a14:m>
+                <a:r>
+                  <a:rPr lang="en-US" dirty="0"/>
+                  <a:t>.</a:t>
+                </a:r>
+                <a:endParaRPr lang="uk-UA" dirty="0"/>
+              </a:p>
+              <a:p>
+                <a:r>
+                  <a:rPr lang="uk-UA" dirty="0"/>
+                  <a:t>Для вирішення проблеми варто завести новий стек </a:t>
+                </a:r>
+                <a14:m>
+                  <m:oMath xmlns:m="http://schemas.openxmlformats.org/officeDocument/2006/math">
+                    <m:r>
+                      <a:rPr lang="en-GB" i="1" dirty="0" smtClean="0">
+                        <a:latin typeface="Cambria Math" panose="02040503050406030204" pitchFamily="18" charset="0"/>
+                      </a:rPr>
+                      <m:t>𝑅𝑖𝑔h𝑡𝐶𝑜𝑝𝑦𝑅𝑒𝑠𝑒𝑟𝑣𝑒</m:t>
+                    </m:r>
+                  </m:oMath>
+                </a14:m>
+                <a:r>
+                  <a:rPr lang="en-GB" dirty="0"/>
+                  <a:t>, </a:t>
+                </a:r>
+                <a:r>
+                  <a:rPr lang="uk-UA" dirty="0"/>
+                  <a:t>який буде заповнюватися замість </a:t>
+                </a:r>
+                <a14:m>
+                  <m:oMath xmlns:m="http://schemas.openxmlformats.org/officeDocument/2006/math">
+                    <m:r>
+                      <a:rPr lang="en-US" i="1" dirty="0" smtClean="0">
+                        <a:latin typeface="Cambria Math" panose="02040503050406030204" pitchFamily="18" charset="0"/>
+                      </a:rPr>
+                      <m:t>𝑅𝑖𝑔h𝑡𝐶𝑜𝑝𝑦</m:t>
+                    </m:r>
+                  </m:oMath>
+                </a14:m>
+                <a:r>
+                  <a:rPr lang="uk-UA" dirty="0"/>
+                  <a:t> під час </a:t>
+                </a:r>
+                <a:r>
+                  <a:rPr lang="uk-UA" dirty="0" err="1"/>
+                  <a:t>перекопійовування</a:t>
+                </a:r>
+                <a:r>
+                  <a:rPr lang="uk-UA" dirty="0"/>
+                  <a:t>.</a:t>
+                </a:r>
+              </a:p>
+              <a:p>
+                <a:r>
+                  <a:rPr lang="uk-UA" dirty="0"/>
+                  <a:t>При закінченні </a:t>
+                </a:r>
+                <a:r>
+                  <a:rPr lang="uk-UA" dirty="0" err="1"/>
+                  <a:t>перекопійовування</a:t>
+                </a:r>
+                <a:r>
+                  <a:rPr lang="uk-UA" dirty="0"/>
+                  <a:t> варто замінити стеки </a:t>
+                </a:r>
+                <a:r>
+                  <a:rPr lang="en-US" dirty="0"/>
+                  <a:t>Left </a:t>
+                </a:r>
+                <a:r>
+                  <a:rPr lang="uk-UA" dirty="0"/>
+                  <a:t>з </a:t>
+                </a:r>
+                <a14:m>
+                  <m:oMath xmlns:m="http://schemas.openxmlformats.org/officeDocument/2006/math">
+                    <m:r>
+                      <a:rPr lang="en-US" i="1" dirty="0" smtClean="0">
+                        <a:latin typeface="Cambria Math" panose="02040503050406030204" pitchFamily="18" charset="0"/>
+                      </a:rPr>
+                      <m:t>𝐿𝑒𝑓𝑡𝑅𝑒𝑠𝑒𝑟𝑣𝑒</m:t>
+                    </m:r>
+                  </m:oMath>
+                </a14:m>
+                <a:r>
+                  <a:rPr lang="en-US" dirty="0"/>
+                  <a:t> </a:t>
+                </a:r>
+                <a:r>
+                  <a:rPr lang="uk-UA" dirty="0"/>
+                  <a:t>та </a:t>
+                </a:r>
+                <a14:m>
+                  <m:oMath xmlns:m="http://schemas.openxmlformats.org/officeDocument/2006/math">
+                    <m:r>
+                      <a:rPr lang="en-US" i="1" dirty="0" smtClean="0">
+                        <a:latin typeface="Cambria Math" panose="02040503050406030204" pitchFamily="18" charset="0"/>
+                      </a:rPr>
+                      <m:t>𝑅𝑖𝑔h𝑡𝐶𝑜𝑝𝑦</m:t>
+                    </m:r>
+                  </m:oMath>
+                </a14:m>
+                <a:r>
+                  <a:rPr lang="en-US" dirty="0"/>
+                  <a:t> </a:t>
+                </a:r>
+                <a:r>
+                  <a:rPr lang="uk-UA" dirty="0"/>
+                  <a:t>з </a:t>
+                </a:r>
+                <a14:m>
+                  <m:oMath xmlns:m="http://schemas.openxmlformats.org/officeDocument/2006/math">
+                    <m:r>
+                      <a:rPr lang="en-GB" i="1" dirty="0" smtClean="0">
+                        <a:latin typeface="Cambria Math" panose="02040503050406030204" pitchFamily="18" charset="0"/>
+                      </a:rPr>
+                      <m:t>𝑅𝑖𝑔h𝑡𝐶𝑜𝑝𝑦𝑅𝑒𝑠𝑒𝑟𝑣𝑒</m:t>
+                    </m:r>
+                  </m:oMath>
+                </a14:m>
+                <a:endParaRPr lang="uk-UA" dirty="0"/>
+              </a:p>
+            </p:txBody>
+          </p:sp>
+        </mc:Choice>
+        <mc:Fallback>
+          <p:sp>
+            <p:nvSpPr>
+              <p:cNvPr id="3" name="Місце для вмісту 2">
+                <a:extLst>
+                  <a:ext uri="{FF2B5EF4-FFF2-40B4-BE49-F238E27FC236}">
+                    <a16:creationId xmlns:a16="http://schemas.microsoft.com/office/drawing/2014/main" id="{ACEE2127-AB1C-43A6-9028-0BB0497B512A}"/>
+                  </a:ext>
+                </a:extLst>
+              </p:cNvPr>
+              <p:cNvSpPr>
+                <a:spLocks noGrp="1" noRot="1" noChangeAspect="1" noMove="1" noResize="1" noEditPoints="1" noAdjustHandles="1" noChangeArrowheads="1" noChangeShapeType="1" noTextEdit="1"/>
+              </p:cNvSpPr>
+              <p:nvPr>
+                <p:ph idx="1"/>
+              </p:nvPr>
+            </p:nvSpPr>
+            <p:spPr>
+              <a:xfrm>
+                <a:off x="4988658" y="1150076"/>
+                <a:ext cx="6517543" cy="4557849"/>
+              </a:xfrm>
+              <a:blipFill>
+                <a:blip r:embed="rId3"/>
+                <a:stretch>
+                  <a:fillRect l="-561"/>
+                </a:stretch>
+              </a:blipFill>
+            </p:spPr>
+            <p:txBody>
+              <a:bodyPr/>
+              <a:lstStyle/>
+              <a:p>
+                <a:r>
+                  <a:rPr lang="uk-UA">
+                    <a:noFill/>
+                  </a:rPr>
+                  <a:t> </a:t>
+                </a:r>
+              </a:p>
+            </p:txBody>
+          </p:sp>
+        </mc:Fallback>
+      </mc:AlternateContent>
     </p:spTree>
     <p:extLst>
       <p:ext uri="{BB962C8B-B14F-4D97-AF65-F5344CB8AC3E}">
@@ -33205,37 +39332,74 @@
           </a:p>
         </p:txBody>
       </p:sp>
-      <p:graphicFrame>
-        <p:nvGraphicFramePr>
-          <p:cNvPr id="14" name="Місце для вмісту 2">
-            <a:extLst>
-              <a:ext uri="{FF2B5EF4-FFF2-40B4-BE49-F238E27FC236}">
-                <a16:creationId xmlns:a16="http://schemas.microsoft.com/office/drawing/2014/main" id="{42D09381-B262-40DF-9022-087FBE0CB3FF}"/>
-              </a:ext>
-            </a:extLst>
-          </p:cNvPr>
-          <p:cNvGraphicFramePr>
-            <a:graphicFrameLocks noGrp="1"/>
-          </p:cNvGraphicFramePr>
-          <p:nvPr>
-            <p:ph idx="1"/>
-            <p:extLst>
-              <p:ext uri="{D42A27DB-BD31-4B8C-83A1-F6EECF244321}">
-                <p14:modId xmlns:p14="http://schemas.microsoft.com/office/powerpoint/2010/main" val="372164942"/>
-              </p:ext>
-            </p:extLst>
-          </p:nvPr>
-        </p:nvGraphicFramePr>
-        <p:xfrm>
-          <a:off x="685800" y="2406400"/>
-          <a:ext cx="10131425" cy="3384799"/>
-        </p:xfrm>
-        <a:graphic>
-          <a:graphicData uri="http://schemas.openxmlformats.org/drawingml/2006/diagram">
-            <dgm:relIds xmlns:dgm="http://schemas.openxmlformats.org/drawingml/2006/diagram" xmlns:r="http://schemas.openxmlformats.org/officeDocument/2006/relationships" r:dm="rId3" r:lo="rId4" r:qs="rId5" r:cs="rId6"/>
-          </a:graphicData>
-        </a:graphic>
-      </p:graphicFrame>
+      <mc:AlternateContent xmlns:mc="http://schemas.openxmlformats.org/markup-compatibility/2006">
+        <mc:Choice xmlns:a14="http://schemas.microsoft.com/office/drawing/2010/main" Requires="a14">
+          <p:graphicFrame>
+            <p:nvGraphicFramePr>
+              <p:cNvPr id="14" name="Місце для вмісту 2">
+                <a:extLst>
+                  <a:ext uri="{FF2B5EF4-FFF2-40B4-BE49-F238E27FC236}">
+                    <a16:creationId xmlns:a16="http://schemas.microsoft.com/office/drawing/2014/main" id="{42D09381-B262-40DF-9022-087FBE0CB3FF}"/>
+                  </a:ext>
+                </a:extLst>
+              </p:cNvPr>
+              <p:cNvGraphicFramePr>
+                <a:graphicFrameLocks noGrp="1"/>
+              </p:cNvGraphicFramePr>
+              <p:nvPr>
+                <p:ph idx="1"/>
+                <p:extLst>
+                  <p:ext uri="{D42A27DB-BD31-4B8C-83A1-F6EECF244321}">
+                    <p14:modId xmlns:p14="http://schemas.microsoft.com/office/powerpoint/2010/main" val="1990979920"/>
+                  </p:ext>
+                </p:extLst>
+              </p:nvPr>
+            </p:nvGraphicFramePr>
+            <p:xfrm>
+              <a:off x="228600" y="2184400"/>
+              <a:ext cx="11734800" cy="4254500"/>
+            </p:xfrm>
+            <a:graphic>
+              <a:graphicData uri="http://schemas.openxmlformats.org/drawingml/2006/diagram">
+                <dgm:relIds xmlns:dgm="http://schemas.openxmlformats.org/drawingml/2006/diagram" xmlns:r="http://schemas.openxmlformats.org/officeDocument/2006/relationships" r:dm="rId3" r:lo="rId4" r:qs="rId5" r:cs="rId6"/>
+              </a:graphicData>
+            </a:graphic>
+          </p:graphicFrame>
+        </mc:Choice>
+        <mc:Fallback>
+          <p:graphicFrame>
+            <p:nvGraphicFramePr>
+              <p:cNvPr id="14" name="Місце для вмісту 2">
+                <a:extLst>
+                  <a:ext uri="{FF2B5EF4-FFF2-40B4-BE49-F238E27FC236}">
+                    <a16:creationId xmlns:a16="http://schemas.microsoft.com/office/drawing/2014/main" id="{42D09381-B262-40DF-9022-087FBE0CB3FF}"/>
+                  </a:ext>
+                </a:extLst>
+              </p:cNvPr>
+              <p:cNvGraphicFramePr>
+                <a:graphicFrameLocks noGrp="1"/>
+              </p:cNvGraphicFramePr>
+              <p:nvPr>
+                <p:ph idx="1"/>
+                <p:extLst>
+                  <p:ext uri="{D42A27DB-BD31-4B8C-83A1-F6EECF244321}">
+                    <p14:modId xmlns:p14="http://schemas.microsoft.com/office/powerpoint/2010/main" val="1990979920"/>
+                  </p:ext>
+                </p:extLst>
+              </p:nvPr>
+            </p:nvGraphicFramePr>
+            <p:xfrm>
+              <a:off x="228600" y="2184400"/>
+              <a:ext cx="11734800" cy="4254500"/>
+            </p:xfrm>
+            <a:graphic>
+              <a:graphicData uri="http://schemas.openxmlformats.org/drawingml/2006/diagram">
+                <dgm:relIds xmlns:dgm="http://schemas.openxmlformats.org/drawingml/2006/diagram" xmlns:r="http://schemas.openxmlformats.org/officeDocument/2006/relationships" r:dm="rId8" r:lo="rId4" r:qs="rId5" r:cs="rId6"/>
+              </a:graphicData>
+            </a:graphic>
+          </p:graphicFrame>
+        </mc:Fallback>
+      </mc:AlternateContent>
     </p:spTree>
     <p:extLst>
       <p:ext uri="{BB962C8B-B14F-4D97-AF65-F5344CB8AC3E}">

--- a/Presentation/Черга за O(1) на шести стеках.pptx
+++ b/Presentation/Черга за O(1) на шести стеках.pptx
@@ -12837,7 +12837,7 @@
         <a:p>
           <a:r>
             <a:rPr lang="uk-UA" sz="1600" dirty="0"/>
-            <a:t>Черга, як структура даних функціонує за принципом «перший прийшов — перший прийшов», як і в реальному житті</a:t>
+            <a:t>Черга, як структура даних функціонує за принципом «перший прийшов — перший пішов», як і в реальному житті</a:t>
           </a:r>
           <a:endParaRPr lang="en-US" sz="1600" dirty="0"/>
         </a:p>
@@ -12902,9 +12902,10 @@
         <a:lstStyle/>
         <a:p>
           <a:r>
-            <a:rPr lang="en-US" dirty="0"/>
+            <a:rPr lang="en-US"/>
             <a:t>02</a:t>
           </a:r>
+          <a:endParaRPr lang="en-US" dirty="0"/>
         </a:p>
       </dgm:t>
     </dgm:pt>
@@ -13479,8 +13480,8 @@
         </a:p>
       </dgm:t>
     </dgm:pt>
-    <mc:AlternateContent xmlns:mc="http://schemas.openxmlformats.org/markup-compatibility/2006">
-      <mc:Choice xmlns:a14="http://schemas.microsoft.com/office/drawing/2010/main" Requires="a14">
+    <mc:AlternateContent xmlns:mc="http://schemas.openxmlformats.org/markup-compatibility/2006" xmlns:a14="http://schemas.microsoft.com/office/drawing/2010/main">
+      <mc:Choice Requires="a14">
         <dgm:pt modelId="{E96B5C0A-CE06-43FB-8AB6-CEC28117C51D}">
           <dgm:prSet custT="1"/>
           <dgm:spPr/>
@@ -13571,7 +13572,7 @@
           </dgm:t>
         </dgm:pt>
       </mc:Choice>
-      <mc:Fallback>
+      <mc:Fallback xmlns="">
         <dgm:pt modelId="{E96B5C0A-CE06-43FB-8AB6-CEC28117C51D}">
           <dgm:prSet custT="1"/>
           <dgm:spPr/>
@@ -13677,8 +13678,8 @@
         </a:p>
       </dgm:t>
     </dgm:pt>
-    <mc:AlternateContent xmlns:mc="http://schemas.openxmlformats.org/markup-compatibility/2006">
-      <mc:Choice xmlns:a14="http://schemas.microsoft.com/office/drawing/2010/main" Requires="a14">
+    <mc:AlternateContent xmlns:mc="http://schemas.openxmlformats.org/markup-compatibility/2006" xmlns:a14="http://schemas.microsoft.com/office/drawing/2010/main">
+      <mc:Choice Requires="a14">
         <dgm:pt modelId="{4F3F36E9-1C2D-45BB-B9F2-05364B51B1E6}">
           <dgm:prSet custT="1"/>
           <dgm:spPr/>
@@ -13781,7 +13782,7 @@
           </dgm:t>
         </dgm:pt>
       </mc:Choice>
-      <mc:Fallback>
+      <mc:Fallback xmlns="">
         <dgm:pt modelId="{4F3F36E9-1C2D-45BB-B9F2-05364B51B1E6}">
           <dgm:prSet custT="1"/>
           <dgm:spPr/>
@@ -13892,8 +13893,8 @@
         </a:p>
       </dgm:t>
     </dgm:pt>
-    <mc:AlternateContent xmlns:mc="http://schemas.openxmlformats.org/markup-compatibility/2006">
-      <mc:Choice xmlns:a14="http://schemas.microsoft.com/office/drawing/2010/main" Requires="a14">
+    <mc:AlternateContent xmlns:mc="http://schemas.openxmlformats.org/markup-compatibility/2006" xmlns:a14="http://schemas.microsoft.com/office/drawing/2010/main">
+      <mc:Choice Requires="a14">
         <dgm:pt modelId="{2703349D-C230-4A7C-9C03-BAC04C8496F4}">
           <dgm:prSet custT="1"/>
           <dgm:spPr/>
@@ -13958,7 +13959,7 @@
           </dgm:t>
         </dgm:pt>
       </mc:Choice>
-      <mc:Fallback>
+      <mc:Fallback xmlns="">
         <dgm:pt modelId="{2703349D-C230-4A7C-9C03-BAC04C8496F4}">
           <dgm:prSet custT="1"/>
           <dgm:spPr/>
@@ -14541,8 +14542,8 @@
         </a:p>
       </dgm:t>
     </dgm:pt>
-    <mc:AlternateContent xmlns:mc="http://schemas.openxmlformats.org/markup-compatibility/2006">
-      <mc:Choice xmlns:a14="http://schemas.microsoft.com/office/drawing/2010/main" Requires="a14">
+    <mc:AlternateContent xmlns:mc="http://schemas.openxmlformats.org/markup-compatibility/2006" xmlns:a14="http://schemas.microsoft.com/office/drawing/2010/main">
+      <mc:Choice Requires="a14">
         <dgm:pt modelId="{311E78A3-DA4C-4C5D-87FC-D37709D8512E}">
           <dgm:prSet/>
           <dgm:spPr/>
@@ -14649,7 +14650,7 @@
           </dgm:t>
         </dgm:pt>
       </mc:Choice>
-      <mc:Fallback>
+      <mc:Fallback xmlns="">
         <dgm:pt modelId="{311E78A3-DA4C-4C5D-87FC-D37709D8512E}">
           <dgm:prSet/>
           <dgm:spPr/>
@@ -14914,8 +14915,8 @@
         </a:p>
       </dgm:t>
     </dgm:pt>
-    <mc:AlternateContent xmlns:mc="http://schemas.openxmlformats.org/markup-compatibility/2006">
-      <mc:Choice xmlns:a14="http://schemas.microsoft.com/office/drawing/2010/main" Requires="a14">
+    <mc:AlternateContent xmlns:mc="http://schemas.openxmlformats.org/markup-compatibility/2006" xmlns:a14="http://schemas.microsoft.com/office/drawing/2010/main">
+      <mc:Choice Requires="a14">
         <dgm:pt modelId="{BF1D03DA-AA56-4DB2-9B96-3563A64D0AA4}">
           <dgm:prSet/>
           <dgm:spPr/>
@@ -14990,7 +14991,7 @@
           </dgm:t>
         </dgm:pt>
       </mc:Choice>
-      <mc:Fallback>
+      <mc:Fallback xmlns="">
         <dgm:pt modelId="{BF1D03DA-AA56-4DB2-9B96-3563A64D0AA4}">
           <dgm:prSet/>
           <dgm:spPr/>
@@ -15080,8 +15081,8 @@
         </a:p>
       </dgm:t>
     </dgm:pt>
-    <mc:AlternateContent xmlns:mc="http://schemas.openxmlformats.org/markup-compatibility/2006">
-      <mc:Choice xmlns:a14="http://schemas.microsoft.com/office/drawing/2010/main" Requires="a14">
+    <mc:AlternateContent xmlns:mc="http://schemas.openxmlformats.org/markup-compatibility/2006" xmlns:a14="http://schemas.microsoft.com/office/drawing/2010/main">
+      <mc:Choice Requires="a14">
         <dgm:pt modelId="{0EF3BAE7-3DAE-4B7D-8E2A-6A416D7D4047}">
           <dgm:prSet/>
           <dgm:spPr/>
@@ -15122,7 +15123,7 @@
           </dgm:t>
         </dgm:pt>
       </mc:Choice>
-      <mc:Fallback>
+      <mc:Fallback xmlns="">
         <dgm:pt modelId="{0EF3BAE7-3DAE-4B7D-8E2A-6A416D7D4047}">
           <dgm:prSet/>
           <dgm:spPr/>
@@ -15182,8 +15183,8 @@
         </a:p>
       </dgm:t>
     </dgm:pt>
-    <mc:AlternateContent xmlns:mc="http://schemas.openxmlformats.org/markup-compatibility/2006">
-      <mc:Choice xmlns:a14="http://schemas.microsoft.com/office/drawing/2010/main" Requires="a14">
+    <mc:AlternateContent xmlns:mc="http://schemas.openxmlformats.org/markup-compatibility/2006" xmlns:a14="http://schemas.microsoft.com/office/drawing/2010/main">
+      <mc:Choice Requires="a14">
         <dgm:pt modelId="{83116729-11BC-4E04-9D91-DF5BFE770984}">
           <dgm:prSet/>
           <dgm:spPr/>
@@ -15229,7 +15230,7 @@
           </dgm:t>
         </dgm:pt>
       </mc:Choice>
-      <mc:Fallback>
+      <mc:Fallback xmlns="">
         <dgm:pt modelId="{83116729-11BC-4E04-9D91-DF5BFE770984}">
           <dgm:prSet/>
           <dgm:spPr/>
@@ -16647,7 +16648,7 @@
           </a:pPr>
           <a:r>
             <a:rPr lang="uk-UA" sz="1600" kern="1200" dirty="0"/>
-            <a:t>Черга, як структура даних функціонує за принципом «перший прийшов — перший прийшов», як і в реальному житті</a:t>
+            <a:t>Черга, як структура даних функціонує за принципом «перший прийшов — перший пішов», як і в реальному житті</a:t>
           </a:r>
           <a:endParaRPr lang="en-US" sz="1600" kern="1200" dirty="0"/>
         </a:p>
@@ -16915,9 +16916,10 @@
             <a:buNone/>
           </a:pPr>
           <a:r>
-            <a:rPr lang="en-US" sz="4300" kern="1200" dirty="0"/>
+            <a:rPr lang="en-US" sz="4300" kern="1200"/>
             <a:t>02</a:t>
           </a:r>
+          <a:endParaRPr lang="en-US" sz="4300" kern="1200" dirty="0"/>
         </a:p>
       </dsp:txBody>
       <dsp:txXfrm>
@@ -27849,7 +27851,7 @@
             <a:fld id="{B61BEF0D-F0BB-DE4B-95CE-6DB70DBA9567}" type="datetimeFigureOut">
               <a:rPr lang="en-US" dirty="0"/>
               <a:pPr/>
-              <a:t>1/26/2019</a:t>
+              <a:t>1/27/2019</a:t>
             </a:fld>
             <a:endParaRPr lang="en-US" dirty="0"/>
           </a:p>
@@ -28180,7 +28182,7 @@
             <a:fld id="{B61BEF0D-F0BB-DE4B-95CE-6DB70DBA9567}" type="datetimeFigureOut">
               <a:rPr lang="en-US" dirty="0"/>
               <a:pPr/>
-              <a:t>1/26/2019</a:t>
+              <a:t>1/27/2019</a:t>
             </a:fld>
             <a:endParaRPr lang="en-US" dirty="0"/>
           </a:p>
@@ -28455,7 +28457,7 @@
             <a:fld id="{B61BEF0D-F0BB-DE4B-95CE-6DB70DBA9567}" type="datetimeFigureOut">
               <a:rPr lang="en-US" dirty="0"/>
               <a:pPr/>
-              <a:t>1/26/2019</a:t>
+              <a:t>1/27/2019</a:t>
             </a:fld>
             <a:endParaRPr lang="en-US" dirty="0"/>
           </a:p>
@@ -29020,7 +29022,7 @@
             <a:fld id="{B61BEF0D-F0BB-DE4B-95CE-6DB70DBA9567}" type="datetimeFigureOut">
               <a:rPr lang="en-US" dirty="0"/>
               <a:pPr/>
-              <a:t>1/26/2019</a:t>
+              <a:t>1/27/2019</a:t>
             </a:fld>
             <a:endParaRPr lang="en-US" dirty="0"/>
           </a:p>
@@ -29295,7 +29297,7 @@
             <a:fld id="{B61BEF0D-F0BB-DE4B-95CE-6DB70DBA9567}" type="datetimeFigureOut">
               <a:rPr lang="en-US" dirty="0"/>
               <a:pPr/>
-              <a:t>1/26/2019</a:t>
+              <a:t>1/27/2019</a:t>
             </a:fld>
             <a:endParaRPr lang="en-US" dirty="0"/>
           </a:p>
@@ -29854,7 +29856,7 @@
             <a:fld id="{B61BEF0D-F0BB-DE4B-95CE-6DB70DBA9567}" type="datetimeFigureOut">
               <a:rPr lang="en-US" dirty="0"/>
               <a:pPr/>
-              <a:t>1/26/2019</a:t>
+              <a:t>1/27/2019</a:t>
             </a:fld>
             <a:endParaRPr lang="en-US" dirty="0"/>
           </a:p>
@@ -30178,7 +30180,7 @@
             <a:fld id="{B61BEF0D-F0BB-DE4B-95CE-6DB70DBA9567}" type="datetimeFigureOut">
               <a:rPr lang="en-US" dirty="0"/>
               <a:pPr/>
-              <a:t>1/26/2019</a:t>
+              <a:t>1/27/2019</a:t>
             </a:fld>
             <a:endParaRPr lang="en-US" dirty="0"/>
           </a:p>
@@ -30352,7 +30354,7 @@
             <a:fld id="{B61BEF0D-F0BB-DE4B-95CE-6DB70DBA9567}" type="datetimeFigureOut">
               <a:rPr lang="en-US" dirty="0"/>
               <a:pPr/>
-              <a:t>1/26/2019</a:t>
+              <a:t>1/27/2019</a:t>
             </a:fld>
             <a:endParaRPr lang="en-US" dirty="0"/>
           </a:p>
@@ -30587,7 +30589,7 @@
             <a:fld id="{B61BEF0D-F0BB-DE4B-95CE-6DB70DBA9567}" type="datetimeFigureOut">
               <a:rPr lang="en-US" dirty="0"/>
               <a:pPr/>
-              <a:t>1/26/2019</a:t>
+              <a:t>1/27/2019</a:t>
             </a:fld>
             <a:endParaRPr lang="en-US" dirty="0"/>
           </a:p>
@@ -30784,7 +30786,7 @@
             <a:fld id="{B61BEF0D-F0BB-DE4B-95CE-6DB70DBA9567}" type="datetimeFigureOut">
               <a:rPr lang="en-US" dirty="0"/>
               <a:pPr/>
-              <a:t>1/26/2019</a:t>
+              <a:t>1/27/2019</a:t>
             </a:fld>
             <a:endParaRPr lang="en-US" dirty="0"/>
           </a:p>
@@ -31057,7 +31059,7 @@
             <a:fld id="{B61BEF0D-F0BB-DE4B-95CE-6DB70DBA9567}" type="datetimeFigureOut">
               <a:rPr lang="en-US" dirty="0"/>
               <a:pPr/>
-              <a:t>1/26/2019</a:t>
+              <a:t>1/27/2019</a:t>
             </a:fld>
             <a:endParaRPr lang="en-US" dirty="0"/>
           </a:p>
@@ -31320,7 +31322,7 @@
             <a:fld id="{B61BEF0D-F0BB-DE4B-95CE-6DB70DBA9567}" type="datetimeFigureOut">
               <a:rPr lang="en-US" dirty="0"/>
               <a:pPr/>
-              <a:t>1/26/2019</a:t>
+              <a:t>1/27/2019</a:t>
             </a:fld>
             <a:endParaRPr lang="en-US" dirty="0"/>
           </a:p>
@@ -31691,7 +31693,7 @@
             <a:fld id="{B61BEF0D-F0BB-DE4B-95CE-6DB70DBA9567}" type="datetimeFigureOut">
               <a:rPr lang="en-US" dirty="0"/>
               <a:pPr/>
-              <a:t>1/26/2019</a:t>
+              <a:t>1/27/2019</a:t>
             </a:fld>
             <a:endParaRPr lang="en-US" dirty="0"/>
           </a:p>
@@ -31836,7 +31838,7 @@
             <a:fld id="{B61BEF0D-F0BB-DE4B-95CE-6DB70DBA9567}" type="datetimeFigureOut">
               <a:rPr lang="en-US" dirty="0"/>
               <a:pPr/>
-              <a:t>1/26/2019</a:t>
+              <a:t>1/27/2019</a:t>
             </a:fld>
             <a:endParaRPr lang="en-US" dirty="0"/>
           </a:p>
@@ -31958,7 +31960,7 @@
             <a:fld id="{B61BEF0D-F0BB-DE4B-95CE-6DB70DBA9567}" type="datetimeFigureOut">
               <a:rPr lang="en-US" dirty="0"/>
               <a:pPr/>
-              <a:t>1/26/2019</a:t>
+              <a:t>1/27/2019</a:t>
             </a:fld>
             <a:endParaRPr lang="en-US" dirty="0"/>
           </a:p>
@@ -32240,7 +32242,7 @@
             <a:fld id="{B61BEF0D-F0BB-DE4B-95CE-6DB70DBA9567}" type="datetimeFigureOut">
               <a:rPr lang="en-US" dirty="0"/>
               <a:pPr/>
-              <a:t>1/26/2019</a:t>
+              <a:t>1/27/2019</a:t>
             </a:fld>
             <a:endParaRPr lang="en-US" dirty="0"/>
           </a:p>
@@ -32561,7 +32563,7 @@
             <a:fld id="{B61BEF0D-F0BB-DE4B-95CE-6DB70DBA9567}" type="datetimeFigureOut">
               <a:rPr lang="en-US" dirty="0"/>
               <a:pPr/>
-              <a:t>1/26/2019</a:t>
+              <a:t>1/27/2019</a:t>
             </a:fld>
             <a:endParaRPr lang="en-US" dirty="0"/>
           </a:p>
@@ -32772,7 +32774,7 @@
             <a:fld id="{B61BEF0D-F0BB-DE4B-95CE-6DB70DBA9567}" type="datetimeFigureOut">
               <a:rPr lang="en-US" dirty="0"/>
               <a:pPr/>
-              <a:t>1/26/2019</a:t>
+              <a:t>1/27/2019</a:t>
             </a:fld>
             <a:endParaRPr lang="en-US" dirty="0"/>
           </a:p>
@@ -33639,8 +33641,8 @@
           </a:prstGeom>
         </p:spPr>
       </p:pic>
-      <mc:AlternateContent xmlns:mc="http://schemas.openxmlformats.org/markup-compatibility/2006">
-        <mc:Choice xmlns:a14="http://schemas.microsoft.com/office/drawing/2010/main" Requires="a14">
+      <mc:AlternateContent xmlns:mc="http://schemas.openxmlformats.org/markup-compatibility/2006" xmlns:a14="http://schemas.microsoft.com/office/drawing/2010/main">
+        <mc:Choice Requires="a14">
           <p:sp>
             <p:nvSpPr>
               <p:cNvPr id="2" name="Заголовок 1">
@@ -33735,7 +33737,7 @@
             </p:txBody>
           </p:sp>
         </mc:Choice>
-        <mc:Fallback>
+        <mc:Fallback xmlns="">
           <p:sp>
             <p:nvSpPr>
               <p:cNvPr id="2" name="Заголовок 1">
@@ -33779,8 +33781,8 @@
           </p:sp>
         </mc:Fallback>
       </mc:AlternateContent>
-      <mc:AlternateContent xmlns:mc="http://schemas.openxmlformats.org/markup-compatibility/2006">
-        <mc:Choice xmlns:a14="http://schemas.microsoft.com/office/drawing/2010/main" Requires="a14">
+      <mc:AlternateContent xmlns:mc="http://schemas.openxmlformats.org/markup-compatibility/2006" xmlns:a14="http://schemas.microsoft.com/office/drawing/2010/main">
+        <mc:Choice Requires="a14">
           <p:sp>
             <p:nvSpPr>
               <p:cNvPr id="10" name="Content Placeholder 9">
@@ -33905,7 +33907,7 @@
             </p:txBody>
           </p:sp>
         </mc:Choice>
-        <mc:Fallback>
+        <mc:Fallback xmlns="">
           <p:sp>
             <p:nvSpPr>
               <p:cNvPr id="10" name="Content Placeholder 9">
@@ -33949,8 +33951,8 @@
           </p:sp>
         </mc:Fallback>
       </mc:AlternateContent>
-      <mc:AlternateContent xmlns:mc="http://schemas.openxmlformats.org/markup-compatibility/2006">
-        <mc:Choice xmlns:a14="http://schemas.microsoft.com/office/drawing/2010/main" Requires="a14">
+      <mc:AlternateContent xmlns:mc="http://schemas.openxmlformats.org/markup-compatibility/2006" xmlns:a14="http://schemas.microsoft.com/office/drawing/2010/main">
+        <mc:Choice Requires="a14">
           <p:sp>
             <p:nvSpPr>
               <p:cNvPr id="105" name="Content Placeholder 9">
@@ -34227,7 +34229,7 @@
             </p:txBody>
           </p:sp>
         </mc:Choice>
-        <mc:Fallback>
+        <mc:Fallback xmlns="">
           <p:sp>
             <p:nvSpPr>
               <p:cNvPr id="105" name="Content Placeholder 9">
@@ -34674,8 +34676,8 @@
           </a:p>
         </p:txBody>
       </p:sp>
-      <mc:AlternateContent xmlns:mc="http://schemas.openxmlformats.org/markup-compatibility/2006">
-        <mc:Choice xmlns:a14="http://schemas.microsoft.com/office/drawing/2010/main" Requires="a14">
+      <mc:AlternateContent xmlns:mc="http://schemas.openxmlformats.org/markup-compatibility/2006" xmlns:a14="http://schemas.microsoft.com/office/drawing/2010/main">
+        <mc:Choice Requires="a14">
           <p:graphicFrame>
             <p:nvGraphicFramePr>
               <p:cNvPr id="5" name="Місце для вмісту 2">
@@ -34708,7 +34710,7 @@
             </a:graphic>
           </p:graphicFrame>
         </mc:Choice>
-        <mc:Fallback>
+        <mc:Fallback xmlns="">
           <p:graphicFrame>
             <p:nvGraphicFramePr>
               <p:cNvPr id="5" name="Місце для вмісту 2">
@@ -34736,7 +34738,7 @@
             </p:xfrm>
             <a:graphic>
               <a:graphicData uri="http://schemas.openxmlformats.org/drawingml/2006/diagram">
-                <dgm:relIds xmlns:dgm="http://schemas.openxmlformats.org/drawingml/2006/diagram" xmlns:r="http://schemas.openxmlformats.org/officeDocument/2006/relationships" r:dm="rId8" r:lo="rId4" r:qs="rId5" r:cs="rId6"/>
+                <dgm:relIds xmlns:dgm="http://schemas.openxmlformats.org/drawingml/2006/diagram" xmlns:r="http://schemas.openxmlformats.org/officeDocument/2006/relationships" r:dm="rId8" r:lo="rId9" r:qs="rId10" r:cs="rId11"/>
               </a:graphicData>
             </a:graphic>
           </p:graphicFrame>
@@ -36797,7 +36799,7 @@
             <p:ph idx="1"/>
             <p:extLst>
               <p:ext uri="{D42A27DB-BD31-4B8C-83A1-F6EECF244321}">
-                <p14:modId xmlns:p14="http://schemas.microsoft.com/office/powerpoint/2010/main" val="745913452"/>
+                <p14:modId xmlns:p14="http://schemas.microsoft.com/office/powerpoint/2010/main" val="370387048"/>
               </p:ext>
             </p:extLst>
           </p:nvPr>
@@ -37105,8 +37107,8 @@
           </a:fontRef>
         </p:style>
       </p:cxnSp>
-      <mc:AlternateContent xmlns:mc="http://schemas.openxmlformats.org/markup-compatibility/2006">
-        <mc:Choice xmlns:a14="http://schemas.microsoft.com/office/drawing/2010/main" Requires="a14">
+      <mc:AlternateContent xmlns:mc="http://schemas.openxmlformats.org/markup-compatibility/2006" xmlns:a14="http://schemas.microsoft.com/office/drawing/2010/main">
+        <mc:Choice Requires="a14">
           <p:sp>
             <p:nvSpPr>
               <p:cNvPr id="3" name="Місце для вмісту 2">
@@ -37236,7 +37238,7 @@
             </p:txBody>
           </p:sp>
         </mc:Choice>
-        <mc:Fallback>
+        <mc:Fallback xmlns="">
           <p:sp>
             <p:nvSpPr>
               <p:cNvPr id="3" name="Місце для вмісту 2">
@@ -37466,8 +37468,8 @@
           </a:fontRef>
         </p:style>
       </p:cxnSp>
-      <mc:AlternateContent xmlns:mc="http://schemas.openxmlformats.org/markup-compatibility/2006">
-        <mc:Choice xmlns:a14="http://schemas.microsoft.com/office/drawing/2010/main" Requires="a14">
+      <mc:AlternateContent xmlns:mc="http://schemas.openxmlformats.org/markup-compatibility/2006" xmlns:a14="http://schemas.microsoft.com/office/drawing/2010/main">
+        <mc:Choice Requires="a14">
           <p:sp>
             <p:nvSpPr>
               <p:cNvPr id="3" name="Місце для вмісту 2">
@@ -37680,7 +37682,7 @@
             </p:txBody>
           </p:sp>
         </mc:Choice>
-        <mc:Fallback>
+        <mc:Fallback xmlns="">
           <p:sp>
             <p:nvSpPr>
               <p:cNvPr id="3" name="Місце для вмісту 2">
@@ -37910,8 +37912,8 @@
           </a:fontRef>
         </p:style>
       </p:cxnSp>
-      <mc:AlternateContent xmlns:mc="http://schemas.openxmlformats.org/markup-compatibility/2006">
-        <mc:Choice xmlns:a14="http://schemas.microsoft.com/office/drawing/2010/main" Requires="a14">
+      <mc:AlternateContent xmlns:mc="http://schemas.openxmlformats.org/markup-compatibility/2006" xmlns:a14="http://schemas.microsoft.com/office/drawing/2010/main">
+        <mc:Choice Requires="a14">
           <p:sp>
             <p:nvSpPr>
               <p:cNvPr id="3" name="Місце для вмісту 2">
@@ -38071,7 +38073,7 @@
             </p:txBody>
           </p:sp>
         </mc:Choice>
-        <mc:Fallback>
+        <mc:Fallback xmlns="">
           <p:sp>
             <p:nvSpPr>
               <p:cNvPr id="3" name="Місце для вмісту 2">
@@ -38301,8 +38303,8 @@
           </a:fontRef>
         </p:style>
       </p:cxnSp>
-      <mc:AlternateContent xmlns:mc="http://schemas.openxmlformats.org/markup-compatibility/2006">
-        <mc:Choice xmlns:a14="http://schemas.microsoft.com/office/drawing/2010/main" Requires="a14">
+      <mc:AlternateContent xmlns:mc="http://schemas.openxmlformats.org/markup-compatibility/2006" xmlns:a14="http://schemas.microsoft.com/office/drawing/2010/main">
+        <mc:Choice Requires="a14">
           <p:sp>
             <p:nvSpPr>
               <p:cNvPr id="3" name="Місце для вмісту 2">
@@ -38662,7 +38664,7 @@
             </p:txBody>
           </p:sp>
         </mc:Choice>
-        <mc:Fallback>
+        <mc:Fallback xmlns="">
           <p:sp>
             <p:nvSpPr>
               <p:cNvPr id="3" name="Місце для вмісту 2">
@@ -38892,8 +38894,8 @@
           </a:fontRef>
         </p:style>
       </p:cxnSp>
-      <mc:AlternateContent xmlns:mc="http://schemas.openxmlformats.org/markup-compatibility/2006">
-        <mc:Choice xmlns:a14="http://schemas.microsoft.com/office/drawing/2010/main" Requires="a14">
+      <mc:AlternateContent xmlns:mc="http://schemas.openxmlformats.org/markup-compatibility/2006" xmlns:a14="http://schemas.microsoft.com/office/drawing/2010/main">
+        <mc:Choice Requires="a14">
           <p:sp>
             <p:nvSpPr>
               <p:cNvPr id="3" name="Місце для вмісту 2">
@@ -39204,7 +39206,7 @@
             </p:txBody>
           </p:sp>
         </mc:Choice>
-        <mc:Fallback>
+        <mc:Fallback xmlns="">
           <p:sp>
             <p:nvSpPr>
               <p:cNvPr id="3" name="Місце для вмісту 2">
@@ -39332,8 +39334,8 @@
           </a:p>
         </p:txBody>
       </p:sp>
-      <mc:AlternateContent xmlns:mc="http://schemas.openxmlformats.org/markup-compatibility/2006">
-        <mc:Choice xmlns:a14="http://schemas.microsoft.com/office/drawing/2010/main" Requires="a14">
+      <mc:AlternateContent xmlns:mc="http://schemas.openxmlformats.org/markup-compatibility/2006" xmlns:a14="http://schemas.microsoft.com/office/drawing/2010/main">
+        <mc:Choice Requires="a14">
           <p:graphicFrame>
             <p:nvGraphicFramePr>
               <p:cNvPr id="14" name="Місце для вмісту 2">
@@ -39366,7 +39368,7 @@
             </a:graphic>
           </p:graphicFrame>
         </mc:Choice>
-        <mc:Fallback>
+        <mc:Fallback xmlns="">
           <p:graphicFrame>
             <p:nvGraphicFramePr>
               <p:cNvPr id="14" name="Місце для вмісту 2">
@@ -39394,7 +39396,7 @@
             </p:xfrm>
             <a:graphic>
               <a:graphicData uri="http://schemas.openxmlformats.org/drawingml/2006/diagram">
-                <dgm:relIds xmlns:dgm="http://schemas.openxmlformats.org/drawingml/2006/diagram" xmlns:r="http://schemas.openxmlformats.org/officeDocument/2006/relationships" r:dm="rId8" r:lo="rId4" r:qs="rId5" r:cs="rId6"/>
+                <dgm:relIds xmlns:dgm="http://schemas.openxmlformats.org/drawingml/2006/diagram" xmlns:r="http://schemas.openxmlformats.org/officeDocument/2006/relationships" r:dm="rId8" r:lo="rId9" r:qs="rId10" r:cs="rId11"/>
               </a:graphicData>
             </a:graphic>
           </p:graphicFrame>
